--- a/2.2.ThermodynamicsOfMaterials/classActivity02/classActivity02.pptx
+++ b/2.2.ThermodynamicsOfMaterials/classActivity02/classActivity02.pptx
@@ -5,16 +5,17 @@
     <p:sldMasterId id="2147483648" r:id="rId1"/>
   </p:sldMasterIdLst>
   <p:notesMasterIdLst>
-    <p:notesMasterId r:id="rId9"/>
+    <p:notesMasterId r:id="rId10"/>
   </p:notesMasterIdLst>
   <p:sldIdLst>
     <p:sldId id="256" r:id="rId2"/>
-    <p:sldId id="257" r:id="rId3"/>
-    <p:sldId id="260" r:id="rId4"/>
-    <p:sldId id="276" r:id="rId5"/>
+    <p:sldId id="260" r:id="rId3"/>
+    <p:sldId id="282" r:id="rId4"/>
+    <p:sldId id="284" r:id="rId5"/>
     <p:sldId id="269" r:id="rId6"/>
     <p:sldId id="263" r:id="rId7"/>
-    <p:sldId id="281" r:id="rId8"/>
+    <p:sldId id="285" r:id="rId8"/>
+    <p:sldId id="281" r:id="rId9"/>
   </p:sldIdLst>
   <p:sldSz cx="12192000" cy="6858000"/>
   <p:notesSz cx="6858000" cy="9144000"/>
@@ -119,17 +120,13 @@
         <p14:section name="Opening Slides" id="{C3FB3F32-FB21-4AE8-89EF-70B7F2C28BB8}">
           <p14:sldIdLst>
             <p14:sldId id="256"/>
-            <p14:sldId id="257"/>
-          </p14:sldIdLst>
-        </p14:section>
-        <p14:section name="Opening Slides" id="{4602AA0E-63BE-41F3-8FC7-D6D9D743E6E4}">
-          <p14:sldIdLst>
-            <p14:sldId id="260"/>
           </p14:sldIdLst>
         </p14:section>
         <p14:section name="Presentation Body" id="{032748CF-34D4-4F00-AA86-51FC83977DA0}">
           <p14:sldIdLst>
-            <p14:sldId id="276"/>
+            <p14:sldId id="260"/>
+            <p14:sldId id="282"/>
+            <p14:sldId id="284"/>
           </p14:sldIdLst>
         </p14:section>
         <p14:section name="Closing Slides" id="{E80DB28E-CAD9-4B95-9FE2-9292BCFE48B7}">
@@ -140,6 +137,7 @@
         <p14:section name="Side Slides" id="{1C99C5B6-3640-4323-B416-8D531FACFE49}">
           <p14:sldIdLst>
             <p14:sldId id="263"/>
+            <p14:sldId id="285"/>
             <p14:sldId id="281"/>
           </p14:sldIdLst>
         </p14:section>
@@ -1384,97 +1382,6 @@
 </p:notesMaster>
 </file>
 
-<file path=ppt/notesSlides/notesSlide1.xml><?xml version="1.0" encoding="utf-8"?>
-<p:notes xmlns:a="http://schemas.openxmlformats.org/drawingml/2006/main" xmlns:r="http://schemas.openxmlformats.org/officeDocument/2006/relationships" xmlns:p="http://schemas.openxmlformats.org/presentationml/2006/main">
-  <p:cSld>
-    <p:spTree>
-      <p:nvGrpSpPr>
-        <p:cNvPr id="1" name=""/>
-        <p:cNvGrpSpPr/>
-        <p:nvPr/>
-      </p:nvGrpSpPr>
-      <p:grpSpPr>
-        <a:xfrm>
-          <a:off x="0" y="0"/>
-          <a:ext cx="0" cy="0"/>
-          <a:chOff x="0" y="0"/>
-          <a:chExt cx="0" cy="0"/>
-        </a:xfrm>
-      </p:grpSpPr>
-      <p:sp>
-        <p:nvSpPr>
-          <p:cNvPr id="2" name="Slide Image Placeholder 1"/>
-          <p:cNvSpPr>
-            <a:spLocks noGrp="1" noRot="1" noChangeAspect="1"/>
-          </p:cNvSpPr>
-          <p:nvPr>
-            <p:ph type="sldImg"/>
-          </p:nvPr>
-        </p:nvSpPr>
-        <p:spPr/>
-      </p:sp>
-      <p:sp>
-        <p:nvSpPr>
-          <p:cNvPr id="3" name="Notes Placeholder 2"/>
-          <p:cNvSpPr>
-            <a:spLocks noGrp="1"/>
-          </p:cNvSpPr>
-          <p:nvPr>
-            <p:ph type="body" idx="1"/>
-          </p:nvPr>
-        </p:nvSpPr>
-        <p:spPr/>
-        <p:txBody>
-          <a:bodyPr/>
-          <a:lstStyle/>
-          <a:p>
-            <a:endParaRPr lang="en-GB" dirty="0">
-              <a:solidFill>
-                <a:schemeClr val="bg1">
-                  <a:lumMod val="95000"/>
-                </a:schemeClr>
-              </a:solidFill>
-              <a:latin typeface="Arial Nova Light" panose="020B0304020202020204" pitchFamily="34" charset="0"/>
-            </a:endParaRPr>
-          </a:p>
-        </p:txBody>
-      </p:sp>
-      <p:sp>
-        <p:nvSpPr>
-          <p:cNvPr id="4" name="Slide Number Placeholder 3"/>
-          <p:cNvSpPr>
-            <a:spLocks noGrp="1"/>
-          </p:cNvSpPr>
-          <p:nvPr>
-            <p:ph type="sldNum" sz="quarter" idx="5"/>
-          </p:nvPr>
-        </p:nvSpPr>
-        <p:spPr/>
-        <p:txBody>
-          <a:bodyPr/>
-          <a:lstStyle/>
-          <a:p>
-            <a:fld id="{B3A8F86A-A3D1-4706-9131-90E1724D7948}" type="slidenum">
-              <a:rPr lang="en-GB" smtClean="0"/>
-              <a:t>4</a:t>
-            </a:fld>
-            <a:endParaRPr lang="en-GB"/>
-          </a:p>
-        </p:txBody>
-      </p:sp>
-    </p:spTree>
-    <p:extLst>
-      <p:ext uri="{BB962C8B-B14F-4D97-AF65-F5344CB8AC3E}">
-        <p14:creationId xmlns:p14="http://schemas.microsoft.com/office/powerpoint/2010/main" val="4239783203"/>
-      </p:ext>
-    </p:extLst>
-  </p:cSld>
-  <p:clrMapOvr>
-    <a:masterClrMapping/>
-  </p:clrMapOvr>
-</p:notes>
-</file>
-
 <file path=ppt/slideLayouts/slideLayout1.xml><?xml version="1.0" encoding="utf-8"?>
 <p:sldLayout xmlns:a="http://schemas.openxmlformats.org/drawingml/2006/main" xmlns:r="http://schemas.openxmlformats.org/officeDocument/2006/relationships" xmlns:p="http://schemas.openxmlformats.org/presentationml/2006/main" type="title" preserve="1">
   <p:cSld name="Title Slide">
@@ -5055,10 +4962,10 @@
       </p:grpSpPr>
       <p:sp>
         <p:nvSpPr>
-          <p:cNvPr id="2" name="Title 1">
-            <a:extLst>
-              <a:ext uri="{FF2B5EF4-FFF2-40B4-BE49-F238E27FC236}">
-                <a16:creationId xmlns:a16="http://schemas.microsoft.com/office/drawing/2014/main" id="{6B4CD107-D7DB-4A9B-AA15-4038D49BB7C0}"/>
+          <p:cNvPr id="6" name="Title 1">
+            <a:extLst>
+              <a:ext uri="{FF2B5EF4-FFF2-40B4-BE49-F238E27FC236}">
+                <a16:creationId xmlns:a16="http://schemas.microsoft.com/office/drawing/2014/main" id="{438892A2-F58C-479B-93B3-BDD2A80D348B}"/>
               </a:ext>
             </a:extLst>
           </p:cNvPr>
@@ -5088,39 +4995,40 @@
                 </a:solidFill>
                 <a:latin typeface="Arial Nova Light" panose="020B0304020202020204" pitchFamily="34" charset="0"/>
               </a:rPr>
-              <a:t>Agenda</a:t>
-            </a:r>
-          </a:p>
-        </p:txBody>
-      </p:sp>
-      <p:sp>
-        <p:nvSpPr>
-          <p:cNvPr id="3" name="Content Placeholder 2">
-            <a:extLst>
-              <a:ext uri="{FF2B5EF4-FFF2-40B4-BE49-F238E27FC236}">
-                <a16:creationId xmlns:a16="http://schemas.microsoft.com/office/drawing/2014/main" id="{6E971A9A-8031-4781-96A0-B9A5656935B5}"/>
-              </a:ext>
-            </a:extLst>
-          </p:cNvPr>
-          <p:cNvSpPr>
-            <a:spLocks noGrp="1"/>
-          </p:cNvSpPr>
-          <p:nvPr>
-            <p:ph idx="1"/>
-          </p:nvPr>
+              <a:t>Figure 1:</a:t>
+            </a:r>
+          </a:p>
+        </p:txBody>
+      </p:sp>
+      <p:sp>
+        <p:nvSpPr>
+          <p:cNvPr id="14" name="Rectangle 13">
+            <a:extLst>
+              <a:ext uri="{FF2B5EF4-FFF2-40B4-BE49-F238E27FC236}">
+                <a16:creationId xmlns:a16="http://schemas.microsoft.com/office/drawing/2014/main" id="{B1FDEF3E-1872-41D3-A841-FBE14801F476}"/>
+              </a:ext>
+            </a:extLst>
+          </p:cNvPr>
+          <p:cNvSpPr/>
+          <p:nvPr/>
         </p:nvSpPr>
         <p:spPr>
           <a:xfrm>
-            <a:off x="949040" y="1825625"/>
-            <a:ext cx="11242960" cy="4351338"/>
+            <a:off x="942833" y="4705003"/>
+            <a:ext cx="11242960" cy="523220"/>
           </a:xfrm>
+          <a:prstGeom prst="rect">
+            <a:avLst/>
+          </a:prstGeom>
         </p:spPr>
         <p:txBody>
-          <a:bodyPr/>
+          <a:bodyPr wrap="square">
+            <a:spAutoFit/>
+          </a:bodyPr>
           <a:lstStyle/>
           <a:p>
             <a:r>
-              <a:rPr lang="en-GB" dirty="0">
+              <a:rPr lang="en-GB" sz="2800" dirty="0">
                 <a:solidFill>
                   <a:schemeClr val="bg1">
                     <a:lumMod val="95000"/>
@@ -5128,38 +5036,27 @@
                 </a:solidFill>
                 <a:latin typeface="Arial Nova Light" panose="020B0304020202020204" pitchFamily="34" charset="0"/>
               </a:rPr>
-              <a:t>&lt;a point for discussion&gt;		: &lt;5min</a:t>
-            </a:r>
-          </a:p>
-          <a:p>
-            <a:r>
-              <a:rPr lang="en-GB" dirty="0">
+              <a:t>&lt;content&gt; </a:t>
+            </a:r>
+            <a:r>
+              <a:rPr lang="en-GB" sz="2800" b="1" dirty="0">
                 <a:solidFill>
-                  <a:schemeClr val="bg1">
-                    <a:lumMod val="95000"/>
+                  <a:schemeClr val="tx2">
+                    <a:lumMod val="75000"/>
                   </a:schemeClr>
                 </a:solidFill>
                 <a:latin typeface="Arial Nova Light" panose="020B0304020202020204" pitchFamily="34" charset="0"/>
               </a:rPr>
-              <a:t>&lt;another point for discussion&gt;	: ~20min</a:t>
-            </a:r>
-          </a:p>
-          <a:p>
-            <a:endParaRPr lang="en-GB" dirty="0">
-              <a:solidFill>
-                <a:schemeClr val="bg1">
-                  <a:lumMod val="95000"/>
-                </a:schemeClr>
-              </a:solidFill>
-              <a:latin typeface="Arial Nova Light" panose="020B0304020202020204" pitchFamily="34" charset="0"/>
-            </a:endParaRPr>
+              <a:t>&lt;key concept&gt;</a:t>
+            </a:r>
+            <a:endParaRPr lang="en-GB" dirty="0"/>
           </a:p>
         </p:txBody>
       </p:sp>
     </p:spTree>
     <p:extLst>
       <p:ext uri="{BB962C8B-B14F-4D97-AF65-F5344CB8AC3E}">
-        <p14:creationId xmlns:p14="http://schemas.microsoft.com/office/powerpoint/2010/main" val="1105756717"/>
+        <p14:creationId xmlns:p14="http://schemas.microsoft.com/office/powerpoint/2010/main" val="4056039362"/>
       </p:ext>
     </p:extLst>
   </p:cSld>
@@ -5221,7 +5118,7 @@
                 </a:solidFill>
                 <a:latin typeface="Arial Nova Light" panose="020B0304020202020204" pitchFamily="34" charset="0"/>
               </a:rPr>
-              <a:t>&lt;Sub-title&gt;</a:t>
+              <a:t>Figure 7a:</a:t>
             </a:r>
           </a:p>
         </p:txBody>
@@ -5282,7 +5179,7 @@
     </p:spTree>
     <p:extLst>
       <p:ext uri="{BB962C8B-B14F-4D97-AF65-F5344CB8AC3E}">
-        <p14:creationId xmlns:p14="http://schemas.microsoft.com/office/powerpoint/2010/main" val="4056039362"/>
+        <p14:creationId xmlns:p14="http://schemas.microsoft.com/office/powerpoint/2010/main" val="2359823918"/>
       </p:ext>
     </p:extLst>
   </p:cSld>
@@ -5311,35 +5208,30 @@
       </p:grpSpPr>
       <p:sp>
         <p:nvSpPr>
-          <p:cNvPr id="6" name="Content Placeholder 2">
-            <a:extLst>
-              <a:ext uri="{FF2B5EF4-FFF2-40B4-BE49-F238E27FC236}">
-                <a16:creationId xmlns:a16="http://schemas.microsoft.com/office/drawing/2014/main" id="{058630E6-31AF-4451-B084-C9809D0DA4E8}"/>
-              </a:ext>
-            </a:extLst>
-          </p:cNvPr>
-          <p:cNvSpPr>
-            <a:spLocks noGrp="1"/>
-          </p:cNvSpPr>
-          <p:nvPr>
-            <p:ph idx="1"/>
+          <p:cNvPr id="6" name="Title 1">
+            <a:extLst>
+              <a:ext uri="{FF2B5EF4-FFF2-40B4-BE49-F238E27FC236}">
+                <a16:creationId xmlns:a16="http://schemas.microsoft.com/office/drawing/2014/main" id="{438892A2-F58C-479B-93B3-BDD2A80D348B}"/>
+              </a:ext>
+            </a:extLst>
+          </p:cNvPr>
+          <p:cNvSpPr>
+            <a:spLocks noGrp="1"/>
+          </p:cNvSpPr>
+          <p:nvPr>
+            <p:ph type="title"/>
           </p:nvPr>
         </p:nvSpPr>
         <p:spPr>
           <a:xfrm>
-            <a:off x="949040" y="1825623"/>
-            <a:ext cx="11242960" cy="5032377"/>
+            <a:off x="949040" y="365125"/>
+            <a:ext cx="11242960" cy="1325563"/>
           </a:xfrm>
         </p:spPr>
         <p:txBody>
-          <a:bodyPr>
-            <a:normAutofit/>
-          </a:bodyPr>
+          <a:bodyPr/>
           <a:lstStyle/>
           <a:p>
-            <a:pPr marL="0" indent="0">
-              <a:buNone/>
-            </a:pPr>
             <a:r>
               <a:rPr lang="en-GB" dirty="0">
                 <a:solidFill>
@@ -5349,69 +5241,40 @@
                 </a:solidFill>
                 <a:latin typeface="Arial Nova Light" panose="020B0304020202020204" pitchFamily="34" charset="0"/>
               </a:rPr>
-              <a:t> </a:t>
-            </a:r>
-          </a:p>
-          <a:p>
-            <a:endParaRPr lang="en-GB" dirty="0">
-              <a:solidFill>
-                <a:schemeClr val="bg1">
-                  <a:lumMod val="95000"/>
-                </a:schemeClr>
-              </a:solidFill>
-              <a:latin typeface="Arial Nova Light" panose="020B0304020202020204" pitchFamily="34" charset="0"/>
-            </a:endParaRPr>
-          </a:p>
-          <a:p>
-            <a:endParaRPr lang="en-GB" dirty="0">
-              <a:solidFill>
-                <a:schemeClr val="bg1">
-                  <a:lumMod val="95000"/>
-                </a:schemeClr>
-              </a:solidFill>
-              <a:latin typeface="Arial Nova Light" panose="020B0304020202020204" pitchFamily="34" charset="0"/>
-            </a:endParaRPr>
-          </a:p>
-          <a:p>
-            <a:endParaRPr lang="en-GB" dirty="0">
-              <a:solidFill>
-                <a:schemeClr val="bg1">
-                  <a:lumMod val="95000"/>
-                </a:schemeClr>
-              </a:solidFill>
-              <a:latin typeface="Arial Nova Light" panose="020B0304020202020204" pitchFamily="34" charset="0"/>
-            </a:endParaRPr>
-          </a:p>
-        </p:txBody>
-      </p:sp>
-      <p:sp>
-        <p:nvSpPr>
-          <p:cNvPr id="4" name="Title 1">
-            <a:extLst>
-              <a:ext uri="{FF2B5EF4-FFF2-40B4-BE49-F238E27FC236}">
-                <a16:creationId xmlns:a16="http://schemas.microsoft.com/office/drawing/2014/main" id="{F9ED8BE6-F7AC-4FD8-8FA8-8C683A7C2F62}"/>
-              </a:ext>
-            </a:extLst>
-          </p:cNvPr>
-          <p:cNvSpPr>
-            <a:spLocks noGrp="1"/>
-          </p:cNvSpPr>
-          <p:nvPr>
-            <p:ph type="title"/>
-          </p:nvPr>
+              <a:t>Figure 11:</a:t>
+            </a:r>
+          </a:p>
+        </p:txBody>
+      </p:sp>
+      <p:sp>
+        <p:nvSpPr>
+          <p:cNvPr id="14" name="Rectangle 13">
+            <a:extLst>
+              <a:ext uri="{FF2B5EF4-FFF2-40B4-BE49-F238E27FC236}">
+                <a16:creationId xmlns:a16="http://schemas.microsoft.com/office/drawing/2014/main" id="{B1FDEF3E-1872-41D3-A841-FBE14801F476}"/>
+              </a:ext>
+            </a:extLst>
+          </p:cNvPr>
+          <p:cNvSpPr/>
+          <p:nvPr/>
         </p:nvSpPr>
         <p:spPr>
           <a:xfrm>
-            <a:off x="949040" y="365125"/>
-            <a:ext cx="11242960" cy="1325563"/>
+            <a:off x="942833" y="4705003"/>
+            <a:ext cx="11242960" cy="523220"/>
           </a:xfrm>
+          <a:prstGeom prst="rect">
+            <a:avLst/>
+          </a:prstGeom>
         </p:spPr>
         <p:txBody>
-          <a:bodyPr/>
+          <a:bodyPr wrap="square">
+            <a:spAutoFit/>
+          </a:bodyPr>
           <a:lstStyle/>
           <a:p>
             <a:r>
-              <a:rPr lang="en-GB" dirty="0">
+              <a:rPr lang="en-GB" sz="2800" dirty="0">
                 <a:solidFill>
                   <a:schemeClr val="bg1">
                     <a:lumMod val="95000"/>
@@ -5419,255 +5282,27 @@
                 </a:solidFill>
                 <a:latin typeface="Arial Nova Light" panose="020B0304020202020204" pitchFamily="34" charset="0"/>
               </a:rPr>
-              <a:t>Conclusions:</a:t>
-            </a:r>
-            <a:endParaRPr lang="en-GB" b="1" dirty="0">
-              <a:solidFill>
-                <a:schemeClr val="tx2">
-                  <a:lumMod val="75000"/>
-                </a:schemeClr>
-              </a:solidFill>
-              <a:latin typeface="Arial Nova Light" panose="020B0304020202020204" pitchFamily="34" charset="0"/>
-            </a:endParaRPr>
-          </a:p>
-        </p:txBody>
-      </p:sp>
-      <p:sp>
-        <p:nvSpPr>
-          <p:cNvPr id="7" name="Content Placeholder 2">
-            <a:extLst>
-              <a:ext uri="{FF2B5EF4-FFF2-40B4-BE49-F238E27FC236}">
-                <a16:creationId xmlns:a16="http://schemas.microsoft.com/office/drawing/2014/main" id="{43F915F1-9C90-4B6E-AA0B-C9F4FCF704FA}"/>
-              </a:ext>
-            </a:extLst>
-          </p:cNvPr>
-          <p:cNvSpPr txBox="1">
-            <a:spLocks/>
-          </p:cNvSpPr>
-          <p:nvPr/>
-        </p:nvSpPr>
-        <p:spPr>
-          <a:xfrm>
-            <a:off x="949040" y="1690688"/>
-            <a:ext cx="11242960" cy="5167312"/>
-          </a:xfrm>
-          <a:prstGeom prst="rect">
-            <a:avLst/>
-          </a:prstGeom>
-        </p:spPr>
-        <p:txBody>
-          <a:bodyPr vert="horz" lIns="91440" tIns="45720" rIns="91440" bIns="45720" rtlCol="0">
-            <a:normAutofit/>
-          </a:bodyPr>
-          <a:lstStyle>
-            <a:lvl1pPr marL="228600" indent="-228600" algn="l" defTabSz="914400" rtl="0" eaLnBrk="1" latinLnBrk="0" hangingPunct="1">
-              <a:lnSpc>
-                <a:spcPct val="90000"/>
-              </a:lnSpc>
-              <a:spcBef>
-                <a:spcPts val="1000"/>
-              </a:spcBef>
-              <a:buFont typeface="Arial" panose="020B0604020202020204" pitchFamily="34" charset="0"/>
-              <a:buChar char="•"/>
-              <a:defRPr sz="2800" kern="1200">
+              <a:t>&lt;content&gt; </a:t>
+            </a:r>
+            <a:r>
+              <a:rPr lang="en-GB" sz="2800" b="1" dirty="0">
                 <a:solidFill>
-                  <a:schemeClr val="tx1"/>
-                </a:solidFill>
-                <a:latin typeface="+mn-lt"/>
-                <a:ea typeface="+mn-ea"/>
-                <a:cs typeface="+mn-cs"/>
-              </a:defRPr>
-            </a:lvl1pPr>
-            <a:lvl2pPr marL="685800" indent="-228600" algn="l" defTabSz="914400" rtl="0" eaLnBrk="1" latinLnBrk="0" hangingPunct="1">
-              <a:lnSpc>
-                <a:spcPct val="90000"/>
-              </a:lnSpc>
-              <a:spcBef>
-                <a:spcPts val="500"/>
-              </a:spcBef>
-              <a:buFont typeface="Arial" panose="020B0604020202020204" pitchFamily="34" charset="0"/>
-              <a:buChar char="•"/>
-              <a:defRPr sz="2400" kern="1200">
-                <a:solidFill>
-                  <a:schemeClr val="tx1"/>
-                </a:solidFill>
-                <a:latin typeface="+mn-lt"/>
-                <a:ea typeface="+mn-ea"/>
-                <a:cs typeface="+mn-cs"/>
-              </a:defRPr>
-            </a:lvl2pPr>
-            <a:lvl3pPr marL="1143000" indent="-228600" algn="l" defTabSz="914400" rtl="0" eaLnBrk="1" latinLnBrk="0" hangingPunct="1">
-              <a:lnSpc>
-                <a:spcPct val="90000"/>
-              </a:lnSpc>
-              <a:spcBef>
-                <a:spcPts val="500"/>
-              </a:spcBef>
-              <a:buFont typeface="Arial" panose="020B0604020202020204" pitchFamily="34" charset="0"/>
-              <a:buChar char="•"/>
-              <a:defRPr sz="2000" kern="1200">
-                <a:solidFill>
-                  <a:schemeClr val="tx1"/>
-                </a:solidFill>
-                <a:latin typeface="+mn-lt"/>
-                <a:ea typeface="+mn-ea"/>
-                <a:cs typeface="+mn-cs"/>
-              </a:defRPr>
-            </a:lvl3pPr>
-            <a:lvl4pPr marL="1600200" indent="-228600" algn="l" defTabSz="914400" rtl="0" eaLnBrk="1" latinLnBrk="0" hangingPunct="1">
-              <a:lnSpc>
-                <a:spcPct val="90000"/>
-              </a:lnSpc>
-              <a:spcBef>
-                <a:spcPts val="500"/>
-              </a:spcBef>
-              <a:buFont typeface="Arial" panose="020B0604020202020204" pitchFamily="34" charset="0"/>
-              <a:buChar char="•"/>
-              <a:defRPr sz="1800" kern="1200">
-                <a:solidFill>
-                  <a:schemeClr val="tx1"/>
-                </a:solidFill>
-                <a:latin typeface="+mn-lt"/>
-                <a:ea typeface="+mn-ea"/>
-                <a:cs typeface="+mn-cs"/>
-              </a:defRPr>
-            </a:lvl4pPr>
-            <a:lvl5pPr marL="2057400" indent="-228600" algn="l" defTabSz="914400" rtl="0" eaLnBrk="1" latinLnBrk="0" hangingPunct="1">
-              <a:lnSpc>
-                <a:spcPct val="90000"/>
-              </a:lnSpc>
-              <a:spcBef>
-                <a:spcPts val="500"/>
-              </a:spcBef>
-              <a:buFont typeface="Arial" panose="020B0604020202020204" pitchFamily="34" charset="0"/>
-              <a:buChar char="•"/>
-              <a:defRPr sz="1800" kern="1200">
-                <a:solidFill>
-                  <a:schemeClr val="tx1"/>
-                </a:solidFill>
-                <a:latin typeface="+mn-lt"/>
-                <a:ea typeface="+mn-ea"/>
-                <a:cs typeface="+mn-cs"/>
-              </a:defRPr>
-            </a:lvl5pPr>
-            <a:lvl6pPr marL="2514600" indent="-228600" algn="l" defTabSz="914400" rtl="0" eaLnBrk="1" latinLnBrk="0" hangingPunct="1">
-              <a:lnSpc>
-                <a:spcPct val="90000"/>
-              </a:lnSpc>
-              <a:spcBef>
-                <a:spcPts val="500"/>
-              </a:spcBef>
-              <a:buFont typeface="Arial" panose="020B0604020202020204" pitchFamily="34" charset="0"/>
-              <a:buChar char="•"/>
-              <a:defRPr sz="1800" kern="1200">
-                <a:solidFill>
-                  <a:schemeClr val="tx1"/>
-                </a:solidFill>
-                <a:latin typeface="+mn-lt"/>
-                <a:ea typeface="+mn-ea"/>
-                <a:cs typeface="+mn-cs"/>
-              </a:defRPr>
-            </a:lvl6pPr>
-            <a:lvl7pPr marL="2971800" indent="-228600" algn="l" defTabSz="914400" rtl="0" eaLnBrk="1" latinLnBrk="0" hangingPunct="1">
-              <a:lnSpc>
-                <a:spcPct val="90000"/>
-              </a:lnSpc>
-              <a:spcBef>
-                <a:spcPts val="500"/>
-              </a:spcBef>
-              <a:buFont typeface="Arial" panose="020B0604020202020204" pitchFamily="34" charset="0"/>
-              <a:buChar char="•"/>
-              <a:defRPr sz="1800" kern="1200">
-                <a:solidFill>
-                  <a:schemeClr val="tx1"/>
-                </a:solidFill>
-                <a:latin typeface="+mn-lt"/>
-                <a:ea typeface="+mn-ea"/>
-                <a:cs typeface="+mn-cs"/>
-              </a:defRPr>
-            </a:lvl7pPr>
-            <a:lvl8pPr marL="3429000" indent="-228600" algn="l" defTabSz="914400" rtl="0" eaLnBrk="1" latinLnBrk="0" hangingPunct="1">
-              <a:lnSpc>
-                <a:spcPct val="90000"/>
-              </a:lnSpc>
-              <a:spcBef>
-                <a:spcPts val="500"/>
-              </a:spcBef>
-              <a:buFont typeface="Arial" panose="020B0604020202020204" pitchFamily="34" charset="0"/>
-              <a:buChar char="•"/>
-              <a:defRPr sz="1800" kern="1200">
-                <a:solidFill>
-                  <a:schemeClr val="tx1"/>
-                </a:solidFill>
-                <a:latin typeface="+mn-lt"/>
-                <a:ea typeface="+mn-ea"/>
-                <a:cs typeface="+mn-cs"/>
-              </a:defRPr>
-            </a:lvl8pPr>
-            <a:lvl9pPr marL="3886200" indent="-228600" algn="l" defTabSz="914400" rtl="0" eaLnBrk="1" latinLnBrk="0" hangingPunct="1">
-              <a:lnSpc>
-                <a:spcPct val="90000"/>
-              </a:lnSpc>
-              <a:spcBef>
-                <a:spcPts val="500"/>
-              </a:spcBef>
-              <a:buFont typeface="Arial" panose="020B0604020202020204" pitchFamily="34" charset="0"/>
-              <a:buChar char="•"/>
-              <a:defRPr sz="1800" kern="1200">
-                <a:solidFill>
-                  <a:schemeClr val="tx1"/>
-                </a:solidFill>
-                <a:latin typeface="+mn-lt"/>
-                <a:ea typeface="+mn-ea"/>
-                <a:cs typeface="+mn-cs"/>
-              </a:defRPr>
-            </a:lvl9pPr>
-          </a:lstStyle>
-          <a:p>
-            <a:r>
-              <a:rPr lang="en-GB" dirty="0">
-                <a:solidFill>
-                  <a:schemeClr val="bg1">
-                    <a:lumMod val="95000"/>
+                  <a:schemeClr val="tx2">
+                    <a:lumMod val="75000"/>
                   </a:schemeClr>
                 </a:solidFill>
                 <a:latin typeface="Arial Nova Light" panose="020B0304020202020204" pitchFamily="34" charset="0"/>
               </a:rPr>
-              <a:t>&lt;Conclusion A&gt;</a:t>
-            </a:r>
-          </a:p>
-          <a:p>
-            <a:pPr marL="0" indent="0">
-              <a:buNone/>
-            </a:pPr>
-            <a:endParaRPr lang="en-GB" dirty="0">
-              <a:solidFill>
-                <a:schemeClr val="bg1">
-                  <a:lumMod val="95000"/>
-                </a:schemeClr>
-              </a:solidFill>
-              <a:latin typeface="Arial Nova Light" panose="020B0304020202020204" pitchFamily="34" charset="0"/>
-            </a:endParaRPr>
-          </a:p>
-          <a:p>
-            <a:r>
-              <a:rPr lang="en-GB" dirty="0">
-                <a:solidFill>
-                  <a:schemeClr val="bg1">
-                    <a:lumMod val="95000"/>
-                  </a:schemeClr>
-                </a:solidFill>
-                <a:latin typeface="Arial Nova Light" panose="020B0304020202020204" pitchFamily="34" charset="0"/>
-              </a:rPr>
-              <a:t>&lt;Conclusion B&gt;</a:t>
-            </a:r>
+              <a:t>&lt;key concept&gt;</a:t>
+            </a:r>
+            <a:endParaRPr lang="en-GB" dirty="0"/>
           </a:p>
         </p:txBody>
       </p:sp>
     </p:spTree>
     <p:extLst>
       <p:ext uri="{BB962C8B-B14F-4D97-AF65-F5344CB8AC3E}">
-        <p14:creationId xmlns:p14="http://schemas.microsoft.com/office/powerpoint/2010/main" val="708711930"/>
+        <p14:creationId xmlns:p14="http://schemas.microsoft.com/office/powerpoint/2010/main" val="2202608116"/>
       </p:ext>
     </p:extLst>
   </p:cSld>
@@ -5942,6 +5577,129 @@
 </file>
 
 <file path=ppt/slides/slide7.xml><?xml version="1.0" encoding="utf-8"?>
+<p:sld xmlns:a="http://schemas.openxmlformats.org/drawingml/2006/main" xmlns:r="http://schemas.openxmlformats.org/officeDocument/2006/relationships" xmlns:p="http://schemas.openxmlformats.org/presentationml/2006/main">
+  <p:cSld>
+    <p:spTree>
+      <p:nvGrpSpPr>
+        <p:cNvPr id="1" name=""/>
+        <p:cNvGrpSpPr/>
+        <p:nvPr/>
+      </p:nvGrpSpPr>
+      <p:grpSpPr>
+        <a:xfrm>
+          <a:off x="0" y="0"/>
+          <a:ext cx="0" cy="0"/>
+          <a:chOff x="0" y="0"/>
+          <a:chExt cx="0" cy="0"/>
+        </a:xfrm>
+      </p:grpSpPr>
+      <p:sp>
+        <p:nvSpPr>
+          <p:cNvPr id="6" name="Title 1">
+            <a:extLst>
+              <a:ext uri="{FF2B5EF4-FFF2-40B4-BE49-F238E27FC236}">
+                <a16:creationId xmlns:a16="http://schemas.microsoft.com/office/drawing/2014/main" id="{438892A2-F58C-479B-93B3-BDD2A80D348B}"/>
+              </a:ext>
+            </a:extLst>
+          </p:cNvPr>
+          <p:cNvSpPr>
+            <a:spLocks noGrp="1"/>
+          </p:cNvSpPr>
+          <p:nvPr>
+            <p:ph type="title"/>
+          </p:nvPr>
+        </p:nvSpPr>
+        <p:spPr>
+          <a:xfrm>
+            <a:off x="949040" y="365125"/>
+            <a:ext cx="11242960" cy="1325563"/>
+          </a:xfrm>
+        </p:spPr>
+        <p:txBody>
+          <a:bodyPr/>
+          <a:lstStyle/>
+          <a:p>
+            <a:r>
+              <a:rPr lang="en-GB" dirty="0">
+                <a:solidFill>
+                  <a:schemeClr val="bg1">
+                    <a:lumMod val="95000"/>
+                  </a:schemeClr>
+                </a:solidFill>
+                <a:latin typeface="Arial Nova Light" panose="020B0304020202020204" pitchFamily="34" charset="0"/>
+              </a:rPr>
+              <a:t>Figure 1:</a:t>
+            </a:r>
+          </a:p>
+        </p:txBody>
+      </p:sp>
+      <p:sp>
+        <p:nvSpPr>
+          <p:cNvPr id="14" name="Rectangle 13">
+            <a:extLst>
+              <a:ext uri="{FF2B5EF4-FFF2-40B4-BE49-F238E27FC236}">
+                <a16:creationId xmlns:a16="http://schemas.microsoft.com/office/drawing/2014/main" id="{B1FDEF3E-1872-41D3-A841-FBE14801F476}"/>
+              </a:ext>
+            </a:extLst>
+          </p:cNvPr>
+          <p:cNvSpPr/>
+          <p:nvPr/>
+        </p:nvSpPr>
+        <p:spPr>
+          <a:xfrm>
+            <a:off x="942833" y="4705003"/>
+            <a:ext cx="11242960" cy="523220"/>
+          </a:xfrm>
+          <a:prstGeom prst="rect">
+            <a:avLst/>
+          </a:prstGeom>
+        </p:spPr>
+        <p:txBody>
+          <a:bodyPr wrap="square">
+            <a:spAutoFit/>
+          </a:bodyPr>
+          <a:lstStyle/>
+          <a:p>
+            <a:r>
+              <a:rPr lang="en-GB" sz="2800" dirty="0">
+                <a:solidFill>
+                  <a:schemeClr val="bg1">
+                    <a:lumMod val="95000"/>
+                  </a:schemeClr>
+                </a:solidFill>
+                <a:latin typeface="Arial Nova Light" panose="020B0304020202020204" pitchFamily="34" charset="0"/>
+              </a:rPr>
+              <a:t>&lt;content&gt; </a:t>
+            </a:r>
+            <a:r>
+              <a:rPr lang="en-GB" sz="2800" b="1" dirty="0">
+                <a:solidFill>
+                  <a:schemeClr val="tx2">
+                    <a:lumMod val="75000"/>
+                  </a:schemeClr>
+                </a:solidFill>
+                <a:latin typeface="Arial Nova Light" panose="020B0304020202020204" pitchFamily="34" charset="0"/>
+              </a:rPr>
+              <a:t>&lt;key concept&gt;</a:t>
+            </a:r>
+            <a:endParaRPr lang="en-GB" dirty="0"/>
+          </a:p>
+        </p:txBody>
+      </p:sp>
+    </p:spTree>
+    <p:extLst>
+      <p:ext uri="{BB962C8B-B14F-4D97-AF65-F5344CB8AC3E}">
+        <p14:creationId xmlns:p14="http://schemas.microsoft.com/office/powerpoint/2010/main" val="2788585144"/>
+      </p:ext>
+    </p:extLst>
+  </p:cSld>
+  <p:clrMapOvr>
+    <a:masterClrMapping/>
+  </p:clrMapOvr>
+</p:sld>
+</file>
+
+<file path=ppt/slides/slide8.xml><?xml version="1.0" encoding="utf-8"?>
 <p:sld xmlns:a="http://schemas.openxmlformats.org/drawingml/2006/main" xmlns:r="http://schemas.openxmlformats.org/officeDocument/2006/relationships" xmlns:p="http://schemas.openxmlformats.org/presentationml/2006/main">
   <p:cSld>
     <p:spTree>

--- a/2.2.ThermodynamicsOfMaterials/classActivity02/classActivity02.pptx
+++ b/2.2.ThermodynamicsOfMaterials/classActivity02/classActivity02.pptx
@@ -5,17 +5,18 @@
     <p:sldMasterId id="2147483648" r:id="rId1"/>
   </p:sldMasterIdLst>
   <p:notesMasterIdLst>
-    <p:notesMasterId r:id="rId10"/>
+    <p:notesMasterId r:id="rId11"/>
   </p:notesMasterIdLst>
   <p:sldIdLst>
     <p:sldId id="256" r:id="rId2"/>
-    <p:sldId id="260" r:id="rId3"/>
-    <p:sldId id="282" r:id="rId4"/>
+    <p:sldId id="282" r:id="rId3"/>
+    <p:sldId id="286" r:id="rId4"/>
     <p:sldId id="284" r:id="rId5"/>
-    <p:sldId id="269" r:id="rId6"/>
-    <p:sldId id="263" r:id="rId7"/>
-    <p:sldId id="285" r:id="rId8"/>
-    <p:sldId id="281" r:id="rId9"/>
+    <p:sldId id="287" r:id="rId6"/>
+    <p:sldId id="269" r:id="rId7"/>
+    <p:sldId id="260" r:id="rId8"/>
+    <p:sldId id="288" r:id="rId9"/>
+    <p:sldId id="263" r:id="rId10"/>
   </p:sldIdLst>
   <p:sldSz cx="12192000" cy="6858000"/>
   <p:notesSz cx="6858000" cy="9144000"/>
@@ -124,9 +125,10 @@
         </p14:section>
         <p14:section name="Presentation Body" id="{032748CF-34D4-4F00-AA86-51FC83977DA0}">
           <p14:sldIdLst>
-            <p14:sldId id="260"/>
             <p14:sldId id="282"/>
+            <p14:sldId id="286"/>
             <p14:sldId id="284"/>
+            <p14:sldId id="287"/>
           </p14:sldIdLst>
         </p14:section>
         <p14:section name="Closing Slides" id="{E80DB28E-CAD9-4B95-9FE2-9292BCFE48B7}">
@@ -136,9 +138,9 @@
         </p14:section>
         <p14:section name="Side Slides" id="{1C99C5B6-3640-4323-B416-8D531FACFE49}">
           <p14:sldIdLst>
+            <p14:sldId id="260"/>
+            <p14:sldId id="288"/>
             <p14:sldId id="263"/>
-            <p14:sldId id="285"/>
-            <p14:sldId id="281"/>
           </p14:sldIdLst>
         </p14:section>
       </p14:sectionLst>
@@ -444,6 +446,92 @@
     </pc:docChg>
   </pc:docChgLst>
   <pc:docChgLst>
+    <pc:chgData name="Antonio Osamu Katagiri Tanaka" userId="2c28225e-d492-4964-8551-1b0a3c65dda0" providerId="ADAL" clId="{C59DF1F7-432E-4893-B28C-5D3B004F8374}"/>
+    <pc:docChg chg="undo redo custSel addSld delSld modSld sldOrd delSection modSection">
+      <pc:chgData name="Antonio Osamu Katagiri Tanaka" userId="2c28225e-d492-4964-8551-1b0a3c65dda0" providerId="ADAL" clId="{C59DF1F7-432E-4893-B28C-5D3B004F8374}" dt="2019-03-31T14:59:20.878" v="389" actId="20577"/>
+      <pc:docMkLst>
+        <pc:docMk/>
+      </pc:docMkLst>
+      <pc:sldChg chg="modSp">
+        <pc:chgData name="Antonio Osamu Katagiri Tanaka" userId="2c28225e-d492-4964-8551-1b0a3c65dda0" providerId="ADAL" clId="{C59DF1F7-432E-4893-B28C-5D3B004F8374}" dt="2019-03-30T15:24:08.167" v="64" actId="1440"/>
+        <pc:sldMkLst>
+          <pc:docMk/>
+          <pc:sldMk cId="4056039362" sldId="260"/>
+        </pc:sldMkLst>
+        <pc:picChg chg="mod">
+          <ac:chgData name="Antonio Osamu Katagiri Tanaka" userId="2c28225e-d492-4964-8551-1b0a3c65dda0" providerId="ADAL" clId="{C59DF1F7-432E-4893-B28C-5D3B004F8374}" dt="2019-03-30T15:24:08.167" v="64" actId="1440"/>
+          <ac:picMkLst>
+            <pc:docMk/>
+            <pc:sldMk cId="4056039362" sldId="260"/>
+            <ac:picMk id="13" creationId="{8578D0BD-CD2C-44B1-976E-1029D186D2DF}"/>
+          </ac:picMkLst>
+        </pc:picChg>
+      </pc:sldChg>
+      <pc:sldChg chg="ord">
+        <pc:chgData name="Antonio Osamu Katagiri Tanaka" userId="2c28225e-d492-4964-8551-1b0a3c65dda0" providerId="ADAL" clId="{C59DF1F7-432E-4893-B28C-5D3B004F8374}" dt="2019-03-30T14:49:00.456" v="1"/>
+        <pc:sldMkLst>
+          <pc:docMk/>
+          <pc:sldMk cId="3604131991" sldId="263"/>
+        </pc:sldMkLst>
+      </pc:sldChg>
+      <pc:sldChg chg="addSp delSp modSp add">
+        <pc:chgData name="Antonio Osamu Katagiri Tanaka" userId="2c28225e-d492-4964-8551-1b0a3c65dda0" providerId="ADAL" clId="{C59DF1F7-432E-4893-B28C-5D3B004F8374}" dt="2019-03-30T15:01:17.755" v="32"/>
+        <pc:sldMkLst>
+          <pc:docMk/>
+          <pc:sldMk cId="4246728971" sldId="269"/>
+        </pc:sldMkLst>
+        <pc:spChg chg="add del mod">
+          <ac:chgData name="Antonio Osamu Katagiri Tanaka" userId="2c28225e-d492-4964-8551-1b0a3c65dda0" providerId="ADAL" clId="{C59DF1F7-432E-4893-B28C-5D3B004F8374}" dt="2019-03-30T14:52:53.260" v="6" actId="478"/>
+          <ac:spMkLst>
+            <pc:docMk/>
+            <pc:sldMk cId="4246728971" sldId="269"/>
+            <ac:spMk id="3" creationId="{BFCEFFC5-7335-4486-8818-2B397870E222}"/>
+          </ac:spMkLst>
+        </pc:spChg>
+        <pc:spChg chg="del">
+          <ac:chgData name="Antonio Osamu Katagiri Tanaka" userId="2c28225e-d492-4964-8551-1b0a3c65dda0" providerId="ADAL" clId="{C59DF1F7-432E-4893-B28C-5D3B004F8374}" dt="2019-03-30T14:52:51.721" v="5" actId="478"/>
+          <ac:spMkLst>
+            <pc:docMk/>
+            <pc:sldMk cId="4246728971" sldId="269"/>
+            <ac:spMk id="4" creationId="{F9ED8BE6-F7AC-4FD8-8FA8-8C683A7C2F62}"/>
+          </ac:spMkLst>
+        </pc:spChg>
+        <pc:spChg chg="del">
+          <ac:chgData name="Antonio Osamu Katagiri Tanaka" userId="2c28225e-d492-4964-8551-1b0a3c65dda0" providerId="ADAL" clId="{C59DF1F7-432E-4893-B28C-5D3B004F8374}" dt="2019-03-30T14:52:55.923" v="7" actId="478"/>
+          <ac:spMkLst>
+            <pc:docMk/>
+            <pc:sldMk cId="4246728971" sldId="269"/>
+            <ac:spMk id="6" creationId="{058630E6-31AF-4451-B084-C9809D0DA4E8}"/>
+          </ac:spMkLst>
+        </pc:spChg>
+        <pc:spChg chg="add del mod">
+          <ac:chgData name="Antonio Osamu Katagiri Tanaka" userId="2c28225e-d492-4964-8551-1b0a3c65dda0" providerId="ADAL" clId="{C59DF1F7-432E-4893-B28C-5D3B004F8374}" dt="2019-03-30T14:52:58.396" v="8" actId="478"/>
+          <ac:spMkLst>
+            <pc:docMk/>
+            <pc:sldMk cId="4246728971" sldId="269"/>
+            <ac:spMk id="7" creationId="{EFB1FD18-9FB8-4EC8-A186-B4E23A6745CA}"/>
+          </ac:spMkLst>
+        </pc:spChg>
+        <pc:spChg chg="add mod">
+          <ac:chgData name="Antonio Osamu Katagiri Tanaka" userId="2c28225e-d492-4964-8551-1b0a3c65dda0" providerId="ADAL" clId="{C59DF1F7-432E-4893-B28C-5D3B004F8374}" dt="2019-03-30T14:57:55.916" v="28" actId="403"/>
+          <ac:spMkLst>
+            <pc:docMk/>
+            <pc:sldMk cId="4246728971" sldId="269"/>
+            <ac:spMk id="9" creationId="{907DD878-B76C-4FC5-9BC3-86C7C3DB3BDA}"/>
+          </ac:spMkLst>
+        </pc:spChg>
+        <pc:picChg chg="add mod">
+          <ac:chgData name="Antonio Osamu Katagiri Tanaka" userId="2c28225e-d492-4964-8551-1b0a3c65dda0" providerId="ADAL" clId="{C59DF1F7-432E-4893-B28C-5D3B004F8374}" dt="2019-03-30T15:01:17.755" v="32"/>
+          <ac:picMkLst>
+            <pc:docMk/>
+            <pc:sldMk cId="4246728971" sldId="269"/>
+            <ac:picMk id="1026" creationId="{62C86081-2859-45C8-BAE6-D2CC488FFFF6}"/>
+          </ac:picMkLst>
+        </pc:picChg>
+      </pc:sldChg>
+    </pc:docChg>
+  </pc:docChgLst>
+  <pc:docChgLst>
     <pc:chgData name="Antonio Osamu Katagiri Tanaka" userId="2c28225e-d492-4964-8551-1b0a3c65dda0" providerId="ADAL" clId="{E8966260-3096-4054-A5E0-0A91A10A6CF4}"/>
     <pc:docChg chg="custSel delSld modSld modSection">
       <pc:chgData name="Antonio Osamu Katagiri Tanaka" userId="2c28225e-d492-4964-8551-1b0a3c65dda0" providerId="ADAL" clId="{E8966260-3096-4054-A5E0-0A91A10A6CF4}" dt="2019-05-05T18:21:47.650" v="183" actId="1076"/>
@@ -701,92 +789,6 @@
     </pc:docChg>
   </pc:docChgLst>
   <pc:docChgLst>
-    <pc:chgData name="Antonio Osamu Katagiri Tanaka" userId="2c28225e-d492-4964-8551-1b0a3c65dda0" providerId="ADAL" clId="{C59DF1F7-432E-4893-B28C-5D3B004F8374}"/>
-    <pc:docChg chg="undo redo custSel addSld delSld modSld sldOrd delSection modSection">
-      <pc:chgData name="Antonio Osamu Katagiri Tanaka" userId="2c28225e-d492-4964-8551-1b0a3c65dda0" providerId="ADAL" clId="{C59DF1F7-432E-4893-B28C-5D3B004F8374}" dt="2019-03-31T14:59:20.878" v="389" actId="20577"/>
-      <pc:docMkLst>
-        <pc:docMk/>
-      </pc:docMkLst>
-      <pc:sldChg chg="modSp">
-        <pc:chgData name="Antonio Osamu Katagiri Tanaka" userId="2c28225e-d492-4964-8551-1b0a3c65dda0" providerId="ADAL" clId="{C59DF1F7-432E-4893-B28C-5D3B004F8374}" dt="2019-03-30T15:24:08.167" v="64" actId="1440"/>
-        <pc:sldMkLst>
-          <pc:docMk/>
-          <pc:sldMk cId="4056039362" sldId="260"/>
-        </pc:sldMkLst>
-        <pc:picChg chg="mod">
-          <ac:chgData name="Antonio Osamu Katagiri Tanaka" userId="2c28225e-d492-4964-8551-1b0a3c65dda0" providerId="ADAL" clId="{C59DF1F7-432E-4893-B28C-5D3B004F8374}" dt="2019-03-30T15:24:08.167" v="64" actId="1440"/>
-          <ac:picMkLst>
-            <pc:docMk/>
-            <pc:sldMk cId="4056039362" sldId="260"/>
-            <ac:picMk id="13" creationId="{8578D0BD-CD2C-44B1-976E-1029D186D2DF}"/>
-          </ac:picMkLst>
-        </pc:picChg>
-      </pc:sldChg>
-      <pc:sldChg chg="ord">
-        <pc:chgData name="Antonio Osamu Katagiri Tanaka" userId="2c28225e-d492-4964-8551-1b0a3c65dda0" providerId="ADAL" clId="{C59DF1F7-432E-4893-B28C-5D3B004F8374}" dt="2019-03-30T14:49:00.456" v="1"/>
-        <pc:sldMkLst>
-          <pc:docMk/>
-          <pc:sldMk cId="3604131991" sldId="263"/>
-        </pc:sldMkLst>
-      </pc:sldChg>
-      <pc:sldChg chg="addSp delSp modSp add">
-        <pc:chgData name="Antonio Osamu Katagiri Tanaka" userId="2c28225e-d492-4964-8551-1b0a3c65dda0" providerId="ADAL" clId="{C59DF1F7-432E-4893-B28C-5D3B004F8374}" dt="2019-03-30T15:01:17.755" v="32"/>
-        <pc:sldMkLst>
-          <pc:docMk/>
-          <pc:sldMk cId="4246728971" sldId="269"/>
-        </pc:sldMkLst>
-        <pc:spChg chg="add del mod">
-          <ac:chgData name="Antonio Osamu Katagiri Tanaka" userId="2c28225e-d492-4964-8551-1b0a3c65dda0" providerId="ADAL" clId="{C59DF1F7-432E-4893-B28C-5D3B004F8374}" dt="2019-03-30T14:52:53.260" v="6" actId="478"/>
-          <ac:spMkLst>
-            <pc:docMk/>
-            <pc:sldMk cId="4246728971" sldId="269"/>
-            <ac:spMk id="3" creationId="{BFCEFFC5-7335-4486-8818-2B397870E222}"/>
-          </ac:spMkLst>
-        </pc:spChg>
-        <pc:spChg chg="del">
-          <ac:chgData name="Antonio Osamu Katagiri Tanaka" userId="2c28225e-d492-4964-8551-1b0a3c65dda0" providerId="ADAL" clId="{C59DF1F7-432E-4893-B28C-5D3B004F8374}" dt="2019-03-30T14:52:51.721" v="5" actId="478"/>
-          <ac:spMkLst>
-            <pc:docMk/>
-            <pc:sldMk cId="4246728971" sldId="269"/>
-            <ac:spMk id="4" creationId="{F9ED8BE6-F7AC-4FD8-8FA8-8C683A7C2F62}"/>
-          </ac:spMkLst>
-        </pc:spChg>
-        <pc:spChg chg="del">
-          <ac:chgData name="Antonio Osamu Katagiri Tanaka" userId="2c28225e-d492-4964-8551-1b0a3c65dda0" providerId="ADAL" clId="{C59DF1F7-432E-4893-B28C-5D3B004F8374}" dt="2019-03-30T14:52:55.923" v="7" actId="478"/>
-          <ac:spMkLst>
-            <pc:docMk/>
-            <pc:sldMk cId="4246728971" sldId="269"/>
-            <ac:spMk id="6" creationId="{058630E6-31AF-4451-B084-C9809D0DA4E8}"/>
-          </ac:spMkLst>
-        </pc:spChg>
-        <pc:spChg chg="add del mod">
-          <ac:chgData name="Antonio Osamu Katagiri Tanaka" userId="2c28225e-d492-4964-8551-1b0a3c65dda0" providerId="ADAL" clId="{C59DF1F7-432E-4893-B28C-5D3B004F8374}" dt="2019-03-30T14:52:58.396" v="8" actId="478"/>
-          <ac:spMkLst>
-            <pc:docMk/>
-            <pc:sldMk cId="4246728971" sldId="269"/>
-            <ac:spMk id="7" creationId="{EFB1FD18-9FB8-4EC8-A186-B4E23A6745CA}"/>
-          </ac:spMkLst>
-        </pc:spChg>
-        <pc:spChg chg="add mod">
-          <ac:chgData name="Antonio Osamu Katagiri Tanaka" userId="2c28225e-d492-4964-8551-1b0a3c65dda0" providerId="ADAL" clId="{C59DF1F7-432E-4893-B28C-5D3B004F8374}" dt="2019-03-30T14:57:55.916" v="28" actId="403"/>
-          <ac:spMkLst>
-            <pc:docMk/>
-            <pc:sldMk cId="4246728971" sldId="269"/>
-            <ac:spMk id="9" creationId="{907DD878-B76C-4FC5-9BC3-86C7C3DB3BDA}"/>
-          </ac:spMkLst>
-        </pc:spChg>
-        <pc:picChg chg="add mod">
-          <ac:chgData name="Antonio Osamu Katagiri Tanaka" userId="2c28225e-d492-4964-8551-1b0a3c65dda0" providerId="ADAL" clId="{C59DF1F7-432E-4893-B28C-5D3B004F8374}" dt="2019-03-30T15:01:17.755" v="32"/>
-          <ac:picMkLst>
-            <pc:docMk/>
-            <pc:sldMk cId="4246728971" sldId="269"/>
-            <ac:picMk id="1026" creationId="{62C86081-2859-45C8-BAE6-D2CC488FFFF6}"/>
-          </ac:picMkLst>
-        </pc:picChg>
-      </pc:sldChg>
-    </pc:docChg>
-  </pc:docChgLst>
-  <pc:docChgLst>
     <pc:chgData name="Antonio Osamu Katagiri Tanaka" userId="2c28225e-d492-4964-8551-1b0a3c65dda0" providerId="ADAL" clId="{BA091A27-582A-4D6D-8346-D5CF8624059C}"/>
     <pc:docChg chg="undo custSel addSld delSld modSld sldOrd">
       <pc:chgData name="Antonio Osamu Katagiri Tanaka" userId="2c28225e-d492-4964-8551-1b0a3c65dda0" providerId="ADAL" clId="{BA091A27-582A-4D6D-8346-D5CF8624059C}" dt="2019-03-29T18:11:35.461" v="1535" actId="20577"/>
@@ -1001,37 +1003,6 @@
 </inkml:ink>
 </file>
 
-<file path=ppt/ink/ink2.xml><?xml version="1.0" encoding="utf-8"?>
-<inkml:ink xmlns:inkml="http://www.w3.org/2003/InkML">
-  <inkml:definitions>
-    <inkml:context xml:id="ctx0">
-      <inkml:inkSource xml:id="inkSrc0">
-        <inkml:traceFormat>
-          <inkml:channel name="X" type="integer" min="-2.14748E9" max="2.14748E9" units="cm"/>
-          <inkml:channel name="Y" type="integer" min="-2.14748E9" max="2.14748E9" units="cm"/>
-        </inkml:traceFormat>
-        <inkml:channelProperties>
-          <inkml:channelProperty channel="X" name="resolution" value="1000" units="1/cm"/>
-          <inkml:channelProperty channel="Y" name="resolution" value="1000" units="1/cm"/>
-        </inkml:channelProperties>
-      </inkml:inkSource>
-      <inkml:timestamp xml:id="ts0" timeString="2019-04-04T14:17:54.543"/>
-    </inkml:context>
-    <inkml:brush xml:id="br0">
-      <inkml:brushProperty name="width" value="0.1" units="cm"/>
-      <inkml:brushProperty name="height" value="0.1" units="cm"/>
-      <inkml:brushProperty name="color" value="#B4C3DA"/>
-      <inkml:brushProperty name="ignorePressure" value="1"/>
-      <inkml:brushProperty name="inkEffects" value="silver"/>
-      <inkml:brushProperty name="anchorX" value="-26568.26563"/>
-      <inkml:brushProperty name="anchorY" value="-13048.70605"/>
-      <inkml:brushProperty name="scaleFactor" value="0.5"/>
-    </inkml:brush>
-  </inkml:definitions>
-  <inkml:trace contextRef="#ctx0" brushRef="#br0">1 1,'0'0,"0"0</inkml:trace>
-</inkml:ink>
-</file>
-
 <file path=ppt/notesMasters/notesMaster1.xml><?xml version="1.0" encoding="utf-8"?>
 <p:notesMaster xmlns:a="http://schemas.openxmlformats.org/drawingml/2006/main" xmlns:r="http://schemas.openxmlformats.org/officeDocument/2006/relationships" xmlns:p="http://schemas.openxmlformats.org/presentationml/2006/main">
   <p:cSld>
@@ -1114,7 +1085,7 @@
           <a:p>
             <a:fld id="{1B402B64-CAC4-4D07-834F-F232921309C8}" type="datetimeFigureOut">
               <a:rPr lang="en-GB" smtClean="0"/>
-              <a:t>28/10/2019</a:t>
+              <a:t>29/10/2019</a:t>
             </a:fld>
             <a:endParaRPr lang="en-GB"/>
           </a:p>
@@ -1531,7 +1502,7 @@
           <a:p>
             <a:fld id="{D884633D-11AC-4888-94B9-297E606567D1}" type="datetimeFigureOut">
               <a:rPr lang="en-GB" smtClean="0"/>
-              <a:t>28/10/2019</a:t>
+              <a:t>29/10/2019</a:t>
             </a:fld>
             <a:endParaRPr lang="en-GB"/>
           </a:p>
@@ -1731,7 +1702,7 @@
           <a:p>
             <a:fld id="{D884633D-11AC-4888-94B9-297E606567D1}" type="datetimeFigureOut">
               <a:rPr lang="en-GB" smtClean="0"/>
-              <a:t>28/10/2019</a:t>
+              <a:t>29/10/2019</a:t>
             </a:fld>
             <a:endParaRPr lang="en-GB"/>
           </a:p>
@@ -1941,7 +1912,7 @@
           <a:p>
             <a:fld id="{D884633D-11AC-4888-94B9-297E606567D1}" type="datetimeFigureOut">
               <a:rPr lang="en-GB" smtClean="0"/>
-              <a:t>28/10/2019</a:t>
+              <a:t>29/10/2019</a:t>
             </a:fld>
             <a:endParaRPr lang="en-GB"/>
           </a:p>
@@ -2141,7 +2112,7 @@
           <a:p>
             <a:fld id="{D884633D-11AC-4888-94B9-297E606567D1}" type="datetimeFigureOut">
               <a:rPr lang="en-GB" smtClean="0"/>
-              <a:t>28/10/2019</a:t>
+              <a:t>29/10/2019</a:t>
             </a:fld>
             <a:endParaRPr lang="en-GB"/>
           </a:p>
@@ -2417,7 +2388,7 @@
           <a:p>
             <a:fld id="{D884633D-11AC-4888-94B9-297E606567D1}" type="datetimeFigureOut">
               <a:rPr lang="en-GB" smtClean="0"/>
-              <a:t>28/10/2019</a:t>
+              <a:t>29/10/2019</a:t>
             </a:fld>
             <a:endParaRPr lang="en-GB"/>
           </a:p>
@@ -2685,7 +2656,7 @@
           <a:p>
             <a:fld id="{D884633D-11AC-4888-94B9-297E606567D1}" type="datetimeFigureOut">
               <a:rPr lang="en-GB" smtClean="0"/>
-              <a:t>28/10/2019</a:t>
+              <a:t>29/10/2019</a:t>
             </a:fld>
             <a:endParaRPr lang="en-GB"/>
           </a:p>
@@ -3100,7 +3071,7 @@
           <a:p>
             <a:fld id="{D884633D-11AC-4888-94B9-297E606567D1}" type="datetimeFigureOut">
               <a:rPr lang="en-GB" smtClean="0"/>
-              <a:t>28/10/2019</a:t>
+              <a:t>29/10/2019</a:t>
             </a:fld>
             <a:endParaRPr lang="en-GB"/>
           </a:p>
@@ -3242,7 +3213,7 @@
           <a:p>
             <a:fld id="{D884633D-11AC-4888-94B9-297E606567D1}" type="datetimeFigureOut">
               <a:rPr lang="en-GB" smtClean="0"/>
-              <a:t>28/10/2019</a:t>
+              <a:t>29/10/2019</a:t>
             </a:fld>
             <a:endParaRPr lang="en-GB"/>
           </a:p>
@@ -3355,7 +3326,7 @@
           <a:p>
             <a:fld id="{D884633D-11AC-4888-94B9-297E606567D1}" type="datetimeFigureOut">
               <a:rPr lang="en-GB" smtClean="0"/>
-              <a:t>28/10/2019</a:t>
+              <a:t>29/10/2019</a:t>
             </a:fld>
             <a:endParaRPr lang="en-GB"/>
           </a:p>
@@ -3668,7 +3639,7 @@
           <a:p>
             <a:fld id="{D884633D-11AC-4888-94B9-297E606567D1}" type="datetimeFigureOut">
               <a:rPr lang="en-GB" smtClean="0"/>
-              <a:t>28/10/2019</a:t>
+              <a:t>29/10/2019</a:t>
             </a:fld>
             <a:endParaRPr lang="en-GB"/>
           </a:p>
@@ -3957,7 +3928,7 @@
           <a:p>
             <a:fld id="{D884633D-11AC-4888-94B9-297E606567D1}" type="datetimeFigureOut">
               <a:rPr lang="en-GB" smtClean="0"/>
-              <a:t>28/10/2019</a:t>
+              <a:t>29/10/2019</a:t>
             </a:fld>
             <a:endParaRPr lang="en-GB"/>
           </a:p>
@@ -4209,7 +4180,7 @@
           <a:p>
             <a:fld id="{D884633D-11AC-4888-94B9-297E606567D1}" type="datetimeFigureOut">
               <a:rPr lang="en-GB" smtClean="0"/>
-              <a:t>28/10/2019</a:t>
+              <a:t>29/10/2019</a:t>
             </a:fld>
             <a:endParaRPr lang="en-GB"/>
           </a:p>
@@ -4747,27 +4718,6 @@
               </a:rPr>
               <a:t>, 3(1), 1–12.</a:t>
             </a:r>
-            <a:br>
-              <a:rPr lang="en-GB" sz="2800" dirty="0">
-                <a:solidFill>
-                  <a:schemeClr val="bg1">
-                    <a:lumMod val="95000"/>
-                  </a:schemeClr>
-                </a:solidFill>
-                <a:latin typeface="Arial Nova Light" panose="020B0604020202020204" pitchFamily="34" charset="0"/>
-              </a:rPr>
-            </a:br>
-            <a:r>
-              <a:rPr lang="en-GB" sz="2800" dirty="0">
-                <a:solidFill>
-                  <a:schemeClr val="bg1">
-                    <a:lumMod val="95000"/>
-                  </a:schemeClr>
-                </a:solidFill>
-                <a:latin typeface="Arial Nova Light" panose="020B0604020202020204" pitchFamily="34" charset="0"/>
-              </a:rPr>
-              <a:t>https://doi.org/10.1007/s40828-016-0038-0</a:t>
-            </a:r>
             <a:endParaRPr lang="en-GB" sz="4400" dirty="0">
               <a:solidFill>
                 <a:schemeClr val="bg1">
@@ -4803,21 +4753,10 @@
         </p:spPr>
         <p:txBody>
           <a:bodyPr>
-            <a:normAutofit lnSpcReduction="10000"/>
+            <a:normAutofit fontScale="85000" lnSpcReduction="20000"/>
           </a:bodyPr>
           <a:lstStyle/>
           <a:p>
-            <a:r>
-              <a:rPr lang="en-GB" dirty="0">
-                <a:solidFill>
-                  <a:schemeClr val="bg1">
-                    <a:lumMod val="95000"/>
-                  </a:schemeClr>
-                </a:solidFill>
-                <a:latin typeface="Arial Nova Light" panose="020B0604020202020204" pitchFamily="34" charset="0"/>
-              </a:rPr>
-              <a:t>Angel Manuel Villalba Rodríguez </a:t>
-            </a:r>
             <a:r>
               <a:rPr lang="en-GB" sz="2000" dirty="0">
                 <a:solidFill>
@@ -4827,12 +4766,12 @@
                 </a:solidFill>
                 <a:latin typeface="Arial Nova Light" panose="020B0604020202020204" pitchFamily="34" charset="0"/>
               </a:rPr>
-              <a:t>A00828035@itesm.mx</a:t>
+              <a:t>Angel Manuel Villalba Rodríguez A00828035@itesm.mx</a:t>
             </a:r>
           </a:p>
           <a:p>
             <a:r>
-              <a:rPr lang="en-GB" dirty="0">
+              <a:rPr lang="en-GB" sz="2000" dirty="0">
                 <a:solidFill>
                   <a:schemeClr val="bg1">
                     <a:lumMod val="95000"/>
@@ -4850,8 +4789,36 @@
                   </a:schemeClr>
                 </a:solidFill>
                 <a:latin typeface="Arial Nova Light" panose="020B0604020202020204" pitchFamily="34" charset="0"/>
+                <a:hlinkClick r:id="rId3">
+                  <a:extLst>
+                    <a:ext uri="{A12FA001-AC4F-418D-AE19-62706E023703}">
+                      <ahyp:hlinkClr xmlns:ahyp="http://schemas.microsoft.com/office/drawing/2018/hyperlinkcolor" val="tx"/>
+                    </a:ext>
+                  </a:extLst>
+                </a:hlinkClick>
               </a:rPr>
               <a:t>A01212611@itesm.mx</a:t>
+            </a:r>
+            <a:endParaRPr lang="en-GB" sz="2000" dirty="0">
+              <a:solidFill>
+                <a:schemeClr val="bg1">
+                  <a:lumMod val="95000"/>
+                </a:schemeClr>
+              </a:solidFill>
+              <a:latin typeface="Arial Nova Light" panose="020B0604020202020204" pitchFamily="34" charset="0"/>
+            </a:endParaRPr>
+          </a:p>
+          <a:p>
+            <a:r>
+              <a:rPr lang="en-GB" sz="2000" dirty="0">
+                <a:solidFill>
+                  <a:schemeClr val="bg1">
+                    <a:lumMod val="95000"/>
+                  </a:schemeClr>
+                </a:solidFill>
+                <a:latin typeface="Arial Nova Light" panose="020B0604020202020204" pitchFamily="34" charset="0"/>
+              </a:rPr>
+              <a:t>Jose Ivan Aviles Castrillo A01749803@itesm.mx</a:t>
             </a:r>
           </a:p>
           <a:p>
@@ -4881,7 +4848,7 @@
       </p:sp>
       <mc:AlternateContent xmlns:mc="http://schemas.openxmlformats.org/markup-compatibility/2006" xmlns:p14="http://schemas.microsoft.com/office/powerpoint/2010/main">
         <mc:Choice Requires="p14">
-          <p:contentPart p14:bwMode="auto" r:id="rId3">
+          <p:contentPart p14:bwMode="auto" r:id="rId4">
             <p14:nvContentPartPr>
               <p14:cNvPr id="2" name="Ink 1">
                 <a:extLst>
@@ -4913,7 +4880,7 @@
               <p:nvPr/>
             </p:nvPicPr>
             <p:blipFill>
-              <a:blip r:embed="rId4"/>
+              <a:blip r:embed="rId5"/>
               <a:stretch>
                 <a:fillRect/>
               </a:stretch>
@@ -4995,40 +4962,517 @@
                 </a:solidFill>
                 <a:latin typeface="Arial Nova Light" panose="020B0304020202020204" pitchFamily="34" charset="0"/>
               </a:rPr>
-              <a:t>Figure 1:</a:t>
+              <a:t>Figure 7a:</a:t>
             </a:r>
           </a:p>
         </p:txBody>
       </p:sp>
-      <p:sp>
-        <p:nvSpPr>
-          <p:cNvPr id="14" name="Rectangle 13">
-            <a:extLst>
-              <a:ext uri="{FF2B5EF4-FFF2-40B4-BE49-F238E27FC236}">
-                <a16:creationId xmlns:a16="http://schemas.microsoft.com/office/drawing/2014/main" id="{B1FDEF3E-1872-41D3-A841-FBE14801F476}"/>
-              </a:ext>
-            </a:extLst>
-          </p:cNvPr>
-          <p:cNvSpPr/>
+      <p:pic>
+        <p:nvPicPr>
+          <p:cNvPr id="2" name="Picture 1">
+            <a:extLst>
+              <a:ext uri="{FF2B5EF4-FFF2-40B4-BE49-F238E27FC236}">
+                <a16:creationId xmlns:a16="http://schemas.microsoft.com/office/drawing/2014/main" id="{4A76F279-B305-4896-9EFB-323453F6AE9D}"/>
+              </a:ext>
+            </a:extLst>
+          </p:cNvPr>
+          <p:cNvPicPr>
+            <a:picLocks noChangeAspect="1"/>
+          </p:cNvPicPr>
           <p:nvPr/>
-        </p:nvSpPr>
+        </p:nvPicPr>
+        <p:blipFill>
+          <a:blip r:embed="rId3"/>
+          <a:stretch>
+            <a:fillRect/>
+          </a:stretch>
+        </p:blipFill>
         <p:spPr>
           <a:xfrm>
-            <a:off x="942833" y="4705003"/>
-            <a:ext cx="11242960" cy="523220"/>
+            <a:off x="7607872" y="4473565"/>
+            <a:ext cx="2438740" cy="285790"/>
           </a:xfrm>
           <a:prstGeom prst="rect">
             <a:avLst/>
           </a:prstGeom>
         </p:spPr>
-        <p:txBody>
-          <a:bodyPr wrap="square">
-            <a:spAutoFit/>
+      </p:pic>
+      <p:pic>
+        <p:nvPicPr>
+          <p:cNvPr id="3" name="Picture 2">
+            <a:extLst>
+              <a:ext uri="{FF2B5EF4-FFF2-40B4-BE49-F238E27FC236}">
+                <a16:creationId xmlns:a16="http://schemas.microsoft.com/office/drawing/2014/main" id="{9F873DAC-4561-4585-A2B6-D88FB6C2DD22}"/>
+              </a:ext>
+            </a:extLst>
+          </p:cNvPr>
+          <p:cNvPicPr>
+            <a:picLocks noChangeAspect="1"/>
+          </p:cNvPicPr>
+          <p:nvPr/>
+        </p:nvPicPr>
+        <p:blipFill>
+          <a:blip r:embed="rId4"/>
+          <a:stretch>
+            <a:fillRect/>
+          </a:stretch>
+        </p:blipFill>
+        <p:spPr>
+          <a:xfrm>
+            <a:off x="3082014" y="5473611"/>
+            <a:ext cx="6858957" cy="638264"/>
+          </a:xfrm>
+          <a:prstGeom prst="rect">
+            <a:avLst/>
+          </a:prstGeom>
+        </p:spPr>
+      </p:pic>
+      <p:pic>
+        <p:nvPicPr>
+          <p:cNvPr id="4" name="Picture 3">
+            <a:extLst>
+              <a:ext uri="{FF2B5EF4-FFF2-40B4-BE49-F238E27FC236}">
+                <a16:creationId xmlns:a16="http://schemas.microsoft.com/office/drawing/2014/main" id="{9E8A72B9-BA52-4F78-89B8-451E6DFC82AB}"/>
+              </a:ext>
+            </a:extLst>
+          </p:cNvPr>
+          <p:cNvPicPr>
+            <a:picLocks noChangeAspect="1"/>
+          </p:cNvPicPr>
+          <p:nvPr/>
+        </p:nvPicPr>
+        <p:blipFill>
+          <a:blip r:embed="rId5"/>
+          <a:stretch>
+            <a:fillRect/>
+          </a:stretch>
+        </p:blipFill>
+        <p:spPr>
+          <a:xfrm>
+            <a:off x="5115675" y="4188647"/>
+            <a:ext cx="2076740" cy="619211"/>
+          </a:xfrm>
+          <a:prstGeom prst="rect">
+            <a:avLst/>
+          </a:prstGeom>
+        </p:spPr>
+      </p:pic>
+      <p:pic>
+        <p:nvPicPr>
+          <p:cNvPr id="5" name="Picture 4">
+            <a:extLst>
+              <a:ext uri="{FF2B5EF4-FFF2-40B4-BE49-F238E27FC236}">
+                <a16:creationId xmlns:a16="http://schemas.microsoft.com/office/drawing/2014/main" id="{353C3B75-BB63-4941-B2CE-685E065933F9}"/>
+              </a:ext>
+            </a:extLst>
+          </p:cNvPr>
+          <p:cNvPicPr>
+            <a:picLocks noChangeAspect="1"/>
+          </p:cNvPicPr>
+          <p:nvPr/>
+        </p:nvPicPr>
+        <p:blipFill>
+          <a:blip r:embed="rId6"/>
+          <a:stretch>
+            <a:fillRect/>
+          </a:stretch>
+        </p:blipFill>
+        <p:spPr>
+          <a:xfrm>
+            <a:off x="3698599" y="1287382"/>
+            <a:ext cx="3124636" cy="876422"/>
+          </a:xfrm>
+          <a:prstGeom prst="rect">
+            <a:avLst/>
+          </a:prstGeom>
+        </p:spPr>
+      </p:pic>
+      <p:pic>
+        <p:nvPicPr>
+          <p:cNvPr id="7" name="Picture 6">
+            <a:extLst>
+              <a:ext uri="{FF2B5EF4-FFF2-40B4-BE49-F238E27FC236}">
+                <a16:creationId xmlns:a16="http://schemas.microsoft.com/office/drawing/2014/main" id="{458BF939-BE66-4C2D-B17E-A3DAAF065F1D}"/>
+              </a:ext>
+            </a:extLst>
+          </p:cNvPr>
+          <p:cNvPicPr>
+            <a:picLocks noChangeAspect="1"/>
+          </p:cNvPicPr>
+          <p:nvPr/>
+        </p:nvPicPr>
+        <p:blipFill>
+          <a:blip r:embed="rId7"/>
+          <a:stretch>
+            <a:fillRect/>
+          </a:stretch>
+        </p:blipFill>
+        <p:spPr>
+          <a:xfrm>
+            <a:off x="8181955" y="2138319"/>
+            <a:ext cx="943107" cy="228632"/>
+          </a:xfrm>
+          <a:prstGeom prst="rect">
+            <a:avLst/>
+          </a:prstGeom>
+        </p:spPr>
+      </p:pic>
+      <p:pic>
+        <p:nvPicPr>
+          <p:cNvPr id="8" name="Picture 7">
+            <a:extLst>
+              <a:ext uri="{FF2B5EF4-FFF2-40B4-BE49-F238E27FC236}">
+                <a16:creationId xmlns:a16="http://schemas.microsoft.com/office/drawing/2014/main" id="{06B01BC1-9460-440F-B5F0-BC5C294125A8}"/>
+              </a:ext>
+            </a:extLst>
+          </p:cNvPr>
+          <p:cNvPicPr>
+            <a:picLocks noChangeAspect="1"/>
+          </p:cNvPicPr>
+          <p:nvPr/>
+        </p:nvPicPr>
+        <p:blipFill>
+          <a:blip r:embed="rId8"/>
+          <a:stretch>
+            <a:fillRect/>
+          </a:stretch>
+        </p:blipFill>
+        <p:spPr>
+          <a:xfrm>
+            <a:off x="3567974" y="3014741"/>
+            <a:ext cx="4915586" cy="552527"/>
+          </a:xfrm>
+          <a:prstGeom prst="rect">
+            <a:avLst/>
+          </a:prstGeom>
+        </p:spPr>
+      </p:pic>
+      <p:cxnSp>
+        <p:nvCxnSpPr>
+          <p:cNvPr id="15" name="Connector: Elbow 14">
+            <a:extLst>
+              <a:ext uri="{FF2B5EF4-FFF2-40B4-BE49-F238E27FC236}">
+                <a16:creationId xmlns:a16="http://schemas.microsoft.com/office/drawing/2014/main" id="{890B89C6-8238-4372-AE65-E08983047959}"/>
+              </a:ext>
+            </a:extLst>
+          </p:cNvPr>
+          <p:cNvCxnSpPr>
+            <a:cxnSpLocks/>
+          </p:cNvCxnSpPr>
+          <p:nvPr/>
+        </p:nvCxnSpPr>
+        <p:spPr>
+          <a:xfrm rot="16200000" flipH="1">
+            <a:off x="3982841" y="2330248"/>
+            <a:ext cx="752565" cy="505700"/>
+          </a:xfrm>
+          <a:prstGeom prst="bentConnector3">
+            <a:avLst>
+              <a:gd name="adj1" fmla="val 50000"/>
+            </a:avLst>
+          </a:prstGeom>
+          <a:ln w="38100">
+            <a:solidFill>
+              <a:schemeClr val="bg1"/>
+            </a:solidFill>
+            <a:tailEnd type="triangle"/>
+          </a:ln>
+        </p:spPr>
+        <p:style>
+          <a:lnRef idx="1">
+            <a:schemeClr val="accent1"/>
+          </a:lnRef>
+          <a:fillRef idx="0">
+            <a:schemeClr val="accent1"/>
+          </a:fillRef>
+          <a:effectRef idx="0">
+            <a:schemeClr val="accent1"/>
+          </a:effectRef>
+          <a:fontRef idx="minor">
+            <a:schemeClr val="tx1"/>
+          </a:fontRef>
+        </p:style>
+      </p:cxnSp>
+      <p:cxnSp>
+        <p:nvCxnSpPr>
+          <p:cNvPr id="22" name="Connector: Elbow 21">
+            <a:extLst>
+              <a:ext uri="{FF2B5EF4-FFF2-40B4-BE49-F238E27FC236}">
+                <a16:creationId xmlns:a16="http://schemas.microsoft.com/office/drawing/2014/main" id="{BC49B961-E7A8-498A-B2EE-33734C3102F1}"/>
+              </a:ext>
+            </a:extLst>
+          </p:cNvPr>
+          <p:cNvCxnSpPr>
+            <a:cxnSpLocks/>
+          </p:cNvCxnSpPr>
+          <p:nvPr/>
+        </p:nvCxnSpPr>
+        <p:spPr>
+          <a:xfrm rot="5400000">
+            <a:off x="8098010" y="2427645"/>
+            <a:ext cx="560661" cy="550337"/>
+          </a:xfrm>
+          <a:prstGeom prst="bentConnector3">
+            <a:avLst>
+              <a:gd name="adj1" fmla="val 50000"/>
+            </a:avLst>
+          </a:prstGeom>
+          <a:ln w="38100">
+            <a:solidFill>
+              <a:schemeClr val="bg1"/>
+            </a:solidFill>
+            <a:tailEnd type="triangle"/>
+          </a:ln>
+        </p:spPr>
+        <p:style>
+          <a:lnRef idx="1">
+            <a:schemeClr val="accent1"/>
+          </a:lnRef>
+          <a:fillRef idx="0">
+            <a:schemeClr val="accent1"/>
+          </a:fillRef>
+          <a:effectRef idx="0">
+            <a:schemeClr val="accent1"/>
+          </a:effectRef>
+          <a:fontRef idx="minor">
+            <a:schemeClr val="tx1"/>
+          </a:fontRef>
+        </p:style>
+      </p:cxnSp>
+      <p:cxnSp>
+        <p:nvCxnSpPr>
+          <p:cNvPr id="24" name="Connector: Elbow 23">
+            <a:extLst>
+              <a:ext uri="{FF2B5EF4-FFF2-40B4-BE49-F238E27FC236}">
+                <a16:creationId xmlns:a16="http://schemas.microsoft.com/office/drawing/2014/main" id="{7B2DE004-3D51-4BC1-8E7C-A07D55FAD03B}"/>
+              </a:ext>
+            </a:extLst>
+          </p:cNvPr>
+          <p:cNvCxnSpPr>
+            <a:cxnSpLocks/>
+          </p:cNvCxnSpPr>
+          <p:nvPr/>
+        </p:nvCxnSpPr>
+        <p:spPr>
+          <a:xfrm rot="5400000" flipH="1" flipV="1">
+            <a:off x="5175815" y="3821768"/>
+            <a:ext cx="509582" cy="111302"/>
+          </a:xfrm>
+          <a:prstGeom prst="bentConnector3">
+            <a:avLst>
+              <a:gd name="adj1" fmla="val 50000"/>
+            </a:avLst>
+          </a:prstGeom>
+          <a:ln w="38100">
+            <a:solidFill>
+              <a:schemeClr val="bg1"/>
+            </a:solidFill>
+            <a:tailEnd type="triangle"/>
+          </a:ln>
+        </p:spPr>
+        <p:style>
+          <a:lnRef idx="1">
+            <a:schemeClr val="accent1"/>
+          </a:lnRef>
+          <a:fillRef idx="0">
+            <a:schemeClr val="accent1"/>
+          </a:fillRef>
+          <a:effectRef idx="0">
+            <a:schemeClr val="accent1"/>
+          </a:effectRef>
+          <a:fontRef idx="minor">
+            <a:schemeClr val="tx1"/>
+          </a:fontRef>
+        </p:style>
+      </p:cxnSp>
+      <p:cxnSp>
+        <p:nvCxnSpPr>
+          <p:cNvPr id="27" name="Connector: Elbow 26">
+            <a:extLst>
+              <a:ext uri="{FF2B5EF4-FFF2-40B4-BE49-F238E27FC236}">
+                <a16:creationId xmlns:a16="http://schemas.microsoft.com/office/drawing/2014/main" id="{1A0DD48F-41F0-4351-9129-31E3A8F10BDF}"/>
+              </a:ext>
+            </a:extLst>
+          </p:cNvPr>
+          <p:cNvCxnSpPr>
+            <a:cxnSpLocks/>
+          </p:cNvCxnSpPr>
+          <p:nvPr/>
+        </p:nvCxnSpPr>
+        <p:spPr>
+          <a:xfrm rot="5400000" flipH="1" flipV="1">
+            <a:off x="6243494" y="4951636"/>
+            <a:ext cx="509172" cy="337350"/>
+          </a:xfrm>
+          <a:prstGeom prst="bentConnector3">
+            <a:avLst>
+              <a:gd name="adj1" fmla="val 50000"/>
+            </a:avLst>
+          </a:prstGeom>
+          <a:ln w="38100">
+            <a:solidFill>
+              <a:schemeClr val="bg1"/>
+            </a:solidFill>
+            <a:tailEnd type="triangle"/>
+          </a:ln>
+        </p:spPr>
+        <p:style>
+          <a:lnRef idx="1">
+            <a:schemeClr val="accent1"/>
+          </a:lnRef>
+          <a:fillRef idx="0">
+            <a:schemeClr val="accent1"/>
+          </a:fillRef>
+          <a:effectRef idx="0">
+            <a:schemeClr val="accent1"/>
+          </a:effectRef>
+          <a:fontRef idx="minor">
+            <a:schemeClr val="tx1"/>
+          </a:fontRef>
+        </p:style>
+      </p:cxnSp>
+      <p:cxnSp>
+        <p:nvCxnSpPr>
+          <p:cNvPr id="31" name="Connector: Elbow 30">
+            <a:extLst>
+              <a:ext uri="{FF2B5EF4-FFF2-40B4-BE49-F238E27FC236}">
+                <a16:creationId xmlns:a16="http://schemas.microsoft.com/office/drawing/2014/main" id="{2C58E571-9B77-4DDC-9D68-2AA68BF63D1F}"/>
+              </a:ext>
+            </a:extLst>
+          </p:cNvPr>
+          <p:cNvCxnSpPr>
+            <a:cxnSpLocks/>
+          </p:cNvCxnSpPr>
+          <p:nvPr/>
+        </p:nvCxnSpPr>
+        <p:spPr>
+          <a:xfrm rot="16200000" flipV="1">
+            <a:off x="7242825" y="3777989"/>
+            <a:ext cx="795576" cy="484855"/>
+          </a:xfrm>
+          <a:prstGeom prst="bentConnector3">
+            <a:avLst>
+              <a:gd name="adj1" fmla="val 50000"/>
+            </a:avLst>
+          </a:prstGeom>
+          <a:ln w="38100">
+            <a:solidFill>
+              <a:schemeClr val="bg1"/>
+            </a:solidFill>
+            <a:tailEnd type="triangle"/>
+          </a:ln>
+        </p:spPr>
+        <p:style>
+          <a:lnRef idx="1">
+            <a:schemeClr val="accent1"/>
+          </a:lnRef>
+          <a:fillRef idx="0">
+            <a:schemeClr val="accent1"/>
+          </a:fillRef>
+          <a:effectRef idx="0">
+            <a:schemeClr val="accent1"/>
+          </a:effectRef>
+          <a:fontRef idx="minor">
+            <a:schemeClr val="tx1"/>
+          </a:fontRef>
+        </p:style>
+      </p:cxnSp>
+      <p:graphicFrame>
+        <p:nvGraphicFramePr>
+          <p:cNvPr id="9" name="Object 8">
+            <a:extLst>
+              <a:ext uri="{FF2B5EF4-FFF2-40B4-BE49-F238E27FC236}">
+                <a16:creationId xmlns:a16="http://schemas.microsoft.com/office/drawing/2014/main" id="{A1109973-2553-443D-B04A-746EC65CEDBF}"/>
+              </a:ext>
+            </a:extLst>
+          </p:cNvPr>
+          <p:cNvGraphicFramePr>
+            <a:graphicFrameLocks noChangeAspect="1"/>
+          </p:cNvGraphicFramePr>
+          <p:nvPr>
+            <p:extLst>
+              <p:ext uri="{D42A27DB-BD31-4B8C-83A1-F6EECF244321}">
+                <p14:modId xmlns:p14="http://schemas.microsoft.com/office/powerpoint/2010/main" val="2123238999"/>
+              </p:ext>
+            </p:extLst>
+          </p:nvPr>
+        </p:nvGraphicFramePr>
+        <p:xfrm>
+          <a:off x="11123295" y="0"/>
+          <a:ext cx="1068705" cy="628650"/>
+        </p:xfrm>
+        <a:graphic>
+          <a:graphicData uri="http://schemas.openxmlformats.org/presentationml/2006/ole">
+            <mc:AlternateContent xmlns:mc="http://schemas.openxmlformats.org/markup-compatibility/2006">
+              <mc:Choice xmlns:v="urn:schemas-microsoft-com:vml" Requires="v">
+                <p:oleObj spid="_x0000_s4119" name="Packager Shell Object" showAsIcon="1" r:id="rId9" imgW="593280" imgH="349200" progId="Package">
+                  <p:embed/>
+                </p:oleObj>
+              </mc:Choice>
+              <mc:Fallback>
+                <p:oleObj name="Packager Shell Object" showAsIcon="1" r:id="rId9" imgW="593280" imgH="349200" progId="Package">
+                  <p:embed/>
+                  <p:pic>
+                    <p:nvPicPr>
+                      <p:cNvPr id="0" name=""/>
+                      <p:cNvPicPr/>
+                      <p:nvPr/>
+                    </p:nvPicPr>
+                    <p:blipFill>
+                      <a:blip r:embed="rId10"/>
+                      <a:stretch>
+                        <a:fillRect/>
+                      </a:stretch>
+                    </p:blipFill>
+                    <p:spPr>
+                      <a:xfrm>
+                        <a:off x="11123295" y="0"/>
+                        <a:ext cx="1068705" cy="628650"/>
+                      </a:xfrm>
+                      <a:prstGeom prst="rect">
+                        <a:avLst/>
+                      </a:prstGeom>
+                    </p:spPr>
+                  </p:pic>
+                </p:oleObj>
+              </mc:Fallback>
+            </mc:AlternateContent>
+          </a:graphicData>
+        </a:graphic>
+      </p:graphicFrame>
+      <p:sp>
+        <p:nvSpPr>
+          <p:cNvPr id="16" name="Content Placeholder 2">
+            <a:extLst>
+              <a:ext uri="{FF2B5EF4-FFF2-40B4-BE49-F238E27FC236}">
+                <a16:creationId xmlns:a16="http://schemas.microsoft.com/office/drawing/2014/main" id="{8B2FD63F-03EB-4F85-B737-7025096F2B3B}"/>
+              </a:ext>
+            </a:extLst>
+          </p:cNvPr>
+          <p:cNvSpPr>
+            <a:spLocks noGrp="1"/>
+          </p:cNvSpPr>
+          <p:nvPr>
+            <p:ph idx="1"/>
+          </p:nvPr>
+        </p:nvSpPr>
+        <p:spPr>
+          <a:xfrm>
+            <a:off x="9778718" y="782637"/>
+            <a:ext cx="2413282" cy="908051"/>
+          </a:xfrm>
+        </p:spPr>
+        <p:txBody>
+          <a:bodyPr>
+            <a:normAutofit/>
           </a:bodyPr>
           <a:lstStyle/>
           <a:p>
+            <a:pPr marL="0" indent="0">
+              <a:buNone/>
+            </a:pPr>
             <a:r>
-              <a:rPr lang="en-GB" sz="2800" dirty="0">
+              <a:rPr lang="en-GB" dirty="0">
                 <a:solidFill>
                   <a:schemeClr val="bg1">
                     <a:lumMod val="95000"/>
@@ -5036,27 +5480,1235 @@
                 </a:solidFill>
                 <a:latin typeface="Arial Nova Light" panose="020B0304020202020204" pitchFamily="34" charset="0"/>
               </a:rPr>
-              <a:t>&lt;content&gt; </a:t>
+              <a:t>Full process &amp; source code</a:t>
             </a:r>
+          </a:p>
+        </p:txBody>
+      </p:sp>
+      <p:cxnSp>
+        <p:nvCxnSpPr>
+          <p:cNvPr id="17" name="Connector: Elbow 16">
+            <a:extLst>
+              <a:ext uri="{FF2B5EF4-FFF2-40B4-BE49-F238E27FC236}">
+                <a16:creationId xmlns:a16="http://schemas.microsoft.com/office/drawing/2014/main" id="{8D57F104-100E-48CC-9CDA-BD651E5D001B}"/>
+              </a:ext>
+            </a:extLst>
+          </p:cNvPr>
+          <p:cNvCxnSpPr>
+            <a:cxnSpLocks/>
+            <a:stCxn id="16" idx="1"/>
+          </p:cNvCxnSpPr>
+          <p:nvPr/>
+        </p:nvCxnSpPr>
+        <p:spPr>
+          <a:xfrm rot="10800000" flipH="1">
+            <a:off x="9778717" y="365125"/>
+            <a:ext cx="1317909" cy="871538"/>
+          </a:xfrm>
+          <a:prstGeom prst="bentConnector3">
+            <a:avLst>
+              <a:gd name="adj1" fmla="val -17346"/>
+            </a:avLst>
+          </a:prstGeom>
+          <a:ln w="38100">
+            <a:solidFill>
+              <a:schemeClr val="bg1"/>
+            </a:solidFill>
+            <a:tailEnd type="triangle"/>
+          </a:ln>
+        </p:spPr>
+        <p:style>
+          <a:lnRef idx="1">
+            <a:schemeClr val="accent1"/>
+          </a:lnRef>
+          <a:fillRef idx="0">
+            <a:schemeClr val="accent1"/>
+          </a:fillRef>
+          <a:effectRef idx="0">
+            <a:schemeClr val="accent1"/>
+          </a:effectRef>
+          <a:fontRef idx="minor">
+            <a:schemeClr val="tx1"/>
+          </a:fontRef>
+        </p:style>
+      </p:cxnSp>
+      <p:sp>
+        <p:nvSpPr>
+          <p:cNvPr id="10" name="Rectangle 9">
+            <a:extLst>
+              <a:ext uri="{FF2B5EF4-FFF2-40B4-BE49-F238E27FC236}">
+                <a16:creationId xmlns:a16="http://schemas.microsoft.com/office/drawing/2014/main" id="{E8B7A3F6-F2C6-4B5A-BCEC-D8FC8E1B887D}"/>
+              </a:ext>
+            </a:extLst>
+          </p:cNvPr>
+          <p:cNvSpPr/>
+          <p:nvPr/>
+        </p:nvSpPr>
+        <p:spPr>
+          <a:xfrm>
+            <a:off x="4735229" y="1287382"/>
+            <a:ext cx="639726" cy="293768"/>
+          </a:xfrm>
+          <a:prstGeom prst="rect">
+            <a:avLst/>
+          </a:prstGeom>
+          <a:solidFill>
+            <a:schemeClr val="accent4">
+              <a:alpha val="40000"/>
+            </a:schemeClr>
+          </a:solidFill>
+          <a:ln>
+            <a:noFill/>
+          </a:ln>
+        </p:spPr>
+        <p:style>
+          <a:lnRef idx="2">
+            <a:schemeClr val="accent1">
+              <a:shade val="50000"/>
+            </a:schemeClr>
+          </a:lnRef>
+          <a:fillRef idx="1">
+            <a:schemeClr val="accent1"/>
+          </a:fillRef>
+          <a:effectRef idx="0">
+            <a:schemeClr val="accent1"/>
+          </a:effectRef>
+          <a:fontRef idx="minor">
+            <a:schemeClr val="lt1"/>
+          </a:fontRef>
+        </p:style>
+        <p:txBody>
+          <a:bodyPr rtlCol="0" anchor="ctr"/>
+          <a:lstStyle/>
+          <a:p>
+            <a:pPr algn="ctr"/>
+            <a:endParaRPr lang="en-GB"/>
+          </a:p>
+        </p:txBody>
+      </p:sp>
+      <p:sp>
+        <p:nvSpPr>
+          <p:cNvPr id="19" name="Rectangle 18">
+            <a:extLst>
+              <a:ext uri="{FF2B5EF4-FFF2-40B4-BE49-F238E27FC236}">
+                <a16:creationId xmlns:a16="http://schemas.microsoft.com/office/drawing/2014/main" id="{12554B1F-C945-4F92-BA48-B29E36C14836}"/>
+              </a:ext>
+            </a:extLst>
+          </p:cNvPr>
+          <p:cNvSpPr/>
+          <p:nvPr/>
+        </p:nvSpPr>
+        <p:spPr>
+          <a:xfrm>
+            <a:off x="4735229" y="1842964"/>
+            <a:ext cx="639726" cy="293768"/>
+          </a:xfrm>
+          <a:prstGeom prst="rect">
+            <a:avLst/>
+          </a:prstGeom>
+          <a:solidFill>
+            <a:schemeClr val="accent4">
+              <a:alpha val="40000"/>
+            </a:schemeClr>
+          </a:solidFill>
+          <a:ln>
+            <a:noFill/>
+          </a:ln>
+        </p:spPr>
+        <p:style>
+          <a:lnRef idx="2">
+            <a:schemeClr val="accent1">
+              <a:shade val="50000"/>
+            </a:schemeClr>
+          </a:lnRef>
+          <a:fillRef idx="1">
+            <a:schemeClr val="accent1"/>
+          </a:fillRef>
+          <a:effectRef idx="0">
+            <a:schemeClr val="accent1"/>
+          </a:effectRef>
+          <a:fontRef idx="minor">
+            <a:schemeClr val="lt1"/>
+          </a:fontRef>
+        </p:style>
+        <p:txBody>
+          <a:bodyPr rtlCol="0" anchor="ctr"/>
+          <a:lstStyle/>
+          <a:p>
+            <a:pPr algn="ctr"/>
+            <a:endParaRPr lang="en-GB"/>
+          </a:p>
+        </p:txBody>
+      </p:sp>
+      <p:sp>
+        <p:nvSpPr>
+          <p:cNvPr id="20" name="Rectangle 19">
+            <a:extLst>
+              <a:ext uri="{FF2B5EF4-FFF2-40B4-BE49-F238E27FC236}">
+                <a16:creationId xmlns:a16="http://schemas.microsoft.com/office/drawing/2014/main" id="{1879CC53-0066-4107-A325-2C43CB8FE9E6}"/>
+              </a:ext>
+            </a:extLst>
+          </p:cNvPr>
+          <p:cNvSpPr/>
+          <p:nvPr/>
+        </p:nvSpPr>
+        <p:spPr>
+          <a:xfrm>
+            <a:off x="6346892" y="1341285"/>
+            <a:ext cx="319863" cy="239865"/>
+          </a:xfrm>
+          <a:prstGeom prst="rect">
+            <a:avLst/>
+          </a:prstGeom>
+          <a:solidFill>
+            <a:schemeClr val="accent4">
+              <a:alpha val="40000"/>
+            </a:schemeClr>
+          </a:solidFill>
+          <a:ln>
+            <a:noFill/>
+          </a:ln>
+        </p:spPr>
+        <p:style>
+          <a:lnRef idx="2">
+            <a:schemeClr val="accent1">
+              <a:shade val="50000"/>
+            </a:schemeClr>
+          </a:lnRef>
+          <a:fillRef idx="1">
+            <a:schemeClr val="accent1"/>
+          </a:fillRef>
+          <a:effectRef idx="0">
+            <a:schemeClr val="accent1"/>
+          </a:effectRef>
+          <a:fontRef idx="minor">
+            <a:schemeClr val="lt1"/>
+          </a:fontRef>
+        </p:style>
+        <p:txBody>
+          <a:bodyPr rtlCol="0" anchor="ctr"/>
+          <a:lstStyle/>
+          <a:p>
+            <a:pPr algn="ctr"/>
+            <a:endParaRPr lang="en-GB"/>
+          </a:p>
+        </p:txBody>
+      </p:sp>
+      <p:sp>
+        <p:nvSpPr>
+          <p:cNvPr id="21" name="Rectangle 20">
+            <a:extLst>
+              <a:ext uri="{FF2B5EF4-FFF2-40B4-BE49-F238E27FC236}">
+                <a16:creationId xmlns:a16="http://schemas.microsoft.com/office/drawing/2014/main" id="{3A695D3B-6A09-4EA7-A889-F2EB0B179438}"/>
+              </a:ext>
+            </a:extLst>
+          </p:cNvPr>
+          <p:cNvSpPr/>
+          <p:nvPr/>
+        </p:nvSpPr>
+        <p:spPr>
+          <a:xfrm>
+            <a:off x="6346892" y="1859734"/>
+            <a:ext cx="386783" cy="276998"/>
+          </a:xfrm>
+          <a:prstGeom prst="rect">
+            <a:avLst/>
+          </a:prstGeom>
+          <a:solidFill>
+            <a:schemeClr val="accent4">
+              <a:alpha val="40000"/>
+            </a:schemeClr>
+          </a:solidFill>
+          <a:ln>
+            <a:noFill/>
+          </a:ln>
+        </p:spPr>
+        <p:style>
+          <a:lnRef idx="2">
+            <a:schemeClr val="accent1">
+              <a:shade val="50000"/>
+            </a:schemeClr>
+          </a:lnRef>
+          <a:fillRef idx="1">
+            <a:schemeClr val="accent1"/>
+          </a:fillRef>
+          <a:effectRef idx="0">
+            <a:schemeClr val="accent1"/>
+          </a:effectRef>
+          <a:fontRef idx="minor">
+            <a:schemeClr val="lt1"/>
+          </a:fontRef>
+        </p:style>
+        <p:txBody>
+          <a:bodyPr rtlCol="0" anchor="ctr"/>
+          <a:lstStyle/>
+          <a:p>
+            <a:pPr algn="ctr"/>
+            <a:endParaRPr lang="en-GB"/>
+          </a:p>
+        </p:txBody>
+      </p:sp>
+      <p:sp>
+        <p:nvSpPr>
+          <p:cNvPr id="23" name="Rectangle 22">
+            <a:extLst>
+              <a:ext uri="{FF2B5EF4-FFF2-40B4-BE49-F238E27FC236}">
+                <a16:creationId xmlns:a16="http://schemas.microsoft.com/office/drawing/2014/main" id="{FE2297B7-F41A-4AFA-8439-D08CFA837EF1}"/>
+              </a:ext>
+            </a:extLst>
+          </p:cNvPr>
+          <p:cNvSpPr/>
+          <p:nvPr/>
+        </p:nvSpPr>
+        <p:spPr>
+          <a:xfrm>
+            <a:off x="6329404" y="3069147"/>
+            <a:ext cx="585745" cy="397914"/>
+          </a:xfrm>
+          <a:prstGeom prst="rect">
+            <a:avLst/>
+          </a:prstGeom>
+          <a:solidFill>
+            <a:schemeClr val="accent4">
+              <a:alpha val="40000"/>
+            </a:schemeClr>
+          </a:solidFill>
+          <a:ln>
+            <a:noFill/>
+          </a:ln>
+        </p:spPr>
+        <p:style>
+          <a:lnRef idx="2">
+            <a:schemeClr val="accent1">
+              <a:shade val="50000"/>
+            </a:schemeClr>
+          </a:lnRef>
+          <a:fillRef idx="1">
+            <a:schemeClr val="accent1"/>
+          </a:fillRef>
+          <a:effectRef idx="0">
+            <a:schemeClr val="accent1"/>
+          </a:effectRef>
+          <a:fontRef idx="minor">
+            <a:schemeClr val="lt1"/>
+          </a:fontRef>
+        </p:style>
+        <p:txBody>
+          <a:bodyPr rtlCol="0" anchor="ctr"/>
+          <a:lstStyle/>
+          <a:p>
+            <a:pPr algn="ctr"/>
+            <a:endParaRPr lang="en-GB"/>
+          </a:p>
+        </p:txBody>
+      </p:sp>
+      <p:sp>
+        <p:nvSpPr>
+          <p:cNvPr id="25" name="Rectangle 24">
+            <a:extLst>
+              <a:ext uri="{FF2B5EF4-FFF2-40B4-BE49-F238E27FC236}">
+                <a16:creationId xmlns:a16="http://schemas.microsoft.com/office/drawing/2014/main" id="{707C8744-649B-48FA-BF9C-1FC95BE6701F}"/>
+              </a:ext>
+            </a:extLst>
+          </p:cNvPr>
+          <p:cNvSpPr/>
+          <p:nvPr/>
+        </p:nvSpPr>
+        <p:spPr>
+          <a:xfrm>
+            <a:off x="8583329" y="4520947"/>
+            <a:ext cx="474946" cy="165353"/>
+          </a:xfrm>
+          <a:prstGeom prst="rect">
+            <a:avLst/>
+          </a:prstGeom>
+          <a:solidFill>
+            <a:schemeClr val="accent4">
+              <a:alpha val="40000"/>
+            </a:schemeClr>
+          </a:solidFill>
+          <a:ln>
+            <a:noFill/>
+          </a:ln>
+        </p:spPr>
+        <p:style>
+          <a:lnRef idx="2">
+            <a:schemeClr val="accent1">
+              <a:shade val="50000"/>
+            </a:schemeClr>
+          </a:lnRef>
+          <a:fillRef idx="1">
+            <a:schemeClr val="accent1"/>
+          </a:fillRef>
+          <a:effectRef idx="0">
+            <a:schemeClr val="accent1"/>
+          </a:effectRef>
+          <a:fontRef idx="minor">
+            <a:schemeClr val="lt1"/>
+          </a:fontRef>
+        </p:style>
+        <p:txBody>
+          <a:bodyPr rtlCol="0" anchor="ctr"/>
+          <a:lstStyle/>
+          <a:p>
+            <a:pPr algn="ctr"/>
+            <a:endParaRPr lang="en-GB"/>
+          </a:p>
+        </p:txBody>
+      </p:sp>
+      <p:sp>
+        <p:nvSpPr>
+          <p:cNvPr id="26" name="Rectangle 25">
+            <a:extLst>
+              <a:ext uri="{FF2B5EF4-FFF2-40B4-BE49-F238E27FC236}">
+                <a16:creationId xmlns:a16="http://schemas.microsoft.com/office/drawing/2014/main" id="{9A89A18B-F902-4AB2-8F21-4D320BB24244}"/>
+              </a:ext>
+            </a:extLst>
+          </p:cNvPr>
+          <p:cNvSpPr/>
+          <p:nvPr/>
+        </p:nvSpPr>
+        <p:spPr>
+          <a:xfrm>
+            <a:off x="9473732" y="4533783"/>
+            <a:ext cx="474946" cy="165353"/>
+          </a:xfrm>
+          <a:prstGeom prst="rect">
+            <a:avLst/>
+          </a:prstGeom>
+          <a:solidFill>
+            <a:schemeClr val="accent4">
+              <a:alpha val="40000"/>
+            </a:schemeClr>
+          </a:solidFill>
+          <a:ln>
+            <a:noFill/>
+          </a:ln>
+        </p:spPr>
+        <p:style>
+          <a:lnRef idx="2">
+            <a:schemeClr val="accent1">
+              <a:shade val="50000"/>
+            </a:schemeClr>
+          </a:lnRef>
+          <a:fillRef idx="1">
+            <a:schemeClr val="accent1"/>
+          </a:fillRef>
+          <a:effectRef idx="0">
+            <a:schemeClr val="accent1"/>
+          </a:effectRef>
+          <a:fontRef idx="minor">
+            <a:schemeClr val="lt1"/>
+          </a:fontRef>
+        </p:style>
+        <p:txBody>
+          <a:bodyPr rtlCol="0" anchor="ctr"/>
+          <a:lstStyle/>
+          <a:p>
+            <a:pPr algn="ctr"/>
+            <a:endParaRPr lang="en-GB"/>
+          </a:p>
+        </p:txBody>
+      </p:sp>
+      <p:sp>
+        <p:nvSpPr>
+          <p:cNvPr id="28" name="Rectangle 27">
+            <a:extLst>
+              <a:ext uri="{FF2B5EF4-FFF2-40B4-BE49-F238E27FC236}">
+                <a16:creationId xmlns:a16="http://schemas.microsoft.com/office/drawing/2014/main" id="{D6B5343E-E4E5-4EC0-8B5F-DAD7F7CA83D6}"/>
+              </a:ext>
+            </a:extLst>
+          </p:cNvPr>
+          <p:cNvSpPr/>
+          <p:nvPr/>
+        </p:nvSpPr>
+        <p:spPr>
+          <a:xfrm>
+            <a:off x="4146553" y="5898897"/>
+            <a:ext cx="339722" cy="212978"/>
+          </a:xfrm>
+          <a:prstGeom prst="rect">
+            <a:avLst/>
+          </a:prstGeom>
+          <a:solidFill>
+            <a:schemeClr val="accent4">
+              <a:alpha val="40000"/>
+            </a:schemeClr>
+          </a:solidFill>
+          <a:ln>
+            <a:noFill/>
+          </a:ln>
+        </p:spPr>
+        <p:style>
+          <a:lnRef idx="2">
+            <a:schemeClr val="accent1">
+              <a:shade val="50000"/>
+            </a:schemeClr>
+          </a:lnRef>
+          <a:fillRef idx="1">
+            <a:schemeClr val="accent1"/>
+          </a:fillRef>
+          <a:effectRef idx="0">
+            <a:schemeClr val="accent1"/>
+          </a:effectRef>
+          <a:fontRef idx="minor">
+            <a:schemeClr val="lt1"/>
+          </a:fontRef>
+        </p:style>
+        <p:txBody>
+          <a:bodyPr rtlCol="0" anchor="ctr"/>
+          <a:lstStyle/>
+          <a:p>
+            <a:pPr algn="ctr"/>
+            <a:endParaRPr lang="en-GB"/>
+          </a:p>
+        </p:txBody>
+      </p:sp>
+      <p:sp>
+        <p:nvSpPr>
+          <p:cNvPr id="29" name="Rectangle 28">
+            <a:extLst>
+              <a:ext uri="{FF2B5EF4-FFF2-40B4-BE49-F238E27FC236}">
+                <a16:creationId xmlns:a16="http://schemas.microsoft.com/office/drawing/2014/main" id="{D0588B22-5A30-4F8B-A26A-DA05A0995846}"/>
+              </a:ext>
+            </a:extLst>
+          </p:cNvPr>
+          <p:cNvSpPr/>
+          <p:nvPr/>
+        </p:nvSpPr>
+        <p:spPr>
+          <a:xfrm>
+            <a:off x="4955660" y="5525425"/>
+            <a:ext cx="474946" cy="165353"/>
+          </a:xfrm>
+          <a:prstGeom prst="rect">
+            <a:avLst/>
+          </a:prstGeom>
+          <a:solidFill>
+            <a:schemeClr val="accent4">
+              <a:alpha val="40000"/>
+            </a:schemeClr>
+          </a:solidFill>
+          <a:ln>
+            <a:noFill/>
+          </a:ln>
+        </p:spPr>
+        <p:style>
+          <a:lnRef idx="2">
+            <a:schemeClr val="accent1">
+              <a:shade val="50000"/>
+            </a:schemeClr>
+          </a:lnRef>
+          <a:fillRef idx="1">
+            <a:schemeClr val="accent1"/>
+          </a:fillRef>
+          <a:effectRef idx="0">
+            <a:schemeClr val="accent1"/>
+          </a:effectRef>
+          <a:fontRef idx="minor">
+            <a:schemeClr val="lt1"/>
+          </a:fontRef>
+        </p:style>
+        <p:txBody>
+          <a:bodyPr rtlCol="0" anchor="ctr"/>
+          <a:lstStyle/>
+          <a:p>
+            <a:pPr algn="ctr"/>
+            <a:endParaRPr lang="en-GB"/>
+          </a:p>
+        </p:txBody>
+      </p:sp>
+      <p:sp>
+        <p:nvSpPr>
+          <p:cNvPr id="30" name="Rectangle 29">
+            <a:extLst>
+              <a:ext uri="{FF2B5EF4-FFF2-40B4-BE49-F238E27FC236}">
+                <a16:creationId xmlns:a16="http://schemas.microsoft.com/office/drawing/2014/main" id="{CC815E87-0727-4F83-A76D-CF6D63370F88}"/>
+              </a:ext>
+            </a:extLst>
+          </p:cNvPr>
+          <p:cNvSpPr/>
+          <p:nvPr/>
+        </p:nvSpPr>
+        <p:spPr>
+          <a:xfrm>
+            <a:off x="5569721" y="5733545"/>
+            <a:ext cx="250054" cy="129720"/>
+          </a:xfrm>
+          <a:prstGeom prst="rect">
+            <a:avLst/>
+          </a:prstGeom>
+          <a:solidFill>
+            <a:schemeClr val="accent4">
+              <a:alpha val="40000"/>
+            </a:schemeClr>
+          </a:solidFill>
+          <a:ln>
+            <a:noFill/>
+          </a:ln>
+        </p:spPr>
+        <p:style>
+          <a:lnRef idx="2">
+            <a:schemeClr val="accent1">
+              <a:shade val="50000"/>
+            </a:schemeClr>
+          </a:lnRef>
+          <a:fillRef idx="1">
+            <a:schemeClr val="accent1"/>
+          </a:fillRef>
+          <a:effectRef idx="0">
+            <a:schemeClr val="accent1"/>
+          </a:effectRef>
+          <a:fontRef idx="minor">
+            <a:schemeClr val="lt1"/>
+          </a:fontRef>
+        </p:style>
+        <p:txBody>
+          <a:bodyPr rtlCol="0" anchor="ctr"/>
+          <a:lstStyle/>
+          <a:p>
+            <a:pPr algn="ctr"/>
+            <a:endParaRPr lang="en-GB"/>
+          </a:p>
+        </p:txBody>
+      </p:sp>
+      <p:sp>
+        <p:nvSpPr>
+          <p:cNvPr id="32" name="Rectangle 31">
+            <a:extLst>
+              <a:ext uri="{FF2B5EF4-FFF2-40B4-BE49-F238E27FC236}">
+                <a16:creationId xmlns:a16="http://schemas.microsoft.com/office/drawing/2014/main" id="{997ECCC8-67E5-4438-8EA5-2804E6595F06}"/>
+              </a:ext>
+            </a:extLst>
+          </p:cNvPr>
+          <p:cNvSpPr/>
+          <p:nvPr/>
+        </p:nvSpPr>
+        <p:spPr>
+          <a:xfrm>
+            <a:off x="6248026" y="5561058"/>
+            <a:ext cx="250054" cy="129720"/>
+          </a:xfrm>
+          <a:prstGeom prst="rect">
+            <a:avLst/>
+          </a:prstGeom>
+          <a:solidFill>
+            <a:schemeClr val="accent4">
+              <a:alpha val="40000"/>
+            </a:schemeClr>
+          </a:solidFill>
+          <a:ln>
+            <a:noFill/>
+          </a:ln>
+        </p:spPr>
+        <p:style>
+          <a:lnRef idx="2">
+            <a:schemeClr val="accent1">
+              <a:shade val="50000"/>
+            </a:schemeClr>
+          </a:lnRef>
+          <a:fillRef idx="1">
+            <a:schemeClr val="accent1"/>
+          </a:fillRef>
+          <a:effectRef idx="0">
+            <a:schemeClr val="accent1"/>
+          </a:effectRef>
+          <a:fontRef idx="minor">
+            <a:schemeClr val="lt1"/>
+          </a:fontRef>
+        </p:style>
+        <p:txBody>
+          <a:bodyPr rtlCol="0" anchor="ctr"/>
+          <a:lstStyle/>
+          <a:p>
+            <a:pPr algn="ctr"/>
+            <a:endParaRPr lang="en-GB"/>
+          </a:p>
+        </p:txBody>
+      </p:sp>
+      <p:sp>
+        <p:nvSpPr>
+          <p:cNvPr id="33" name="Rectangle 32">
+            <a:extLst>
+              <a:ext uri="{FF2B5EF4-FFF2-40B4-BE49-F238E27FC236}">
+                <a16:creationId xmlns:a16="http://schemas.microsoft.com/office/drawing/2014/main" id="{326F1983-29AC-4F0B-8226-AEB60D9FF988}"/>
+              </a:ext>
+            </a:extLst>
+          </p:cNvPr>
+          <p:cNvSpPr/>
+          <p:nvPr/>
+        </p:nvSpPr>
+        <p:spPr>
+          <a:xfrm>
+            <a:off x="6811980" y="5727883"/>
+            <a:ext cx="250054" cy="129720"/>
+          </a:xfrm>
+          <a:prstGeom prst="rect">
+            <a:avLst/>
+          </a:prstGeom>
+          <a:solidFill>
+            <a:schemeClr val="accent4">
+              <a:alpha val="40000"/>
+            </a:schemeClr>
+          </a:solidFill>
+          <a:ln>
+            <a:noFill/>
+          </a:ln>
+        </p:spPr>
+        <p:style>
+          <a:lnRef idx="2">
+            <a:schemeClr val="accent1">
+              <a:shade val="50000"/>
+            </a:schemeClr>
+          </a:lnRef>
+          <a:fillRef idx="1">
+            <a:schemeClr val="accent1"/>
+          </a:fillRef>
+          <a:effectRef idx="0">
+            <a:schemeClr val="accent1"/>
+          </a:effectRef>
+          <a:fontRef idx="minor">
+            <a:schemeClr val="lt1"/>
+          </a:fontRef>
+        </p:style>
+        <p:txBody>
+          <a:bodyPr rtlCol="0" anchor="ctr"/>
+          <a:lstStyle/>
+          <a:p>
+            <a:pPr algn="ctr"/>
+            <a:endParaRPr lang="en-GB"/>
+          </a:p>
+        </p:txBody>
+      </p:sp>
+      <p:sp>
+        <p:nvSpPr>
+          <p:cNvPr id="34" name="Rectangle 33">
+            <a:extLst>
+              <a:ext uri="{FF2B5EF4-FFF2-40B4-BE49-F238E27FC236}">
+                <a16:creationId xmlns:a16="http://schemas.microsoft.com/office/drawing/2014/main" id="{CD918344-35FE-467D-816E-65BCDF730E07}"/>
+              </a:ext>
+            </a:extLst>
+          </p:cNvPr>
+          <p:cNvSpPr/>
+          <p:nvPr/>
+        </p:nvSpPr>
+        <p:spPr>
+          <a:xfrm>
+            <a:off x="7315500" y="5546862"/>
+            <a:ext cx="250054" cy="129720"/>
+          </a:xfrm>
+          <a:prstGeom prst="rect">
+            <a:avLst/>
+          </a:prstGeom>
+          <a:solidFill>
+            <a:schemeClr val="accent4">
+              <a:alpha val="40000"/>
+            </a:schemeClr>
+          </a:solidFill>
+          <a:ln>
+            <a:noFill/>
+          </a:ln>
+        </p:spPr>
+        <p:style>
+          <a:lnRef idx="2">
+            <a:schemeClr val="accent1">
+              <a:shade val="50000"/>
+            </a:schemeClr>
+          </a:lnRef>
+          <a:fillRef idx="1">
+            <a:schemeClr val="accent1"/>
+          </a:fillRef>
+          <a:effectRef idx="0">
+            <a:schemeClr val="accent1"/>
+          </a:effectRef>
+          <a:fontRef idx="minor">
+            <a:schemeClr val="lt1"/>
+          </a:fontRef>
+        </p:style>
+        <p:txBody>
+          <a:bodyPr rtlCol="0" anchor="ctr"/>
+          <a:lstStyle/>
+          <a:p>
+            <a:pPr algn="ctr"/>
+            <a:endParaRPr lang="en-GB"/>
+          </a:p>
+        </p:txBody>
+      </p:sp>
+      <p:sp>
+        <p:nvSpPr>
+          <p:cNvPr id="35" name="Rectangle 34">
+            <a:extLst>
+              <a:ext uri="{FF2B5EF4-FFF2-40B4-BE49-F238E27FC236}">
+                <a16:creationId xmlns:a16="http://schemas.microsoft.com/office/drawing/2014/main" id="{C260F4E0-72B7-467C-B3E7-9208E86CA979}"/>
+              </a:ext>
+            </a:extLst>
+          </p:cNvPr>
+          <p:cNvSpPr/>
+          <p:nvPr/>
+        </p:nvSpPr>
+        <p:spPr>
+          <a:xfrm>
+            <a:off x="7910248" y="5535932"/>
+            <a:ext cx="250054" cy="129720"/>
+          </a:xfrm>
+          <a:prstGeom prst="rect">
+            <a:avLst/>
+          </a:prstGeom>
+          <a:solidFill>
+            <a:schemeClr val="accent4">
+              <a:alpha val="40000"/>
+            </a:schemeClr>
+          </a:solidFill>
+          <a:ln>
+            <a:noFill/>
+          </a:ln>
+        </p:spPr>
+        <p:style>
+          <a:lnRef idx="2">
+            <a:schemeClr val="accent1">
+              <a:shade val="50000"/>
+            </a:schemeClr>
+          </a:lnRef>
+          <a:fillRef idx="1">
+            <a:schemeClr val="accent1"/>
+          </a:fillRef>
+          <a:effectRef idx="0">
+            <a:schemeClr val="accent1"/>
+          </a:effectRef>
+          <a:fontRef idx="minor">
+            <a:schemeClr val="lt1"/>
+          </a:fontRef>
+        </p:style>
+        <p:txBody>
+          <a:bodyPr rtlCol="0" anchor="ctr"/>
+          <a:lstStyle/>
+          <a:p>
+            <a:pPr algn="ctr"/>
+            <a:endParaRPr lang="en-GB"/>
+          </a:p>
+        </p:txBody>
+      </p:sp>
+      <p:sp>
+        <p:nvSpPr>
+          <p:cNvPr id="36" name="Rectangle 35">
+            <a:extLst>
+              <a:ext uri="{FF2B5EF4-FFF2-40B4-BE49-F238E27FC236}">
+                <a16:creationId xmlns:a16="http://schemas.microsoft.com/office/drawing/2014/main" id="{7DEF1FE7-B6E7-43C0-AB91-DB0BB998CFF7}"/>
+              </a:ext>
+            </a:extLst>
+          </p:cNvPr>
+          <p:cNvSpPr/>
+          <p:nvPr/>
+        </p:nvSpPr>
+        <p:spPr>
+          <a:xfrm>
+            <a:off x="8504996" y="5659756"/>
+            <a:ext cx="472726" cy="129720"/>
+          </a:xfrm>
+          <a:prstGeom prst="rect">
+            <a:avLst/>
+          </a:prstGeom>
+          <a:solidFill>
+            <a:schemeClr val="accent4">
+              <a:alpha val="40000"/>
+            </a:schemeClr>
+          </a:solidFill>
+          <a:ln>
+            <a:noFill/>
+          </a:ln>
+        </p:spPr>
+        <p:style>
+          <a:lnRef idx="2">
+            <a:schemeClr val="accent1">
+              <a:shade val="50000"/>
+            </a:schemeClr>
+          </a:lnRef>
+          <a:fillRef idx="1">
+            <a:schemeClr val="accent1"/>
+          </a:fillRef>
+          <a:effectRef idx="0">
+            <a:schemeClr val="accent1"/>
+          </a:effectRef>
+          <a:fontRef idx="minor">
+            <a:schemeClr val="lt1"/>
+          </a:fontRef>
+        </p:style>
+        <p:txBody>
+          <a:bodyPr rtlCol="0" anchor="ctr"/>
+          <a:lstStyle/>
+          <a:p>
+            <a:pPr algn="ctr"/>
+            <a:endParaRPr lang="en-GB"/>
+          </a:p>
+        </p:txBody>
+      </p:sp>
+      <p:sp>
+        <p:nvSpPr>
+          <p:cNvPr id="38" name="Rectangle 37">
+            <a:extLst>
+              <a:ext uri="{FF2B5EF4-FFF2-40B4-BE49-F238E27FC236}">
+                <a16:creationId xmlns:a16="http://schemas.microsoft.com/office/drawing/2014/main" id="{7FF9D179-9F30-449B-B560-9E0400188D46}"/>
+              </a:ext>
+            </a:extLst>
+          </p:cNvPr>
+          <p:cNvSpPr/>
+          <p:nvPr/>
+        </p:nvSpPr>
+        <p:spPr>
+          <a:xfrm>
+            <a:off x="9223678" y="5727883"/>
+            <a:ext cx="250054" cy="129720"/>
+          </a:xfrm>
+          <a:prstGeom prst="rect">
+            <a:avLst/>
+          </a:prstGeom>
+          <a:solidFill>
+            <a:schemeClr val="accent4">
+              <a:alpha val="40000"/>
+            </a:schemeClr>
+          </a:solidFill>
+          <a:ln>
+            <a:noFill/>
+          </a:ln>
+        </p:spPr>
+        <p:style>
+          <a:lnRef idx="2">
+            <a:schemeClr val="accent1">
+              <a:shade val="50000"/>
+            </a:schemeClr>
+          </a:lnRef>
+          <a:fillRef idx="1">
+            <a:schemeClr val="accent1"/>
+          </a:fillRef>
+          <a:effectRef idx="0">
+            <a:schemeClr val="accent1"/>
+          </a:effectRef>
+          <a:fontRef idx="minor">
+            <a:schemeClr val="lt1"/>
+          </a:fontRef>
+        </p:style>
+        <p:txBody>
+          <a:bodyPr rtlCol="0" anchor="ctr"/>
+          <a:lstStyle/>
+          <a:p>
+            <a:pPr algn="ctr"/>
+            <a:endParaRPr lang="en-GB"/>
+          </a:p>
+        </p:txBody>
+      </p:sp>
+      <p:sp>
+        <p:nvSpPr>
+          <p:cNvPr id="39" name="Rectangle 38">
+            <a:extLst>
+              <a:ext uri="{FF2B5EF4-FFF2-40B4-BE49-F238E27FC236}">
+                <a16:creationId xmlns:a16="http://schemas.microsoft.com/office/drawing/2014/main" id="{426BC432-5D4F-4321-93A7-2D8659E31AB5}"/>
+              </a:ext>
+            </a:extLst>
+          </p:cNvPr>
+          <p:cNvSpPr/>
+          <p:nvPr/>
+        </p:nvSpPr>
+        <p:spPr>
+          <a:xfrm>
+            <a:off x="9778717" y="1817303"/>
+            <a:ext cx="2413283" cy="876421"/>
+          </a:xfrm>
+          <a:prstGeom prst="rect">
+            <a:avLst/>
+          </a:prstGeom>
+          <a:solidFill>
+            <a:schemeClr val="accent4">
+              <a:alpha val="40000"/>
+            </a:schemeClr>
+          </a:solidFill>
+          <a:ln>
+            <a:noFill/>
+          </a:ln>
+        </p:spPr>
+        <p:style>
+          <a:lnRef idx="2">
+            <a:schemeClr val="accent1">
+              <a:shade val="50000"/>
+            </a:schemeClr>
+          </a:lnRef>
+          <a:fillRef idx="1">
+            <a:schemeClr val="accent1"/>
+          </a:fillRef>
+          <a:effectRef idx="0">
+            <a:schemeClr val="accent1"/>
+          </a:effectRef>
+          <a:fontRef idx="minor">
+            <a:schemeClr val="lt1"/>
+          </a:fontRef>
+        </p:style>
+        <p:txBody>
+          <a:bodyPr rtlCol="0" anchor="ctr"/>
+          <a:lstStyle/>
+          <a:p>
+            <a:pPr algn="ctr"/>
+            <a:endParaRPr lang="en-GB"/>
+          </a:p>
+        </p:txBody>
+      </p:sp>
+      <p:sp>
+        <p:nvSpPr>
+          <p:cNvPr id="40" name="Content Placeholder 2">
+            <a:extLst>
+              <a:ext uri="{FF2B5EF4-FFF2-40B4-BE49-F238E27FC236}">
+                <a16:creationId xmlns:a16="http://schemas.microsoft.com/office/drawing/2014/main" id="{D23BC02B-BB77-41DB-BAD6-146BCE940EEB}"/>
+              </a:ext>
+            </a:extLst>
+          </p:cNvPr>
+          <p:cNvSpPr txBox="1">
+            <a:spLocks/>
+          </p:cNvSpPr>
+          <p:nvPr/>
+        </p:nvSpPr>
+        <p:spPr>
+          <a:xfrm>
+            <a:off x="9778718" y="1842217"/>
+            <a:ext cx="2413282" cy="908051"/>
+          </a:xfrm>
+          <a:prstGeom prst="rect">
+            <a:avLst/>
+          </a:prstGeom>
+        </p:spPr>
+        <p:txBody>
+          <a:bodyPr vert="horz" lIns="91440" tIns="45720" rIns="91440" bIns="45720" rtlCol="0">
+            <a:normAutofit lnSpcReduction="10000"/>
+          </a:bodyPr>
+          <a:lstStyle>
+            <a:lvl1pPr marL="228600" indent="-228600" algn="l" defTabSz="914400" rtl="0" eaLnBrk="1" latinLnBrk="0" hangingPunct="1">
+              <a:lnSpc>
+                <a:spcPct val="90000"/>
+              </a:lnSpc>
+              <a:spcBef>
+                <a:spcPts val="1000"/>
+              </a:spcBef>
+              <a:buFont typeface="Arial" panose="020B0604020202020204" pitchFamily="34" charset="0"/>
+              <a:buChar char="•"/>
+              <a:defRPr sz="2800" kern="1200">
+                <a:solidFill>
+                  <a:schemeClr val="tx1"/>
+                </a:solidFill>
+                <a:latin typeface="+mn-lt"/>
+                <a:ea typeface="+mn-ea"/>
+                <a:cs typeface="+mn-cs"/>
+              </a:defRPr>
+            </a:lvl1pPr>
+            <a:lvl2pPr marL="685800" indent="-228600" algn="l" defTabSz="914400" rtl="0" eaLnBrk="1" latinLnBrk="0" hangingPunct="1">
+              <a:lnSpc>
+                <a:spcPct val="90000"/>
+              </a:lnSpc>
+              <a:spcBef>
+                <a:spcPts val="500"/>
+              </a:spcBef>
+              <a:buFont typeface="Arial" panose="020B0604020202020204" pitchFamily="34" charset="0"/>
+              <a:buChar char="•"/>
+              <a:defRPr sz="2400" kern="1200">
+                <a:solidFill>
+                  <a:schemeClr val="tx1"/>
+                </a:solidFill>
+                <a:latin typeface="+mn-lt"/>
+                <a:ea typeface="+mn-ea"/>
+                <a:cs typeface="+mn-cs"/>
+              </a:defRPr>
+            </a:lvl2pPr>
+            <a:lvl3pPr marL="1143000" indent="-228600" algn="l" defTabSz="914400" rtl="0" eaLnBrk="1" latinLnBrk="0" hangingPunct="1">
+              <a:lnSpc>
+                <a:spcPct val="90000"/>
+              </a:lnSpc>
+              <a:spcBef>
+                <a:spcPts val="500"/>
+              </a:spcBef>
+              <a:buFont typeface="Arial" panose="020B0604020202020204" pitchFamily="34" charset="0"/>
+              <a:buChar char="•"/>
+              <a:defRPr sz="2000" kern="1200">
+                <a:solidFill>
+                  <a:schemeClr val="tx1"/>
+                </a:solidFill>
+                <a:latin typeface="+mn-lt"/>
+                <a:ea typeface="+mn-ea"/>
+                <a:cs typeface="+mn-cs"/>
+              </a:defRPr>
+            </a:lvl3pPr>
+            <a:lvl4pPr marL="1600200" indent="-228600" algn="l" defTabSz="914400" rtl="0" eaLnBrk="1" latinLnBrk="0" hangingPunct="1">
+              <a:lnSpc>
+                <a:spcPct val="90000"/>
+              </a:lnSpc>
+              <a:spcBef>
+                <a:spcPts val="500"/>
+              </a:spcBef>
+              <a:buFont typeface="Arial" panose="020B0604020202020204" pitchFamily="34" charset="0"/>
+              <a:buChar char="•"/>
+              <a:defRPr sz="1800" kern="1200">
+                <a:solidFill>
+                  <a:schemeClr val="tx1"/>
+                </a:solidFill>
+                <a:latin typeface="+mn-lt"/>
+                <a:ea typeface="+mn-ea"/>
+                <a:cs typeface="+mn-cs"/>
+              </a:defRPr>
+            </a:lvl4pPr>
+            <a:lvl5pPr marL="2057400" indent="-228600" algn="l" defTabSz="914400" rtl="0" eaLnBrk="1" latinLnBrk="0" hangingPunct="1">
+              <a:lnSpc>
+                <a:spcPct val="90000"/>
+              </a:lnSpc>
+              <a:spcBef>
+                <a:spcPts val="500"/>
+              </a:spcBef>
+              <a:buFont typeface="Arial" panose="020B0604020202020204" pitchFamily="34" charset="0"/>
+              <a:buChar char="•"/>
+              <a:defRPr sz="1800" kern="1200">
+                <a:solidFill>
+                  <a:schemeClr val="tx1"/>
+                </a:solidFill>
+                <a:latin typeface="+mn-lt"/>
+                <a:ea typeface="+mn-ea"/>
+                <a:cs typeface="+mn-cs"/>
+              </a:defRPr>
+            </a:lvl5pPr>
+            <a:lvl6pPr marL="2514600" indent="-228600" algn="l" defTabSz="914400" rtl="0" eaLnBrk="1" latinLnBrk="0" hangingPunct="1">
+              <a:lnSpc>
+                <a:spcPct val="90000"/>
+              </a:lnSpc>
+              <a:spcBef>
+                <a:spcPts val="500"/>
+              </a:spcBef>
+              <a:buFont typeface="Arial" panose="020B0604020202020204" pitchFamily="34" charset="0"/>
+              <a:buChar char="•"/>
+              <a:defRPr sz="1800" kern="1200">
+                <a:solidFill>
+                  <a:schemeClr val="tx1"/>
+                </a:solidFill>
+                <a:latin typeface="+mn-lt"/>
+                <a:ea typeface="+mn-ea"/>
+                <a:cs typeface="+mn-cs"/>
+              </a:defRPr>
+            </a:lvl6pPr>
+            <a:lvl7pPr marL="2971800" indent="-228600" algn="l" defTabSz="914400" rtl="0" eaLnBrk="1" latinLnBrk="0" hangingPunct="1">
+              <a:lnSpc>
+                <a:spcPct val="90000"/>
+              </a:lnSpc>
+              <a:spcBef>
+                <a:spcPts val="500"/>
+              </a:spcBef>
+              <a:buFont typeface="Arial" panose="020B0604020202020204" pitchFamily="34" charset="0"/>
+              <a:buChar char="•"/>
+              <a:defRPr sz="1800" kern="1200">
+                <a:solidFill>
+                  <a:schemeClr val="tx1"/>
+                </a:solidFill>
+                <a:latin typeface="+mn-lt"/>
+                <a:ea typeface="+mn-ea"/>
+                <a:cs typeface="+mn-cs"/>
+              </a:defRPr>
+            </a:lvl7pPr>
+            <a:lvl8pPr marL="3429000" indent="-228600" algn="l" defTabSz="914400" rtl="0" eaLnBrk="1" latinLnBrk="0" hangingPunct="1">
+              <a:lnSpc>
+                <a:spcPct val="90000"/>
+              </a:lnSpc>
+              <a:spcBef>
+                <a:spcPts val="500"/>
+              </a:spcBef>
+              <a:buFont typeface="Arial" panose="020B0604020202020204" pitchFamily="34" charset="0"/>
+              <a:buChar char="•"/>
+              <a:defRPr sz="1800" kern="1200">
+                <a:solidFill>
+                  <a:schemeClr val="tx1"/>
+                </a:solidFill>
+                <a:latin typeface="+mn-lt"/>
+                <a:ea typeface="+mn-ea"/>
+                <a:cs typeface="+mn-cs"/>
+              </a:defRPr>
+            </a:lvl8pPr>
+            <a:lvl9pPr marL="3886200" indent="-228600" algn="l" defTabSz="914400" rtl="0" eaLnBrk="1" latinLnBrk="0" hangingPunct="1">
+              <a:lnSpc>
+                <a:spcPct val="90000"/>
+              </a:lnSpc>
+              <a:spcBef>
+                <a:spcPts val="500"/>
+              </a:spcBef>
+              <a:buFont typeface="Arial" panose="020B0604020202020204" pitchFamily="34" charset="0"/>
+              <a:buChar char="•"/>
+              <a:defRPr sz="1800" kern="1200">
+                <a:solidFill>
+                  <a:schemeClr val="tx1"/>
+                </a:solidFill>
+                <a:latin typeface="+mn-lt"/>
+                <a:ea typeface="+mn-ea"/>
+                <a:cs typeface="+mn-cs"/>
+              </a:defRPr>
+            </a:lvl9pPr>
+          </a:lstStyle>
+          <a:p>
+            <a:pPr marL="0" indent="0">
+              <a:buNone/>
+            </a:pPr>
             <a:r>
-              <a:rPr lang="en-GB" sz="2800" b="1" dirty="0">
+              <a:rPr lang="en-GB" dirty="0">
                 <a:solidFill>
-                  <a:schemeClr val="tx2">
-                    <a:lumMod val="75000"/>
+                  <a:schemeClr val="bg1">
+                    <a:lumMod val="95000"/>
                   </a:schemeClr>
                 </a:solidFill>
                 <a:latin typeface="Arial Nova Light" panose="020B0304020202020204" pitchFamily="34" charset="0"/>
               </a:rPr>
-              <a:t>&lt;key concept&gt;</a:t>
+              <a:t>Fitting</a:t>
             </a:r>
-            <a:endParaRPr lang="en-GB" dirty="0"/>
-          </a:p>
-        </p:txBody>
-      </p:sp>
+          </a:p>
+          <a:p>
+            <a:pPr marL="0" indent="0">
+              <a:buNone/>
+            </a:pPr>
+            <a:r>
+              <a:rPr lang="en-GB" dirty="0">
+                <a:solidFill>
+                  <a:schemeClr val="bg1">
+                    <a:lumMod val="95000"/>
+                  </a:schemeClr>
+                </a:solidFill>
+                <a:latin typeface="Arial Nova Light" panose="020B0304020202020204" pitchFamily="34" charset="0"/>
+              </a:rPr>
+              <a:t>parameters</a:t>
+            </a:r>
+          </a:p>
+        </p:txBody>
+      </p:sp>
+      <p:pic>
+        <p:nvPicPr>
+          <p:cNvPr id="13" name="Picture 12">
+            <a:extLst>
+              <a:ext uri="{FF2B5EF4-FFF2-40B4-BE49-F238E27FC236}">
+                <a16:creationId xmlns:a16="http://schemas.microsoft.com/office/drawing/2014/main" id="{1940A64E-95C4-476F-AA78-08E07E22D07E}"/>
+              </a:ext>
+            </a:extLst>
+          </p:cNvPr>
+          <p:cNvPicPr>
+            <a:picLocks noChangeAspect="1"/>
+          </p:cNvPicPr>
+          <p:nvPr/>
+        </p:nvPicPr>
+        <p:blipFill>
+          <a:blip r:embed="rId11"/>
+          <a:stretch>
+            <a:fillRect/>
+          </a:stretch>
+        </p:blipFill>
+        <p:spPr>
+          <a:xfrm>
+            <a:off x="935685" y="6162539"/>
+            <a:ext cx="8878539" cy="695422"/>
+          </a:xfrm>
+          <a:prstGeom prst="rect">
+            <a:avLst/>
+          </a:prstGeom>
+        </p:spPr>
+      </p:pic>
     </p:spTree>
     <p:extLst>
       <p:ext uri="{BB962C8B-B14F-4D97-AF65-F5344CB8AC3E}">
-        <p14:creationId xmlns:p14="http://schemas.microsoft.com/office/powerpoint/2010/main" val="4056039362"/>
+        <p14:creationId xmlns:p14="http://schemas.microsoft.com/office/powerpoint/2010/main" val="2359823918"/>
       </p:ext>
     </p:extLst>
   </p:cSld>
@@ -5123,63 +6775,101 @@
           </a:p>
         </p:txBody>
       </p:sp>
-      <p:sp>
-        <p:nvSpPr>
-          <p:cNvPr id="14" name="Rectangle 13">
-            <a:extLst>
-              <a:ext uri="{FF2B5EF4-FFF2-40B4-BE49-F238E27FC236}">
-                <a16:creationId xmlns:a16="http://schemas.microsoft.com/office/drawing/2014/main" id="{B1FDEF3E-1872-41D3-A841-FBE14801F476}"/>
-              </a:ext>
-            </a:extLst>
-          </p:cNvPr>
-          <p:cNvSpPr/>
+      <p:grpSp>
+        <p:nvGrpSpPr>
+          <p:cNvPr id="3" name="Group 2">
+            <a:extLst>
+              <a:ext uri="{FF2B5EF4-FFF2-40B4-BE49-F238E27FC236}">
+                <a16:creationId xmlns:a16="http://schemas.microsoft.com/office/drawing/2014/main" id="{1C8B806A-33E6-4329-8C7A-EA5EC5FFA090}"/>
+              </a:ext>
+            </a:extLst>
+          </p:cNvPr>
+          <p:cNvGrpSpPr/>
           <p:nvPr/>
-        </p:nvSpPr>
-        <p:spPr>
+        </p:nvGrpSpPr>
+        <p:grpSpPr>
           <a:xfrm>
-            <a:off x="942833" y="4705003"/>
-            <a:ext cx="11242960" cy="523220"/>
-          </a:xfrm>
-          <a:prstGeom prst="rect">
-            <a:avLst/>
-          </a:prstGeom>
-        </p:spPr>
-        <p:txBody>
-          <a:bodyPr wrap="square">
-            <a:spAutoFit/>
-          </a:bodyPr>
-          <a:lstStyle/>
-          <a:p>
-            <a:r>
-              <a:rPr lang="en-GB" sz="2800" dirty="0">
-                <a:solidFill>
-                  <a:schemeClr val="bg1">
-                    <a:lumMod val="95000"/>
-                  </a:schemeClr>
-                </a:solidFill>
-                <a:latin typeface="Arial Nova Light" panose="020B0304020202020204" pitchFamily="34" charset="0"/>
-              </a:rPr>
-              <a:t>&lt;content&gt; </a:t>
-            </a:r>
-            <a:r>
-              <a:rPr lang="en-GB" sz="2800" b="1" dirty="0">
-                <a:solidFill>
-                  <a:schemeClr val="tx2">
-                    <a:lumMod val="75000"/>
-                  </a:schemeClr>
-                </a:solidFill>
-                <a:latin typeface="Arial Nova Light" panose="020B0304020202020204" pitchFamily="34" charset="0"/>
-              </a:rPr>
-              <a:t>&lt;key concept&gt;</a:t>
-            </a:r>
-            <a:endParaRPr lang="en-GB" dirty="0"/>
-          </a:p>
-        </p:txBody>
-      </p:sp>
+            <a:off x="949040" y="1905000"/>
+            <a:ext cx="11244536" cy="4067175"/>
+            <a:chOff x="1683402" y="2397123"/>
+            <a:chExt cx="9774236" cy="3535364"/>
+          </a:xfrm>
+        </p:grpSpPr>
+        <p:pic>
+          <p:nvPicPr>
+            <p:cNvPr id="1026" name="Picture 2">
+              <a:extLst>
+                <a:ext uri="{FF2B5EF4-FFF2-40B4-BE49-F238E27FC236}">
+                  <a16:creationId xmlns:a16="http://schemas.microsoft.com/office/drawing/2014/main" id="{C5954F83-4B39-403E-BEA6-A5B652CB8C49}"/>
+                </a:ext>
+              </a:extLst>
+            </p:cNvPr>
+            <p:cNvPicPr>
+              <a:picLocks noChangeAspect="1" noChangeArrowheads="1"/>
+            </p:cNvPicPr>
+            <p:nvPr/>
+          </p:nvPicPr>
+          <p:blipFill>
+            <a:blip r:embed="rId2">
+              <a:extLst>
+                <a:ext uri="{28A0092B-C50C-407E-A947-70E740481C1C}">
+                  <a14:useLocalDpi xmlns:a14="http://schemas.microsoft.com/office/drawing/2010/main" val="0"/>
+                </a:ext>
+              </a:extLst>
+            </a:blip>
+            <a:srcRect/>
+            <a:stretch>
+              <a:fillRect/>
+            </a:stretch>
+          </p:blipFill>
+          <p:spPr bwMode="auto">
+            <a:xfrm>
+              <a:off x="6315813" y="2397124"/>
+              <a:ext cx="5141825" cy="3535363"/>
+            </a:xfrm>
+            <a:prstGeom prst="rect">
+              <a:avLst/>
+            </a:prstGeom>
+            <a:solidFill>
+              <a:schemeClr val="bg1"/>
+            </a:solidFill>
+          </p:spPr>
+        </p:pic>
+        <p:pic>
+          <p:nvPicPr>
+            <p:cNvPr id="2" name="Picture 1">
+              <a:extLst>
+                <a:ext uri="{FF2B5EF4-FFF2-40B4-BE49-F238E27FC236}">
+                  <a16:creationId xmlns:a16="http://schemas.microsoft.com/office/drawing/2014/main" id="{DC5C2007-61B8-4DFF-9059-EFEECA583DC5}"/>
+                </a:ext>
+              </a:extLst>
+            </p:cNvPr>
+            <p:cNvPicPr>
+              <a:picLocks noChangeAspect="1"/>
+            </p:cNvPicPr>
+            <p:nvPr/>
+          </p:nvPicPr>
+          <p:blipFill>
+            <a:blip r:embed="rId3"/>
+            <a:stretch>
+              <a:fillRect/>
+            </a:stretch>
+          </p:blipFill>
+          <p:spPr>
+            <a:xfrm>
+              <a:off x="1683402" y="2397123"/>
+              <a:ext cx="4315388" cy="3535364"/>
+            </a:xfrm>
+            <a:prstGeom prst="rect">
+              <a:avLst/>
+            </a:prstGeom>
+          </p:spPr>
+        </p:pic>
+      </p:grpSp>
     </p:spTree>
     <p:extLst>
       <p:ext uri="{BB962C8B-B14F-4D97-AF65-F5344CB8AC3E}">
-        <p14:creationId xmlns:p14="http://schemas.microsoft.com/office/powerpoint/2010/main" val="2359823918"/>
+        <p14:creationId xmlns:p14="http://schemas.microsoft.com/office/powerpoint/2010/main" val="411497990"/>
       </p:ext>
     </p:extLst>
   </p:cSld>
@@ -5246,35 +6936,628 @@
           </a:p>
         </p:txBody>
       </p:sp>
-      <p:sp>
-        <p:nvSpPr>
-          <p:cNvPr id="14" name="Rectangle 13">
-            <a:extLst>
-              <a:ext uri="{FF2B5EF4-FFF2-40B4-BE49-F238E27FC236}">
-                <a16:creationId xmlns:a16="http://schemas.microsoft.com/office/drawing/2014/main" id="{B1FDEF3E-1872-41D3-A841-FBE14801F476}"/>
-              </a:ext>
-            </a:extLst>
-          </p:cNvPr>
-          <p:cNvSpPr/>
+      <p:pic>
+        <p:nvPicPr>
+          <p:cNvPr id="2" name="Picture 1">
+            <a:extLst>
+              <a:ext uri="{FF2B5EF4-FFF2-40B4-BE49-F238E27FC236}">
+                <a16:creationId xmlns:a16="http://schemas.microsoft.com/office/drawing/2014/main" id="{03E0B1F5-2BA8-4F04-AF05-7D0D37983908}"/>
+              </a:ext>
+            </a:extLst>
+          </p:cNvPr>
+          <p:cNvPicPr>
+            <a:picLocks noChangeAspect="1"/>
+          </p:cNvPicPr>
           <p:nvPr/>
-        </p:nvSpPr>
+        </p:nvPicPr>
+        <p:blipFill>
+          <a:blip r:embed="rId3"/>
+          <a:stretch>
+            <a:fillRect/>
+          </a:stretch>
+        </p:blipFill>
         <p:spPr>
           <a:xfrm>
-            <a:off x="942833" y="4705003"/>
-            <a:ext cx="11242960" cy="523220"/>
+            <a:off x="1721618" y="4223413"/>
+            <a:ext cx="9697803" cy="714475"/>
           </a:xfrm>
           <a:prstGeom prst="rect">
             <a:avLst/>
           </a:prstGeom>
         </p:spPr>
-        <p:txBody>
-          <a:bodyPr wrap="square">
-            <a:spAutoFit/>
+      </p:pic>
+      <p:pic>
+        <p:nvPicPr>
+          <p:cNvPr id="3" name="Picture 2">
+            <a:extLst>
+              <a:ext uri="{FF2B5EF4-FFF2-40B4-BE49-F238E27FC236}">
+                <a16:creationId xmlns:a16="http://schemas.microsoft.com/office/drawing/2014/main" id="{2080B114-8B8B-4946-8748-25455375318F}"/>
+              </a:ext>
+            </a:extLst>
+          </p:cNvPr>
+          <p:cNvPicPr>
+            <a:picLocks noChangeAspect="1"/>
+          </p:cNvPicPr>
+          <p:nvPr/>
+        </p:nvPicPr>
+        <p:blipFill>
+          <a:blip r:embed="rId4"/>
+          <a:stretch>
+            <a:fillRect/>
+          </a:stretch>
+        </p:blipFill>
+        <p:spPr>
+          <a:xfrm>
+            <a:off x="5423158" y="5688541"/>
+            <a:ext cx="2276793" cy="257211"/>
+          </a:xfrm>
+          <a:prstGeom prst="rect">
+            <a:avLst/>
+          </a:prstGeom>
+        </p:spPr>
+      </p:pic>
+      <p:pic>
+        <p:nvPicPr>
+          <p:cNvPr id="4" name="Picture 3">
+            <a:extLst>
+              <a:ext uri="{FF2B5EF4-FFF2-40B4-BE49-F238E27FC236}">
+                <a16:creationId xmlns:a16="http://schemas.microsoft.com/office/drawing/2014/main" id="{8111E210-5204-44A4-8E3E-82A91831E2A3}"/>
+              </a:ext>
+            </a:extLst>
+          </p:cNvPr>
+          <p:cNvPicPr>
+            <a:picLocks noChangeAspect="1"/>
+          </p:cNvPicPr>
+          <p:nvPr/>
+        </p:nvPicPr>
+        <p:blipFill>
+          <a:blip r:embed="rId5"/>
+          <a:stretch>
+            <a:fillRect/>
+          </a:stretch>
+        </p:blipFill>
+        <p:spPr>
+          <a:xfrm>
+            <a:off x="4625705" y="3176557"/>
+            <a:ext cx="3877216" cy="419158"/>
+          </a:xfrm>
+          <a:prstGeom prst="rect">
+            <a:avLst/>
+          </a:prstGeom>
+        </p:spPr>
+      </p:pic>
+      <p:pic>
+        <p:nvPicPr>
+          <p:cNvPr id="5" name="Picture 4">
+            <a:extLst>
+              <a:ext uri="{FF2B5EF4-FFF2-40B4-BE49-F238E27FC236}">
+                <a16:creationId xmlns:a16="http://schemas.microsoft.com/office/drawing/2014/main" id="{701D1935-7E07-4A28-A314-C289D591B15E}"/>
+              </a:ext>
+            </a:extLst>
+          </p:cNvPr>
+          <p:cNvPicPr>
+            <a:picLocks noChangeAspect="1"/>
+          </p:cNvPicPr>
+          <p:nvPr/>
+        </p:nvPicPr>
+        <p:blipFill>
+          <a:blip r:embed="rId6"/>
+          <a:stretch>
+            <a:fillRect/>
+          </a:stretch>
+        </p:blipFill>
+        <p:spPr>
+          <a:xfrm>
+            <a:off x="4842053" y="1690688"/>
+            <a:ext cx="3439005" cy="1162212"/>
+          </a:xfrm>
+          <a:prstGeom prst="rect">
+            <a:avLst/>
+          </a:prstGeom>
+        </p:spPr>
+      </p:pic>
+      <p:pic>
+        <p:nvPicPr>
+          <p:cNvPr id="7" name="Picture 6">
+            <a:extLst>
+              <a:ext uri="{FF2B5EF4-FFF2-40B4-BE49-F238E27FC236}">
+                <a16:creationId xmlns:a16="http://schemas.microsoft.com/office/drawing/2014/main" id="{47EE24A9-0A14-49C8-9F8E-A05C852211F6}"/>
+              </a:ext>
+            </a:extLst>
+          </p:cNvPr>
+          <p:cNvPicPr>
+            <a:picLocks noChangeAspect="1"/>
+          </p:cNvPicPr>
+          <p:nvPr/>
+        </p:nvPicPr>
+        <p:blipFill>
+          <a:blip r:embed="rId7"/>
+          <a:stretch>
+            <a:fillRect/>
+          </a:stretch>
+        </p:blipFill>
+        <p:spPr>
+          <a:xfrm>
+            <a:off x="1305256" y="2062215"/>
+            <a:ext cx="2800741" cy="419158"/>
+          </a:xfrm>
+          <a:prstGeom prst="rect">
+            <a:avLst/>
+          </a:prstGeom>
+        </p:spPr>
+      </p:pic>
+      <p:cxnSp>
+        <p:nvCxnSpPr>
+          <p:cNvPr id="9" name="Connector: Elbow 8">
+            <a:extLst>
+              <a:ext uri="{FF2B5EF4-FFF2-40B4-BE49-F238E27FC236}">
+                <a16:creationId xmlns:a16="http://schemas.microsoft.com/office/drawing/2014/main" id="{5FB57F5B-16C1-4AEE-A2D6-91D52649AE11}"/>
+              </a:ext>
+            </a:extLst>
+          </p:cNvPr>
+          <p:cNvCxnSpPr>
+            <a:cxnSpLocks/>
+            <a:stCxn id="7" idx="3"/>
+            <a:endCxn id="5" idx="1"/>
+          </p:cNvCxnSpPr>
+          <p:nvPr/>
+        </p:nvCxnSpPr>
+        <p:spPr>
+          <a:xfrm>
+            <a:off x="4105997" y="2271794"/>
+            <a:ext cx="736056" cy="12700"/>
+          </a:xfrm>
+          <a:prstGeom prst="bentConnector3">
+            <a:avLst>
+              <a:gd name="adj1" fmla="val 50000"/>
+            </a:avLst>
+          </a:prstGeom>
+          <a:ln w="38100">
+            <a:solidFill>
+              <a:schemeClr val="bg1"/>
+            </a:solidFill>
+            <a:tailEnd type="triangle"/>
+          </a:ln>
+        </p:spPr>
+        <p:style>
+          <a:lnRef idx="1">
+            <a:schemeClr val="accent1"/>
+          </a:lnRef>
+          <a:fillRef idx="0">
+            <a:schemeClr val="accent1"/>
+          </a:fillRef>
+          <a:effectRef idx="0">
+            <a:schemeClr val="accent1"/>
+          </a:effectRef>
+          <a:fontRef idx="minor">
+            <a:schemeClr val="tx1"/>
+          </a:fontRef>
+        </p:style>
+      </p:cxnSp>
+      <p:cxnSp>
+        <p:nvCxnSpPr>
+          <p:cNvPr id="13" name="Connector: Elbow 12">
+            <a:extLst>
+              <a:ext uri="{FF2B5EF4-FFF2-40B4-BE49-F238E27FC236}">
+                <a16:creationId xmlns:a16="http://schemas.microsoft.com/office/drawing/2014/main" id="{626D5110-D115-4823-B998-31F0B88B5C6A}"/>
+              </a:ext>
+            </a:extLst>
+          </p:cNvPr>
+          <p:cNvCxnSpPr>
+            <a:cxnSpLocks/>
+            <a:stCxn id="5" idx="2"/>
+            <a:endCxn id="4" idx="0"/>
+          </p:cNvCxnSpPr>
+          <p:nvPr/>
+        </p:nvCxnSpPr>
+        <p:spPr>
+          <a:xfrm rot="16200000" flipH="1">
+            <a:off x="6401106" y="3013349"/>
+            <a:ext cx="323657" cy="2757"/>
+          </a:xfrm>
+          <a:prstGeom prst="bentConnector3">
+            <a:avLst>
+              <a:gd name="adj1" fmla="val 50000"/>
+            </a:avLst>
+          </a:prstGeom>
+          <a:ln w="38100">
+            <a:solidFill>
+              <a:schemeClr val="bg1"/>
+            </a:solidFill>
+            <a:tailEnd type="triangle"/>
+          </a:ln>
+        </p:spPr>
+        <p:style>
+          <a:lnRef idx="1">
+            <a:schemeClr val="accent1"/>
+          </a:lnRef>
+          <a:fillRef idx="0">
+            <a:schemeClr val="accent1"/>
+          </a:fillRef>
+          <a:effectRef idx="0">
+            <a:schemeClr val="accent1"/>
+          </a:effectRef>
+          <a:fontRef idx="minor">
+            <a:schemeClr val="tx1"/>
+          </a:fontRef>
+        </p:style>
+      </p:cxnSp>
+      <p:cxnSp>
+        <p:nvCxnSpPr>
+          <p:cNvPr id="16" name="Connector: Elbow 15">
+            <a:extLst>
+              <a:ext uri="{FF2B5EF4-FFF2-40B4-BE49-F238E27FC236}">
+                <a16:creationId xmlns:a16="http://schemas.microsoft.com/office/drawing/2014/main" id="{11F4DE66-1FA1-49AA-A1BE-204569D7FB29}"/>
+              </a:ext>
+            </a:extLst>
+          </p:cNvPr>
+          <p:cNvCxnSpPr>
+            <a:cxnSpLocks/>
+            <a:stCxn id="4" idx="1"/>
+          </p:cNvCxnSpPr>
+          <p:nvPr/>
+        </p:nvCxnSpPr>
+        <p:spPr>
+          <a:xfrm rot="10800000" flipV="1">
+            <a:off x="3859481" y="3386135"/>
+            <a:ext cx="766224" cy="792327"/>
+          </a:xfrm>
+          <a:prstGeom prst="bentConnector2">
+            <a:avLst/>
+          </a:prstGeom>
+          <a:ln w="38100">
+            <a:solidFill>
+              <a:schemeClr val="bg1"/>
+            </a:solidFill>
+            <a:tailEnd type="triangle"/>
+          </a:ln>
+        </p:spPr>
+        <p:style>
+          <a:lnRef idx="1">
+            <a:schemeClr val="accent1"/>
+          </a:lnRef>
+          <a:fillRef idx="0">
+            <a:schemeClr val="accent1"/>
+          </a:fillRef>
+          <a:effectRef idx="0">
+            <a:schemeClr val="accent1"/>
+          </a:effectRef>
+          <a:fontRef idx="minor">
+            <a:schemeClr val="tx1"/>
+          </a:fontRef>
+        </p:style>
+      </p:cxnSp>
+      <p:cxnSp>
+        <p:nvCxnSpPr>
+          <p:cNvPr id="19" name="Connector: Elbow 18">
+            <a:extLst>
+              <a:ext uri="{FF2B5EF4-FFF2-40B4-BE49-F238E27FC236}">
+                <a16:creationId xmlns:a16="http://schemas.microsoft.com/office/drawing/2014/main" id="{C7E5C217-97B3-4A07-8FE1-E4A7BD145D53}"/>
+              </a:ext>
+            </a:extLst>
+          </p:cNvPr>
+          <p:cNvCxnSpPr>
+            <a:cxnSpLocks/>
+          </p:cNvCxnSpPr>
+          <p:nvPr/>
+        </p:nvCxnSpPr>
+        <p:spPr>
+          <a:xfrm rot="16200000" flipH="1">
+            <a:off x="7603418" y="3658632"/>
+            <a:ext cx="582748" cy="477755"/>
+          </a:xfrm>
+          <a:prstGeom prst="bentConnector3">
+            <a:avLst>
+              <a:gd name="adj1" fmla="val 50000"/>
+            </a:avLst>
+          </a:prstGeom>
+          <a:ln w="38100">
+            <a:solidFill>
+              <a:schemeClr val="bg1"/>
+            </a:solidFill>
+            <a:tailEnd type="triangle"/>
+          </a:ln>
+        </p:spPr>
+        <p:style>
+          <a:lnRef idx="1">
+            <a:schemeClr val="accent1"/>
+          </a:lnRef>
+          <a:fillRef idx="0">
+            <a:schemeClr val="accent1"/>
+          </a:fillRef>
+          <a:effectRef idx="0">
+            <a:schemeClr val="accent1"/>
+          </a:effectRef>
+          <a:fontRef idx="minor">
+            <a:schemeClr val="tx1"/>
+          </a:fontRef>
+        </p:style>
+      </p:cxnSp>
+      <p:cxnSp>
+        <p:nvCxnSpPr>
+          <p:cNvPr id="22" name="Connector: Elbow 21">
+            <a:extLst>
+              <a:ext uri="{FF2B5EF4-FFF2-40B4-BE49-F238E27FC236}">
+                <a16:creationId xmlns:a16="http://schemas.microsoft.com/office/drawing/2014/main" id="{ACDBF17B-2554-4072-ABC6-3F4A4E5AB55F}"/>
+              </a:ext>
+            </a:extLst>
+          </p:cNvPr>
+          <p:cNvCxnSpPr>
+            <a:cxnSpLocks/>
+            <a:stCxn id="4" idx="3"/>
+            <a:endCxn id="2" idx="3"/>
+          </p:cNvCxnSpPr>
+          <p:nvPr/>
+        </p:nvCxnSpPr>
+        <p:spPr>
+          <a:xfrm>
+            <a:off x="8502921" y="3386136"/>
+            <a:ext cx="2916500" cy="1194515"/>
+          </a:xfrm>
+          <a:prstGeom prst="bentConnector3">
+            <a:avLst>
+              <a:gd name="adj1" fmla="val 107838"/>
+            </a:avLst>
+          </a:prstGeom>
+          <a:ln w="38100">
+            <a:solidFill>
+              <a:schemeClr val="bg1"/>
+            </a:solidFill>
+            <a:tailEnd type="triangle"/>
+          </a:ln>
+        </p:spPr>
+        <p:style>
+          <a:lnRef idx="1">
+            <a:schemeClr val="accent1"/>
+          </a:lnRef>
+          <a:fillRef idx="0">
+            <a:schemeClr val="accent1"/>
+          </a:fillRef>
+          <a:effectRef idx="0">
+            <a:schemeClr val="accent1"/>
+          </a:effectRef>
+          <a:fontRef idx="minor">
+            <a:schemeClr val="tx1"/>
+          </a:fontRef>
+        </p:style>
+      </p:cxnSp>
+      <p:cxnSp>
+        <p:nvCxnSpPr>
+          <p:cNvPr id="25" name="Connector: Elbow 24">
+            <a:extLst>
+              <a:ext uri="{FF2B5EF4-FFF2-40B4-BE49-F238E27FC236}">
+                <a16:creationId xmlns:a16="http://schemas.microsoft.com/office/drawing/2014/main" id="{A216C980-5A46-4ACB-B93A-F68BD7738CBE}"/>
+              </a:ext>
+            </a:extLst>
+          </p:cNvPr>
+          <p:cNvCxnSpPr>
+            <a:cxnSpLocks/>
+            <a:stCxn id="3" idx="1"/>
+          </p:cNvCxnSpPr>
+          <p:nvPr/>
+        </p:nvCxnSpPr>
+        <p:spPr>
+          <a:xfrm rot="10800000">
+            <a:off x="2506658" y="5058889"/>
+            <a:ext cx="2916500" cy="758259"/>
+          </a:xfrm>
+          <a:prstGeom prst="bentConnector3">
+            <a:avLst>
+              <a:gd name="adj1" fmla="val 100083"/>
+            </a:avLst>
+          </a:prstGeom>
+          <a:ln w="38100">
+            <a:solidFill>
+              <a:schemeClr val="bg1"/>
+            </a:solidFill>
+            <a:tailEnd type="triangle"/>
+          </a:ln>
+        </p:spPr>
+        <p:style>
+          <a:lnRef idx="1">
+            <a:schemeClr val="accent1"/>
+          </a:lnRef>
+          <a:fillRef idx="0">
+            <a:schemeClr val="accent1"/>
+          </a:fillRef>
+          <a:effectRef idx="0">
+            <a:schemeClr val="accent1"/>
+          </a:effectRef>
+          <a:fontRef idx="minor">
+            <a:schemeClr val="tx1"/>
+          </a:fontRef>
+        </p:style>
+      </p:cxnSp>
+      <p:cxnSp>
+        <p:nvCxnSpPr>
+          <p:cNvPr id="29" name="Connector: Elbow 28">
+            <a:extLst>
+              <a:ext uri="{FF2B5EF4-FFF2-40B4-BE49-F238E27FC236}">
+                <a16:creationId xmlns:a16="http://schemas.microsoft.com/office/drawing/2014/main" id="{C704322A-842E-4582-ACCC-53CA13D40AF4}"/>
+              </a:ext>
+            </a:extLst>
+          </p:cNvPr>
+          <p:cNvCxnSpPr>
+            <a:cxnSpLocks/>
+            <a:stCxn id="3" idx="3"/>
+          </p:cNvCxnSpPr>
+          <p:nvPr/>
+        </p:nvCxnSpPr>
+        <p:spPr>
+          <a:xfrm flipV="1">
+            <a:off x="7699951" y="5058889"/>
+            <a:ext cx="2880963" cy="758258"/>
+          </a:xfrm>
+          <a:prstGeom prst="bentConnector3">
+            <a:avLst>
+              <a:gd name="adj1" fmla="val 100288"/>
+            </a:avLst>
+          </a:prstGeom>
+          <a:ln w="38100">
+            <a:solidFill>
+              <a:schemeClr val="bg1"/>
+            </a:solidFill>
+            <a:tailEnd type="triangle"/>
+          </a:ln>
+        </p:spPr>
+        <p:style>
+          <a:lnRef idx="1">
+            <a:schemeClr val="accent1"/>
+          </a:lnRef>
+          <a:fillRef idx="0">
+            <a:schemeClr val="accent1"/>
+          </a:fillRef>
+          <a:effectRef idx="0">
+            <a:schemeClr val="accent1"/>
+          </a:effectRef>
+          <a:fontRef idx="minor">
+            <a:schemeClr val="tx1"/>
+          </a:fontRef>
+        </p:style>
+      </p:cxnSp>
+      <p:cxnSp>
+        <p:nvCxnSpPr>
+          <p:cNvPr id="33" name="Connector: Elbow 32">
+            <a:extLst>
+              <a:ext uri="{FF2B5EF4-FFF2-40B4-BE49-F238E27FC236}">
+                <a16:creationId xmlns:a16="http://schemas.microsoft.com/office/drawing/2014/main" id="{A94DFD55-7D85-463E-960C-4C4B247B6E54}"/>
+              </a:ext>
+            </a:extLst>
+          </p:cNvPr>
+          <p:cNvCxnSpPr>
+            <a:cxnSpLocks/>
+            <a:stCxn id="3" idx="0"/>
+          </p:cNvCxnSpPr>
+          <p:nvPr/>
+        </p:nvCxnSpPr>
+        <p:spPr>
+          <a:xfrm rot="5400000" flipH="1" flipV="1">
+            <a:off x="6473554" y="5025890"/>
+            <a:ext cx="750653" cy="574651"/>
+          </a:xfrm>
+          <a:prstGeom prst="bentConnector3">
+            <a:avLst>
+              <a:gd name="adj1" fmla="val 50000"/>
+            </a:avLst>
+          </a:prstGeom>
+          <a:ln w="38100">
+            <a:solidFill>
+              <a:schemeClr val="bg1"/>
+            </a:solidFill>
+            <a:tailEnd type="triangle"/>
+          </a:ln>
+        </p:spPr>
+        <p:style>
+          <a:lnRef idx="1">
+            <a:schemeClr val="accent1"/>
+          </a:lnRef>
+          <a:fillRef idx="0">
+            <a:schemeClr val="accent1"/>
+          </a:fillRef>
+          <a:effectRef idx="0">
+            <a:schemeClr val="accent1"/>
+          </a:effectRef>
+          <a:fontRef idx="minor">
+            <a:schemeClr val="tx1"/>
+          </a:fontRef>
+        </p:style>
+      </p:cxnSp>
+      <p:graphicFrame>
+        <p:nvGraphicFramePr>
+          <p:cNvPr id="8" name="Object 7">
+            <a:extLst>
+              <a:ext uri="{FF2B5EF4-FFF2-40B4-BE49-F238E27FC236}">
+                <a16:creationId xmlns:a16="http://schemas.microsoft.com/office/drawing/2014/main" id="{D2A949AC-515B-47E0-9029-30B8F75B79BA}"/>
+              </a:ext>
+            </a:extLst>
+          </p:cNvPr>
+          <p:cNvGraphicFramePr>
+            <a:graphicFrameLocks noChangeAspect="1"/>
+          </p:cNvGraphicFramePr>
+          <p:nvPr>
+            <p:extLst>
+              <p:ext uri="{D42A27DB-BD31-4B8C-83A1-F6EECF244321}">
+                <p14:modId xmlns:p14="http://schemas.microsoft.com/office/powerpoint/2010/main" val="218885651"/>
+              </p:ext>
+            </p:extLst>
+          </p:nvPr>
+        </p:nvGraphicFramePr>
+        <p:xfrm>
+          <a:off x="11109699" y="0"/>
+          <a:ext cx="1082301" cy="552450"/>
+        </p:xfrm>
+        <a:graphic>
+          <a:graphicData uri="http://schemas.openxmlformats.org/presentationml/2006/ole">
+            <mc:AlternateContent xmlns:mc="http://schemas.openxmlformats.org/markup-compatibility/2006">
+              <mc:Choice xmlns:v="urn:schemas-microsoft-com:vml" Requires="v">
+                <p:oleObj spid="_x0000_s5141" name="Packager Shell Object" showAsIcon="1" r:id="rId8" imgW="683640" imgH="349200" progId="Package">
+                  <p:embed/>
+                </p:oleObj>
+              </mc:Choice>
+              <mc:Fallback>
+                <p:oleObj name="Packager Shell Object" showAsIcon="1" r:id="rId8" imgW="683640" imgH="349200" progId="Package">
+                  <p:embed/>
+                  <p:pic>
+                    <p:nvPicPr>
+                      <p:cNvPr id="0" name=""/>
+                      <p:cNvPicPr/>
+                      <p:nvPr/>
+                    </p:nvPicPr>
+                    <p:blipFill>
+                      <a:blip r:embed="rId9"/>
+                      <a:stretch>
+                        <a:fillRect/>
+                      </a:stretch>
+                    </p:blipFill>
+                    <p:spPr>
+                      <a:xfrm>
+                        <a:off x="11109699" y="0"/>
+                        <a:ext cx="1082301" cy="552450"/>
+                      </a:xfrm>
+                      <a:prstGeom prst="rect">
+                        <a:avLst/>
+                      </a:prstGeom>
+                    </p:spPr>
+                  </p:pic>
+                </p:oleObj>
+              </mc:Fallback>
+            </mc:AlternateContent>
+          </a:graphicData>
+        </a:graphic>
+      </p:graphicFrame>
+      <p:sp>
+        <p:nvSpPr>
+          <p:cNvPr id="18" name="Content Placeholder 2">
+            <a:extLst>
+              <a:ext uri="{FF2B5EF4-FFF2-40B4-BE49-F238E27FC236}">
+                <a16:creationId xmlns:a16="http://schemas.microsoft.com/office/drawing/2014/main" id="{B98C6F62-3639-4E64-B755-EA136EE4F2B9}"/>
+              </a:ext>
+            </a:extLst>
+          </p:cNvPr>
+          <p:cNvSpPr>
+            <a:spLocks noGrp="1"/>
+          </p:cNvSpPr>
+          <p:nvPr>
+            <p:ph idx="1"/>
+          </p:nvPr>
+        </p:nvSpPr>
+        <p:spPr>
+          <a:xfrm>
+            <a:off x="9778718" y="782637"/>
+            <a:ext cx="2413282" cy="908051"/>
+          </a:xfrm>
+        </p:spPr>
+        <p:txBody>
+          <a:bodyPr>
+            <a:normAutofit/>
           </a:bodyPr>
           <a:lstStyle/>
           <a:p>
+            <a:pPr marL="0" indent="0">
+              <a:buNone/>
+            </a:pPr>
             <a:r>
-              <a:rPr lang="en-GB" sz="2800" dirty="0">
+              <a:rPr lang="en-GB" dirty="0">
                 <a:solidFill>
                   <a:schemeClr val="bg1">
                     <a:lumMod val="95000"/>
@@ -5282,23 +7565,907 @@
                 </a:solidFill>
                 <a:latin typeface="Arial Nova Light" panose="020B0304020202020204" pitchFamily="34" charset="0"/>
               </a:rPr>
-              <a:t>&lt;content&gt; </a:t>
+              <a:t>Full process &amp; source code</a:t>
             </a:r>
+          </a:p>
+        </p:txBody>
+      </p:sp>
+      <p:cxnSp>
+        <p:nvCxnSpPr>
+          <p:cNvPr id="20" name="Connector: Elbow 19">
+            <a:extLst>
+              <a:ext uri="{FF2B5EF4-FFF2-40B4-BE49-F238E27FC236}">
+                <a16:creationId xmlns:a16="http://schemas.microsoft.com/office/drawing/2014/main" id="{D2ABB02B-529D-4C04-83DE-5812D32CD002}"/>
+              </a:ext>
+            </a:extLst>
+          </p:cNvPr>
+          <p:cNvCxnSpPr>
+            <a:cxnSpLocks/>
+            <a:stCxn id="18" idx="1"/>
+          </p:cNvCxnSpPr>
+          <p:nvPr/>
+        </p:nvCxnSpPr>
+        <p:spPr>
+          <a:xfrm rot="10800000" flipH="1">
+            <a:off x="9778717" y="365125"/>
+            <a:ext cx="1317909" cy="871538"/>
+          </a:xfrm>
+          <a:prstGeom prst="bentConnector3">
+            <a:avLst>
+              <a:gd name="adj1" fmla="val -17346"/>
+            </a:avLst>
+          </a:prstGeom>
+          <a:ln w="38100">
+            <a:solidFill>
+              <a:schemeClr val="bg1"/>
+            </a:solidFill>
+            <a:tailEnd type="triangle"/>
+          </a:ln>
+        </p:spPr>
+        <p:style>
+          <a:lnRef idx="1">
+            <a:schemeClr val="accent1"/>
+          </a:lnRef>
+          <a:fillRef idx="0">
+            <a:schemeClr val="accent1"/>
+          </a:fillRef>
+          <a:effectRef idx="0">
+            <a:schemeClr val="accent1"/>
+          </a:effectRef>
+          <a:fontRef idx="minor">
+            <a:schemeClr val="tx1"/>
+          </a:fontRef>
+        </p:style>
+      </p:cxnSp>
+      <p:sp>
+        <p:nvSpPr>
+          <p:cNvPr id="21" name="Rectangle 20">
+            <a:extLst>
+              <a:ext uri="{FF2B5EF4-FFF2-40B4-BE49-F238E27FC236}">
+                <a16:creationId xmlns:a16="http://schemas.microsoft.com/office/drawing/2014/main" id="{6F18070E-B2EA-481D-9AEB-780D2C9787AD}"/>
+              </a:ext>
+            </a:extLst>
+          </p:cNvPr>
+          <p:cNvSpPr/>
+          <p:nvPr/>
+        </p:nvSpPr>
+        <p:spPr>
+          <a:xfrm>
+            <a:off x="9778717" y="1817303"/>
+            <a:ext cx="2413283" cy="876421"/>
+          </a:xfrm>
+          <a:prstGeom prst="rect">
+            <a:avLst/>
+          </a:prstGeom>
+          <a:solidFill>
+            <a:schemeClr val="accent4">
+              <a:alpha val="40000"/>
+            </a:schemeClr>
+          </a:solidFill>
+          <a:ln>
+            <a:noFill/>
+          </a:ln>
+        </p:spPr>
+        <p:style>
+          <a:lnRef idx="2">
+            <a:schemeClr val="accent1">
+              <a:shade val="50000"/>
+            </a:schemeClr>
+          </a:lnRef>
+          <a:fillRef idx="1">
+            <a:schemeClr val="accent1"/>
+          </a:fillRef>
+          <a:effectRef idx="0">
+            <a:schemeClr val="accent1"/>
+          </a:effectRef>
+          <a:fontRef idx="minor">
+            <a:schemeClr val="lt1"/>
+          </a:fontRef>
+        </p:style>
+        <p:txBody>
+          <a:bodyPr rtlCol="0" anchor="ctr"/>
+          <a:lstStyle/>
+          <a:p>
+            <a:pPr algn="ctr"/>
+            <a:endParaRPr lang="en-GB"/>
+          </a:p>
+        </p:txBody>
+      </p:sp>
+      <p:sp>
+        <p:nvSpPr>
+          <p:cNvPr id="23" name="Content Placeholder 2">
+            <a:extLst>
+              <a:ext uri="{FF2B5EF4-FFF2-40B4-BE49-F238E27FC236}">
+                <a16:creationId xmlns:a16="http://schemas.microsoft.com/office/drawing/2014/main" id="{C6BA32B0-ACF7-4FDE-AEAC-9904DA90D065}"/>
+              </a:ext>
+            </a:extLst>
+          </p:cNvPr>
+          <p:cNvSpPr txBox="1">
+            <a:spLocks/>
+          </p:cNvSpPr>
+          <p:nvPr/>
+        </p:nvSpPr>
+        <p:spPr>
+          <a:xfrm>
+            <a:off x="9778718" y="1842217"/>
+            <a:ext cx="2413282" cy="908051"/>
+          </a:xfrm>
+          <a:prstGeom prst="rect">
+            <a:avLst/>
+          </a:prstGeom>
+        </p:spPr>
+        <p:txBody>
+          <a:bodyPr vert="horz" lIns="91440" tIns="45720" rIns="91440" bIns="45720" rtlCol="0">
+            <a:normAutofit lnSpcReduction="10000"/>
+          </a:bodyPr>
+          <a:lstStyle>
+            <a:lvl1pPr marL="228600" indent="-228600" algn="l" defTabSz="914400" rtl="0" eaLnBrk="1" latinLnBrk="0" hangingPunct="1">
+              <a:lnSpc>
+                <a:spcPct val="90000"/>
+              </a:lnSpc>
+              <a:spcBef>
+                <a:spcPts val="1000"/>
+              </a:spcBef>
+              <a:buFont typeface="Arial" panose="020B0604020202020204" pitchFamily="34" charset="0"/>
+              <a:buChar char="•"/>
+              <a:defRPr sz="2800" kern="1200">
+                <a:solidFill>
+                  <a:schemeClr val="tx1"/>
+                </a:solidFill>
+                <a:latin typeface="+mn-lt"/>
+                <a:ea typeface="+mn-ea"/>
+                <a:cs typeface="+mn-cs"/>
+              </a:defRPr>
+            </a:lvl1pPr>
+            <a:lvl2pPr marL="685800" indent="-228600" algn="l" defTabSz="914400" rtl="0" eaLnBrk="1" latinLnBrk="0" hangingPunct="1">
+              <a:lnSpc>
+                <a:spcPct val="90000"/>
+              </a:lnSpc>
+              <a:spcBef>
+                <a:spcPts val="500"/>
+              </a:spcBef>
+              <a:buFont typeface="Arial" panose="020B0604020202020204" pitchFamily="34" charset="0"/>
+              <a:buChar char="•"/>
+              <a:defRPr sz="2400" kern="1200">
+                <a:solidFill>
+                  <a:schemeClr val="tx1"/>
+                </a:solidFill>
+                <a:latin typeface="+mn-lt"/>
+                <a:ea typeface="+mn-ea"/>
+                <a:cs typeface="+mn-cs"/>
+              </a:defRPr>
+            </a:lvl2pPr>
+            <a:lvl3pPr marL="1143000" indent="-228600" algn="l" defTabSz="914400" rtl="0" eaLnBrk="1" latinLnBrk="0" hangingPunct="1">
+              <a:lnSpc>
+                <a:spcPct val="90000"/>
+              </a:lnSpc>
+              <a:spcBef>
+                <a:spcPts val="500"/>
+              </a:spcBef>
+              <a:buFont typeface="Arial" panose="020B0604020202020204" pitchFamily="34" charset="0"/>
+              <a:buChar char="•"/>
+              <a:defRPr sz="2000" kern="1200">
+                <a:solidFill>
+                  <a:schemeClr val="tx1"/>
+                </a:solidFill>
+                <a:latin typeface="+mn-lt"/>
+                <a:ea typeface="+mn-ea"/>
+                <a:cs typeface="+mn-cs"/>
+              </a:defRPr>
+            </a:lvl3pPr>
+            <a:lvl4pPr marL="1600200" indent="-228600" algn="l" defTabSz="914400" rtl="0" eaLnBrk="1" latinLnBrk="0" hangingPunct="1">
+              <a:lnSpc>
+                <a:spcPct val="90000"/>
+              </a:lnSpc>
+              <a:spcBef>
+                <a:spcPts val="500"/>
+              </a:spcBef>
+              <a:buFont typeface="Arial" panose="020B0604020202020204" pitchFamily="34" charset="0"/>
+              <a:buChar char="•"/>
+              <a:defRPr sz="1800" kern="1200">
+                <a:solidFill>
+                  <a:schemeClr val="tx1"/>
+                </a:solidFill>
+                <a:latin typeface="+mn-lt"/>
+                <a:ea typeface="+mn-ea"/>
+                <a:cs typeface="+mn-cs"/>
+              </a:defRPr>
+            </a:lvl4pPr>
+            <a:lvl5pPr marL="2057400" indent="-228600" algn="l" defTabSz="914400" rtl="0" eaLnBrk="1" latinLnBrk="0" hangingPunct="1">
+              <a:lnSpc>
+                <a:spcPct val="90000"/>
+              </a:lnSpc>
+              <a:spcBef>
+                <a:spcPts val="500"/>
+              </a:spcBef>
+              <a:buFont typeface="Arial" panose="020B0604020202020204" pitchFamily="34" charset="0"/>
+              <a:buChar char="•"/>
+              <a:defRPr sz="1800" kern="1200">
+                <a:solidFill>
+                  <a:schemeClr val="tx1"/>
+                </a:solidFill>
+                <a:latin typeface="+mn-lt"/>
+                <a:ea typeface="+mn-ea"/>
+                <a:cs typeface="+mn-cs"/>
+              </a:defRPr>
+            </a:lvl5pPr>
+            <a:lvl6pPr marL="2514600" indent="-228600" algn="l" defTabSz="914400" rtl="0" eaLnBrk="1" latinLnBrk="0" hangingPunct="1">
+              <a:lnSpc>
+                <a:spcPct val="90000"/>
+              </a:lnSpc>
+              <a:spcBef>
+                <a:spcPts val="500"/>
+              </a:spcBef>
+              <a:buFont typeface="Arial" panose="020B0604020202020204" pitchFamily="34" charset="0"/>
+              <a:buChar char="•"/>
+              <a:defRPr sz="1800" kern="1200">
+                <a:solidFill>
+                  <a:schemeClr val="tx1"/>
+                </a:solidFill>
+                <a:latin typeface="+mn-lt"/>
+                <a:ea typeface="+mn-ea"/>
+                <a:cs typeface="+mn-cs"/>
+              </a:defRPr>
+            </a:lvl6pPr>
+            <a:lvl7pPr marL="2971800" indent="-228600" algn="l" defTabSz="914400" rtl="0" eaLnBrk="1" latinLnBrk="0" hangingPunct="1">
+              <a:lnSpc>
+                <a:spcPct val="90000"/>
+              </a:lnSpc>
+              <a:spcBef>
+                <a:spcPts val="500"/>
+              </a:spcBef>
+              <a:buFont typeface="Arial" panose="020B0604020202020204" pitchFamily="34" charset="0"/>
+              <a:buChar char="•"/>
+              <a:defRPr sz="1800" kern="1200">
+                <a:solidFill>
+                  <a:schemeClr val="tx1"/>
+                </a:solidFill>
+                <a:latin typeface="+mn-lt"/>
+                <a:ea typeface="+mn-ea"/>
+                <a:cs typeface="+mn-cs"/>
+              </a:defRPr>
+            </a:lvl7pPr>
+            <a:lvl8pPr marL="3429000" indent="-228600" algn="l" defTabSz="914400" rtl="0" eaLnBrk="1" latinLnBrk="0" hangingPunct="1">
+              <a:lnSpc>
+                <a:spcPct val="90000"/>
+              </a:lnSpc>
+              <a:spcBef>
+                <a:spcPts val="500"/>
+              </a:spcBef>
+              <a:buFont typeface="Arial" panose="020B0604020202020204" pitchFamily="34" charset="0"/>
+              <a:buChar char="•"/>
+              <a:defRPr sz="1800" kern="1200">
+                <a:solidFill>
+                  <a:schemeClr val="tx1"/>
+                </a:solidFill>
+                <a:latin typeface="+mn-lt"/>
+                <a:ea typeface="+mn-ea"/>
+                <a:cs typeface="+mn-cs"/>
+              </a:defRPr>
+            </a:lvl8pPr>
+            <a:lvl9pPr marL="3886200" indent="-228600" algn="l" defTabSz="914400" rtl="0" eaLnBrk="1" latinLnBrk="0" hangingPunct="1">
+              <a:lnSpc>
+                <a:spcPct val="90000"/>
+              </a:lnSpc>
+              <a:spcBef>
+                <a:spcPts val="500"/>
+              </a:spcBef>
+              <a:buFont typeface="Arial" panose="020B0604020202020204" pitchFamily="34" charset="0"/>
+              <a:buChar char="•"/>
+              <a:defRPr sz="1800" kern="1200">
+                <a:solidFill>
+                  <a:schemeClr val="tx1"/>
+                </a:solidFill>
+                <a:latin typeface="+mn-lt"/>
+                <a:ea typeface="+mn-ea"/>
+                <a:cs typeface="+mn-cs"/>
+              </a:defRPr>
+            </a:lvl9pPr>
+          </a:lstStyle>
+          <a:p>
+            <a:pPr marL="0" indent="0">
+              <a:buNone/>
+            </a:pPr>
             <a:r>
-              <a:rPr lang="en-GB" sz="2800" b="1" dirty="0">
+              <a:rPr lang="en-GB" dirty="0">
                 <a:solidFill>
-                  <a:schemeClr val="tx2">
-                    <a:lumMod val="75000"/>
+                  <a:schemeClr val="bg1">
+                    <a:lumMod val="95000"/>
                   </a:schemeClr>
                 </a:solidFill>
                 <a:latin typeface="Arial Nova Light" panose="020B0304020202020204" pitchFamily="34" charset="0"/>
               </a:rPr>
-              <a:t>&lt;key concept&gt;</a:t>
+              <a:t>Fitting</a:t>
             </a:r>
-            <a:endParaRPr lang="en-GB" dirty="0"/>
-          </a:p>
-        </p:txBody>
-      </p:sp>
+          </a:p>
+          <a:p>
+            <a:pPr marL="0" indent="0">
+              <a:buNone/>
+            </a:pPr>
+            <a:r>
+              <a:rPr lang="en-GB" dirty="0">
+                <a:solidFill>
+                  <a:schemeClr val="bg1">
+                    <a:lumMod val="95000"/>
+                  </a:schemeClr>
+                </a:solidFill>
+                <a:latin typeface="Arial Nova Light" panose="020B0304020202020204" pitchFamily="34" charset="0"/>
+              </a:rPr>
+              <a:t>parameters</a:t>
+            </a:r>
+          </a:p>
+        </p:txBody>
+      </p:sp>
+      <p:sp>
+        <p:nvSpPr>
+          <p:cNvPr id="24" name="Rectangle 23">
+            <a:extLst>
+              <a:ext uri="{FF2B5EF4-FFF2-40B4-BE49-F238E27FC236}">
+                <a16:creationId xmlns:a16="http://schemas.microsoft.com/office/drawing/2014/main" id="{D789347D-FB49-464F-B03E-89FDEB4D70C7}"/>
+              </a:ext>
+            </a:extLst>
+          </p:cNvPr>
+          <p:cNvSpPr/>
+          <p:nvPr/>
+        </p:nvSpPr>
+        <p:spPr>
+          <a:xfrm>
+            <a:off x="1968611" y="2124910"/>
+            <a:ext cx="355489" cy="146884"/>
+          </a:xfrm>
+          <a:prstGeom prst="rect">
+            <a:avLst/>
+          </a:prstGeom>
+          <a:solidFill>
+            <a:schemeClr val="accent4">
+              <a:alpha val="40000"/>
+            </a:schemeClr>
+          </a:solidFill>
+          <a:ln>
+            <a:noFill/>
+          </a:ln>
+        </p:spPr>
+        <p:style>
+          <a:lnRef idx="2">
+            <a:schemeClr val="accent1">
+              <a:shade val="50000"/>
+            </a:schemeClr>
+          </a:lnRef>
+          <a:fillRef idx="1">
+            <a:schemeClr val="accent1"/>
+          </a:fillRef>
+          <a:effectRef idx="0">
+            <a:schemeClr val="accent1"/>
+          </a:effectRef>
+          <a:fontRef idx="minor">
+            <a:schemeClr val="lt1"/>
+          </a:fontRef>
+        </p:style>
+        <p:txBody>
+          <a:bodyPr rtlCol="0" anchor="ctr"/>
+          <a:lstStyle/>
+          <a:p>
+            <a:pPr algn="ctr"/>
+            <a:endParaRPr lang="en-GB"/>
+          </a:p>
+        </p:txBody>
+      </p:sp>
+      <p:sp>
+        <p:nvSpPr>
+          <p:cNvPr id="26" name="Rectangle 25">
+            <a:extLst>
+              <a:ext uri="{FF2B5EF4-FFF2-40B4-BE49-F238E27FC236}">
+                <a16:creationId xmlns:a16="http://schemas.microsoft.com/office/drawing/2014/main" id="{03C8D56F-E79D-4D95-8449-3B4D4436CB32}"/>
+              </a:ext>
+            </a:extLst>
+          </p:cNvPr>
+          <p:cNvSpPr/>
+          <p:nvPr/>
+        </p:nvSpPr>
+        <p:spPr>
+          <a:xfrm>
+            <a:off x="2608337" y="2284494"/>
+            <a:ext cx="172963" cy="125331"/>
+          </a:xfrm>
+          <a:prstGeom prst="rect">
+            <a:avLst/>
+          </a:prstGeom>
+          <a:solidFill>
+            <a:schemeClr val="accent4">
+              <a:alpha val="40000"/>
+            </a:schemeClr>
+          </a:solidFill>
+          <a:ln>
+            <a:noFill/>
+          </a:ln>
+        </p:spPr>
+        <p:style>
+          <a:lnRef idx="2">
+            <a:schemeClr val="accent1">
+              <a:shade val="50000"/>
+            </a:schemeClr>
+          </a:lnRef>
+          <a:fillRef idx="1">
+            <a:schemeClr val="accent1"/>
+          </a:fillRef>
+          <a:effectRef idx="0">
+            <a:schemeClr val="accent1"/>
+          </a:effectRef>
+          <a:fontRef idx="minor">
+            <a:schemeClr val="lt1"/>
+          </a:fontRef>
+        </p:style>
+        <p:txBody>
+          <a:bodyPr rtlCol="0" anchor="ctr"/>
+          <a:lstStyle/>
+          <a:p>
+            <a:pPr algn="ctr"/>
+            <a:endParaRPr lang="en-GB"/>
+          </a:p>
+        </p:txBody>
+      </p:sp>
+      <p:sp>
+        <p:nvSpPr>
+          <p:cNvPr id="27" name="Rectangle 26">
+            <a:extLst>
+              <a:ext uri="{FF2B5EF4-FFF2-40B4-BE49-F238E27FC236}">
+                <a16:creationId xmlns:a16="http://schemas.microsoft.com/office/drawing/2014/main" id="{6E5499EC-CD4D-4DA7-B07B-8620C29DC659}"/>
+              </a:ext>
+            </a:extLst>
+          </p:cNvPr>
+          <p:cNvSpPr/>
+          <p:nvPr/>
+        </p:nvSpPr>
+        <p:spPr>
+          <a:xfrm>
+            <a:off x="2955604" y="2122855"/>
+            <a:ext cx="172963" cy="125331"/>
+          </a:xfrm>
+          <a:prstGeom prst="rect">
+            <a:avLst/>
+          </a:prstGeom>
+          <a:solidFill>
+            <a:schemeClr val="accent4">
+              <a:alpha val="40000"/>
+            </a:schemeClr>
+          </a:solidFill>
+          <a:ln>
+            <a:noFill/>
+          </a:ln>
+        </p:spPr>
+        <p:style>
+          <a:lnRef idx="2">
+            <a:schemeClr val="accent1">
+              <a:shade val="50000"/>
+            </a:schemeClr>
+          </a:lnRef>
+          <a:fillRef idx="1">
+            <a:schemeClr val="accent1"/>
+          </a:fillRef>
+          <a:effectRef idx="0">
+            <a:schemeClr val="accent1"/>
+          </a:effectRef>
+          <a:fontRef idx="minor">
+            <a:schemeClr val="lt1"/>
+          </a:fontRef>
+        </p:style>
+        <p:txBody>
+          <a:bodyPr rtlCol="0" anchor="ctr"/>
+          <a:lstStyle/>
+          <a:p>
+            <a:pPr algn="ctr"/>
+            <a:endParaRPr lang="en-GB"/>
+          </a:p>
+        </p:txBody>
+      </p:sp>
+      <p:sp>
+        <p:nvSpPr>
+          <p:cNvPr id="28" name="Rectangle 27">
+            <a:extLst>
+              <a:ext uri="{FF2B5EF4-FFF2-40B4-BE49-F238E27FC236}">
+                <a16:creationId xmlns:a16="http://schemas.microsoft.com/office/drawing/2014/main" id="{AB382271-FD41-43FA-B89C-C0E4EC1C3A16}"/>
+              </a:ext>
+            </a:extLst>
+          </p:cNvPr>
+          <p:cNvSpPr/>
+          <p:nvPr/>
+        </p:nvSpPr>
+        <p:spPr>
+          <a:xfrm>
+            <a:off x="3357167" y="2271794"/>
+            <a:ext cx="172963" cy="125331"/>
+          </a:xfrm>
+          <a:prstGeom prst="rect">
+            <a:avLst/>
+          </a:prstGeom>
+          <a:solidFill>
+            <a:schemeClr val="accent4">
+              <a:alpha val="40000"/>
+            </a:schemeClr>
+          </a:solidFill>
+          <a:ln>
+            <a:noFill/>
+          </a:ln>
+        </p:spPr>
+        <p:style>
+          <a:lnRef idx="2">
+            <a:schemeClr val="accent1">
+              <a:shade val="50000"/>
+            </a:schemeClr>
+          </a:lnRef>
+          <a:fillRef idx="1">
+            <a:schemeClr val="accent1"/>
+          </a:fillRef>
+          <a:effectRef idx="0">
+            <a:schemeClr val="accent1"/>
+          </a:effectRef>
+          <a:fontRef idx="minor">
+            <a:schemeClr val="lt1"/>
+          </a:fontRef>
+        </p:style>
+        <p:txBody>
+          <a:bodyPr rtlCol="0" anchor="ctr"/>
+          <a:lstStyle/>
+          <a:p>
+            <a:pPr algn="ctr"/>
+            <a:endParaRPr lang="en-GB"/>
+          </a:p>
+        </p:txBody>
+      </p:sp>
+      <p:sp>
+        <p:nvSpPr>
+          <p:cNvPr id="30" name="Rectangle 29">
+            <a:extLst>
+              <a:ext uri="{FF2B5EF4-FFF2-40B4-BE49-F238E27FC236}">
+                <a16:creationId xmlns:a16="http://schemas.microsoft.com/office/drawing/2014/main" id="{B04D4609-4137-4935-94A6-94B238F483FA}"/>
+              </a:ext>
+            </a:extLst>
+          </p:cNvPr>
+          <p:cNvSpPr/>
+          <p:nvPr/>
+        </p:nvSpPr>
+        <p:spPr>
+          <a:xfrm>
+            <a:off x="3704433" y="2122854"/>
+            <a:ext cx="172963" cy="125331"/>
+          </a:xfrm>
+          <a:prstGeom prst="rect">
+            <a:avLst/>
+          </a:prstGeom>
+          <a:solidFill>
+            <a:schemeClr val="accent4">
+              <a:alpha val="40000"/>
+            </a:schemeClr>
+          </a:solidFill>
+          <a:ln>
+            <a:noFill/>
+          </a:ln>
+        </p:spPr>
+        <p:style>
+          <a:lnRef idx="2">
+            <a:schemeClr val="accent1">
+              <a:shade val="50000"/>
+            </a:schemeClr>
+          </a:lnRef>
+          <a:fillRef idx="1">
+            <a:schemeClr val="accent1"/>
+          </a:fillRef>
+          <a:effectRef idx="0">
+            <a:schemeClr val="accent1"/>
+          </a:effectRef>
+          <a:fontRef idx="minor">
+            <a:schemeClr val="lt1"/>
+          </a:fontRef>
+        </p:style>
+        <p:txBody>
+          <a:bodyPr rtlCol="0" anchor="ctr"/>
+          <a:lstStyle/>
+          <a:p>
+            <a:pPr algn="ctr"/>
+            <a:endParaRPr lang="en-GB"/>
+          </a:p>
+        </p:txBody>
+      </p:sp>
+      <p:sp>
+        <p:nvSpPr>
+          <p:cNvPr id="31" name="Rectangle 30">
+            <a:extLst>
+              <a:ext uri="{FF2B5EF4-FFF2-40B4-BE49-F238E27FC236}">
+                <a16:creationId xmlns:a16="http://schemas.microsoft.com/office/drawing/2014/main" id="{78CD00F0-B64B-44D2-A2D2-2DC06B964296}"/>
+              </a:ext>
+            </a:extLst>
+          </p:cNvPr>
+          <p:cNvSpPr/>
+          <p:nvPr/>
+        </p:nvSpPr>
+        <p:spPr>
+          <a:xfrm>
+            <a:off x="6656057" y="4680680"/>
+            <a:ext cx="297193" cy="194544"/>
+          </a:xfrm>
+          <a:prstGeom prst="rect">
+            <a:avLst/>
+          </a:prstGeom>
+          <a:solidFill>
+            <a:schemeClr val="accent4">
+              <a:alpha val="40000"/>
+            </a:schemeClr>
+          </a:solidFill>
+          <a:ln>
+            <a:noFill/>
+          </a:ln>
+        </p:spPr>
+        <p:style>
+          <a:lnRef idx="2">
+            <a:schemeClr val="accent1">
+              <a:shade val="50000"/>
+            </a:schemeClr>
+          </a:lnRef>
+          <a:fillRef idx="1">
+            <a:schemeClr val="accent1"/>
+          </a:fillRef>
+          <a:effectRef idx="0">
+            <a:schemeClr val="accent1"/>
+          </a:effectRef>
+          <a:fontRef idx="minor">
+            <a:schemeClr val="lt1"/>
+          </a:fontRef>
+        </p:style>
+        <p:txBody>
+          <a:bodyPr rtlCol="0" anchor="ctr"/>
+          <a:lstStyle/>
+          <a:p>
+            <a:pPr algn="ctr"/>
+            <a:endParaRPr lang="en-GB"/>
+          </a:p>
+        </p:txBody>
+      </p:sp>
+      <p:sp>
+        <p:nvSpPr>
+          <p:cNvPr id="32" name="Rectangle 31">
+            <a:extLst>
+              <a:ext uri="{FF2B5EF4-FFF2-40B4-BE49-F238E27FC236}">
+                <a16:creationId xmlns:a16="http://schemas.microsoft.com/office/drawing/2014/main" id="{463537D6-F31B-43D0-9CD5-F7640A9DC1A4}"/>
+              </a:ext>
+            </a:extLst>
+          </p:cNvPr>
+          <p:cNvSpPr/>
+          <p:nvPr/>
+        </p:nvSpPr>
+        <p:spPr>
+          <a:xfrm>
+            <a:off x="6282851" y="4371600"/>
+            <a:ext cx="297193" cy="194544"/>
+          </a:xfrm>
+          <a:prstGeom prst="rect">
+            <a:avLst/>
+          </a:prstGeom>
+          <a:solidFill>
+            <a:schemeClr val="accent4">
+              <a:alpha val="40000"/>
+            </a:schemeClr>
+          </a:solidFill>
+          <a:ln>
+            <a:noFill/>
+          </a:ln>
+        </p:spPr>
+        <p:style>
+          <a:lnRef idx="2">
+            <a:schemeClr val="accent1">
+              <a:shade val="50000"/>
+            </a:schemeClr>
+          </a:lnRef>
+          <a:fillRef idx="1">
+            <a:schemeClr val="accent1"/>
+          </a:fillRef>
+          <a:effectRef idx="0">
+            <a:schemeClr val="accent1"/>
+          </a:effectRef>
+          <a:fontRef idx="minor">
+            <a:schemeClr val="lt1"/>
+          </a:fontRef>
+        </p:style>
+        <p:txBody>
+          <a:bodyPr rtlCol="0" anchor="ctr"/>
+          <a:lstStyle/>
+          <a:p>
+            <a:pPr algn="ctr"/>
+            <a:endParaRPr lang="en-GB"/>
+          </a:p>
+        </p:txBody>
+      </p:sp>
+      <p:sp>
+        <p:nvSpPr>
+          <p:cNvPr id="34" name="Rectangle 33">
+            <a:extLst>
+              <a:ext uri="{FF2B5EF4-FFF2-40B4-BE49-F238E27FC236}">
+                <a16:creationId xmlns:a16="http://schemas.microsoft.com/office/drawing/2014/main" id="{66B19FE0-B007-4970-9D9D-1774001F19C7}"/>
+              </a:ext>
+            </a:extLst>
+          </p:cNvPr>
+          <p:cNvSpPr/>
+          <p:nvPr/>
+        </p:nvSpPr>
+        <p:spPr>
+          <a:xfrm>
+            <a:off x="9826342" y="4371600"/>
+            <a:ext cx="297193" cy="194544"/>
+          </a:xfrm>
+          <a:prstGeom prst="rect">
+            <a:avLst/>
+          </a:prstGeom>
+          <a:solidFill>
+            <a:schemeClr val="accent4">
+              <a:alpha val="40000"/>
+            </a:schemeClr>
+          </a:solidFill>
+          <a:ln>
+            <a:noFill/>
+          </a:ln>
+        </p:spPr>
+        <p:style>
+          <a:lnRef idx="2">
+            <a:schemeClr val="accent1">
+              <a:shade val="50000"/>
+            </a:schemeClr>
+          </a:lnRef>
+          <a:fillRef idx="1">
+            <a:schemeClr val="accent1"/>
+          </a:fillRef>
+          <a:effectRef idx="0">
+            <a:schemeClr val="accent1"/>
+          </a:effectRef>
+          <a:fontRef idx="minor">
+            <a:schemeClr val="lt1"/>
+          </a:fontRef>
+        </p:style>
+        <p:txBody>
+          <a:bodyPr rtlCol="0" anchor="ctr"/>
+          <a:lstStyle/>
+          <a:p>
+            <a:pPr algn="ctr"/>
+            <a:endParaRPr lang="en-GB"/>
+          </a:p>
+        </p:txBody>
+      </p:sp>
+      <p:sp>
+        <p:nvSpPr>
+          <p:cNvPr id="35" name="Rectangle 34">
+            <a:extLst>
+              <a:ext uri="{FF2B5EF4-FFF2-40B4-BE49-F238E27FC236}">
+                <a16:creationId xmlns:a16="http://schemas.microsoft.com/office/drawing/2014/main" id="{AAFB201A-40AD-449E-9853-7B4947899BF2}"/>
+              </a:ext>
+            </a:extLst>
+          </p:cNvPr>
+          <p:cNvSpPr/>
+          <p:nvPr/>
+        </p:nvSpPr>
+        <p:spPr>
+          <a:xfrm>
+            <a:off x="6188566" y="5719874"/>
+            <a:ext cx="391478" cy="163210"/>
+          </a:xfrm>
+          <a:prstGeom prst="rect">
+            <a:avLst/>
+          </a:prstGeom>
+          <a:solidFill>
+            <a:schemeClr val="accent4">
+              <a:alpha val="40000"/>
+            </a:schemeClr>
+          </a:solidFill>
+          <a:ln>
+            <a:noFill/>
+          </a:ln>
+        </p:spPr>
+        <p:style>
+          <a:lnRef idx="2">
+            <a:schemeClr val="accent1">
+              <a:shade val="50000"/>
+            </a:schemeClr>
+          </a:lnRef>
+          <a:fillRef idx="1">
+            <a:schemeClr val="accent1"/>
+          </a:fillRef>
+          <a:effectRef idx="0">
+            <a:schemeClr val="accent1"/>
+          </a:effectRef>
+          <a:fontRef idx="minor">
+            <a:schemeClr val="lt1"/>
+          </a:fontRef>
+        </p:style>
+        <p:txBody>
+          <a:bodyPr rtlCol="0" anchor="ctr"/>
+          <a:lstStyle/>
+          <a:p>
+            <a:pPr algn="ctr"/>
+            <a:endParaRPr lang="en-GB"/>
+          </a:p>
+        </p:txBody>
+      </p:sp>
+      <p:sp>
+        <p:nvSpPr>
+          <p:cNvPr id="36" name="Rectangle 35">
+            <a:extLst>
+              <a:ext uri="{FF2B5EF4-FFF2-40B4-BE49-F238E27FC236}">
+                <a16:creationId xmlns:a16="http://schemas.microsoft.com/office/drawing/2014/main" id="{CE2D3D61-3E61-40FC-BF18-C6BA8003E46B}"/>
+              </a:ext>
+            </a:extLst>
+          </p:cNvPr>
+          <p:cNvSpPr/>
+          <p:nvPr/>
+        </p:nvSpPr>
+        <p:spPr>
+          <a:xfrm>
+            <a:off x="7320621" y="5688540"/>
+            <a:ext cx="297193" cy="194544"/>
+          </a:xfrm>
+          <a:prstGeom prst="rect">
+            <a:avLst/>
+          </a:prstGeom>
+          <a:solidFill>
+            <a:schemeClr val="accent4">
+              <a:alpha val="40000"/>
+            </a:schemeClr>
+          </a:solidFill>
+          <a:ln>
+            <a:noFill/>
+          </a:ln>
+        </p:spPr>
+        <p:style>
+          <a:lnRef idx="2">
+            <a:schemeClr val="accent1">
+              <a:shade val="50000"/>
+            </a:schemeClr>
+          </a:lnRef>
+          <a:fillRef idx="1">
+            <a:schemeClr val="accent1"/>
+          </a:fillRef>
+          <a:effectRef idx="0">
+            <a:schemeClr val="accent1"/>
+          </a:effectRef>
+          <a:fontRef idx="minor">
+            <a:schemeClr val="lt1"/>
+          </a:fontRef>
+        </p:style>
+        <p:txBody>
+          <a:bodyPr rtlCol="0" anchor="ctr"/>
+          <a:lstStyle/>
+          <a:p>
+            <a:pPr algn="ctr"/>
+            <a:endParaRPr lang="en-GB"/>
+          </a:p>
+        </p:txBody>
+      </p:sp>
+      <p:pic>
+        <p:nvPicPr>
+          <p:cNvPr id="10" name="Picture 9">
+            <a:extLst>
+              <a:ext uri="{FF2B5EF4-FFF2-40B4-BE49-F238E27FC236}">
+                <a16:creationId xmlns:a16="http://schemas.microsoft.com/office/drawing/2014/main" id="{1C59E9D8-4F7B-4614-87E8-9B52AD17C876}"/>
+              </a:ext>
+            </a:extLst>
+          </p:cNvPr>
+          <p:cNvPicPr>
+            <a:picLocks noChangeAspect="1"/>
+          </p:cNvPicPr>
+          <p:nvPr/>
+        </p:nvPicPr>
+        <p:blipFill>
+          <a:blip r:embed="rId10"/>
+          <a:stretch>
+            <a:fillRect/>
+          </a:stretch>
+        </p:blipFill>
+        <p:spPr>
+          <a:xfrm>
+            <a:off x="949040" y="6164214"/>
+            <a:ext cx="11136279" cy="695422"/>
+          </a:xfrm>
+          <a:prstGeom prst="rect">
+            <a:avLst/>
+          </a:prstGeom>
+        </p:spPr>
+      </p:pic>
     </p:spTree>
     <p:extLst>
       <p:ext uri="{BB962C8B-B14F-4D97-AF65-F5344CB8AC3E}">
@@ -5329,12 +8496,103 @@
           <a:chExt cx="0" cy="0"/>
         </a:xfrm>
       </p:grpSpPr>
-      <p:sp>
-        <p:nvSpPr>
-          <p:cNvPr id="9" name="Title 1">
-            <a:extLst>
-              <a:ext uri="{FF2B5EF4-FFF2-40B4-BE49-F238E27FC236}">
-                <a16:creationId xmlns:a16="http://schemas.microsoft.com/office/drawing/2014/main" id="{907DD878-B76C-4FC5-9BC3-86C7C3DB3BDA}"/>
+      <p:grpSp>
+        <p:nvGrpSpPr>
+          <p:cNvPr id="3" name="Group 2">
+            <a:extLst>
+              <a:ext uri="{FF2B5EF4-FFF2-40B4-BE49-F238E27FC236}">
+                <a16:creationId xmlns:a16="http://schemas.microsoft.com/office/drawing/2014/main" id="{E21EB69F-0C2E-458F-8562-BB7FD377AEF2}"/>
+              </a:ext>
+            </a:extLst>
+          </p:cNvPr>
+          <p:cNvGrpSpPr/>
+          <p:nvPr/>
+        </p:nvGrpSpPr>
+        <p:grpSpPr>
+          <a:xfrm>
+            <a:off x="949040" y="1971676"/>
+            <a:ext cx="11243507" cy="4095750"/>
+            <a:chOff x="1683401" y="2397125"/>
+            <a:chExt cx="9774237" cy="3560529"/>
+          </a:xfrm>
+        </p:grpSpPr>
+        <p:pic>
+          <p:nvPicPr>
+            <p:cNvPr id="2" name="Picture 1">
+              <a:extLst>
+                <a:ext uri="{FF2B5EF4-FFF2-40B4-BE49-F238E27FC236}">
+                  <a16:creationId xmlns:a16="http://schemas.microsoft.com/office/drawing/2014/main" id="{52783BC6-5633-4CCA-A3BA-492F806599B7}"/>
+                </a:ext>
+              </a:extLst>
+            </p:cNvPr>
+            <p:cNvPicPr>
+              <a:picLocks noChangeAspect="1"/>
+            </p:cNvPicPr>
+            <p:nvPr/>
+          </p:nvPicPr>
+          <p:blipFill>
+            <a:blip r:embed="rId2"/>
+            <a:stretch>
+              <a:fillRect/>
+            </a:stretch>
+          </p:blipFill>
+          <p:spPr>
+            <a:xfrm>
+              <a:off x="1683401" y="2397125"/>
+              <a:ext cx="4595380" cy="3535363"/>
+            </a:xfrm>
+            <a:prstGeom prst="rect">
+              <a:avLst/>
+            </a:prstGeom>
+          </p:spPr>
+        </p:pic>
+        <p:pic>
+          <p:nvPicPr>
+            <p:cNvPr id="5" name="Picture 2">
+              <a:extLst>
+                <a:ext uri="{FF2B5EF4-FFF2-40B4-BE49-F238E27FC236}">
+                  <a16:creationId xmlns:a16="http://schemas.microsoft.com/office/drawing/2014/main" id="{EB216CD7-B22C-460D-ACD1-53072E481390}"/>
+                </a:ext>
+              </a:extLst>
+            </p:cNvPr>
+            <p:cNvPicPr>
+              <a:picLocks noChangeAspect="1" noChangeArrowheads="1"/>
+            </p:cNvPicPr>
+            <p:nvPr/>
+          </p:nvPicPr>
+          <p:blipFill>
+            <a:blip r:embed="rId3">
+              <a:extLst>
+                <a:ext uri="{28A0092B-C50C-407E-A947-70E740481C1C}">
+                  <a14:useLocalDpi xmlns:a14="http://schemas.microsoft.com/office/drawing/2010/main" val="0"/>
+                </a:ext>
+              </a:extLst>
+            </a:blip>
+            <a:srcRect/>
+            <a:stretch>
+              <a:fillRect/>
+            </a:stretch>
+          </p:blipFill>
+          <p:spPr bwMode="auto">
+            <a:xfrm>
+              <a:off x="6279213" y="2397126"/>
+              <a:ext cx="5178425" cy="3560528"/>
+            </a:xfrm>
+            <a:prstGeom prst="rect">
+              <a:avLst/>
+            </a:prstGeom>
+            <a:solidFill>
+              <a:schemeClr val="bg1"/>
+            </a:solidFill>
+          </p:spPr>
+        </p:pic>
+      </p:grpSp>
+      <p:sp>
+        <p:nvSpPr>
+          <p:cNvPr id="6" name="Title 1">
+            <a:extLst>
+              <a:ext uri="{FF2B5EF4-FFF2-40B4-BE49-F238E27FC236}">
+                <a16:creationId xmlns:a16="http://schemas.microsoft.com/office/drawing/2014/main" id="{438892A2-F58C-479B-93B3-BDD2A80D348B}"/>
               </a:ext>
             </a:extLst>
           </p:cNvPr>
@@ -5347,83 +8605,32 @@
         </p:nvSpPr>
         <p:spPr>
           <a:xfrm>
-            <a:off x="942832" y="2766218"/>
+            <a:off x="949040" y="365125"/>
             <a:ext cx="11242960" cy="1325563"/>
           </a:xfrm>
         </p:spPr>
         <p:txBody>
-          <a:bodyPr>
-            <a:normAutofit/>
-          </a:bodyPr>
+          <a:bodyPr/>
           <a:lstStyle/>
           <a:p>
-            <a:pPr algn="ctr"/>
             <a:r>
-              <a:rPr lang="en-GB" sz="6000" b="1" dirty="0">
+              <a:rPr lang="en-GB" dirty="0">
                 <a:solidFill>
-                  <a:schemeClr val="tx1">
-                    <a:lumMod val="75000"/>
-                    <a:lumOff val="25000"/>
+                  <a:schemeClr val="bg1">
+                    <a:lumMod val="95000"/>
                   </a:schemeClr>
                 </a:solidFill>
-                <a:latin typeface="Gabriola" panose="04040605051002020D02" pitchFamily="82" charset="0"/>
+                <a:latin typeface="Arial Nova Light" panose="020B0304020202020204" pitchFamily="34" charset="0"/>
               </a:rPr>
-              <a:t>Q&amp;A</a:t>
+              <a:t>Figure 11:</a:t>
             </a:r>
           </a:p>
         </p:txBody>
       </p:sp>
-      <p:pic>
-        <p:nvPicPr>
-          <p:cNvPr id="2" name="Picture 2" descr="http://www.landlordreferencing.co.uk/wp-content/uploads/2016/11/489f-hce-q-and-a-jpg.png">
-            <a:extLst>
-              <a:ext uri="{FF2B5EF4-FFF2-40B4-BE49-F238E27FC236}">
-                <a16:creationId xmlns:a16="http://schemas.microsoft.com/office/drawing/2014/main" id="{A3958ADD-11D2-4A36-B683-42F04B78B769}"/>
-              </a:ext>
-            </a:extLst>
-          </p:cNvPr>
-          <p:cNvPicPr>
-            <a:picLocks noChangeAspect="1" noChangeArrowheads="1"/>
-          </p:cNvPicPr>
-          <p:nvPr/>
-        </p:nvPicPr>
-        <p:blipFill>
-          <a:blip r:embed="rId2">
-            <a:extLst>
-              <a:ext uri="{28A0092B-C50C-407E-A947-70E740481C1C}">
-                <a14:useLocalDpi xmlns:a14="http://schemas.microsoft.com/office/drawing/2010/main" val="0"/>
-              </a:ext>
-            </a:extLst>
-          </a:blip>
-          <a:srcRect/>
-          <a:stretch>
-            <a:fillRect/>
-          </a:stretch>
-        </p:blipFill>
-        <p:spPr bwMode="auto">
-          <a:xfrm>
-            <a:off x="3125787" y="1649413"/>
-            <a:ext cx="6877050" cy="3486150"/>
-          </a:xfrm>
-          <a:prstGeom prst="rect">
-            <a:avLst/>
-          </a:prstGeom>
-          <a:noFill/>
-          <a:extLst>
-            <a:ext uri="{909E8E84-426E-40DD-AFC4-6F175D3DCCD1}">
-              <a14:hiddenFill xmlns:a14="http://schemas.microsoft.com/office/drawing/2010/main">
-                <a:solidFill>
-                  <a:srgbClr val="FFFFFF"/>
-                </a:solidFill>
-              </a14:hiddenFill>
-            </a:ext>
-          </a:extLst>
-        </p:spPr>
-      </p:pic>
     </p:spTree>
     <p:extLst>
       <p:ext uri="{BB962C8B-B14F-4D97-AF65-F5344CB8AC3E}">
-        <p14:creationId xmlns:p14="http://schemas.microsoft.com/office/powerpoint/2010/main" val="4246728971"/>
+        <p14:creationId xmlns:p14="http://schemas.microsoft.com/office/powerpoint/2010/main" val="3070660951"/>
       </p:ext>
     </p:extLst>
   </p:cSld>
@@ -5452,10 +8659,10 @@
       </p:grpSpPr>
       <p:sp>
         <p:nvSpPr>
-          <p:cNvPr id="4" name="Title 1">
-            <a:extLst>
-              <a:ext uri="{FF2B5EF4-FFF2-40B4-BE49-F238E27FC236}">
-                <a16:creationId xmlns:a16="http://schemas.microsoft.com/office/drawing/2014/main" id="{F9ED8BE6-F7AC-4FD8-8FA8-8C683A7C2F62}"/>
+          <p:cNvPr id="9" name="Title 1">
+            <a:extLst>
+              <a:ext uri="{FF2B5EF4-FFF2-40B4-BE49-F238E27FC236}">
+                <a16:creationId xmlns:a16="http://schemas.microsoft.com/office/drawing/2014/main" id="{907DD878-B76C-4FC5-9BC3-86C7C3DB3BDA}"/>
               </a:ext>
             </a:extLst>
           </p:cNvPr>
@@ -5468,48 +8675,8 @@
         </p:nvSpPr>
         <p:spPr>
           <a:xfrm>
-            <a:off x="949040" y="365125"/>
+            <a:off x="942832" y="2766218"/>
             <a:ext cx="11242960" cy="1325563"/>
-          </a:xfrm>
-        </p:spPr>
-        <p:txBody>
-          <a:bodyPr/>
-          <a:lstStyle/>
-          <a:p>
-            <a:r>
-              <a:rPr lang="en-GB" dirty="0">
-                <a:solidFill>
-                  <a:schemeClr val="bg1">
-                    <a:lumMod val="95000"/>
-                  </a:schemeClr>
-                </a:solidFill>
-                <a:latin typeface="Arial Nova Light" panose="020B0304020202020204" pitchFamily="34" charset="0"/>
-              </a:rPr>
-              <a:t>References</a:t>
-            </a:r>
-          </a:p>
-        </p:txBody>
-      </p:sp>
-      <p:sp>
-        <p:nvSpPr>
-          <p:cNvPr id="6" name="Content Placeholder 2">
-            <a:extLst>
-              <a:ext uri="{FF2B5EF4-FFF2-40B4-BE49-F238E27FC236}">
-                <a16:creationId xmlns:a16="http://schemas.microsoft.com/office/drawing/2014/main" id="{058630E6-31AF-4451-B084-C9809D0DA4E8}"/>
-              </a:ext>
-            </a:extLst>
-          </p:cNvPr>
-          <p:cNvSpPr>
-            <a:spLocks noGrp="1"/>
-          </p:cNvSpPr>
-          <p:nvPr>
-            <p:ph idx="1"/>
-          </p:nvPr>
-        </p:nvSpPr>
-        <p:spPr>
-          <a:xfrm>
-            <a:off x="949040" y="1825624"/>
-            <a:ext cx="11242960" cy="5032375"/>
           </a:xfrm>
         </p:spPr>
         <p:txBody>
@@ -5518,55 +8685,73 @@
           </a:bodyPr>
           <a:lstStyle/>
           <a:p>
-            <a:pPr marL="514350" indent="-514350">
-              <a:buFont typeface="+mj-lt"/>
-              <a:buAutoNum type="arabicPeriod"/>
-            </a:pPr>
+            <a:pPr algn="ctr"/>
             <a:r>
-              <a:rPr lang="en-GB" dirty="0">
+              <a:rPr lang="en-GB" sz="6000" b="1" dirty="0">
                 <a:solidFill>
-                  <a:schemeClr val="bg1">
-                    <a:lumMod val="95000"/>
+                  <a:schemeClr val="tx1">
+                    <a:lumMod val="75000"/>
+                    <a:lumOff val="25000"/>
                   </a:schemeClr>
                 </a:solidFill>
-                <a:latin typeface="Arial Nova Light" panose="020B0304020202020204" pitchFamily="34" charset="0"/>
+                <a:latin typeface="Gabriola" panose="04040605051002020D02" pitchFamily="82" charset="0"/>
               </a:rPr>
-              <a:t>&lt;reference A&gt;</a:t>
+              <a:t>Q&amp;A</a:t>
             </a:r>
           </a:p>
-          <a:p>
-            <a:pPr marL="514350" indent="-514350">
-              <a:buFont typeface="+mj-lt"/>
-              <a:buAutoNum type="arabicPeriod"/>
-            </a:pPr>
-            <a:r>
-              <a:rPr lang="en-GB" dirty="0">
+        </p:txBody>
+      </p:sp>
+      <p:pic>
+        <p:nvPicPr>
+          <p:cNvPr id="2" name="Picture 2" descr="http://www.landlordreferencing.co.uk/wp-content/uploads/2016/11/489f-hce-q-and-a-jpg.png">
+            <a:extLst>
+              <a:ext uri="{FF2B5EF4-FFF2-40B4-BE49-F238E27FC236}">
+                <a16:creationId xmlns:a16="http://schemas.microsoft.com/office/drawing/2014/main" id="{A3958ADD-11D2-4A36-B683-42F04B78B769}"/>
+              </a:ext>
+            </a:extLst>
+          </p:cNvPr>
+          <p:cNvPicPr>
+            <a:picLocks noChangeAspect="1" noChangeArrowheads="1"/>
+          </p:cNvPicPr>
+          <p:nvPr/>
+        </p:nvPicPr>
+        <p:blipFill>
+          <a:blip r:embed="rId2">
+            <a:extLst>
+              <a:ext uri="{28A0092B-C50C-407E-A947-70E740481C1C}">
+                <a14:useLocalDpi xmlns:a14="http://schemas.microsoft.com/office/drawing/2010/main" val="0"/>
+              </a:ext>
+            </a:extLst>
+          </a:blip>
+          <a:srcRect/>
+          <a:stretch>
+            <a:fillRect/>
+          </a:stretch>
+        </p:blipFill>
+        <p:spPr bwMode="auto">
+          <a:xfrm>
+            <a:off x="3125787" y="1649413"/>
+            <a:ext cx="6877050" cy="3486150"/>
+          </a:xfrm>
+          <a:prstGeom prst="rect">
+            <a:avLst/>
+          </a:prstGeom>
+          <a:noFill/>
+          <a:extLst>
+            <a:ext uri="{909E8E84-426E-40DD-AFC4-6F175D3DCCD1}">
+              <a14:hiddenFill xmlns:a14="http://schemas.microsoft.com/office/drawing/2010/main">
                 <a:solidFill>
-                  <a:schemeClr val="bg1">
-                    <a:lumMod val="95000"/>
-                  </a:schemeClr>
+                  <a:srgbClr val="FFFFFF"/>
                 </a:solidFill>
-                <a:latin typeface="Arial Nova Light" panose="020B0304020202020204" pitchFamily="34" charset="0"/>
-              </a:rPr>
-              <a:t>&lt;reference B&gt;</a:t>
-            </a:r>
-          </a:p>
-          <a:p>
-            <a:endParaRPr lang="en-GB" dirty="0">
-              <a:solidFill>
-                <a:schemeClr val="bg1">
-                  <a:lumMod val="95000"/>
-                </a:schemeClr>
-              </a:solidFill>
-              <a:latin typeface="Arial Nova Light" panose="020B0304020202020204" pitchFamily="34" charset="0"/>
-            </a:endParaRPr>
-          </a:p>
-        </p:txBody>
-      </p:sp>
+              </a14:hiddenFill>
+            </a:ext>
+          </a:extLst>
+        </p:spPr>
+      </p:pic>
     </p:spTree>
     <p:extLst>
       <p:ext uri="{BB962C8B-B14F-4D97-AF65-F5344CB8AC3E}">
-        <p14:creationId xmlns:p14="http://schemas.microsoft.com/office/powerpoint/2010/main" val="3604131991"/>
+        <p14:creationId xmlns:p14="http://schemas.microsoft.com/office/powerpoint/2010/main" val="4246728971"/>
       </p:ext>
     </p:extLst>
   </p:cSld>
@@ -5633,35 +8818,364 @@
           </a:p>
         </p:txBody>
       </p:sp>
-      <p:sp>
-        <p:nvSpPr>
-          <p:cNvPr id="14" name="Rectangle 13">
-            <a:extLst>
-              <a:ext uri="{FF2B5EF4-FFF2-40B4-BE49-F238E27FC236}">
-                <a16:creationId xmlns:a16="http://schemas.microsoft.com/office/drawing/2014/main" id="{B1FDEF3E-1872-41D3-A841-FBE14801F476}"/>
-              </a:ext>
-            </a:extLst>
-          </p:cNvPr>
-          <p:cNvSpPr/>
+      <p:pic>
+        <p:nvPicPr>
+          <p:cNvPr id="5" name="Picture 4">
+            <a:extLst>
+              <a:ext uri="{FF2B5EF4-FFF2-40B4-BE49-F238E27FC236}">
+                <a16:creationId xmlns:a16="http://schemas.microsoft.com/office/drawing/2014/main" id="{68A2B3B4-DC7E-4080-B9FF-606D814FFD0B}"/>
+              </a:ext>
+            </a:extLst>
+          </p:cNvPr>
+          <p:cNvPicPr>
+            <a:picLocks noChangeAspect="1"/>
+          </p:cNvPicPr>
           <p:nvPr/>
-        </p:nvSpPr>
+        </p:nvPicPr>
+        <p:blipFill>
+          <a:blip r:embed="rId3"/>
+          <a:stretch>
+            <a:fillRect/>
+          </a:stretch>
+        </p:blipFill>
         <p:spPr>
           <a:xfrm>
-            <a:off x="942833" y="4705003"/>
-            <a:ext cx="11242960" cy="523220"/>
+            <a:off x="4615812" y="3384179"/>
+            <a:ext cx="3772426" cy="466790"/>
           </a:xfrm>
           <a:prstGeom prst="rect">
             <a:avLst/>
           </a:prstGeom>
         </p:spPr>
-        <p:txBody>
-          <a:bodyPr wrap="square">
-            <a:spAutoFit/>
+      </p:pic>
+      <p:pic>
+        <p:nvPicPr>
+          <p:cNvPr id="7" name="Picture 6">
+            <a:extLst>
+              <a:ext uri="{FF2B5EF4-FFF2-40B4-BE49-F238E27FC236}">
+                <a16:creationId xmlns:a16="http://schemas.microsoft.com/office/drawing/2014/main" id="{BE3DED68-3EF4-4891-B476-E20694FB1B5D}"/>
+              </a:ext>
+            </a:extLst>
+          </p:cNvPr>
+          <p:cNvPicPr>
+            <a:picLocks noChangeAspect="1"/>
+          </p:cNvPicPr>
+          <p:nvPr/>
+        </p:nvPicPr>
+        <p:blipFill>
+          <a:blip r:embed="rId4"/>
+          <a:stretch>
+            <a:fillRect/>
+          </a:stretch>
+        </p:blipFill>
+        <p:spPr>
+          <a:xfrm>
+            <a:off x="4287520" y="1690688"/>
+            <a:ext cx="2276793" cy="628738"/>
+          </a:xfrm>
+          <a:prstGeom prst="rect">
+            <a:avLst/>
+          </a:prstGeom>
+        </p:spPr>
+      </p:pic>
+      <p:pic>
+        <p:nvPicPr>
+          <p:cNvPr id="8" name="Picture 7">
+            <a:extLst>
+              <a:ext uri="{FF2B5EF4-FFF2-40B4-BE49-F238E27FC236}">
+                <a16:creationId xmlns:a16="http://schemas.microsoft.com/office/drawing/2014/main" id="{169258D3-7008-4837-A4FD-F07058750218}"/>
+              </a:ext>
+            </a:extLst>
+          </p:cNvPr>
+          <p:cNvPicPr>
+            <a:picLocks noChangeAspect="1"/>
+          </p:cNvPicPr>
+          <p:nvPr/>
+        </p:nvPicPr>
+        <p:blipFill>
+          <a:blip r:embed="rId5"/>
+          <a:stretch>
+            <a:fillRect/>
+          </a:stretch>
+        </p:blipFill>
+        <p:spPr>
+          <a:xfrm>
+            <a:off x="6078470" y="4448932"/>
+            <a:ext cx="1514686" cy="466790"/>
+          </a:xfrm>
+          <a:prstGeom prst="rect">
+            <a:avLst/>
+          </a:prstGeom>
+        </p:spPr>
+      </p:pic>
+      <p:pic>
+        <p:nvPicPr>
+          <p:cNvPr id="9" name="Picture 8">
+            <a:extLst>
+              <a:ext uri="{FF2B5EF4-FFF2-40B4-BE49-F238E27FC236}">
+                <a16:creationId xmlns:a16="http://schemas.microsoft.com/office/drawing/2014/main" id="{8B53B1B4-8C09-4E66-B8FB-00CEB14C2E3B}"/>
+              </a:ext>
+            </a:extLst>
+          </p:cNvPr>
+          <p:cNvPicPr>
+            <a:picLocks noChangeAspect="1"/>
+          </p:cNvPicPr>
+          <p:nvPr/>
+        </p:nvPicPr>
+        <p:blipFill>
+          <a:blip r:embed="rId6"/>
+          <a:stretch>
+            <a:fillRect/>
+          </a:stretch>
+        </p:blipFill>
+        <p:spPr>
+          <a:xfrm>
+            <a:off x="5425916" y="5544460"/>
+            <a:ext cx="2819794" cy="390580"/>
+          </a:xfrm>
+          <a:prstGeom prst="rect">
+            <a:avLst/>
+          </a:prstGeom>
+        </p:spPr>
+      </p:pic>
+      <p:cxnSp>
+        <p:nvCxnSpPr>
+          <p:cNvPr id="11" name="Connector: Elbow 10">
+            <a:extLst>
+              <a:ext uri="{FF2B5EF4-FFF2-40B4-BE49-F238E27FC236}">
+                <a16:creationId xmlns:a16="http://schemas.microsoft.com/office/drawing/2014/main" id="{0EA0436C-EF52-4E7D-87A2-4F55298FBE6F}"/>
+              </a:ext>
+            </a:extLst>
+          </p:cNvPr>
+          <p:cNvCxnSpPr>
+            <a:cxnSpLocks/>
+            <a:stCxn id="7" idx="2"/>
+          </p:cNvCxnSpPr>
+          <p:nvPr/>
+        </p:nvCxnSpPr>
+        <p:spPr>
+          <a:xfrm rot="16200000" flipH="1">
+            <a:off x="4893540" y="2851802"/>
+            <a:ext cx="1064755" cy="1"/>
+          </a:xfrm>
+          <a:prstGeom prst="bentConnector3">
+            <a:avLst>
+              <a:gd name="adj1" fmla="val 50000"/>
+            </a:avLst>
+          </a:prstGeom>
+          <a:ln w="38100">
+            <a:solidFill>
+              <a:schemeClr val="bg1"/>
+            </a:solidFill>
+            <a:tailEnd type="triangle"/>
+          </a:ln>
+        </p:spPr>
+        <p:style>
+          <a:lnRef idx="1">
+            <a:schemeClr val="accent1"/>
+          </a:lnRef>
+          <a:fillRef idx="0">
+            <a:schemeClr val="accent1"/>
+          </a:fillRef>
+          <a:effectRef idx="0">
+            <a:schemeClr val="accent1"/>
+          </a:effectRef>
+          <a:fontRef idx="minor">
+            <a:schemeClr val="tx1"/>
+          </a:fontRef>
+        </p:style>
+      </p:cxnSp>
+      <p:cxnSp>
+        <p:nvCxnSpPr>
+          <p:cNvPr id="15" name="Connector: Elbow 14">
+            <a:extLst>
+              <a:ext uri="{FF2B5EF4-FFF2-40B4-BE49-F238E27FC236}">
+                <a16:creationId xmlns:a16="http://schemas.microsoft.com/office/drawing/2014/main" id="{79550C6F-3A6B-4A18-BAA9-5A89368BCED4}"/>
+              </a:ext>
+            </a:extLst>
+          </p:cNvPr>
+          <p:cNvCxnSpPr>
+            <a:cxnSpLocks/>
+            <a:stCxn id="8" idx="0"/>
+          </p:cNvCxnSpPr>
+          <p:nvPr/>
+        </p:nvCxnSpPr>
+        <p:spPr>
+          <a:xfrm rot="5400000" flipH="1" flipV="1">
+            <a:off x="6604094" y="4082689"/>
+            <a:ext cx="597963" cy="134525"/>
+          </a:xfrm>
+          <a:prstGeom prst="bentConnector3">
+            <a:avLst>
+              <a:gd name="adj1" fmla="val 50000"/>
+            </a:avLst>
+          </a:prstGeom>
+          <a:ln w="38100">
+            <a:solidFill>
+              <a:schemeClr val="bg1"/>
+            </a:solidFill>
+            <a:tailEnd type="triangle"/>
+          </a:ln>
+        </p:spPr>
+        <p:style>
+          <a:lnRef idx="1">
+            <a:schemeClr val="accent1"/>
+          </a:lnRef>
+          <a:fillRef idx="0">
+            <a:schemeClr val="accent1"/>
+          </a:fillRef>
+          <a:effectRef idx="0">
+            <a:schemeClr val="accent1"/>
+          </a:effectRef>
+          <a:fontRef idx="minor">
+            <a:schemeClr val="tx1"/>
+          </a:fontRef>
+        </p:style>
+      </p:cxnSp>
+      <p:cxnSp>
+        <p:nvCxnSpPr>
+          <p:cNvPr id="17" name="Connector: Elbow 16">
+            <a:extLst>
+              <a:ext uri="{FF2B5EF4-FFF2-40B4-BE49-F238E27FC236}">
+                <a16:creationId xmlns:a16="http://schemas.microsoft.com/office/drawing/2014/main" id="{C8A7719A-2CEA-4422-A54C-F8931ADFE6FA}"/>
+              </a:ext>
+            </a:extLst>
+          </p:cNvPr>
+          <p:cNvCxnSpPr>
+            <a:cxnSpLocks/>
+            <a:stCxn id="9" idx="0"/>
+            <a:endCxn id="8" idx="2"/>
+          </p:cNvCxnSpPr>
+          <p:nvPr/>
+        </p:nvCxnSpPr>
+        <p:spPr>
+          <a:xfrm rot="5400000" flipH="1" flipV="1">
+            <a:off x="6521444" y="5230091"/>
+            <a:ext cx="628738" cy="12700"/>
+          </a:xfrm>
+          <a:prstGeom prst="bentConnector3">
+            <a:avLst>
+              <a:gd name="adj1" fmla="val 50000"/>
+            </a:avLst>
+          </a:prstGeom>
+          <a:ln w="38100">
+            <a:solidFill>
+              <a:schemeClr val="bg1"/>
+            </a:solidFill>
+            <a:tailEnd type="triangle"/>
+          </a:ln>
+        </p:spPr>
+        <p:style>
+          <a:lnRef idx="1">
+            <a:schemeClr val="accent1"/>
+          </a:lnRef>
+          <a:fillRef idx="0">
+            <a:schemeClr val="accent1"/>
+          </a:fillRef>
+          <a:effectRef idx="0">
+            <a:schemeClr val="accent1"/>
+          </a:effectRef>
+          <a:fontRef idx="minor">
+            <a:schemeClr val="tx1"/>
+          </a:fontRef>
+        </p:style>
+      </p:cxnSp>
+      <p:graphicFrame>
+        <p:nvGraphicFramePr>
+          <p:cNvPr id="2" name="Object 1">
+            <a:extLst>
+              <a:ext uri="{FF2B5EF4-FFF2-40B4-BE49-F238E27FC236}">
+                <a16:creationId xmlns:a16="http://schemas.microsoft.com/office/drawing/2014/main" id="{E859CAF8-A265-414B-A933-FFA49A302882}"/>
+              </a:ext>
+            </a:extLst>
+          </p:cNvPr>
+          <p:cNvGraphicFramePr>
+            <a:graphicFrameLocks noChangeAspect="1"/>
+          </p:cNvGraphicFramePr>
+          <p:nvPr>
+            <p:extLst>
+              <p:ext uri="{D42A27DB-BD31-4B8C-83A1-F6EECF244321}">
+                <p14:modId xmlns:p14="http://schemas.microsoft.com/office/powerpoint/2010/main" val="77913205"/>
+              </p:ext>
+            </p:extLst>
+          </p:nvPr>
+        </p:nvGraphicFramePr>
+        <p:xfrm>
+          <a:off x="11096627" y="15875"/>
+          <a:ext cx="1095374" cy="698500"/>
+        </p:xfrm>
+        <a:graphic>
+          <a:graphicData uri="http://schemas.openxmlformats.org/presentationml/2006/ole">
+            <mc:AlternateContent xmlns:mc="http://schemas.openxmlformats.org/markup-compatibility/2006">
+              <mc:Choice xmlns:v="urn:schemas-microsoft-com:vml" Requires="v">
+                <p:oleObj spid="_x0000_s6163" name="Packager Shell Object" showAsIcon="1" r:id="rId7" imgW="548280" imgH="349200" progId="Package">
+                  <p:embed/>
+                </p:oleObj>
+              </mc:Choice>
+              <mc:Fallback>
+                <p:oleObj name="Packager Shell Object" showAsIcon="1" r:id="rId7" imgW="548280" imgH="349200" progId="Package">
+                  <p:embed/>
+                  <p:pic>
+                    <p:nvPicPr>
+                      <p:cNvPr id="0" name=""/>
+                      <p:cNvPicPr/>
+                      <p:nvPr/>
+                    </p:nvPicPr>
+                    <p:blipFill>
+                      <a:blip r:embed="rId8"/>
+                      <a:stretch>
+                        <a:fillRect/>
+                      </a:stretch>
+                    </p:blipFill>
+                    <p:spPr>
+                      <a:xfrm>
+                        <a:off x="11096627" y="15875"/>
+                        <a:ext cx="1095374" cy="698500"/>
+                      </a:xfrm>
+                      <a:prstGeom prst="rect">
+                        <a:avLst/>
+                      </a:prstGeom>
+                    </p:spPr>
+                  </p:pic>
+                </p:oleObj>
+              </mc:Fallback>
+            </mc:AlternateContent>
+          </a:graphicData>
+        </a:graphic>
+      </p:graphicFrame>
+      <p:sp>
+        <p:nvSpPr>
+          <p:cNvPr id="12" name="Content Placeholder 2">
+            <a:extLst>
+              <a:ext uri="{FF2B5EF4-FFF2-40B4-BE49-F238E27FC236}">
+                <a16:creationId xmlns:a16="http://schemas.microsoft.com/office/drawing/2014/main" id="{E20EA925-9F30-4188-8811-0BC876D1EEB8}"/>
+              </a:ext>
+            </a:extLst>
+          </p:cNvPr>
+          <p:cNvSpPr>
+            <a:spLocks noGrp="1"/>
+          </p:cNvSpPr>
+          <p:nvPr>
+            <p:ph idx="1"/>
+          </p:nvPr>
+        </p:nvSpPr>
+        <p:spPr>
+          <a:xfrm>
+            <a:off x="9778718" y="782637"/>
+            <a:ext cx="2413282" cy="908051"/>
+          </a:xfrm>
+        </p:spPr>
+        <p:txBody>
+          <a:bodyPr>
+            <a:normAutofit/>
           </a:bodyPr>
           <a:lstStyle/>
           <a:p>
+            <a:pPr marL="0" indent="0">
+              <a:buNone/>
+            </a:pPr>
             <a:r>
-              <a:rPr lang="en-GB" sz="2800" dirty="0">
+              <a:rPr lang="en-GB" dirty="0">
                 <a:solidFill>
                   <a:schemeClr val="bg1">
                     <a:lumMod val="95000"/>
@@ -5669,27 +9183,966 @@
                 </a:solidFill>
                 <a:latin typeface="Arial Nova Light" panose="020B0304020202020204" pitchFamily="34" charset="0"/>
               </a:rPr>
-              <a:t>&lt;content&gt; </a:t>
+              <a:t>Full process &amp; source code</a:t>
             </a:r>
+          </a:p>
+        </p:txBody>
+      </p:sp>
+      <p:cxnSp>
+        <p:nvCxnSpPr>
+          <p:cNvPr id="16" name="Connector: Elbow 15">
+            <a:extLst>
+              <a:ext uri="{FF2B5EF4-FFF2-40B4-BE49-F238E27FC236}">
+                <a16:creationId xmlns:a16="http://schemas.microsoft.com/office/drawing/2014/main" id="{A5F598B0-C4E1-400E-9B2A-38125938565C}"/>
+              </a:ext>
+            </a:extLst>
+          </p:cNvPr>
+          <p:cNvCxnSpPr>
+            <a:cxnSpLocks/>
+            <a:stCxn id="12" idx="1"/>
+            <a:endCxn id="2" idx="1"/>
+          </p:cNvCxnSpPr>
+          <p:nvPr/>
+        </p:nvCxnSpPr>
+        <p:spPr>
+          <a:xfrm rot="10800000" flipH="1">
+            <a:off x="9778717" y="365125"/>
+            <a:ext cx="1317909" cy="871538"/>
+          </a:xfrm>
+          <a:prstGeom prst="bentConnector3">
+            <a:avLst>
+              <a:gd name="adj1" fmla="val -17346"/>
+            </a:avLst>
+          </a:prstGeom>
+          <a:ln w="38100">
+            <a:solidFill>
+              <a:schemeClr val="bg1"/>
+            </a:solidFill>
+            <a:tailEnd type="triangle"/>
+          </a:ln>
+        </p:spPr>
+        <p:style>
+          <a:lnRef idx="1">
+            <a:schemeClr val="accent1"/>
+          </a:lnRef>
+          <a:fillRef idx="0">
+            <a:schemeClr val="accent1"/>
+          </a:fillRef>
+          <a:effectRef idx="0">
+            <a:schemeClr val="accent1"/>
+          </a:effectRef>
+          <a:fontRef idx="minor">
+            <a:schemeClr val="tx1"/>
+          </a:fontRef>
+        </p:style>
+      </p:cxnSp>
+      <p:sp>
+        <p:nvSpPr>
+          <p:cNvPr id="18" name="Rectangle 17">
+            <a:extLst>
+              <a:ext uri="{FF2B5EF4-FFF2-40B4-BE49-F238E27FC236}">
+                <a16:creationId xmlns:a16="http://schemas.microsoft.com/office/drawing/2014/main" id="{1D40F167-71E3-482D-8763-59E8F236EBE9}"/>
+              </a:ext>
+            </a:extLst>
+          </p:cNvPr>
+          <p:cNvSpPr/>
+          <p:nvPr/>
+        </p:nvSpPr>
+        <p:spPr>
+          <a:xfrm>
+            <a:off x="9778717" y="1817303"/>
+            <a:ext cx="2413283" cy="876421"/>
+          </a:xfrm>
+          <a:prstGeom prst="rect">
+            <a:avLst/>
+          </a:prstGeom>
+          <a:solidFill>
+            <a:schemeClr val="accent4">
+              <a:alpha val="40000"/>
+            </a:schemeClr>
+          </a:solidFill>
+          <a:ln>
+            <a:noFill/>
+          </a:ln>
+        </p:spPr>
+        <p:style>
+          <a:lnRef idx="2">
+            <a:schemeClr val="accent1">
+              <a:shade val="50000"/>
+            </a:schemeClr>
+          </a:lnRef>
+          <a:fillRef idx="1">
+            <a:schemeClr val="accent1"/>
+          </a:fillRef>
+          <a:effectRef idx="0">
+            <a:schemeClr val="accent1"/>
+          </a:effectRef>
+          <a:fontRef idx="minor">
+            <a:schemeClr val="lt1"/>
+          </a:fontRef>
+        </p:style>
+        <p:txBody>
+          <a:bodyPr rtlCol="0" anchor="ctr"/>
+          <a:lstStyle/>
+          <a:p>
+            <a:pPr algn="ctr"/>
+            <a:endParaRPr lang="en-GB"/>
+          </a:p>
+        </p:txBody>
+      </p:sp>
+      <p:sp>
+        <p:nvSpPr>
+          <p:cNvPr id="19" name="Content Placeholder 2">
+            <a:extLst>
+              <a:ext uri="{FF2B5EF4-FFF2-40B4-BE49-F238E27FC236}">
+                <a16:creationId xmlns:a16="http://schemas.microsoft.com/office/drawing/2014/main" id="{55F46C18-9832-407D-B9FA-557A6C413F76}"/>
+              </a:ext>
+            </a:extLst>
+          </p:cNvPr>
+          <p:cNvSpPr txBox="1">
+            <a:spLocks/>
+          </p:cNvSpPr>
+          <p:nvPr/>
+        </p:nvSpPr>
+        <p:spPr>
+          <a:xfrm>
+            <a:off x="9778718" y="1842217"/>
+            <a:ext cx="2413282" cy="908051"/>
+          </a:xfrm>
+          <a:prstGeom prst="rect">
+            <a:avLst/>
+          </a:prstGeom>
+        </p:spPr>
+        <p:txBody>
+          <a:bodyPr vert="horz" lIns="91440" tIns="45720" rIns="91440" bIns="45720" rtlCol="0">
+            <a:normAutofit lnSpcReduction="10000"/>
+          </a:bodyPr>
+          <a:lstStyle>
+            <a:lvl1pPr marL="228600" indent="-228600" algn="l" defTabSz="914400" rtl="0" eaLnBrk="1" latinLnBrk="0" hangingPunct="1">
+              <a:lnSpc>
+                <a:spcPct val="90000"/>
+              </a:lnSpc>
+              <a:spcBef>
+                <a:spcPts val="1000"/>
+              </a:spcBef>
+              <a:buFont typeface="Arial" panose="020B0604020202020204" pitchFamily="34" charset="0"/>
+              <a:buChar char="•"/>
+              <a:defRPr sz="2800" kern="1200">
+                <a:solidFill>
+                  <a:schemeClr val="tx1"/>
+                </a:solidFill>
+                <a:latin typeface="+mn-lt"/>
+                <a:ea typeface="+mn-ea"/>
+                <a:cs typeface="+mn-cs"/>
+              </a:defRPr>
+            </a:lvl1pPr>
+            <a:lvl2pPr marL="685800" indent="-228600" algn="l" defTabSz="914400" rtl="0" eaLnBrk="1" latinLnBrk="0" hangingPunct="1">
+              <a:lnSpc>
+                <a:spcPct val="90000"/>
+              </a:lnSpc>
+              <a:spcBef>
+                <a:spcPts val="500"/>
+              </a:spcBef>
+              <a:buFont typeface="Arial" panose="020B0604020202020204" pitchFamily="34" charset="0"/>
+              <a:buChar char="•"/>
+              <a:defRPr sz="2400" kern="1200">
+                <a:solidFill>
+                  <a:schemeClr val="tx1"/>
+                </a:solidFill>
+                <a:latin typeface="+mn-lt"/>
+                <a:ea typeface="+mn-ea"/>
+                <a:cs typeface="+mn-cs"/>
+              </a:defRPr>
+            </a:lvl2pPr>
+            <a:lvl3pPr marL="1143000" indent="-228600" algn="l" defTabSz="914400" rtl="0" eaLnBrk="1" latinLnBrk="0" hangingPunct="1">
+              <a:lnSpc>
+                <a:spcPct val="90000"/>
+              </a:lnSpc>
+              <a:spcBef>
+                <a:spcPts val="500"/>
+              </a:spcBef>
+              <a:buFont typeface="Arial" panose="020B0604020202020204" pitchFamily="34" charset="0"/>
+              <a:buChar char="•"/>
+              <a:defRPr sz="2000" kern="1200">
+                <a:solidFill>
+                  <a:schemeClr val="tx1"/>
+                </a:solidFill>
+                <a:latin typeface="+mn-lt"/>
+                <a:ea typeface="+mn-ea"/>
+                <a:cs typeface="+mn-cs"/>
+              </a:defRPr>
+            </a:lvl3pPr>
+            <a:lvl4pPr marL="1600200" indent="-228600" algn="l" defTabSz="914400" rtl="0" eaLnBrk="1" latinLnBrk="0" hangingPunct="1">
+              <a:lnSpc>
+                <a:spcPct val="90000"/>
+              </a:lnSpc>
+              <a:spcBef>
+                <a:spcPts val="500"/>
+              </a:spcBef>
+              <a:buFont typeface="Arial" panose="020B0604020202020204" pitchFamily="34" charset="0"/>
+              <a:buChar char="•"/>
+              <a:defRPr sz="1800" kern="1200">
+                <a:solidFill>
+                  <a:schemeClr val="tx1"/>
+                </a:solidFill>
+                <a:latin typeface="+mn-lt"/>
+                <a:ea typeface="+mn-ea"/>
+                <a:cs typeface="+mn-cs"/>
+              </a:defRPr>
+            </a:lvl4pPr>
+            <a:lvl5pPr marL="2057400" indent="-228600" algn="l" defTabSz="914400" rtl="0" eaLnBrk="1" latinLnBrk="0" hangingPunct="1">
+              <a:lnSpc>
+                <a:spcPct val="90000"/>
+              </a:lnSpc>
+              <a:spcBef>
+                <a:spcPts val="500"/>
+              </a:spcBef>
+              <a:buFont typeface="Arial" panose="020B0604020202020204" pitchFamily="34" charset="0"/>
+              <a:buChar char="•"/>
+              <a:defRPr sz="1800" kern="1200">
+                <a:solidFill>
+                  <a:schemeClr val="tx1"/>
+                </a:solidFill>
+                <a:latin typeface="+mn-lt"/>
+                <a:ea typeface="+mn-ea"/>
+                <a:cs typeface="+mn-cs"/>
+              </a:defRPr>
+            </a:lvl5pPr>
+            <a:lvl6pPr marL="2514600" indent="-228600" algn="l" defTabSz="914400" rtl="0" eaLnBrk="1" latinLnBrk="0" hangingPunct="1">
+              <a:lnSpc>
+                <a:spcPct val="90000"/>
+              </a:lnSpc>
+              <a:spcBef>
+                <a:spcPts val="500"/>
+              </a:spcBef>
+              <a:buFont typeface="Arial" panose="020B0604020202020204" pitchFamily="34" charset="0"/>
+              <a:buChar char="•"/>
+              <a:defRPr sz="1800" kern="1200">
+                <a:solidFill>
+                  <a:schemeClr val="tx1"/>
+                </a:solidFill>
+                <a:latin typeface="+mn-lt"/>
+                <a:ea typeface="+mn-ea"/>
+                <a:cs typeface="+mn-cs"/>
+              </a:defRPr>
+            </a:lvl6pPr>
+            <a:lvl7pPr marL="2971800" indent="-228600" algn="l" defTabSz="914400" rtl="0" eaLnBrk="1" latinLnBrk="0" hangingPunct="1">
+              <a:lnSpc>
+                <a:spcPct val="90000"/>
+              </a:lnSpc>
+              <a:spcBef>
+                <a:spcPts val="500"/>
+              </a:spcBef>
+              <a:buFont typeface="Arial" panose="020B0604020202020204" pitchFamily="34" charset="0"/>
+              <a:buChar char="•"/>
+              <a:defRPr sz="1800" kern="1200">
+                <a:solidFill>
+                  <a:schemeClr val="tx1"/>
+                </a:solidFill>
+                <a:latin typeface="+mn-lt"/>
+                <a:ea typeface="+mn-ea"/>
+                <a:cs typeface="+mn-cs"/>
+              </a:defRPr>
+            </a:lvl7pPr>
+            <a:lvl8pPr marL="3429000" indent="-228600" algn="l" defTabSz="914400" rtl="0" eaLnBrk="1" latinLnBrk="0" hangingPunct="1">
+              <a:lnSpc>
+                <a:spcPct val="90000"/>
+              </a:lnSpc>
+              <a:spcBef>
+                <a:spcPts val="500"/>
+              </a:spcBef>
+              <a:buFont typeface="Arial" panose="020B0604020202020204" pitchFamily="34" charset="0"/>
+              <a:buChar char="•"/>
+              <a:defRPr sz="1800" kern="1200">
+                <a:solidFill>
+                  <a:schemeClr val="tx1"/>
+                </a:solidFill>
+                <a:latin typeface="+mn-lt"/>
+                <a:ea typeface="+mn-ea"/>
+                <a:cs typeface="+mn-cs"/>
+              </a:defRPr>
+            </a:lvl8pPr>
+            <a:lvl9pPr marL="3886200" indent="-228600" algn="l" defTabSz="914400" rtl="0" eaLnBrk="1" latinLnBrk="0" hangingPunct="1">
+              <a:lnSpc>
+                <a:spcPct val="90000"/>
+              </a:lnSpc>
+              <a:spcBef>
+                <a:spcPts val="500"/>
+              </a:spcBef>
+              <a:buFont typeface="Arial" panose="020B0604020202020204" pitchFamily="34" charset="0"/>
+              <a:buChar char="•"/>
+              <a:defRPr sz="1800" kern="1200">
+                <a:solidFill>
+                  <a:schemeClr val="tx1"/>
+                </a:solidFill>
+                <a:latin typeface="+mn-lt"/>
+                <a:ea typeface="+mn-ea"/>
+                <a:cs typeface="+mn-cs"/>
+              </a:defRPr>
+            </a:lvl9pPr>
+          </a:lstStyle>
+          <a:p>
+            <a:pPr marL="0" indent="0">
+              <a:buNone/>
+            </a:pPr>
             <a:r>
-              <a:rPr lang="en-GB" sz="2800" b="1" dirty="0">
+              <a:rPr lang="en-GB" dirty="0">
                 <a:solidFill>
-                  <a:schemeClr val="tx2">
-                    <a:lumMod val="75000"/>
+                  <a:schemeClr val="bg1">
+                    <a:lumMod val="95000"/>
                   </a:schemeClr>
                 </a:solidFill>
                 <a:latin typeface="Arial Nova Light" panose="020B0304020202020204" pitchFamily="34" charset="0"/>
               </a:rPr>
-              <a:t>&lt;key concept&gt;</a:t>
+              <a:t>Fitting</a:t>
             </a:r>
-            <a:endParaRPr lang="en-GB" dirty="0"/>
-          </a:p>
-        </p:txBody>
-      </p:sp>
+          </a:p>
+          <a:p>
+            <a:pPr marL="0" indent="0">
+              <a:buNone/>
+            </a:pPr>
+            <a:r>
+              <a:rPr lang="en-GB" dirty="0">
+                <a:solidFill>
+                  <a:schemeClr val="bg1">
+                    <a:lumMod val="95000"/>
+                  </a:schemeClr>
+                </a:solidFill>
+                <a:latin typeface="Arial Nova Light" panose="020B0304020202020204" pitchFamily="34" charset="0"/>
+              </a:rPr>
+              <a:t>parameters</a:t>
+            </a:r>
+          </a:p>
+        </p:txBody>
+      </p:sp>
+      <p:sp>
+        <p:nvSpPr>
+          <p:cNvPr id="20" name="Rectangle 19">
+            <a:extLst>
+              <a:ext uri="{FF2B5EF4-FFF2-40B4-BE49-F238E27FC236}">
+                <a16:creationId xmlns:a16="http://schemas.microsoft.com/office/drawing/2014/main" id="{83A824F9-D183-4089-923D-A96A87AD539C}"/>
+              </a:ext>
+            </a:extLst>
+          </p:cNvPr>
+          <p:cNvSpPr/>
+          <p:nvPr/>
+        </p:nvSpPr>
+        <p:spPr>
+          <a:xfrm>
+            <a:off x="5008232" y="1721461"/>
+            <a:ext cx="417673" cy="193113"/>
+          </a:xfrm>
+          <a:prstGeom prst="rect">
+            <a:avLst/>
+          </a:prstGeom>
+          <a:solidFill>
+            <a:schemeClr val="accent4">
+              <a:alpha val="40000"/>
+            </a:schemeClr>
+          </a:solidFill>
+          <a:ln>
+            <a:noFill/>
+          </a:ln>
+        </p:spPr>
+        <p:style>
+          <a:lnRef idx="2">
+            <a:schemeClr val="accent1">
+              <a:shade val="50000"/>
+            </a:schemeClr>
+          </a:lnRef>
+          <a:fillRef idx="1">
+            <a:schemeClr val="accent1"/>
+          </a:fillRef>
+          <a:effectRef idx="0">
+            <a:schemeClr val="accent1"/>
+          </a:effectRef>
+          <a:fontRef idx="minor">
+            <a:schemeClr val="lt1"/>
+          </a:fontRef>
+        </p:style>
+        <p:txBody>
+          <a:bodyPr rtlCol="0" anchor="ctr"/>
+          <a:lstStyle/>
+          <a:p>
+            <a:pPr algn="ctr"/>
+            <a:endParaRPr lang="en-GB"/>
+          </a:p>
+        </p:txBody>
+      </p:sp>
+      <p:sp>
+        <p:nvSpPr>
+          <p:cNvPr id="22" name="Rectangle 21">
+            <a:extLst>
+              <a:ext uri="{FF2B5EF4-FFF2-40B4-BE49-F238E27FC236}">
+                <a16:creationId xmlns:a16="http://schemas.microsoft.com/office/drawing/2014/main" id="{5C8B785A-6868-4098-8886-F72D3E7BE8EB}"/>
+              </a:ext>
+            </a:extLst>
+          </p:cNvPr>
+          <p:cNvSpPr/>
+          <p:nvPr/>
+        </p:nvSpPr>
+        <p:spPr>
+          <a:xfrm>
+            <a:off x="5008231" y="2119963"/>
+            <a:ext cx="417673" cy="193113"/>
+          </a:xfrm>
+          <a:prstGeom prst="rect">
+            <a:avLst/>
+          </a:prstGeom>
+          <a:solidFill>
+            <a:schemeClr val="accent4">
+              <a:alpha val="40000"/>
+            </a:schemeClr>
+          </a:solidFill>
+          <a:ln>
+            <a:noFill/>
+          </a:ln>
+        </p:spPr>
+        <p:style>
+          <a:lnRef idx="2">
+            <a:schemeClr val="accent1">
+              <a:shade val="50000"/>
+            </a:schemeClr>
+          </a:lnRef>
+          <a:fillRef idx="1">
+            <a:schemeClr val="accent1"/>
+          </a:fillRef>
+          <a:effectRef idx="0">
+            <a:schemeClr val="accent1"/>
+          </a:effectRef>
+          <a:fontRef idx="minor">
+            <a:schemeClr val="lt1"/>
+          </a:fontRef>
+        </p:style>
+        <p:txBody>
+          <a:bodyPr rtlCol="0" anchor="ctr"/>
+          <a:lstStyle/>
+          <a:p>
+            <a:pPr algn="ctr"/>
+            <a:endParaRPr lang="en-GB"/>
+          </a:p>
+        </p:txBody>
+      </p:sp>
+      <p:sp>
+        <p:nvSpPr>
+          <p:cNvPr id="23" name="Rectangle 22">
+            <a:extLst>
+              <a:ext uri="{FF2B5EF4-FFF2-40B4-BE49-F238E27FC236}">
+                <a16:creationId xmlns:a16="http://schemas.microsoft.com/office/drawing/2014/main" id="{75954FC6-B8CF-4D01-A233-4607B7C251EB}"/>
+              </a:ext>
+            </a:extLst>
+          </p:cNvPr>
+          <p:cNvSpPr/>
+          <p:nvPr/>
+        </p:nvSpPr>
+        <p:spPr>
+          <a:xfrm>
+            <a:off x="6149805" y="1712212"/>
+            <a:ext cx="308146" cy="130005"/>
+          </a:xfrm>
+          <a:prstGeom prst="rect">
+            <a:avLst/>
+          </a:prstGeom>
+          <a:solidFill>
+            <a:schemeClr val="accent4">
+              <a:alpha val="40000"/>
+            </a:schemeClr>
+          </a:solidFill>
+          <a:ln>
+            <a:noFill/>
+          </a:ln>
+        </p:spPr>
+        <p:style>
+          <a:lnRef idx="2">
+            <a:schemeClr val="accent1">
+              <a:shade val="50000"/>
+            </a:schemeClr>
+          </a:lnRef>
+          <a:fillRef idx="1">
+            <a:schemeClr val="accent1"/>
+          </a:fillRef>
+          <a:effectRef idx="0">
+            <a:schemeClr val="accent1"/>
+          </a:effectRef>
+          <a:fontRef idx="minor">
+            <a:schemeClr val="lt1"/>
+          </a:fontRef>
+        </p:style>
+        <p:txBody>
+          <a:bodyPr rtlCol="0" anchor="ctr"/>
+          <a:lstStyle/>
+          <a:p>
+            <a:pPr algn="ctr"/>
+            <a:endParaRPr lang="en-GB"/>
+          </a:p>
+        </p:txBody>
+      </p:sp>
+      <p:sp>
+        <p:nvSpPr>
+          <p:cNvPr id="24" name="Rectangle 23">
+            <a:extLst>
+              <a:ext uri="{FF2B5EF4-FFF2-40B4-BE49-F238E27FC236}">
+                <a16:creationId xmlns:a16="http://schemas.microsoft.com/office/drawing/2014/main" id="{9752AAA1-082D-4B44-B2FA-77C1CBBEC92B}"/>
+              </a:ext>
+            </a:extLst>
+          </p:cNvPr>
+          <p:cNvSpPr/>
+          <p:nvPr/>
+        </p:nvSpPr>
+        <p:spPr>
+          <a:xfrm>
+            <a:off x="6199018" y="2151516"/>
+            <a:ext cx="308146" cy="130005"/>
+          </a:xfrm>
+          <a:prstGeom prst="rect">
+            <a:avLst/>
+          </a:prstGeom>
+          <a:solidFill>
+            <a:schemeClr val="accent4">
+              <a:alpha val="40000"/>
+            </a:schemeClr>
+          </a:solidFill>
+          <a:ln>
+            <a:noFill/>
+          </a:ln>
+        </p:spPr>
+        <p:style>
+          <a:lnRef idx="2">
+            <a:schemeClr val="accent1">
+              <a:shade val="50000"/>
+            </a:schemeClr>
+          </a:lnRef>
+          <a:fillRef idx="1">
+            <a:schemeClr val="accent1"/>
+          </a:fillRef>
+          <a:effectRef idx="0">
+            <a:schemeClr val="accent1"/>
+          </a:effectRef>
+          <a:fontRef idx="minor">
+            <a:schemeClr val="lt1"/>
+          </a:fontRef>
+        </p:style>
+        <p:txBody>
+          <a:bodyPr rtlCol="0" anchor="ctr"/>
+          <a:lstStyle/>
+          <a:p>
+            <a:pPr algn="ctr"/>
+            <a:endParaRPr lang="en-GB"/>
+          </a:p>
+        </p:txBody>
+      </p:sp>
+      <p:sp>
+        <p:nvSpPr>
+          <p:cNvPr id="25" name="Rectangle 24">
+            <a:extLst>
+              <a:ext uri="{FF2B5EF4-FFF2-40B4-BE49-F238E27FC236}">
+                <a16:creationId xmlns:a16="http://schemas.microsoft.com/office/drawing/2014/main" id="{CFB90F77-FA60-4051-A482-E927B3966B40}"/>
+              </a:ext>
+            </a:extLst>
+          </p:cNvPr>
+          <p:cNvSpPr/>
+          <p:nvPr/>
+        </p:nvSpPr>
+        <p:spPr>
+          <a:xfrm>
+            <a:off x="7521405" y="3407179"/>
+            <a:ext cx="527220" cy="413015"/>
+          </a:xfrm>
+          <a:prstGeom prst="rect">
+            <a:avLst/>
+          </a:prstGeom>
+          <a:solidFill>
+            <a:schemeClr val="accent4">
+              <a:alpha val="40000"/>
+            </a:schemeClr>
+          </a:solidFill>
+          <a:ln>
+            <a:noFill/>
+          </a:ln>
+        </p:spPr>
+        <p:style>
+          <a:lnRef idx="2">
+            <a:schemeClr val="accent1">
+              <a:shade val="50000"/>
+            </a:schemeClr>
+          </a:lnRef>
+          <a:fillRef idx="1">
+            <a:schemeClr val="accent1"/>
+          </a:fillRef>
+          <a:effectRef idx="0">
+            <a:schemeClr val="accent1"/>
+          </a:effectRef>
+          <a:fontRef idx="minor">
+            <a:schemeClr val="lt1"/>
+          </a:fontRef>
+        </p:style>
+        <p:txBody>
+          <a:bodyPr rtlCol="0" anchor="ctr"/>
+          <a:lstStyle/>
+          <a:p>
+            <a:pPr algn="ctr"/>
+            <a:endParaRPr lang="en-GB"/>
+          </a:p>
+        </p:txBody>
+      </p:sp>
+      <p:sp>
+        <p:nvSpPr>
+          <p:cNvPr id="26" name="Rectangle 25">
+            <a:extLst>
+              <a:ext uri="{FF2B5EF4-FFF2-40B4-BE49-F238E27FC236}">
+                <a16:creationId xmlns:a16="http://schemas.microsoft.com/office/drawing/2014/main" id="{01731824-45C0-420C-87CE-BA010F2ABDAD}"/>
+              </a:ext>
+            </a:extLst>
+          </p:cNvPr>
+          <p:cNvSpPr/>
+          <p:nvPr/>
+        </p:nvSpPr>
+        <p:spPr>
+          <a:xfrm>
+            <a:off x="8048625" y="3548683"/>
+            <a:ext cx="308146" cy="130005"/>
+          </a:xfrm>
+          <a:prstGeom prst="rect">
+            <a:avLst/>
+          </a:prstGeom>
+          <a:solidFill>
+            <a:schemeClr val="accent4">
+              <a:alpha val="40000"/>
+            </a:schemeClr>
+          </a:solidFill>
+          <a:ln>
+            <a:noFill/>
+          </a:ln>
+        </p:spPr>
+        <p:style>
+          <a:lnRef idx="2">
+            <a:schemeClr val="accent1">
+              <a:shade val="50000"/>
+            </a:schemeClr>
+          </a:lnRef>
+          <a:fillRef idx="1">
+            <a:schemeClr val="accent1"/>
+          </a:fillRef>
+          <a:effectRef idx="0">
+            <a:schemeClr val="accent1"/>
+          </a:effectRef>
+          <a:fontRef idx="minor">
+            <a:schemeClr val="lt1"/>
+          </a:fontRef>
+        </p:style>
+        <p:txBody>
+          <a:bodyPr rtlCol="0" anchor="ctr"/>
+          <a:lstStyle/>
+          <a:p>
+            <a:pPr algn="ctr"/>
+            <a:endParaRPr lang="en-GB"/>
+          </a:p>
+        </p:txBody>
+      </p:sp>
+      <p:sp>
+        <p:nvSpPr>
+          <p:cNvPr id="27" name="Rectangle 26">
+            <a:extLst>
+              <a:ext uri="{FF2B5EF4-FFF2-40B4-BE49-F238E27FC236}">
+                <a16:creationId xmlns:a16="http://schemas.microsoft.com/office/drawing/2014/main" id="{04BD4A1B-DA66-4492-B2F1-C8ADCE4ADE09}"/>
+              </a:ext>
+            </a:extLst>
+          </p:cNvPr>
+          <p:cNvSpPr/>
+          <p:nvPr/>
+        </p:nvSpPr>
+        <p:spPr>
+          <a:xfrm>
+            <a:off x="6078469" y="5550810"/>
+            <a:ext cx="379481" cy="176369"/>
+          </a:xfrm>
+          <a:prstGeom prst="rect">
+            <a:avLst/>
+          </a:prstGeom>
+          <a:solidFill>
+            <a:schemeClr val="accent4">
+              <a:alpha val="40000"/>
+            </a:schemeClr>
+          </a:solidFill>
+          <a:ln>
+            <a:noFill/>
+          </a:ln>
+        </p:spPr>
+        <p:style>
+          <a:lnRef idx="2">
+            <a:schemeClr val="accent1">
+              <a:shade val="50000"/>
+            </a:schemeClr>
+          </a:lnRef>
+          <a:fillRef idx="1">
+            <a:schemeClr val="accent1"/>
+          </a:fillRef>
+          <a:effectRef idx="0">
+            <a:schemeClr val="accent1"/>
+          </a:effectRef>
+          <a:fontRef idx="minor">
+            <a:schemeClr val="lt1"/>
+          </a:fontRef>
+        </p:style>
+        <p:txBody>
+          <a:bodyPr rtlCol="0" anchor="ctr"/>
+          <a:lstStyle/>
+          <a:p>
+            <a:pPr algn="ctr"/>
+            <a:endParaRPr lang="en-GB"/>
+          </a:p>
+        </p:txBody>
+      </p:sp>
+      <p:sp>
+        <p:nvSpPr>
+          <p:cNvPr id="29" name="Rectangle 28">
+            <a:extLst>
+              <a:ext uri="{FF2B5EF4-FFF2-40B4-BE49-F238E27FC236}">
+                <a16:creationId xmlns:a16="http://schemas.microsoft.com/office/drawing/2014/main" id="{0DE425DD-5B67-4055-B01F-CD23BCBD4541}"/>
+              </a:ext>
+            </a:extLst>
+          </p:cNvPr>
+          <p:cNvSpPr/>
+          <p:nvPr/>
+        </p:nvSpPr>
+        <p:spPr>
+          <a:xfrm>
+            <a:off x="6713334" y="5727179"/>
+            <a:ext cx="218905" cy="176369"/>
+          </a:xfrm>
+          <a:prstGeom prst="rect">
+            <a:avLst/>
+          </a:prstGeom>
+          <a:solidFill>
+            <a:schemeClr val="accent4">
+              <a:alpha val="40000"/>
+            </a:schemeClr>
+          </a:solidFill>
+          <a:ln>
+            <a:noFill/>
+          </a:ln>
+        </p:spPr>
+        <p:style>
+          <a:lnRef idx="2">
+            <a:schemeClr val="accent1">
+              <a:shade val="50000"/>
+            </a:schemeClr>
+          </a:lnRef>
+          <a:fillRef idx="1">
+            <a:schemeClr val="accent1"/>
+          </a:fillRef>
+          <a:effectRef idx="0">
+            <a:schemeClr val="accent1"/>
+          </a:effectRef>
+          <a:fontRef idx="minor">
+            <a:schemeClr val="lt1"/>
+          </a:fontRef>
+        </p:style>
+        <p:txBody>
+          <a:bodyPr rtlCol="0" anchor="ctr"/>
+          <a:lstStyle/>
+          <a:p>
+            <a:pPr algn="ctr"/>
+            <a:endParaRPr lang="en-GB"/>
+          </a:p>
+        </p:txBody>
+      </p:sp>
+      <p:sp>
+        <p:nvSpPr>
+          <p:cNvPr id="30" name="Rectangle 29">
+            <a:extLst>
+              <a:ext uri="{FF2B5EF4-FFF2-40B4-BE49-F238E27FC236}">
+                <a16:creationId xmlns:a16="http://schemas.microsoft.com/office/drawing/2014/main" id="{ADFD49DF-CD02-42A0-AB9D-6BE9F93669D2}"/>
+              </a:ext>
+            </a:extLst>
+          </p:cNvPr>
+          <p:cNvSpPr/>
+          <p:nvPr/>
+        </p:nvSpPr>
+        <p:spPr>
+          <a:xfrm>
+            <a:off x="7023472" y="5538110"/>
+            <a:ext cx="218905" cy="176369"/>
+          </a:xfrm>
+          <a:prstGeom prst="rect">
+            <a:avLst/>
+          </a:prstGeom>
+          <a:solidFill>
+            <a:schemeClr val="accent4">
+              <a:alpha val="40000"/>
+            </a:schemeClr>
+          </a:solidFill>
+          <a:ln>
+            <a:noFill/>
+          </a:ln>
+        </p:spPr>
+        <p:style>
+          <a:lnRef idx="2">
+            <a:schemeClr val="accent1">
+              <a:shade val="50000"/>
+            </a:schemeClr>
+          </a:lnRef>
+          <a:fillRef idx="1">
+            <a:schemeClr val="accent1"/>
+          </a:fillRef>
+          <a:effectRef idx="0">
+            <a:schemeClr val="accent1"/>
+          </a:effectRef>
+          <a:fontRef idx="minor">
+            <a:schemeClr val="lt1"/>
+          </a:fontRef>
+        </p:style>
+        <p:txBody>
+          <a:bodyPr rtlCol="0" anchor="ctr"/>
+          <a:lstStyle/>
+          <a:p>
+            <a:pPr algn="ctr"/>
+            <a:endParaRPr lang="en-GB"/>
+          </a:p>
+        </p:txBody>
+      </p:sp>
+      <p:sp>
+        <p:nvSpPr>
+          <p:cNvPr id="31" name="Rectangle 30">
+            <a:extLst>
+              <a:ext uri="{FF2B5EF4-FFF2-40B4-BE49-F238E27FC236}">
+                <a16:creationId xmlns:a16="http://schemas.microsoft.com/office/drawing/2014/main" id="{D43785A6-75D2-4878-86EA-F806E47E136B}"/>
+              </a:ext>
+            </a:extLst>
+          </p:cNvPr>
+          <p:cNvSpPr/>
+          <p:nvPr/>
+        </p:nvSpPr>
+        <p:spPr>
+          <a:xfrm>
+            <a:off x="7483703" y="5727179"/>
+            <a:ext cx="218905" cy="176369"/>
+          </a:xfrm>
+          <a:prstGeom prst="rect">
+            <a:avLst/>
+          </a:prstGeom>
+          <a:solidFill>
+            <a:schemeClr val="accent4">
+              <a:alpha val="40000"/>
+            </a:schemeClr>
+          </a:solidFill>
+          <a:ln>
+            <a:noFill/>
+          </a:ln>
+        </p:spPr>
+        <p:style>
+          <a:lnRef idx="2">
+            <a:schemeClr val="accent1">
+              <a:shade val="50000"/>
+            </a:schemeClr>
+          </a:lnRef>
+          <a:fillRef idx="1">
+            <a:schemeClr val="accent1"/>
+          </a:fillRef>
+          <a:effectRef idx="0">
+            <a:schemeClr val="accent1"/>
+          </a:effectRef>
+          <a:fontRef idx="minor">
+            <a:schemeClr val="lt1"/>
+          </a:fontRef>
+        </p:style>
+        <p:txBody>
+          <a:bodyPr rtlCol="0" anchor="ctr"/>
+          <a:lstStyle/>
+          <a:p>
+            <a:pPr algn="ctr"/>
+            <a:endParaRPr lang="en-GB"/>
+          </a:p>
+        </p:txBody>
+      </p:sp>
+      <p:sp>
+        <p:nvSpPr>
+          <p:cNvPr id="32" name="Rectangle 31">
+            <a:extLst>
+              <a:ext uri="{FF2B5EF4-FFF2-40B4-BE49-F238E27FC236}">
+                <a16:creationId xmlns:a16="http://schemas.microsoft.com/office/drawing/2014/main" id="{1172607D-4261-4B4E-A185-93A6569C624D}"/>
+              </a:ext>
+            </a:extLst>
+          </p:cNvPr>
+          <p:cNvSpPr/>
+          <p:nvPr/>
+        </p:nvSpPr>
+        <p:spPr>
+          <a:xfrm>
+            <a:off x="7829720" y="5538109"/>
+            <a:ext cx="218905" cy="176369"/>
+          </a:xfrm>
+          <a:prstGeom prst="rect">
+            <a:avLst/>
+          </a:prstGeom>
+          <a:solidFill>
+            <a:schemeClr val="accent4">
+              <a:alpha val="40000"/>
+            </a:schemeClr>
+          </a:solidFill>
+          <a:ln>
+            <a:noFill/>
+          </a:ln>
+        </p:spPr>
+        <p:style>
+          <a:lnRef idx="2">
+            <a:schemeClr val="accent1">
+              <a:shade val="50000"/>
+            </a:schemeClr>
+          </a:lnRef>
+          <a:fillRef idx="1">
+            <a:schemeClr val="accent1"/>
+          </a:fillRef>
+          <a:effectRef idx="0">
+            <a:schemeClr val="accent1"/>
+          </a:effectRef>
+          <a:fontRef idx="minor">
+            <a:schemeClr val="lt1"/>
+          </a:fontRef>
+        </p:style>
+        <p:txBody>
+          <a:bodyPr rtlCol="0" anchor="ctr"/>
+          <a:lstStyle/>
+          <a:p>
+            <a:pPr algn="ctr"/>
+            <a:endParaRPr lang="en-GB"/>
+          </a:p>
+        </p:txBody>
+      </p:sp>
+      <p:pic>
+        <p:nvPicPr>
+          <p:cNvPr id="14" name="Picture 13">
+            <a:extLst>
+              <a:ext uri="{FF2B5EF4-FFF2-40B4-BE49-F238E27FC236}">
+                <a16:creationId xmlns:a16="http://schemas.microsoft.com/office/drawing/2014/main" id="{39389949-4F30-4A57-94CE-8FD75D806FB2}"/>
+              </a:ext>
+            </a:extLst>
+          </p:cNvPr>
+          <p:cNvPicPr>
+            <a:picLocks noChangeAspect="1"/>
+          </p:cNvPicPr>
+          <p:nvPr/>
+        </p:nvPicPr>
+        <p:blipFill>
+          <a:blip r:embed="rId9"/>
+          <a:stretch>
+            <a:fillRect/>
+          </a:stretch>
+        </p:blipFill>
+        <p:spPr>
+          <a:xfrm>
+            <a:off x="949040" y="6168977"/>
+            <a:ext cx="5268060" cy="685896"/>
+          </a:xfrm>
+          <a:prstGeom prst="rect">
+            <a:avLst/>
+          </a:prstGeom>
+        </p:spPr>
+      </p:pic>
     </p:spTree>
     <p:extLst>
       <p:ext uri="{BB962C8B-B14F-4D97-AF65-F5344CB8AC3E}">
-        <p14:creationId xmlns:p14="http://schemas.microsoft.com/office/powerpoint/2010/main" val="2788585144"/>
+        <p14:creationId xmlns:p14="http://schemas.microsoft.com/office/powerpoint/2010/main" val="4056039362"/>
       </p:ext>
     </p:extLst>
   </p:cSld>
@@ -5716,61 +10169,300 @@
           <a:chExt cx="0" cy="0"/>
         </a:xfrm>
       </p:grpSpPr>
-      <mc:AlternateContent xmlns:mc="http://schemas.openxmlformats.org/markup-compatibility/2006" xmlns:p14="http://schemas.microsoft.com/office/powerpoint/2010/main" xmlns:aink="http://schemas.microsoft.com/office/drawing/2016/ink">
-        <mc:Choice Requires="p14 aink">
-          <p:contentPart p14:bwMode="auto" r:id="rId2">
-            <p14:nvContentPartPr>
-              <p14:cNvPr id="19" name="Ink 18">
-                <a:extLst>
-                  <a:ext uri="{FF2B5EF4-FFF2-40B4-BE49-F238E27FC236}">
-                    <a16:creationId xmlns:a16="http://schemas.microsoft.com/office/drawing/2014/main" id="{BAA549A7-2830-4ED6-A802-0791908B8068}"/>
-                  </a:ext>
-                </a:extLst>
-              </p14:cNvPr>
-              <p14:cNvContentPartPr/>
-              <p14:nvPr/>
-            </p14:nvContentPartPr>
-            <p14:xfrm>
-              <a:off x="400573" y="7394564"/>
-              <a:ext cx="360" cy="360"/>
-            </p14:xfrm>
-          </p:contentPart>
-        </mc:Choice>
-        <mc:Fallback xmlns="">
-          <p:pic>
-            <p:nvPicPr>
-              <p:cNvPr id="19" name="Ink 18">
-                <a:extLst>
-                  <a:ext uri="{FF2B5EF4-FFF2-40B4-BE49-F238E27FC236}">
-                    <a16:creationId xmlns:a16="http://schemas.microsoft.com/office/drawing/2014/main" id="{BAA549A7-2830-4ED6-A802-0791908B8068}"/>
-                  </a:ext>
-                </a:extLst>
-              </p:cNvPr>
-              <p:cNvPicPr/>
-              <p:nvPr/>
-            </p:nvPicPr>
-            <p:blipFill>
-              <a:blip r:embed="rId3"/>
-              <a:stretch>
-                <a:fillRect/>
-              </a:stretch>
-            </p:blipFill>
-            <p:spPr>
-              <a:xfrm>
-                <a:off x="382933" y="7376924"/>
-                <a:ext cx="36000" cy="36000"/>
-              </a:xfrm>
-              <a:prstGeom prst="rect">
-                <a:avLst/>
-              </a:prstGeom>
-            </p:spPr>
-          </p:pic>
-        </mc:Fallback>
-      </mc:AlternateContent>
+      <p:sp>
+        <p:nvSpPr>
+          <p:cNvPr id="6" name="Title 1">
+            <a:extLst>
+              <a:ext uri="{FF2B5EF4-FFF2-40B4-BE49-F238E27FC236}">
+                <a16:creationId xmlns:a16="http://schemas.microsoft.com/office/drawing/2014/main" id="{438892A2-F58C-479B-93B3-BDD2A80D348B}"/>
+              </a:ext>
+            </a:extLst>
+          </p:cNvPr>
+          <p:cNvSpPr>
+            <a:spLocks noGrp="1"/>
+          </p:cNvSpPr>
+          <p:nvPr>
+            <p:ph type="title"/>
+          </p:nvPr>
+        </p:nvSpPr>
+        <p:spPr>
+          <a:xfrm>
+            <a:off x="949040" y="365125"/>
+            <a:ext cx="11242960" cy="1325563"/>
+          </a:xfrm>
+        </p:spPr>
+        <p:txBody>
+          <a:bodyPr/>
+          <a:lstStyle/>
+          <a:p>
+            <a:r>
+              <a:rPr lang="en-GB">
+                <a:solidFill>
+                  <a:schemeClr val="bg1">
+                    <a:lumMod val="95000"/>
+                  </a:schemeClr>
+                </a:solidFill>
+                <a:latin typeface="Arial Nova Light" panose="020B0304020202020204" pitchFamily="34" charset="0"/>
+              </a:rPr>
+              <a:t>Figure 1:</a:t>
+            </a:r>
+            <a:endParaRPr lang="en-GB" dirty="0">
+              <a:solidFill>
+                <a:schemeClr val="bg1">
+                  <a:lumMod val="95000"/>
+                </a:schemeClr>
+              </a:solidFill>
+              <a:latin typeface="Arial Nova Light" panose="020B0304020202020204" pitchFamily="34" charset="0"/>
+            </a:endParaRPr>
+          </a:p>
+        </p:txBody>
+      </p:sp>
+      <p:grpSp>
+        <p:nvGrpSpPr>
+          <p:cNvPr id="5" name="Group 4">
+            <a:extLst>
+              <a:ext uri="{FF2B5EF4-FFF2-40B4-BE49-F238E27FC236}">
+                <a16:creationId xmlns:a16="http://schemas.microsoft.com/office/drawing/2014/main" id="{C24CACAC-76EF-42A3-ADDD-85A1DF3EF377}"/>
+              </a:ext>
+            </a:extLst>
+          </p:cNvPr>
+          <p:cNvGrpSpPr/>
+          <p:nvPr/>
+        </p:nvGrpSpPr>
+        <p:grpSpPr>
+          <a:xfrm>
+            <a:off x="949040" y="1800226"/>
+            <a:ext cx="11270874" cy="4076700"/>
+            <a:chOff x="1683401" y="2397125"/>
+            <a:chExt cx="9774237" cy="3535363"/>
+          </a:xfrm>
+        </p:grpSpPr>
+        <p:pic>
+          <p:nvPicPr>
+            <p:cNvPr id="7" name="Picture 2">
+              <a:extLst>
+                <a:ext uri="{FF2B5EF4-FFF2-40B4-BE49-F238E27FC236}">
+                  <a16:creationId xmlns:a16="http://schemas.microsoft.com/office/drawing/2014/main" id="{05B87D9C-BB67-467E-A24E-A9EED9F0F671}"/>
+                </a:ext>
+              </a:extLst>
+            </p:cNvPr>
+            <p:cNvPicPr>
+              <a:picLocks noChangeAspect="1" noChangeArrowheads="1"/>
+            </p:cNvPicPr>
+            <p:nvPr/>
+          </p:nvPicPr>
+          <p:blipFill>
+            <a:blip r:embed="rId2">
+              <a:extLst>
+                <a:ext uri="{28A0092B-C50C-407E-A947-70E740481C1C}">
+                  <a14:useLocalDpi xmlns:a14="http://schemas.microsoft.com/office/drawing/2010/main" val="0"/>
+                </a:ext>
+              </a:extLst>
+            </a:blip>
+            <a:srcRect/>
+            <a:stretch>
+              <a:fillRect/>
+            </a:stretch>
+          </p:blipFill>
+          <p:spPr bwMode="auto">
+            <a:xfrm>
+              <a:off x="6279213" y="2397125"/>
+              <a:ext cx="5178425" cy="3535363"/>
+            </a:xfrm>
+            <a:prstGeom prst="rect">
+              <a:avLst/>
+            </a:prstGeom>
+            <a:solidFill>
+              <a:schemeClr val="bg1">
+                <a:lumMod val="95000"/>
+              </a:schemeClr>
+            </a:solidFill>
+          </p:spPr>
+        </p:pic>
+        <p:pic>
+          <p:nvPicPr>
+            <p:cNvPr id="8" name="Picture 7">
+              <a:extLst>
+                <a:ext uri="{FF2B5EF4-FFF2-40B4-BE49-F238E27FC236}">
+                  <a16:creationId xmlns:a16="http://schemas.microsoft.com/office/drawing/2014/main" id="{C098B4E7-B9B9-4901-9470-1C12A5B6EBEC}"/>
+                </a:ext>
+              </a:extLst>
+            </p:cNvPr>
+            <p:cNvPicPr>
+              <a:picLocks noChangeAspect="1"/>
+            </p:cNvPicPr>
+            <p:nvPr/>
+          </p:nvPicPr>
+          <p:blipFill>
+            <a:blip r:embed="rId3"/>
+            <a:stretch>
+              <a:fillRect/>
+            </a:stretch>
+          </p:blipFill>
+          <p:spPr>
+            <a:xfrm>
+              <a:off x="1683401" y="2397125"/>
+              <a:ext cx="4513263" cy="3535363"/>
+            </a:xfrm>
+            <a:prstGeom prst="rect">
+              <a:avLst/>
+            </a:prstGeom>
+          </p:spPr>
+        </p:pic>
+      </p:grpSp>
     </p:spTree>
     <p:extLst>
       <p:ext uri="{BB962C8B-B14F-4D97-AF65-F5344CB8AC3E}">
-        <p14:creationId xmlns:p14="http://schemas.microsoft.com/office/powerpoint/2010/main" val="2232161063"/>
+        <p14:creationId xmlns:p14="http://schemas.microsoft.com/office/powerpoint/2010/main" val="4061057211"/>
+      </p:ext>
+    </p:extLst>
+  </p:cSld>
+  <p:clrMapOvr>
+    <a:masterClrMapping/>
+  </p:clrMapOvr>
+</p:sld>
+</file>
+
+<file path=ppt/slides/slide9.xml><?xml version="1.0" encoding="utf-8"?>
+<p:sld xmlns:a="http://schemas.openxmlformats.org/drawingml/2006/main" xmlns:r="http://schemas.openxmlformats.org/officeDocument/2006/relationships" xmlns:p="http://schemas.openxmlformats.org/presentationml/2006/main">
+  <p:cSld>
+    <p:spTree>
+      <p:nvGrpSpPr>
+        <p:cNvPr id="1" name=""/>
+        <p:cNvGrpSpPr/>
+        <p:nvPr/>
+      </p:nvGrpSpPr>
+      <p:grpSpPr>
+        <a:xfrm>
+          <a:off x="0" y="0"/>
+          <a:ext cx="0" cy="0"/>
+          <a:chOff x="0" y="0"/>
+          <a:chExt cx="0" cy="0"/>
+        </a:xfrm>
+      </p:grpSpPr>
+      <p:sp>
+        <p:nvSpPr>
+          <p:cNvPr id="4" name="Title 1">
+            <a:extLst>
+              <a:ext uri="{FF2B5EF4-FFF2-40B4-BE49-F238E27FC236}">
+                <a16:creationId xmlns:a16="http://schemas.microsoft.com/office/drawing/2014/main" id="{F9ED8BE6-F7AC-4FD8-8FA8-8C683A7C2F62}"/>
+              </a:ext>
+            </a:extLst>
+          </p:cNvPr>
+          <p:cNvSpPr>
+            <a:spLocks noGrp="1"/>
+          </p:cNvSpPr>
+          <p:nvPr>
+            <p:ph type="title"/>
+          </p:nvPr>
+        </p:nvSpPr>
+        <p:spPr>
+          <a:xfrm>
+            <a:off x="949040" y="365125"/>
+            <a:ext cx="11242960" cy="1325563"/>
+          </a:xfrm>
+        </p:spPr>
+        <p:txBody>
+          <a:bodyPr/>
+          <a:lstStyle/>
+          <a:p>
+            <a:r>
+              <a:rPr lang="en-GB" dirty="0">
+                <a:solidFill>
+                  <a:schemeClr val="bg1">
+                    <a:lumMod val="95000"/>
+                  </a:schemeClr>
+                </a:solidFill>
+                <a:latin typeface="Arial Nova Light" panose="020B0304020202020204" pitchFamily="34" charset="0"/>
+              </a:rPr>
+              <a:t>References</a:t>
+            </a:r>
+          </a:p>
+        </p:txBody>
+      </p:sp>
+      <p:sp>
+        <p:nvSpPr>
+          <p:cNvPr id="6" name="Content Placeholder 2">
+            <a:extLst>
+              <a:ext uri="{FF2B5EF4-FFF2-40B4-BE49-F238E27FC236}">
+                <a16:creationId xmlns:a16="http://schemas.microsoft.com/office/drawing/2014/main" id="{058630E6-31AF-4451-B084-C9809D0DA4E8}"/>
+              </a:ext>
+            </a:extLst>
+          </p:cNvPr>
+          <p:cNvSpPr>
+            <a:spLocks noGrp="1"/>
+          </p:cNvSpPr>
+          <p:nvPr>
+            <p:ph idx="1"/>
+          </p:nvPr>
+        </p:nvSpPr>
+        <p:spPr>
+          <a:xfrm>
+            <a:off x="949040" y="1825624"/>
+            <a:ext cx="11242960" cy="5032375"/>
+          </a:xfrm>
+        </p:spPr>
+        <p:txBody>
+          <a:bodyPr>
+            <a:normAutofit/>
+          </a:bodyPr>
+          <a:lstStyle/>
+          <a:p>
+            <a:pPr marL="514350" indent="-514350">
+              <a:buFont typeface="+mj-lt"/>
+              <a:buAutoNum type="arabicPeriod"/>
+            </a:pPr>
+            <a:r>
+              <a:rPr lang="en-GB" dirty="0" err="1">
+                <a:solidFill>
+                  <a:schemeClr val="bg1">
+                    <a:lumMod val="95000"/>
+                  </a:schemeClr>
+                </a:solidFill>
+                <a:latin typeface="Arial Nova Light" panose="020B0304020202020204" pitchFamily="34" charset="0"/>
+              </a:rPr>
+              <a:t>Leharne</a:t>
+            </a:r>
+            <a:r>
+              <a:rPr lang="en-GB" dirty="0">
+                <a:solidFill>
+                  <a:schemeClr val="bg1">
+                    <a:lumMod val="95000"/>
+                  </a:schemeClr>
+                </a:solidFill>
+                <a:latin typeface="Arial Nova Light" panose="020B0304020202020204" pitchFamily="34" charset="0"/>
+              </a:rPr>
+              <a:t>, S. (2017). The physical chemistry of high-sensitivity differential scanning calorimetry of biopolymers. </a:t>
+            </a:r>
+            <a:r>
+              <a:rPr lang="en-GB" dirty="0" err="1">
+                <a:solidFill>
+                  <a:schemeClr val="bg1">
+                    <a:lumMod val="95000"/>
+                  </a:schemeClr>
+                </a:solidFill>
+                <a:latin typeface="Arial Nova Light" panose="020B0304020202020204" pitchFamily="34" charset="0"/>
+              </a:rPr>
+              <a:t>ChemTexts</a:t>
+            </a:r>
+            <a:r>
+              <a:rPr lang="en-GB" dirty="0">
+                <a:solidFill>
+                  <a:schemeClr val="bg1">
+                    <a:lumMod val="95000"/>
+                  </a:schemeClr>
+                </a:solidFill>
+                <a:latin typeface="Arial Nova Light" panose="020B0304020202020204" pitchFamily="34" charset="0"/>
+              </a:rPr>
+              <a:t>, 3(1), 1–12. https://doi.org/10.1007/s40828-016-0038-0</a:t>
+            </a:r>
+          </a:p>
+        </p:txBody>
+      </p:sp>
+    </p:spTree>
+    <p:extLst>
+      <p:ext uri="{BB962C8B-B14F-4D97-AF65-F5344CB8AC3E}">
+        <p14:creationId xmlns:p14="http://schemas.microsoft.com/office/powerpoint/2010/main" val="3604131991"/>
       </p:ext>
     </p:extLst>
   </p:cSld>

--- a/2.2.ThermodynamicsOfMaterials/classActivity02/classActivity02.pptx
+++ b/2.2.ThermodynamicsOfMaterials/classActivity02/classActivity02.pptx
@@ -446,92 +446,6 @@
     </pc:docChg>
   </pc:docChgLst>
   <pc:docChgLst>
-    <pc:chgData name="Antonio Osamu Katagiri Tanaka" userId="2c28225e-d492-4964-8551-1b0a3c65dda0" providerId="ADAL" clId="{C59DF1F7-432E-4893-B28C-5D3B004F8374}"/>
-    <pc:docChg chg="undo redo custSel addSld delSld modSld sldOrd delSection modSection">
-      <pc:chgData name="Antonio Osamu Katagiri Tanaka" userId="2c28225e-d492-4964-8551-1b0a3c65dda0" providerId="ADAL" clId="{C59DF1F7-432E-4893-B28C-5D3B004F8374}" dt="2019-03-31T14:59:20.878" v="389" actId="20577"/>
-      <pc:docMkLst>
-        <pc:docMk/>
-      </pc:docMkLst>
-      <pc:sldChg chg="modSp">
-        <pc:chgData name="Antonio Osamu Katagiri Tanaka" userId="2c28225e-d492-4964-8551-1b0a3c65dda0" providerId="ADAL" clId="{C59DF1F7-432E-4893-B28C-5D3B004F8374}" dt="2019-03-30T15:24:08.167" v="64" actId="1440"/>
-        <pc:sldMkLst>
-          <pc:docMk/>
-          <pc:sldMk cId="4056039362" sldId="260"/>
-        </pc:sldMkLst>
-        <pc:picChg chg="mod">
-          <ac:chgData name="Antonio Osamu Katagiri Tanaka" userId="2c28225e-d492-4964-8551-1b0a3c65dda0" providerId="ADAL" clId="{C59DF1F7-432E-4893-B28C-5D3B004F8374}" dt="2019-03-30T15:24:08.167" v="64" actId="1440"/>
-          <ac:picMkLst>
-            <pc:docMk/>
-            <pc:sldMk cId="4056039362" sldId="260"/>
-            <ac:picMk id="13" creationId="{8578D0BD-CD2C-44B1-976E-1029D186D2DF}"/>
-          </ac:picMkLst>
-        </pc:picChg>
-      </pc:sldChg>
-      <pc:sldChg chg="ord">
-        <pc:chgData name="Antonio Osamu Katagiri Tanaka" userId="2c28225e-d492-4964-8551-1b0a3c65dda0" providerId="ADAL" clId="{C59DF1F7-432E-4893-B28C-5D3B004F8374}" dt="2019-03-30T14:49:00.456" v="1"/>
-        <pc:sldMkLst>
-          <pc:docMk/>
-          <pc:sldMk cId="3604131991" sldId="263"/>
-        </pc:sldMkLst>
-      </pc:sldChg>
-      <pc:sldChg chg="addSp delSp modSp add">
-        <pc:chgData name="Antonio Osamu Katagiri Tanaka" userId="2c28225e-d492-4964-8551-1b0a3c65dda0" providerId="ADAL" clId="{C59DF1F7-432E-4893-B28C-5D3B004F8374}" dt="2019-03-30T15:01:17.755" v="32"/>
-        <pc:sldMkLst>
-          <pc:docMk/>
-          <pc:sldMk cId="4246728971" sldId="269"/>
-        </pc:sldMkLst>
-        <pc:spChg chg="add del mod">
-          <ac:chgData name="Antonio Osamu Katagiri Tanaka" userId="2c28225e-d492-4964-8551-1b0a3c65dda0" providerId="ADAL" clId="{C59DF1F7-432E-4893-B28C-5D3B004F8374}" dt="2019-03-30T14:52:53.260" v="6" actId="478"/>
-          <ac:spMkLst>
-            <pc:docMk/>
-            <pc:sldMk cId="4246728971" sldId="269"/>
-            <ac:spMk id="3" creationId="{BFCEFFC5-7335-4486-8818-2B397870E222}"/>
-          </ac:spMkLst>
-        </pc:spChg>
-        <pc:spChg chg="del">
-          <ac:chgData name="Antonio Osamu Katagiri Tanaka" userId="2c28225e-d492-4964-8551-1b0a3c65dda0" providerId="ADAL" clId="{C59DF1F7-432E-4893-B28C-5D3B004F8374}" dt="2019-03-30T14:52:51.721" v="5" actId="478"/>
-          <ac:spMkLst>
-            <pc:docMk/>
-            <pc:sldMk cId="4246728971" sldId="269"/>
-            <ac:spMk id="4" creationId="{F9ED8BE6-F7AC-4FD8-8FA8-8C683A7C2F62}"/>
-          </ac:spMkLst>
-        </pc:spChg>
-        <pc:spChg chg="del">
-          <ac:chgData name="Antonio Osamu Katagiri Tanaka" userId="2c28225e-d492-4964-8551-1b0a3c65dda0" providerId="ADAL" clId="{C59DF1F7-432E-4893-B28C-5D3B004F8374}" dt="2019-03-30T14:52:55.923" v="7" actId="478"/>
-          <ac:spMkLst>
-            <pc:docMk/>
-            <pc:sldMk cId="4246728971" sldId="269"/>
-            <ac:spMk id="6" creationId="{058630E6-31AF-4451-B084-C9809D0DA4E8}"/>
-          </ac:spMkLst>
-        </pc:spChg>
-        <pc:spChg chg="add del mod">
-          <ac:chgData name="Antonio Osamu Katagiri Tanaka" userId="2c28225e-d492-4964-8551-1b0a3c65dda0" providerId="ADAL" clId="{C59DF1F7-432E-4893-B28C-5D3B004F8374}" dt="2019-03-30T14:52:58.396" v="8" actId="478"/>
-          <ac:spMkLst>
-            <pc:docMk/>
-            <pc:sldMk cId="4246728971" sldId="269"/>
-            <ac:spMk id="7" creationId="{EFB1FD18-9FB8-4EC8-A186-B4E23A6745CA}"/>
-          </ac:spMkLst>
-        </pc:spChg>
-        <pc:spChg chg="add mod">
-          <ac:chgData name="Antonio Osamu Katagiri Tanaka" userId="2c28225e-d492-4964-8551-1b0a3c65dda0" providerId="ADAL" clId="{C59DF1F7-432E-4893-B28C-5D3B004F8374}" dt="2019-03-30T14:57:55.916" v="28" actId="403"/>
-          <ac:spMkLst>
-            <pc:docMk/>
-            <pc:sldMk cId="4246728971" sldId="269"/>
-            <ac:spMk id="9" creationId="{907DD878-B76C-4FC5-9BC3-86C7C3DB3BDA}"/>
-          </ac:spMkLst>
-        </pc:spChg>
-        <pc:picChg chg="add mod">
-          <ac:chgData name="Antonio Osamu Katagiri Tanaka" userId="2c28225e-d492-4964-8551-1b0a3c65dda0" providerId="ADAL" clId="{C59DF1F7-432E-4893-B28C-5D3B004F8374}" dt="2019-03-30T15:01:17.755" v="32"/>
-          <ac:picMkLst>
-            <pc:docMk/>
-            <pc:sldMk cId="4246728971" sldId="269"/>
-            <ac:picMk id="1026" creationId="{62C86081-2859-45C8-BAE6-D2CC488FFFF6}"/>
-          </ac:picMkLst>
-        </pc:picChg>
-      </pc:sldChg>
-    </pc:docChg>
-  </pc:docChgLst>
-  <pc:docChgLst>
     <pc:chgData name="Antonio Osamu Katagiri Tanaka" userId="2c28225e-d492-4964-8551-1b0a3c65dda0" providerId="ADAL" clId="{E8966260-3096-4054-A5E0-0A91A10A6CF4}"/>
     <pc:docChg chg="custSel delSld modSld modSection">
       <pc:chgData name="Antonio Osamu Katagiri Tanaka" userId="2c28225e-d492-4964-8551-1b0a3c65dda0" providerId="ADAL" clId="{E8966260-3096-4054-A5E0-0A91A10A6CF4}" dt="2019-05-05T18:21:47.650" v="183" actId="1076"/>
@@ -785,6 +699,92 @@
           <pc:docMk/>
           <pc:sldMk cId="3680588873" sldId="280"/>
         </pc:sldMkLst>
+      </pc:sldChg>
+    </pc:docChg>
+  </pc:docChgLst>
+  <pc:docChgLst>
+    <pc:chgData name="Antonio Osamu Katagiri Tanaka" userId="2c28225e-d492-4964-8551-1b0a3c65dda0" providerId="ADAL" clId="{C59DF1F7-432E-4893-B28C-5D3B004F8374}"/>
+    <pc:docChg chg="undo redo custSel addSld delSld modSld sldOrd delSection modSection">
+      <pc:chgData name="Antonio Osamu Katagiri Tanaka" userId="2c28225e-d492-4964-8551-1b0a3c65dda0" providerId="ADAL" clId="{C59DF1F7-432E-4893-B28C-5D3B004F8374}" dt="2019-03-31T14:59:20.878" v="389" actId="20577"/>
+      <pc:docMkLst>
+        <pc:docMk/>
+      </pc:docMkLst>
+      <pc:sldChg chg="modSp">
+        <pc:chgData name="Antonio Osamu Katagiri Tanaka" userId="2c28225e-d492-4964-8551-1b0a3c65dda0" providerId="ADAL" clId="{C59DF1F7-432E-4893-B28C-5D3B004F8374}" dt="2019-03-30T15:24:08.167" v="64" actId="1440"/>
+        <pc:sldMkLst>
+          <pc:docMk/>
+          <pc:sldMk cId="4056039362" sldId="260"/>
+        </pc:sldMkLst>
+        <pc:picChg chg="mod">
+          <ac:chgData name="Antonio Osamu Katagiri Tanaka" userId="2c28225e-d492-4964-8551-1b0a3c65dda0" providerId="ADAL" clId="{C59DF1F7-432E-4893-B28C-5D3B004F8374}" dt="2019-03-30T15:24:08.167" v="64" actId="1440"/>
+          <ac:picMkLst>
+            <pc:docMk/>
+            <pc:sldMk cId="4056039362" sldId="260"/>
+            <ac:picMk id="13" creationId="{8578D0BD-CD2C-44B1-976E-1029D186D2DF}"/>
+          </ac:picMkLst>
+        </pc:picChg>
+      </pc:sldChg>
+      <pc:sldChg chg="ord">
+        <pc:chgData name="Antonio Osamu Katagiri Tanaka" userId="2c28225e-d492-4964-8551-1b0a3c65dda0" providerId="ADAL" clId="{C59DF1F7-432E-4893-B28C-5D3B004F8374}" dt="2019-03-30T14:49:00.456" v="1"/>
+        <pc:sldMkLst>
+          <pc:docMk/>
+          <pc:sldMk cId="3604131991" sldId="263"/>
+        </pc:sldMkLst>
+      </pc:sldChg>
+      <pc:sldChg chg="addSp delSp modSp add">
+        <pc:chgData name="Antonio Osamu Katagiri Tanaka" userId="2c28225e-d492-4964-8551-1b0a3c65dda0" providerId="ADAL" clId="{C59DF1F7-432E-4893-B28C-5D3B004F8374}" dt="2019-03-30T15:01:17.755" v="32"/>
+        <pc:sldMkLst>
+          <pc:docMk/>
+          <pc:sldMk cId="4246728971" sldId="269"/>
+        </pc:sldMkLst>
+        <pc:spChg chg="add del mod">
+          <ac:chgData name="Antonio Osamu Katagiri Tanaka" userId="2c28225e-d492-4964-8551-1b0a3c65dda0" providerId="ADAL" clId="{C59DF1F7-432E-4893-B28C-5D3B004F8374}" dt="2019-03-30T14:52:53.260" v="6" actId="478"/>
+          <ac:spMkLst>
+            <pc:docMk/>
+            <pc:sldMk cId="4246728971" sldId="269"/>
+            <ac:spMk id="3" creationId="{BFCEFFC5-7335-4486-8818-2B397870E222}"/>
+          </ac:spMkLst>
+        </pc:spChg>
+        <pc:spChg chg="del">
+          <ac:chgData name="Antonio Osamu Katagiri Tanaka" userId="2c28225e-d492-4964-8551-1b0a3c65dda0" providerId="ADAL" clId="{C59DF1F7-432E-4893-B28C-5D3B004F8374}" dt="2019-03-30T14:52:51.721" v="5" actId="478"/>
+          <ac:spMkLst>
+            <pc:docMk/>
+            <pc:sldMk cId="4246728971" sldId="269"/>
+            <ac:spMk id="4" creationId="{F9ED8BE6-F7AC-4FD8-8FA8-8C683A7C2F62}"/>
+          </ac:spMkLst>
+        </pc:spChg>
+        <pc:spChg chg="del">
+          <ac:chgData name="Antonio Osamu Katagiri Tanaka" userId="2c28225e-d492-4964-8551-1b0a3c65dda0" providerId="ADAL" clId="{C59DF1F7-432E-4893-B28C-5D3B004F8374}" dt="2019-03-30T14:52:55.923" v="7" actId="478"/>
+          <ac:spMkLst>
+            <pc:docMk/>
+            <pc:sldMk cId="4246728971" sldId="269"/>
+            <ac:spMk id="6" creationId="{058630E6-31AF-4451-B084-C9809D0DA4E8}"/>
+          </ac:spMkLst>
+        </pc:spChg>
+        <pc:spChg chg="add del mod">
+          <ac:chgData name="Antonio Osamu Katagiri Tanaka" userId="2c28225e-d492-4964-8551-1b0a3c65dda0" providerId="ADAL" clId="{C59DF1F7-432E-4893-B28C-5D3B004F8374}" dt="2019-03-30T14:52:58.396" v="8" actId="478"/>
+          <ac:spMkLst>
+            <pc:docMk/>
+            <pc:sldMk cId="4246728971" sldId="269"/>
+            <ac:spMk id="7" creationId="{EFB1FD18-9FB8-4EC8-A186-B4E23A6745CA}"/>
+          </ac:spMkLst>
+        </pc:spChg>
+        <pc:spChg chg="add mod">
+          <ac:chgData name="Antonio Osamu Katagiri Tanaka" userId="2c28225e-d492-4964-8551-1b0a3c65dda0" providerId="ADAL" clId="{C59DF1F7-432E-4893-B28C-5D3B004F8374}" dt="2019-03-30T14:57:55.916" v="28" actId="403"/>
+          <ac:spMkLst>
+            <pc:docMk/>
+            <pc:sldMk cId="4246728971" sldId="269"/>
+            <ac:spMk id="9" creationId="{907DD878-B76C-4FC5-9BC3-86C7C3DB3BDA}"/>
+          </ac:spMkLst>
+        </pc:spChg>
+        <pc:picChg chg="add mod">
+          <ac:chgData name="Antonio Osamu Katagiri Tanaka" userId="2c28225e-d492-4964-8551-1b0a3c65dda0" providerId="ADAL" clId="{C59DF1F7-432E-4893-B28C-5D3B004F8374}" dt="2019-03-30T15:01:17.755" v="32"/>
+          <ac:picMkLst>
+            <pc:docMk/>
+            <pc:sldMk cId="4246728971" sldId="269"/>
+            <ac:picMk id="1026" creationId="{62C86081-2859-45C8-BAE6-D2CC488FFFF6}"/>
+          </ac:picMkLst>
+        </pc:picChg>
       </pc:sldChg>
     </pc:docChg>
   </pc:docChgLst>
@@ -4779,7 +4779,31 @@
                 </a:solidFill>
                 <a:latin typeface="Arial Nova Light" panose="020B0604020202020204" pitchFamily="34" charset="0"/>
               </a:rPr>
-              <a:t>Antonio Osamu Katagiri Tanaka </a:t>
+              <a:t>Antonio Osamu Katagiri Tanaka A01212611@itesm.mx</a:t>
+            </a:r>
+          </a:p>
+          <a:p>
+            <a:r>
+              <a:rPr lang="en-GB" sz="2000" dirty="0">
+                <a:solidFill>
+                  <a:schemeClr val="bg1">
+                    <a:lumMod val="95000"/>
+                  </a:schemeClr>
+                </a:solidFill>
+                <a:latin typeface="Arial Nova Light" panose="020B0604020202020204" pitchFamily="34" charset="0"/>
+              </a:rPr>
+              <a:t>Jose Ivan Aviles </a:t>
+            </a:r>
+            <a:r>
+              <a:rPr lang="en-GB" sz="2000">
+                <a:solidFill>
+                  <a:schemeClr val="bg1">
+                    <a:lumMod val="95000"/>
+                  </a:schemeClr>
+                </a:solidFill>
+                <a:latin typeface="Arial Nova Light" panose="020B0604020202020204" pitchFamily="34" charset="0"/>
+              </a:rPr>
+              <a:t>Castrillo A01749804@</a:t>
             </a:r>
             <a:r>
               <a:rPr lang="en-GB" sz="2000" dirty="0">
@@ -4789,36 +4813,8 @@
                   </a:schemeClr>
                 </a:solidFill>
                 <a:latin typeface="Arial Nova Light" panose="020B0604020202020204" pitchFamily="34" charset="0"/>
-                <a:hlinkClick r:id="rId3">
-                  <a:extLst>
-                    <a:ext uri="{A12FA001-AC4F-418D-AE19-62706E023703}">
-                      <ahyp:hlinkClr xmlns:ahyp="http://schemas.microsoft.com/office/drawing/2018/hyperlinkcolor" val="tx"/>
-                    </a:ext>
-                  </a:extLst>
-                </a:hlinkClick>
               </a:rPr>
-              <a:t>A01212611@itesm.mx</a:t>
-            </a:r>
-            <a:endParaRPr lang="en-GB" sz="2000" dirty="0">
-              <a:solidFill>
-                <a:schemeClr val="bg1">
-                  <a:lumMod val="95000"/>
-                </a:schemeClr>
-              </a:solidFill>
-              <a:latin typeface="Arial Nova Light" panose="020B0604020202020204" pitchFamily="34" charset="0"/>
-            </a:endParaRPr>
-          </a:p>
-          <a:p>
-            <a:r>
-              <a:rPr lang="en-GB" sz="2000" dirty="0">
-                <a:solidFill>
-                  <a:schemeClr val="bg1">
-                    <a:lumMod val="95000"/>
-                  </a:schemeClr>
-                </a:solidFill>
-                <a:latin typeface="Arial Nova Light" panose="020B0604020202020204" pitchFamily="34" charset="0"/>
-              </a:rPr>
-              <a:t>Jose Ivan Aviles Castrillo A01749803@itesm.mx</a:t>
+              <a:t>itesm.mx</a:t>
             </a:r>
           </a:p>
           <a:p>
@@ -4848,7 +4844,7 @@
       </p:sp>
       <mc:AlternateContent xmlns:mc="http://schemas.openxmlformats.org/markup-compatibility/2006" xmlns:p14="http://schemas.microsoft.com/office/powerpoint/2010/main">
         <mc:Choice Requires="p14">
-          <p:contentPart p14:bwMode="auto" r:id="rId4">
+          <p:contentPart p14:bwMode="auto" r:id="rId3">
             <p14:nvContentPartPr>
               <p14:cNvPr id="2" name="Ink 1">
                 <a:extLst>
@@ -5392,7 +5388,7 @@
           <p:nvPr>
             <p:extLst>
               <p:ext uri="{D42A27DB-BD31-4B8C-83A1-F6EECF244321}">
-                <p14:modId xmlns:p14="http://schemas.microsoft.com/office/powerpoint/2010/main" val="2123238999"/>
+                <p14:modId xmlns:p14="http://schemas.microsoft.com/office/powerpoint/2010/main" val="422332022"/>
               </p:ext>
             </p:extLst>
           </p:nvPr>
@@ -5405,7 +5401,7 @@
           <a:graphicData uri="http://schemas.openxmlformats.org/presentationml/2006/ole">
             <mc:AlternateContent xmlns:mc="http://schemas.openxmlformats.org/markup-compatibility/2006">
               <mc:Choice xmlns:v="urn:schemas-microsoft-com:vml" Requires="v">
-                <p:oleObj spid="_x0000_s4119" name="Packager Shell Object" showAsIcon="1" r:id="rId9" imgW="593280" imgH="349200" progId="Package">
+                <p:oleObj spid="_x0000_s4121" name="Packager Shell Object" showAsIcon="1" r:id="rId9" imgW="593280" imgH="349200" progId="Package">
                   <p:embed/>
                 </p:oleObj>
               </mc:Choice>
@@ -7490,7 +7486,7 @@
           <a:graphicData uri="http://schemas.openxmlformats.org/presentationml/2006/ole">
             <mc:AlternateContent xmlns:mc="http://schemas.openxmlformats.org/markup-compatibility/2006">
               <mc:Choice xmlns:v="urn:schemas-microsoft-com:vml" Requires="v">
-                <p:oleObj spid="_x0000_s5141" name="Packager Shell Object" showAsIcon="1" r:id="rId8" imgW="683640" imgH="349200" progId="Package">
+                <p:oleObj spid="_x0000_s5143" name="Packager Shell Object" showAsIcon="1" r:id="rId8" imgW="683640" imgH="349200" progId="Package">
                   <p:embed/>
                 </p:oleObj>
               </mc:Choice>
@@ -9108,7 +9104,7 @@
           <a:graphicData uri="http://schemas.openxmlformats.org/presentationml/2006/ole">
             <mc:AlternateContent xmlns:mc="http://schemas.openxmlformats.org/markup-compatibility/2006">
               <mc:Choice xmlns:v="urn:schemas-microsoft-com:vml" Requires="v">
-                <p:oleObj spid="_x0000_s6163" name="Packager Shell Object" showAsIcon="1" r:id="rId7" imgW="548280" imgH="349200" progId="Package">
+                <p:oleObj spid="_x0000_s6165" name="Packager Shell Object" showAsIcon="1" r:id="rId7" imgW="548280" imgH="349200" progId="Package">
                   <p:embed/>
                 </p:oleObj>
               </mc:Choice>

--- a/2.2.ThermodynamicsOfMaterials/classActivity02/classActivity02.pptx
+++ b/2.2.ThermodynamicsOfMaterials/classActivity02/classActivity02.pptx
@@ -5,7 +5,7 @@
     <p:sldMasterId id="2147483648" r:id="rId1"/>
   </p:sldMasterIdLst>
   <p:notesMasterIdLst>
-    <p:notesMasterId r:id="rId11"/>
+    <p:notesMasterId r:id="rId14"/>
   </p:notesMasterIdLst>
   <p:sldIdLst>
     <p:sldId id="256" r:id="rId2"/>
@@ -16,7 +16,10 @@
     <p:sldId id="269" r:id="rId7"/>
     <p:sldId id="260" r:id="rId8"/>
     <p:sldId id="288" r:id="rId9"/>
-    <p:sldId id="263" r:id="rId10"/>
+    <p:sldId id="289" r:id="rId10"/>
+    <p:sldId id="290" r:id="rId11"/>
+    <p:sldId id="291" r:id="rId12"/>
+    <p:sldId id="263" r:id="rId13"/>
   </p:sldIdLst>
   <p:sldSz cx="12192000" cy="6858000"/>
   <p:notesSz cx="6858000" cy="9144000"/>
@@ -140,6 +143,9 @@
           <p14:sldIdLst>
             <p14:sldId id="260"/>
             <p14:sldId id="288"/>
+            <p14:sldId id="289"/>
+            <p14:sldId id="290"/>
+            <p14:sldId id="291"/>
             <p14:sldId id="263"/>
           </p14:sldIdLst>
         </p14:section>
@@ -4906,6 +4912,567 @@
 </p:sld>
 </file>
 
+<file path=ppt/slides/slide10.xml><?xml version="1.0" encoding="utf-8"?>
+<p:sld xmlns:a="http://schemas.openxmlformats.org/drawingml/2006/main" xmlns:r="http://schemas.openxmlformats.org/officeDocument/2006/relationships" xmlns:p="http://schemas.openxmlformats.org/presentationml/2006/main">
+  <p:cSld>
+    <p:spTree>
+      <p:nvGrpSpPr>
+        <p:cNvPr id="1" name=""/>
+        <p:cNvGrpSpPr/>
+        <p:nvPr/>
+      </p:nvGrpSpPr>
+      <p:grpSpPr>
+        <a:xfrm>
+          <a:off x="0" y="0"/>
+          <a:ext cx="0" cy="0"/>
+          <a:chOff x="0" y="0"/>
+          <a:chExt cx="0" cy="0"/>
+        </a:xfrm>
+      </p:grpSpPr>
+      <p:sp>
+        <p:nvSpPr>
+          <p:cNvPr id="6" name="Title 1">
+            <a:extLst>
+              <a:ext uri="{FF2B5EF4-FFF2-40B4-BE49-F238E27FC236}">
+                <a16:creationId xmlns:a16="http://schemas.microsoft.com/office/drawing/2014/main" id="{438892A2-F58C-479B-93B3-BDD2A80D348B}"/>
+              </a:ext>
+            </a:extLst>
+          </p:cNvPr>
+          <p:cNvSpPr>
+            <a:spLocks noGrp="1"/>
+          </p:cNvSpPr>
+          <p:nvPr>
+            <p:ph type="title"/>
+          </p:nvPr>
+        </p:nvSpPr>
+        <p:spPr>
+          <a:xfrm>
+            <a:off x="949040" y="365125"/>
+            <a:ext cx="11242960" cy="1325563"/>
+          </a:xfrm>
+        </p:spPr>
+        <p:txBody>
+          <a:bodyPr/>
+          <a:lstStyle/>
+          <a:p>
+            <a:r>
+              <a:rPr lang="en-GB" dirty="0" err="1">
+                <a:solidFill>
+                  <a:schemeClr val="bg1">
+                    <a:lumMod val="95000"/>
+                  </a:schemeClr>
+                </a:solidFill>
+                <a:latin typeface="Arial Nova Light" panose="020B0304020202020204" pitchFamily="34" charset="0"/>
+              </a:rPr>
+              <a:t>Optimize.curve_fit</a:t>
+            </a:r>
+            <a:r>
+              <a:rPr lang="en-GB" dirty="0">
+                <a:solidFill>
+                  <a:schemeClr val="bg1">
+                    <a:lumMod val="95000"/>
+                  </a:schemeClr>
+                </a:solidFill>
+                <a:latin typeface="Arial Nova Light" panose="020B0304020202020204" pitchFamily="34" charset="0"/>
+              </a:rPr>
+              <a:t> </a:t>
+            </a:r>
+            <a:r>
+              <a:rPr lang="en-GB" sz="2800" dirty="0">
+                <a:solidFill>
+                  <a:schemeClr val="bg1">
+                    <a:lumMod val="95000"/>
+                  </a:schemeClr>
+                </a:solidFill>
+                <a:latin typeface="Arial Nova Light" panose="020B0304020202020204" pitchFamily="34" charset="0"/>
+              </a:rPr>
+              <a:t>(from </a:t>
+            </a:r>
+            <a:r>
+              <a:rPr lang="en-GB" sz="2800" dirty="0" err="1">
+                <a:solidFill>
+                  <a:schemeClr val="bg1">
+                    <a:lumMod val="95000"/>
+                  </a:schemeClr>
+                </a:solidFill>
+                <a:latin typeface="Arial Nova Light" panose="020B0304020202020204" pitchFamily="34" charset="0"/>
+              </a:rPr>
+              <a:t>Scipy</a:t>
+            </a:r>
+            <a:r>
+              <a:rPr lang="en-GB" sz="2800" dirty="0">
+                <a:solidFill>
+                  <a:schemeClr val="bg1">
+                    <a:lumMod val="95000"/>
+                  </a:schemeClr>
+                </a:solidFill>
+                <a:latin typeface="Arial Nova Light" panose="020B0304020202020204" pitchFamily="34" charset="0"/>
+              </a:rPr>
+              <a:t> lib):</a:t>
+            </a:r>
+            <a:endParaRPr lang="en-GB" dirty="0">
+              <a:solidFill>
+                <a:schemeClr val="bg1">
+                  <a:lumMod val="95000"/>
+                </a:schemeClr>
+              </a:solidFill>
+              <a:latin typeface="Arial Nova Light" panose="020B0304020202020204" pitchFamily="34" charset="0"/>
+            </a:endParaRPr>
+          </a:p>
+        </p:txBody>
+      </p:sp>
+      <p:pic>
+        <p:nvPicPr>
+          <p:cNvPr id="2" name="Picture 1">
+            <a:extLst>
+              <a:ext uri="{FF2B5EF4-FFF2-40B4-BE49-F238E27FC236}">
+                <a16:creationId xmlns:a16="http://schemas.microsoft.com/office/drawing/2014/main" id="{CB6791ED-6267-42A9-BCEA-5AB4A3A9F013}"/>
+              </a:ext>
+            </a:extLst>
+          </p:cNvPr>
+          <p:cNvPicPr>
+            <a:picLocks noChangeAspect="1"/>
+          </p:cNvPicPr>
+          <p:nvPr/>
+        </p:nvPicPr>
+        <p:blipFill>
+          <a:blip r:embed="rId2"/>
+          <a:stretch>
+            <a:fillRect/>
+          </a:stretch>
+        </p:blipFill>
+        <p:spPr>
+          <a:xfrm>
+            <a:off x="2060702" y="1298616"/>
+            <a:ext cx="9007221" cy="5559384"/>
+          </a:xfrm>
+          <a:prstGeom prst="rect">
+            <a:avLst/>
+          </a:prstGeom>
+        </p:spPr>
+      </p:pic>
+      <p:sp>
+        <p:nvSpPr>
+          <p:cNvPr id="5" name="Rectangle 4">
+            <a:extLst>
+              <a:ext uri="{FF2B5EF4-FFF2-40B4-BE49-F238E27FC236}">
+                <a16:creationId xmlns:a16="http://schemas.microsoft.com/office/drawing/2014/main" id="{9952096A-B173-4C32-8FC0-936D64AF68A6}"/>
+              </a:ext>
+            </a:extLst>
+          </p:cNvPr>
+          <p:cNvSpPr/>
+          <p:nvPr/>
+        </p:nvSpPr>
+        <p:spPr>
+          <a:xfrm>
+            <a:off x="3150857" y="4274162"/>
+            <a:ext cx="1249693" cy="116864"/>
+          </a:xfrm>
+          <a:prstGeom prst="rect">
+            <a:avLst/>
+          </a:prstGeom>
+          <a:solidFill>
+            <a:schemeClr val="accent4">
+              <a:alpha val="40000"/>
+            </a:schemeClr>
+          </a:solidFill>
+          <a:ln>
+            <a:noFill/>
+          </a:ln>
+        </p:spPr>
+        <p:style>
+          <a:lnRef idx="2">
+            <a:schemeClr val="accent1">
+              <a:shade val="50000"/>
+            </a:schemeClr>
+          </a:lnRef>
+          <a:fillRef idx="1">
+            <a:schemeClr val="accent1"/>
+          </a:fillRef>
+          <a:effectRef idx="0">
+            <a:schemeClr val="accent1"/>
+          </a:effectRef>
+          <a:fontRef idx="minor">
+            <a:schemeClr val="lt1"/>
+          </a:fontRef>
+        </p:style>
+        <p:txBody>
+          <a:bodyPr rtlCol="0" anchor="ctr"/>
+          <a:lstStyle/>
+          <a:p>
+            <a:pPr algn="ctr"/>
+            <a:endParaRPr lang="en-GB"/>
+          </a:p>
+        </p:txBody>
+      </p:sp>
+    </p:spTree>
+    <p:extLst>
+      <p:ext uri="{BB962C8B-B14F-4D97-AF65-F5344CB8AC3E}">
+        <p14:creationId xmlns:p14="http://schemas.microsoft.com/office/powerpoint/2010/main" val="1930079765"/>
+      </p:ext>
+    </p:extLst>
+  </p:cSld>
+  <p:clrMapOvr>
+    <a:masterClrMapping/>
+  </p:clrMapOvr>
+</p:sld>
+</file>
+
+<file path=ppt/slides/slide11.xml><?xml version="1.0" encoding="utf-8"?>
+<p:sld xmlns:a="http://schemas.openxmlformats.org/drawingml/2006/main" xmlns:r="http://schemas.openxmlformats.org/officeDocument/2006/relationships" xmlns:p="http://schemas.openxmlformats.org/presentationml/2006/main">
+  <p:cSld>
+    <p:spTree>
+      <p:nvGrpSpPr>
+        <p:cNvPr id="1" name=""/>
+        <p:cNvGrpSpPr/>
+        <p:nvPr/>
+      </p:nvGrpSpPr>
+      <p:grpSpPr>
+        <a:xfrm>
+          <a:off x="0" y="0"/>
+          <a:ext cx="0" cy="0"/>
+          <a:chOff x="0" y="0"/>
+          <a:chExt cx="0" cy="0"/>
+        </a:xfrm>
+      </p:grpSpPr>
+      <p:sp>
+        <p:nvSpPr>
+          <p:cNvPr id="6" name="Title 1">
+            <a:extLst>
+              <a:ext uri="{FF2B5EF4-FFF2-40B4-BE49-F238E27FC236}">
+                <a16:creationId xmlns:a16="http://schemas.microsoft.com/office/drawing/2014/main" id="{438892A2-F58C-479B-93B3-BDD2A80D348B}"/>
+              </a:ext>
+            </a:extLst>
+          </p:cNvPr>
+          <p:cNvSpPr>
+            <a:spLocks noGrp="1"/>
+          </p:cNvSpPr>
+          <p:nvPr>
+            <p:ph type="title"/>
+          </p:nvPr>
+        </p:nvSpPr>
+        <p:spPr>
+          <a:xfrm>
+            <a:off x="949040" y="365125"/>
+            <a:ext cx="11242960" cy="1325563"/>
+          </a:xfrm>
+        </p:spPr>
+        <p:txBody>
+          <a:bodyPr/>
+          <a:lstStyle/>
+          <a:p>
+            <a:r>
+              <a:rPr lang="en-GB" dirty="0" err="1">
+                <a:solidFill>
+                  <a:schemeClr val="bg1">
+                    <a:lumMod val="95000"/>
+                  </a:schemeClr>
+                </a:solidFill>
+                <a:latin typeface="Arial Nova Light" panose="020B0304020202020204" pitchFamily="34" charset="0"/>
+              </a:rPr>
+              <a:t>Optimize.curve_fit</a:t>
+            </a:r>
+            <a:r>
+              <a:rPr lang="en-GB" dirty="0">
+                <a:solidFill>
+                  <a:schemeClr val="bg1">
+                    <a:lumMod val="95000"/>
+                  </a:schemeClr>
+                </a:solidFill>
+                <a:latin typeface="Arial Nova Light" panose="020B0304020202020204" pitchFamily="34" charset="0"/>
+              </a:rPr>
+              <a:t> </a:t>
+            </a:r>
+            <a:r>
+              <a:rPr lang="en-GB" sz="2800" dirty="0">
+                <a:solidFill>
+                  <a:schemeClr val="bg1">
+                    <a:lumMod val="95000"/>
+                  </a:schemeClr>
+                </a:solidFill>
+                <a:latin typeface="Arial Nova Light" panose="020B0304020202020204" pitchFamily="34" charset="0"/>
+              </a:rPr>
+              <a:t>(from </a:t>
+            </a:r>
+            <a:r>
+              <a:rPr lang="en-GB" sz="2800" dirty="0" err="1">
+                <a:solidFill>
+                  <a:schemeClr val="bg1">
+                    <a:lumMod val="95000"/>
+                  </a:schemeClr>
+                </a:solidFill>
+                <a:latin typeface="Arial Nova Light" panose="020B0304020202020204" pitchFamily="34" charset="0"/>
+              </a:rPr>
+              <a:t>Scipy</a:t>
+            </a:r>
+            <a:r>
+              <a:rPr lang="en-GB" sz="2800" dirty="0">
+                <a:solidFill>
+                  <a:schemeClr val="bg1">
+                    <a:lumMod val="95000"/>
+                  </a:schemeClr>
+                </a:solidFill>
+                <a:latin typeface="Arial Nova Light" panose="020B0304020202020204" pitchFamily="34" charset="0"/>
+              </a:rPr>
+              <a:t> lib):</a:t>
+            </a:r>
+            <a:endParaRPr lang="en-GB" dirty="0">
+              <a:solidFill>
+                <a:schemeClr val="bg1">
+                  <a:lumMod val="95000"/>
+                </a:schemeClr>
+              </a:solidFill>
+              <a:latin typeface="Arial Nova Light" panose="020B0304020202020204" pitchFamily="34" charset="0"/>
+            </a:endParaRPr>
+          </a:p>
+        </p:txBody>
+      </p:sp>
+      <p:pic>
+        <p:nvPicPr>
+          <p:cNvPr id="2" name="Picture 1">
+            <a:extLst>
+              <a:ext uri="{FF2B5EF4-FFF2-40B4-BE49-F238E27FC236}">
+                <a16:creationId xmlns:a16="http://schemas.microsoft.com/office/drawing/2014/main" id="{35464889-E37E-4FC6-A5BF-BDF6E524F131}"/>
+              </a:ext>
+            </a:extLst>
+          </p:cNvPr>
+          <p:cNvPicPr>
+            <a:picLocks noChangeAspect="1"/>
+          </p:cNvPicPr>
+          <p:nvPr/>
+        </p:nvPicPr>
+        <p:blipFill>
+          <a:blip r:embed="rId2"/>
+          <a:stretch>
+            <a:fillRect/>
+          </a:stretch>
+        </p:blipFill>
+        <p:spPr>
+          <a:xfrm>
+            <a:off x="1298432" y="1293768"/>
+            <a:ext cx="10544175" cy="5564232"/>
+          </a:xfrm>
+          <a:prstGeom prst="rect">
+            <a:avLst/>
+          </a:prstGeom>
+        </p:spPr>
+      </p:pic>
+      <p:sp>
+        <p:nvSpPr>
+          <p:cNvPr id="5" name="Rectangle 4">
+            <a:extLst>
+              <a:ext uri="{FF2B5EF4-FFF2-40B4-BE49-F238E27FC236}">
+                <a16:creationId xmlns:a16="http://schemas.microsoft.com/office/drawing/2014/main" id="{BBE40B65-1D31-4FEF-B6EA-19590334B934}"/>
+              </a:ext>
+            </a:extLst>
+          </p:cNvPr>
+          <p:cNvSpPr/>
+          <p:nvPr/>
+        </p:nvSpPr>
+        <p:spPr>
+          <a:xfrm>
+            <a:off x="2531732" y="4187337"/>
+            <a:ext cx="1249693" cy="116864"/>
+          </a:xfrm>
+          <a:prstGeom prst="rect">
+            <a:avLst/>
+          </a:prstGeom>
+          <a:solidFill>
+            <a:schemeClr val="accent4">
+              <a:alpha val="40000"/>
+            </a:schemeClr>
+          </a:solidFill>
+          <a:ln>
+            <a:noFill/>
+          </a:ln>
+        </p:spPr>
+        <p:style>
+          <a:lnRef idx="2">
+            <a:schemeClr val="accent1">
+              <a:shade val="50000"/>
+            </a:schemeClr>
+          </a:lnRef>
+          <a:fillRef idx="1">
+            <a:schemeClr val="accent1"/>
+          </a:fillRef>
+          <a:effectRef idx="0">
+            <a:schemeClr val="accent1"/>
+          </a:effectRef>
+          <a:fontRef idx="minor">
+            <a:schemeClr val="lt1"/>
+          </a:fontRef>
+        </p:style>
+        <p:txBody>
+          <a:bodyPr rtlCol="0" anchor="ctr"/>
+          <a:lstStyle/>
+          <a:p>
+            <a:pPr algn="ctr"/>
+            <a:endParaRPr lang="en-GB"/>
+          </a:p>
+        </p:txBody>
+      </p:sp>
+    </p:spTree>
+    <p:extLst>
+      <p:ext uri="{BB962C8B-B14F-4D97-AF65-F5344CB8AC3E}">
+        <p14:creationId xmlns:p14="http://schemas.microsoft.com/office/powerpoint/2010/main" val="34558376"/>
+      </p:ext>
+    </p:extLst>
+  </p:cSld>
+  <p:clrMapOvr>
+    <a:masterClrMapping/>
+  </p:clrMapOvr>
+</p:sld>
+</file>
+
+<file path=ppt/slides/slide12.xml><?xml version="1.0" encoding="utf-8"?>
+<p:sld xmlns:a="http://schemas.openxmlformats.org/drawingml/2006/main" xmlns:r="http://schemas.openxmlformats.org/officeDocument/2006/relationships" xmlns:p="http://schemas.openxmlformats.org/presentationml/2006/main">
+  <p:cSld>
+    <p:spTree>
+      <p:nvGrpSpPr>
+        <p:cNvPr id="1" name=""/>
+        <p:cNvGrpSpPr/>
+        <p:nvPr/>
+      </p:nvGrpSpPr>
+      <p:grpSpPr>
+        <a:xfrm>
+          <a:off x="0" y="0"/>
+          <a:ext cx="0" cy="0"/>
+          <a:chOff x="0" y="0"/>
+          <a:chExt cx="0" cy="0"/>
+        </a:xfrm>
+      </p:grpSpPr>
+      <p:sp>
+        <p:nvSpPr>
+          <p:cNvPr id="4" name="Title 1">
+            <a:extLst>
+              <a:ext uri="{FF2B5EF4-FFF2-40B4-BE49-F238E27FC236}">
+                <a16:creationId xmlns:a16="http://schemas.microsoft.com/office/drawing/2014/main" id="{F9ED8BE6-F7AC-4FD8-8FA8-8C683A7C2F62}"/>
+              </a:ext>
+            </a:extLst>
+          </p:cNvPr>
+          <p:cNvSpPr>
+            <a:spLocks noGrp="1"/>
+          </p:cNvSpPr>
+          <p:nvPr>
+            <p:ph type="title"/>
+          </p:nvPr>
+        </p:nvSpPr>
+        <p:spPr>
+          <a:xfrm>
+            <a:off x="949040" y="365125"/>
+            <a:ext cx="11242960" cy="1325563"/>
+          </a:xfrm>
+        </p:spPr>
+        <p:txBody>
+          <a:bodyPr/>
+          <a:lstStyle/>
+          <a:p>
+            <a:r>
+              <a:rPr lang="en-GB" dirty="0">
+                <a:solidFill>
+                  <a:schemeClr val="bg1">
+                    <a:lumMod val="95000"/>
+                  </a:schemeClr>
+                </a:solidFill>
+                <a:latin typeface="Arial Nova Light" panose="020B0304020202020204" pitchFamily="34" charset="0"/>
+              </a:rPr>
+              <a:t>References</a:t>
+            </a:r>
+          </a:p>
+        </p:txBody>
+      </p:sp>
+      <p:sp>
+        <p:nvSpPr>
+          <p:cNvPr id="6" name="Content Placeholder 2">
+            <a:extLst>
+              <a:ext uri="{FF2B5EF4-FFF2-40B4-BE49-F238E27FC236}">
+                <a16:creationId xmlns:a16="http://schemas.microsoft.com/office/drawing/2014/main" id="{058630E6-31AF-4451-B084-C9809D0DA4E8}"/>
+              </a:ext>
+            </a:extLst>
+          </p:cNvPr>
+          <p:cNvSpPr>
+            <a:spLocks noGrp="1"/>
+          </p:cNvSpPr>
+          <p:nvPr>
+            <p:ph idx="1"/>
+          </p:nvPr>
+        </p:nvSpPr>
+        <p:spPr>
+          <a:xfrm>
+            <a:off x="949040" y="1825624"/>
+            <a:ext cx="11242960" cy="5032375"/>
+          </a:xfrm>
+        </p:spPr>
+        <p:txBody>
+          <a:bodyPr>
+            <a:normAutofit/>
+          </a:bodyPr>
+          <a:lstStyle/>
+          <a:p>
+            <a:pPr marL="514350" indent="-514350">
+              <a:buFont typeface="+mj-lt"/>
+              <a:buAutoNum type="arabicPeriod"/>
+            </a:pPr>
+            <a:r>
+              <a:rPr lang="en-GB" dirty="0" err="1">
+                <a:solidFill>
+                  <a:schemeClr val="bg1">
+                    <a:lumMod val="95000"/>
+                  </a:schemeClr>
+                </a:solidFill>
+                <a:latin typeface="Arial Nova Light" panose="020B0304020202020204" pitchFamily="34" charset="0"/>
+              </a:rPr>
+              <a:t>Leharne</a:t>
+            </a:r>
+            <a:r>
+              <a:rPr lang="en-GB" dirty="0">
+                <a:solidFill>
+                  <a:schemeClr val="bg1">
+                    <a:lumMod val="95000"/>
+                  </a:schemeClr>
+                </a:solidFill>
+                <a:latin typeface="Arial Nova Light" panose="020B0304020202020204" pitchFamily="34" charset="0"/>
+              </a:rPr>
+              <a:t>, S. (2017). The physical chemistry of high-sensitivity differential scanning calorimetry of biopolymers. </a:t>
+            </a:r>
+            <a:r>
+              <a:rPr lang="en-GB" dirty="0" err="1">
+                <a:solidFill>
+                  <a:schemeClr val="bg1">
+                    <a:lumMod val="95000"/>
+                  </a:schemeClr>
+                </a:solidFill>
+                <a:latin typeface="Arial Nova Light" panose="020B0304020202020204" pitchFamily="34" charset="0"/>
+              </a:rPr>
+              <a:t>ChemTexts</a:t>
+            </a:r>
+            <a:r>
+              <a:rPr lang="en-GB" dirty="0">
+                <a:solidFill>
+                  <a:schemeClr val="bg1">
+                    <a:lumMod val="95000"/>
+                  </a:schemeClr>
+                </a:solidFill>
+                <a:latin typeface="Arial Nova Light" panose="020B0304020202020204" pitchFamily="34" charset="0"/>
+              </a:rPr>
+              <a:t>, 3(1), 1–12. https://doi.org/10.1007/s40828-016-0038-0</a:t>
+            </a:r>
+          </a:p>
+        </p:txBody>
+      </p:sp>
+    </p:spTree>
+    <p:extLst>
+      <p:ext uri="{BB962C8B-B14F-4D97-AF65-F5344CB8AC3E}">
+        <p14:creationId xmlns:p14="http://schemas.microsoft.com/office/powerpoint/2010/main" val="3604131991"/>
+      </p:ext>
+    </p:extLst>
+  </p:cSld>
+  <p:clrMapOvr>
+    <a:masterClrMapping/>
+  </p:clrMapOvr>
+</p:sld>
+</file>
+
 <file path=ppt/slides/slide2.xml><?xml version="1.0" encoding="utf-8"?>
 <p:sld xmlns:a="http://schemas.openxmlformats.org/drawingml/2006/main" xmlns:r="http://schemas.openxmlformats.org/officeDocument/2006/relationships" xmlns:p="http://schemas.openxmlformats.org/presentationml/2006/main">
   <p:cSld>
@@ -5401,7 +5968,7 @@
           <a:graphicData uri="http://schemas.openxmlformats.org/presentationml/2006/ole">
             <mc:AlternateContent xmlns:mc="http://schemas.openxmlformats.org/markup-compatibility/2006">
               <mc:Choice xmlns:v="urn:schemas-microsoft-com:vml" Requires="v">
-                <p:oleObj spid="_x0000_s4121" name="Packager Shell Object" showAsIcon="1" r:id="rId9" imgW="593280" imgH="349200" progId="Package">
+                <p:oleObj spid="_x0000_s4126" name="Packager Shell Object" showAsIcon="1" r:id="rId9" imgW="593280" imgH="349200" progId="Package">
                   <p:embed/>
                 </p:oleObj>
               </mc:Choice>
@@ -6462,12 +7029,17 @@
         </p:nvSpPr>
         <p:spPr>
           <a:xfrm>
-            <a:off x="9778718" y="1842217"/>
+            <a:off x="9778718" y="1798609"/>
             <a:ext cx="2413282" cy="908051"/>
           </a:xfrm>
           <a:prstGeom prst="rect">
             <a:avLst/>
           </a:prstGeom>
+          <a:solidFill>
+            <a:schemeClr val="accent4">
+              <a:alpha val="40000"/>
+            </a:schemeClr>
+          </a:solidFill>
         </p:spPr>
         <p:txBody>
           <a:bodyPr vert="horz" lIns="91440" tIns="45720" rIns="91440" bIns="45720" rtlCol="0">
@@ -7486,7 +8058,7 @@
           <a:graphicData uri="http://schemas.openxmlformats.org/presentationml/2006/ole">
             <mc:AlternateContent xmlns:mc="http://schemas.openxmlformats.org/markup-compatibility/2006">
               <mc:Choice xmlns:v="urn:schemas-microsoft-com:vml" Requires="v">
-                <p:oleObj spid="_x0000_s5143" name="Packager Shell Object" showAsIcon="1" r:id="rId8" imgW="683640" imgH="349200" progId="Package">
+                <p:oleObj spid="_x0000_s5148" name="Packager Shell Object" showAsIcon="1" r:id="rId8" imgW="683640" imgH="349200" progId="Package">
                   <p:embed/>
                 </p:oleObj>
               </mc:Choice>
@@ -7615,10 +8187,10 @@
       </p:cxnSp>
       <p:sp>
         <p:nvSpPr>
-          <p:cNvPr id="21" name="Rectangle 20">
-            <a:extLst>
-              <a:ext uri="{FF2B5EF4-FFF2-40B4-BE49-F238E27FC236}">
-                <a16:creationId xmlns:a16="http://schemas.microsoft.com/office/drawing/2014/main" id="{6F18070E-B2EA-481D-9AEB-780D2C9787AD}"/>
+          <p:cNvPr id="24" name="Rectangle 23">
+            <a:extLst>
+              <a:ext uri="{FF2B5EF4-FFF2-40B4-BE49-F238E27FC236}">
+                <a16:creationId xmlns:a16="http://schemas.microsoft.com/office/drawing/2014/main" id="{D789347D-FB49-464F-B03E-89FDEB4D70C7}"/>
               </a:ext>
             </a:extLst>
           </p:cNvPr>
@@ -7627,8 +8199,8 @@
         </p:nvSpPr>
         <p:spPr>
           <a:xfrm>
-            <a:off x="9778717" y="1817303"/>
-            <a:ext cx="2413283" cy="876421"/>
+            <a:off x="1968611" y="2124910"/>
+            <a:ext cx="355489" cy="146884"/>
           </a:xfrm>
           <a:prstGeom prst="rect">
             <a:avLst/>
@@ -7669,10 +8241,580 @@
       </p:sp>
       <p:sp>
         <p:nvSpPr>
-          <p:cNvPr id="23" name="Content Placeholder 2">
-            <a:extLst>
-              <a:ext uri="{FF2B5EF4-FFF2-40B4-BE49-F238E27FC236}">
-                <a16:creationId xmlns:a16="http://schemas.microsoft.com/office/drawing/2014/main" id="{C6BA32B0-ACF7-4FDE-AEAC-9904DA90D065}"/>
+          <p:cNvPr id="26" name="Rectangle 25">
+            <a:extLst>
+              <a:ext uri="{FF2B5EF4-FFF2-40B4-BE49-F238E27FC236}">
+                <a16:creationId xmlns:a16="http://schemas.microsoft.com/office/drawing/2014/main" id="{03C8D56F-E79D-4D95-8449-3B4D4436CB32}"/>
+              </a:ext>
+            </a:extLst>
+          </p:cNvPr>
+          <p:cNvSpPr/>
+          <p:nvPr/>
+        </p:nvSpPr>
+        <p:spPr>
+          <a:xfrm>
+            <a:off x="2608337" y="2284494"/>
+            <a:ext cx="172963" cy="125331"/>
+          </a:xfrm>
+          <a:prstGeom prst="rect">
+            <a:avLst/>
+          </a:prstGeom>
+          <a:solidFill>
+            <a:schemeClr val="accent4">
+              <a:alpha val="40000"/>
+            </a:schemeClr>
+          </a:solidFill>
+          <a:ln>
+            <a:noFill/>
+          </a:ln>
+        </p:spPr>
+        <p:style>
+          <a:lnRef idx="2">
+            <a:schemeClr val="accent1">
+              <a:shade val="50000"/>
+            </a:schemeClr>
+          </a:lnRef>
+          <a:fillRef idx="1">
+            <a:schemeClr val="accent1"/>
+          </a:fillRef>
+          <a:effectRef idx="0">
+            <a:schemeClr val="accent1"/>
+          </a:effectRef>
+          <a:fontRef idx="minor">
+            <a:schemeClr val="lt1"/>
+          </a:fontRef>
+        </p:style>
+        <p:txBody>
+          <a:bodyPr rtlCol="0" anchor="ctr"/>
+          <a:lstStyle/>
+          <a:p>
+            <a:pPr algn="ctr"/>
+            <a:endParaRPr lang="en-GB"/>
+          </a:p>
+        </p:txBody>
+      </p:sp>
+      <p:sp>
+        <p:nvSpPr>
+          <p:cNvPr id="27" name="Rectangle 26">
+            <a:extLst>
+              <a:ext uri="{FF2B5EF4-FFF2-40B4-BE49-F238E27FC236}">
+                <a16:creationId xmlns:a16="http://schemas.microsoft.com/office/drawing/2014/main" id="{6E5499EC-CD4D-4DA7-B07B-8620C29DC659}"/>
+              </a:ext>
+            </a:extLst>
+          </p:cNvPr>
+          <p:cNvSpPr/>
+          <p:nvPr/>
+        </p:nvSpPr>
+        <p:spPr>
+          <a:xfrm>
+            <a:off x="2955604" y="2122855"/>
+            <a:ext cx="172963" cy="125331"/>
+          </a:xfrm>
+          <a:prstGeom prst="rect">
+            <a:avLst/>
+          </a:prstGeom>
+          <a:solidFill>
+            <a:schemeClr val="accent4">
+              <a:alpha val="40000"/>
+            </a:schemeClr>
+          </a:solidFill>
+          <a:ln>
+            <a:noFill/>
+          </a:ln>
+        </p:spPr>
+        <p:style>
+          <a:lnRef idx="2">
+            <a:schemeClr val="accent1">
+              <a:shade val="50000"/>
+            </a:schemeClr>
+          </a:lnRef>
+          <a:fillRef idx="1">
+            <a:schemeClr val="accent1"/>
+          </a:fillRef>
+          <a:effectRef idx="0">
+            <a:schemeClr val="accent1"/>
+          </a:effectRef>
+          <a:fontRef idx="minor">
+            <a:schemeClr val="lt1"/>
+          </a:fontRef>
+        </p:style>
+        <p:txBody>
+          <a:bodyPr rtlCol="0" anchor="ctr"/>
+          <a:lstStyle/>
+          <a:p>
+            <a:pPr algn="ctr"/>
+            <a:endParaRPr lang="en-GB"/>
+          </a:p>
+        </p:txBody>
+      </p:sp>
+      <p:sp>
+        <p:nvSpPr>
+          <p:cNvPr id="28" name="Rectangle 27">
+            <a:extLst>
+              <a:ext uri="{FF2B5EF4-FFF2-40B4-BE49-F238E27FC236}">
+                <a16:creationId xmlns:a16="http://schemas.microsoft.com/office/drawing/2014/main" id="{AB382271-FD41-43FA-B89C-C0E4EC1C3A16}"/>
+              </a:ext>
+            </a:extLst>
+          </p:cNvPr>
+          <p:cNvSpPr/>
+          <p:nvPr/>
+        </p:nvSpPr>
+        <p:spPr>
+          <a:xfrm>
+            <a:off x="3357167" y="2271794"/>
+            <a:ext cx="172963" cy="125331"/>
+          </a:xfrm>
+          <a:prstGeom prst="rect">
+            <a:avLst/>
+          </a:prstGeom>
+          <a:solidFill>
+            <a:schemeClr val="accent4">
+              <a:alpha val="40000"/>
+            </a:schemeClr>
+          </a:solidFill>
+          <a:ln>
+            <a:noFill/>
+          </a:ln>
+        </p:spPr>
+        <p:style>
+          <a:lnRef idx="2">
+            <a:schemeClr val="accent1">
+              <a:shade val="50000"/>
+            </a:schemeClr>
+          </a:lnRef>
+          <a:fillRef idx="1">
+            <a:schemeClr val="accent1"/>
+          </a:fillRef>
+          <a:effectRef idx="0">
+            <a:schemeClr val="accent1"/>
+          </a:effectRef>
+          <a:fontRef idx="minor">
+            <a:schemeClr val="lt1"/>
+          </a:fontRef>
+        </p:style>
+        <p:txBody>
+          <a:bodyPr rtlCol="0" anchor="ctr"/>
+          <a:lstStyle/>
+          <a:p>
+            <a:pPr algn="ctr"/>
+            <a:endParaRPr lang="en-GB"/>
+          </a:p>
+        </p:txBody>
+      </p:sp>
+      <p:sp>
+        <p:nvSpPr>
+          <p:cNvPr id="30" name="Rectangle 29">
+            <a:extLst>
+              <a:ext uri="{FF2B5EF4-FFF2-40B4-BE49-F238E27FC236}">
+                <a16:creationId xmlns:a16="http://schemas.microsoft.com/office/drawing/2014/main" id="{B04D4609-4137-4935-94A6-94B238F483FA}"/>
+              </a:ext>
+            </a:extLst>
+          </p:cNvPr>
+          <p:cNvSpPr/>
+          <p:nvPr/>
+        </p:nvSpPr>
+        <p:spPr>
+          <a:xfrm>
+            <a:off x="3704433" y="2122854"/>
+            <a:ext cx="172963" cy="125331"/>
+          </a:xfrm>
+          <a:prstGeom prst="rect">
+            <a:avLst/>
+          </a:prstGeom>
+          <a:solidFill>
+            <a:schemeClr val="accent4">
+              <a:alpha val="40000"/>
+            </a:schemeClr>
+          </a:solidFill>
+          <a:ln>
+            <a:noFill/>
+          </a:ln>
+        </p:spPr>
+        <p:style>
+          <a:lnRef idx="2">
+            <a:schemeClr val="accent1">
+              <a:shade val="50000"/>
+            </a:schemeClr>
+          </a:lnRef>
+          <a:fillRef idx="1">
+            <a:schemeClr val="accent1"/>
+          </a:fillRef>
+          <a:effectRef idx="0">
+            <a:schemeClr val="accent1"/>
+          </a:effectRef>
+          <a:fontRef idx="minor">
+            <a:schemeClr val="lt1"/>
+          </a:fontRef>
+        </p:style>
+        <p:txBody>
+          <a:bodyPr rtlCol="0" anchor="ctr"/>
+          <a:lstStyle/>
+          <a:p>
+            <a:pPr algn="ctr"/>
+            <a:endParaRPr lang="en-GB"/>
+          </a:p>
+        </p:txBody>
+      </p:sp>
+      <p:sp>
+        <p:nvSpPr>
+          <p:cNvPr id="31" name="Rectangle 30">
+            <a:extLst>
+              <a:ext uri="{FF2B5EF4-FFF2-40B4-BE49-F238E27FC236}">
+                <a16:creationId xmlns:a16="http://schemas.microsoft.com/office/drawing/2014/main" id="{78CD00F0-B64B-44D2-A2D2-2DC06B964296}"/>
+              </a:ext>
+            </a:extLst>
+          </p:cNvPr>
+          <p:cNvSpPr/>
+          <p:nvPr/>
+        </p:nvSpPr>
+        <p:spPr>
+          <a:xfrm>
+            <a:off x="6656057" y="4680680"/>
+            <a:ext cx="297193" cy="194544"/>
+          </a:xfrm>
+          <a:prstGeom prst="rect">
+            <a:avLst/>
+          </a:prstGeom>
+          <a:solidFill>
+            <a:schemeClr val="accent4">
+              <a:alpha val="40000"/>
+            </a:schemeClr>
+          </a:solidFill>
+          <a:ln>
+            <a:noFill/>
+          </a:ln>
+        </p:spPr>
+        <p:style>
+          <a:lnRef idx="2">
+            <a:schemeClr val="accent1">
+              <a:shade val="50000"/>
+            </a:schemeClr>
+          </a:lnRef>
+          <a:fillRef idx="1">
+            <a:schemeClr val="accent1"/>
+          </a:fillRef>
+          <a:effectRef idx="0">
+            <a:schemeClr val="accent1"/>
+          </a:effectRef>
+          <a:fontRef idx="minor">
+            <a:schemeClr val="lt1"/>
+          </a:fontRef>
+        </p:style>
+        <p:txBody>
+          <a:bodyPr rtlCol="0" anchor="ctr"/>
+          <a:lstStyle/>
+          <a:p>
+            <a:pPr algn="ctr"/>
+            <a:endParaRPr lang="en-GB"/>
+          </a:p>
+        </p:txBody>
+      </p:sp>
+      <p:sp>
+        <p:nvSpPr>
+          <p:cNvPr id="32" name="Rectangle 31">
+            <a:extLst>
+              <a:ext uri="{FF2B5EF4-FFF2-40B4-BE49-F238E27FC236}">
+                <a16:creationId xmlns:a16="http://schemas.microsoft.com/office/drawing/2014/main" id="{463537D6-F31B-43D0-9CD5-F7640A9DC1A4}"/>
+              </a:ext>
+            </a:extLst>
+          </p:cNvPr>
+          <p:cNvSpPr/>
+          <p:nvPr/>
+        </p:nvSpPr>
+        <p:spPr>
+          <a:xfrm>
+            <a:off x="6282851" y="4371600"/>
+            <a:ext cx="297193" cy="194544"/>
+          </a:xfrm>
+          <a:prstGeom prst="rect">
+            <a:avLst/>
+          </a:prstGeom>
+          <a:solidFill>
+            <a:schemeClr val="accent4">
+              <a:alpha val="40000"/>
+            </a:schemeClr>
+          </a:solidFill>
+          <a:ln>
+            <a:noFill/>
+          </a:ln>
+        </p:spPr>
+        <p:style>
+          <a:lnRef idx="2">
+            <a:schemeClr val="accent1">
+              <a:shade val="50000"/>
+            </a:schemeClr>
+          </a:lnRef>
+          <a:fillRef idx="1">
+            <a:schemeClr val="accent1"/>
+          </a:fillRef>
+          <a:effectRef idx="0">
+            <a:schemeClr val="accent1"/>
+          </a:effectRef>
+          <a:fontRef idx="minor">
+            <a:schemeClr val="lt1"/>
+          </a:fontRef>
+        </p:style>
+        <p:txBody>
+          <a:bodyPr rtlCol="0" anchor="ctr"/>
+          <a:lstStyle/>
+          <a:p>
+            <a:pPr algn="ctr"/>
+            <a:endParaRPr lang="en-GB"/>
+          </a:p>
+        </p:txBody>
+      </p:sp>
+      <p:sp>
+        <p:nvSpPr>
+          <p:cNvPr id="34" name="Rectangle 33">
+            <a:extLst>
+              <a:ext uri="{FF2B5EF4-FFF2-40B4-BE49-F238E27FC236}">
+                <a16:creationId xmlns:a16="http://schemas.microsoft.com/office/drawing/2014/main" id="{66B19FE0-B007-4970-9D9D-1774001F19C7}"/>
+              </a:ext>
+            </a:extLst>
+          </p:cNvPr>
+          <p:cNvSpPr/>
+          <p:nvPr/>
+        </p:nvSpPr>
+        <p:spPr>
+          <a:xfrm>
+            <a:off x="9826342" y="4371600"/>
+            <a:ext cx="297193" cy="194544"/>
+          </a:xfrm>
+          <a:prstGeom prst="rect">
+            <a:avLst/>
+          </a:prstGeom>
+          <a:solidFill>
+            <a:schemeClr val="accent4">
+              <a:alpha val="40000"/>
+            </a:schemeClr>
+          </a:solidFill>
+          <a:ln>
+            <a:noFill/>
+          </a:ln>
+        </p:spPr>
+        <p:style>
+          <a:lnRef idx="2">
+            <a:schemeClr val="accent1">
+              <a:shade val="50000"/>
+            </a:schemeClr>
+          </a:lnRef>
+          <a:fillRef idx="1">
+            <a:schemeClr val="accent1"/>
+          </a:fillRef>
+          <a:effectRef idx="0">
+            <a:schemeClr val="accent1"/>
+          </a:effectRef>
+          <a:fontRef idx="minor">
+            <a:schemeClr val="lt1"/>
+          </a:fontRef>
+        </p:style>
+        <p:txBody>
+          <a:bodyPr rtlCol="0" anchor="ctr"/>
+          <a:lstStyle/>
+          <a:p>
+            <a:pPr algn="ctr"/>
+            <a:endParaRPr lang="en-GB"/>
+          </a:p>
+        </p:txBody>
+      </p:sp>
+      <p:sp>
+        <p:nvSpPr>
+          <p:cNvPr id="35" name="Rectangle 34">
+            <a:extLst>
+              <a:ext uri="{FF2B5EF4-FFF2-40B4-BE49-F238E27FC236}">
+                <a16:creationId xmlns:a16="http://schemas.microsoft.com/office/drawing/2014/main" id="{AAFB201A-40AD-449E-9853-7B4947899BF2}"/>
+              </a:ext>
+            </a:extLst>
+          </p:cNvPr>
+          <p:cNvSpPr/>
+          <p:nvPr/>
+        </p:nvSpPr>
+        <p:spPr>
+          <a:xfrm>
+            <a:off x="6188566" y="5719874"/>
+            <a:ext cx="391478" cy="163210"/>
+          </a:xfrm>
+          <a:prstGeom prst="rect">
+            <a:avLst/>
+          </a:prstGeom>
+          <a:solidFill>
+            <a:schemeClr val="accent4">
+              <a:alpha val="40000"/>
+            </a:schemeClr>
+          </a:solidFill>
+          <a:ln>
+            <a:noFill/>
+          </a:ln>
+        </p:spPr>
+        <p:style>
+          <a:lnRef idx="2">
+            <a:schemeClr val="accent1">
+              <a:shade val="50000"/>
+            </a:schemeClr>
+          </a:lnRef>
+          <a:fillRef idx="1">
+            <a:schemeClr val="accent1"/>
+          </a:fillRef>
+          <a:effectRef idx="0">
+            <a:schemeClr val="accent1"/>
+          </a:effectRef>
+          <a:fontRef idx="minor">
+            <a:schemeClr val="lt1"/>
+          </a:fontRef>
+        </p:style>
+        <p:txBody>
+          <a:bodyPr rtlCol="0" anchor="ctr"/>
+          <a:lstStyle/>
+          <a:p>
+            <a:pPr algn="ctr"/>
+            <a:endParaRPr lang="en-GB"/>
+          </a:p>
+        </p:txBody>
+      </p:sp>
+      <p:sp>
+        <p:nvSpPr>
+          <p:cNvPr id="36" name="Rectangle 35">
+            <a:extLst>
+              <a:ext uri="{FF2B5EF4-FFF2-40B4-BE49-F238E27FC236}">
+                <a16:creationId xmlns:a16="http://schemas.microsoft.com/office/drawing/2014/main" id="{CE2D3D61-3E61-40FC-BF18-C6BA8003E46B}"/>
+              </a:ext>
+            </a:extLst>
+          </p:cNvPr>
+          <p:cNvSpPr/>
+          <p:nvPr/>
+        </p:nvSpPr>
+        <p:spPr>
+          <a:xfrm>
+            <a:off x="7320621" y="5688540"/>
+            <a:ext cx="297193" cy="194544"/>
+          </a:xfrm>
+          <a:prstGeom prst="rect">
+            <a:avLst/>
+          </a:prstGeom>
+          <a:solidFill>
+            <a:schemeClr val="accent4">
+              <a:alpha val="40000"/>
+            </a:schemeClr>
+          </a:solidFill>
+          <a:ln>
+            <a:noFill/>
+          </a:ln>
+        </p:spPr>
+        <p:style>
+          <a:lnRef idx="2">
+            <a:schemeClr val="accent1">
+              <a:shade val="50000"/>
+            </a:schemeClr>
+          </a:lnRef>
+          <a:fillRef idx="1">
+            <a:schemeClr val="accent1"/>
+          </a:fillRef>
+          <a:effectRef idx="0">
+            <a:schemeClr val="accent1"/>
+          </a:effectRef>
+          <a:fontRef idx="minor">
+            <a:schemeClr val="lt1"/>
+          </a:fontRef>
+        </p:style>
+        <p:txBody>
+          <a:bodyPr rtlCol="0" anchor="ctr"/>
+          <a:lstStyle/>
+          <a:p>
+            <a:pPr algn="ctr"/>
+            <a:endParaRPr lang="en-GB"/>
+          </a:p>
+        </p:txBody>
+      </p:sp>
+      <p:pic>
+        <p:nvPicPr>
+          <p:cNvPr id="10" name="Picture 9">
+            <a:extLst>
+              <a:ext uri="{FF2B5EF4-FFF2-40B4-BE49-F238E27FC236}">
+                <a16:creationId xmlns:a16="http://schemas.microsoft.com/office/drawing/2014/main" id="{1C59E9D8-4F7B-4614-87E8-9B52AD17C876}"/>
+              </a:ext>
+            </a:extLst>
+          </p:cNvPr>
+          <p:cNvPicPr>
+            <a:picLocks noChangeAspect="1"/>
+          </p:cNvPicPr>
+          <p:nvPr/>
+        </p:nvPicPr>
+        <p:blipFill>
+          <a:blip r:embed="rId10"/>
+          <a:stretch>
+            <a:fillRect/>
+          </a:stretch>
+        </p:blipFill>
+        <p:spPr>
+          <a:xfrm>
+            <a:off x="949040" y="6164214"/>
+            <a:ext cx="11136279" cy="695422"/>
+          </a:xfrm>
+          <a:prstGeom prst="rect">
+            <a:avLst/>
+          </a:prstGeom>
+        </p:spPr>
+      </p:pic>
+      <p:sp>
+        <p:nvSpPr>
+          <p:cNvPr id="37" name="Rectangle 36">
+            <a:extLst>
+              <a:ext uri="{FF2B5EF4-FFF2-40B4-BE49-F238E27FC236}">
+                <a16:creationId xmlns:a16="http://schemas.microsoft.com/office/drawing/2014/main" id="{34101714-6F13-497B-AC8B-7ABAF8A7000F}"/>
+              </a:ext>
+            </a:extLst>
+          </p:cNvPr>
+          <p:cNvSpPr/>
+          <p:nvPr/>
+        </p:nvSpPr>
+        <p:spPr>
+          <a:xfrm>
+            <a:off x="9778717" y="1817303"/>
+            <a:ext cx="2413283" cy="876421"/>
+          </a:xfrm>
+          <a:prstGeom prst="rect">
+            <a:avLst/>
+          </a:prstGeom>
+          <a:solidFill>
+            <a:schemeClr val="accent4">
+              <a:alpha val="40000"/>
+            </a:schemeClr>
+          </a:solidFill>
+          <a:ln>
+            <a:noFill/>
+          </a:ln>
+        </p:spPr>
+        <p:style>
+          <a:lnRef idx="2">
+            <a:schemeClr val="accent1">
+              <a:shade val="50000"/>
+            </a:schemeClr>
+          </a:lnRef>
+          <a:fillRef idx="1">
+            <a:schemeClr val="accent1"/>
+          </a:fillRef>
+          <a:effectRef idx="0">
+            <a:schemeClr val="accent1"/>
+          </a:effectRef>
+          <a:fontRef idx="minor">
+            <a:schemeClr val="lt1"/>
+          </a:fontRef>
+        </p:style>
+        <p:txBody>
+          <a:bodyPr rtlCol="0" anchor="ctr"/>
+          <a:lstStyle/>
+          <a:p>
+            <a:pPr algn="ctr"/>
+            <a:endParaRPr lang="en-GB"/>
+          </a:p>
+        </p:txBody>
+      </p:sp>
+      <p:sp>
+        <p:nvSpPr>
+          <p:cNvPr id="38" name="Content Placeholder 2">
+            <a:extLst>
+              <a:ext uri="{FF2B5EF4-FFF2-40B4-BE49-F238E27FC236}">
+                <a16:creationId xmlns:a16="http://schemas.microsoft.com/office/drawing/2014/main" id="{BE8CCA1F-6994-4AE7-8A43-F0607EBB9E54}"/>
               </a:ext>
             </a:extLst>
           </p:cNvPr>
@@ -7683,12 +8825,17 @@
         </p:nvSpPr>
         <p:spPr>
           <a:xfrm>
-            <a:off x="9778718" y="1842217"/>
+            <a:off x="9778718" y="1798609"/>
             <a:ext cx="2413282" cy="908051"/>
           </a:xfrm>
           <a:prstGeom prst="rect">
             <a:avLst/>
           </a:prstGeom>
+          <a:solidFill>
+            <a:schemeClr val="accent4">
+              <a:alpha val="40000"/>
+            </a:schemeClr>
+          </a:solidFill>
         </p:spPr>
         <p:txBody>
           <a:bodyPr vert="horz" lIns="91440" tIns="45720" rIns="91440" bIns="45720" rtlCol="0">
@@ -7892,576 +9039,6 @@
           </a:p>
         </p:txBody>
       </p:sp>
-      <p:sp>
-        <p:nvSpPr>
-          <p:cNvPr id="24" name="Rectangle 23">
-            <a:extLst>
-              <a:ext uri="{FF2B5EF4-FFF2-40B4-BE49-F238E27FC236}">
-                <a16:creationId xmlns:a16="http://schemas.microsoft.com/office/drawing/2014/main" id="{D789347D-FB49-464F-B03E-89FDEB4D70C7}"/>
-              </a:ext>
-            </a:extLst>
-          </p:cNvPr>
-          <p:cNvSpPr/>
-          <p:nvPr/>
-        </p:nvSpPr>
-        <p:spPr>
-          <a:xfrm>
-            <a:off x="1968611" y="2124910"/>
-            <a:ext cx="355489" cy="146884"/>
-          </a:xfrm>
-          <a:prstGeom prst="rect">
-            <a:avLst/>
-          </a:prstGeom>
-          <a:solidFill>
-            <a:schemeClr val="accent4">
-              <a:alpha val="40000"/>
-            </a:schemeClr>
-          </a:solidFill>
-          <a:ln>
-            <a:noFill/>
-          </a:ln>
-        </p:spPr>
-        <p:style>
-          <a:lnRef idx="2">
-            <a:schemeClr val="accent1">
-              <a:shade val="50000"/>
-            </a:schemeClr>
-          </a:lnRef>
-          <a:fillRef idx="1">
-            <a:schemeClr val="accent1"/>
-          </a:fillRef>
-          <a:effectRef idx="0">
-            <a:schemeClr val="accent1"/>
-          </a:effectRef>
-          <a:fontRef idx="minor">
-            <a:schemeClr val="lt1"/>
-          </a:fontRef>
-        </p:style>
-        <p:txBody>
-          <a:bodyPr rtlCol="0" anchor="ctr"/>
-          <a:lstStyle/>
-          <a:p>
-            <a:pPr algn="ctr"/>
-            <a:endParaRPr lang="en-GB"/>
-          </a:p>
-        </p:txBody>
-      </p:sp>
-      <p:sp>
-        <p:nvSpPr>
-          <p:cNvPr id="26" name="Rectangle 25">
-            <a:extLst>
-              <a:ext uri="{FF2B5EF4-FFF2-40B4-BE49-F238E27FC236}">
-                <a16:creationId xmlns:a16="http://schemas.microsoft.com/office/drawing/2014/main" id="{03C8D56F-E79D-4D95-8449-3B4D4436CB32}"/>
-              </a:ext>
-            </a:extLst>
-          </p:cNvPr>
-          <p:cNvSpPr/>
-          <p:nvPr/>
-        </p:nvSpPr>
-        <p:spPr>
-          <a:xfrm>
-            <a:off x="2608337" y="2284494"/>
-            <a:ext cx="172963" cy="125331"/>
-          </a:xfrm>
-          <a:prstGeom prst="rect">
-            <a:avLst/>
-          </a:prstGeom>
-          <a:solidFill>
-            <a:schemeClr val="accent4">
-              <a:alpha val="40000"/>
-            </a:schemeClr>
-          </a:solidFill>
-          <a:ln>
-            <a:noFill/>
-          </a:ln>
-        </p:spPr>
-        <p:style>
-          <a:lnRef idx="2">
-            <a:schemeClr val="accent1">
-              <a:shade val="50000"/>
-            </a:schemeClr>
-          </a:lnRef>
-          <a:fillRef idx="1">
-            <a:schemeClr val="accent1"/>
-          </a:fillRef>
-          <a:effectRef idx="0">
-            <a:schemeClr val="accent1"/>
-          </a:effectRef>
-          <a:fontRef idx="minor">
-            <a:schemeClr val="lt1"/>
-          </a:fontRef>
-        </p:style>
-        <p:txBody>
-          <a:bodyPr rtlCol="0" anchor="ctr"/>
-          <a:lstStyle/>
-          <a:p>
-            <a:pPr algn="ctr"/>
-            <a:endParaRPr lang="en-GB"/>
-          </a:p>
-        </p:txBody>
-      </p:sp>
-      <p:sp>
-        <p:nvSpPr>
-          <p:cNvPr id="27" name="Rectangle 26">
-            <a:extLst>
-              <a:ext uri="{FF2B5EF4-FFF2-40B4-BE49-F238E27FC236}">
-                <a16:creationId xmlns:a16="http://schemas.microsoft.com/office/drawing/2014/main" id="{6E5499EC-CD4D-4DA7-B07B-8620C29DC659}"/>
-              </a:ext>
-            </a:extLst>
-          </p:cNvPr>
-          <p:cNvSpPr/>
-          <p:nvPr/>
-        </p:nvSpPr>
-        <p:spPr>
-          <a:xfrm>
-            <a:off x="2955604" y="2122855"/>
-            <a:ext cx="172963" cy="125331"/>
-          </a:xfrm>
-          <a:prstGeom prst="rect">
-            <a:avLst/>
-          </a:prstGeom>
-          <a:solidFill>
-            <a:schemeClr val="accent4">
-              <a:alpha val="40000"/>
-            </a:schemeClr>
-          </a:solidFill>
-          <a:ln>
-            <a:noFill/>
-          </a:ln>
-        </p:spPr>
-        <p:style>
-          <a:lnRef idx="2">
-            <a:schemeClr val="accent1">
-              <a:shade val="50000"/>
-            </a:schemeClr>
-          </a:lnRef>
-          <a:fillRef idx="1">
-            <a:schemeClr val="accent1"/>
-          </a:fillRef>
-          <a:effectRef idx="0">
-            <a:schemeClr val="accent1"/>
-          </a:effectRef>
-          <a:fontRef idx="minor">
-            <a:schemeClr val="lt1"/>
-          </a:fontRef>
-        </p:style>
-        <p:txBody>
-          <a:bodyPr rtlCol="0" anchor="ctr"/>
-          <a:lstStyle/>
-          <a:p>
-            <a:pPr algn="ctr"/>
-            <a:endParaRPr lang="en-GB"/>
-          </a:p>
-        </p:txBody>
-      </p:sp>
-      <p:sp>
-        <p:nvSpPr>
-          <p:cNvPr id="28" name="Rectangle 27">
-            <a:extLst>
-              <a:ext uri="{FF2B5EF4-FFF2-40B4-BE49-F238E27FC236}">
-                <a16:creationId xmlns:a16="http://schemas.microsoft.com/office/drawing/2014/main" id="{AB382271-FD41-43FA-B89C-C0E4EC1C3A16}"/>
-              </a:ext>
-            </a:extLst>
-          </p:cNvPr>
-          <p:cNvSpPr/>
-          <p:nvPr/>
-        </p:nvSpPr>
-        <p:spPr>
-          <a:xfrm>
-            <a:off x="3357167" y="2271794"/>
-            <a:ext cx="172963" cy="125331"/>
-          </a:xfrm>
-          <a:prstGeom prst="rect">
-            <a:avLst/>
-          </a:prstGeom>
-          <a:solidFill>
-            <a:schemeClr val="accent4">
-              <a:alpha val="40000"/>
-            </a:schemeClr>
-          </a:solidFill>
-          <a:ln>
-            <a:noFill/>
-          </a:ln>
-        </p:spPr>
-        <p:style>
-          <a:lnRef idx="2">
-            <a:schemeClr val="accent1">
-              <a:shade val="50000"/>
-            </a:schemeClr>
-          </a:lnRef>
-          <a:fillRef idx="1">
-            <a:schemeClr val="accent1"/>
-          </a:fillRef>
-          <a:effectRef idx="0">
-            <a:schemeClr val="accent1"/>
-          </a:effectRef>
-          <a:fontRef idx="minor">
-            <a:schemeClr val="lt1"/>
-          </a:fontRef>
-        </p:style>
-        <p:txBody>
-          <a:bodyPr rtlCol="0" anchor="ctr"/>
-          <a:lstStyle/>
-          <a:p>
-            <a:pPr algn="ctr"/>
-            <a:endParaRPr lang="en-GB"/>
-          </a:p>
-        </p:txBody>
-      </p:sp>
-      <p:sp>
-        <p:nvSpPr>
-          <p:cNvPr id="30" name="Rectangle 29">
-            <a:extLst>
-              <a:ext uri="{FF2B5EF4-FFF2-40B4-BE49-F238E27FC236}">
-                <a16:creationId xmlns:a16="http://schemas.microsoft.com/office/drawing/2014/main" id="{B04D4609-4137-4935-94A6-94B238F483FA}"/>
-              </a:ext>
-            </a:extLst>
-          </p:cNvPr>
-          <p:cNvSpPr/>
-          <p:nvPr/>
-        </p:nvSpPr>
-        <p:spPr>
-          <a:xfrm>
-            <a:off x="3704433" y="2122854"/>
-            <a:ext cx="172963" cy="125331"/>
-          </a:xfrm>
-          <a:prstGeom prst="rect">
-            <a:avLst/>
-          </a:prstGeom>
-          <a:solidFill>
-            <a:schemeClr val="accent4">
-              <a:alpha val="40000"/>
-            </a:schemeClr>
-          </a:solidFill>
-          <a:ln>
-            <a:noFill/>
-          </a:ln>
-        </p:spPr>
-        <p:style>
-          <a:lnRef idx="2">
-            <a:schemeClr val="accent1">
-              <a:shade val="50000"/>
-            </a:schemeClr>
-          </a:lnRef>
-          <a:fillRef idx="1">
-            <a:schemeClr val="accent1"/>
-          </a:fillRef>
-          <a:effectRef idx="0">
-            <a:schemeClr val="accent1"/>
-          </a:effectRef>
-          <a:fontRef idx="minor">
-            <a:schemeClr val="lt1"/>
-          </a:fontRef>
-        </p:style>
-        <p:txBody>
-          <a:bodyPr rtlCol="0" anchor="ctr"/>
-          <a:lstStyle/>
-          <a:p>
-            <a:pPr algn="ctr"/>
-            <a:endParaRPr lang="en-GB"/>
-          </a:p>
-        </p:txBody>
-      </p:sp>
-      <p:sp>
-        <p:nvSpPr>
-          <p:cNvPr id="31" name="Rectangle 30">
-            <a:extLst>
-              <a:ext uri="{FF2B5EF4-FFF2-40B4-BE49-F238E27FC236}">
-                <a16:creationId xmlns:a16="http://schemas.microsoft.com/office/drawing/2014/main" id="{78CD00F0-B64B-44D2-A2D2-2DC06B964296}"/>
-              </a:ext>
-            </a:extLst>
-          </p:cNvPr>
-          <p:cNvSpPr/>
-          <p:nvPr/>
-        </p:nvSpPr>
-        <p:spPr>
-          <a:xfrm>
-            <a:off x="6656057" y="4680680"/>
-            <a:ext cx="297193" cy="194544"/>
-          </a:xfrm>
-          <a:prstGeom prst="rect">
-            <a:avLst/>
-          </a:prstGeom>
-          <a:solidFill>
-            <a:schemeClr val="accent4">
-              <a:alpha val="40000"/>
-            </a:schemeClr>
-          </a:solidFill>
-          <a:ln>
-            <a:noFill/>
-          </a:ln>
-        </p:spPr>
-        <p:style>
-          <a:lnRef idx="2">
-            <a:schemeClr val="accent1">
-              <a:shade val="50000"/>
-            </a:schemeClr>
-          </a:lnRef>
-          <a:fillRef idx="1">
-            <a:schemeClr val="accent1"/>
-          </a:fillRef>
-          <a:effectRef idx="0">
-            <a:schemeClr val="accent1"/>
-          </a:effectRef>
-          <a:fontRef idx="minor">
-            <a:schemeClr val="lt1"/>
-          </a:fontRef>
-        </p:style>
-        <p:txBody>
-          <a:bodyPr rtlCol="0" anchor="ctr"/>
-          <a:lstStyle/>
-          <a:p>
-            <a:pPr algn="ctr"/>
-            <a:endParaRPr lang="en-GB"/>
-          </a:p>
-        </p:txBody>
-      </p:sp>
-      <p:sp>
-        <p:nvSpPr>
-          <p:cNvPr id="32" name="Rectangle 31">
-            <a:extLst>
-              <a:ext uri="{FF2B5EF4-FFF2-40B4-BE49-F238E27FC236}">
-                <a16:creationId xmlns:a16="http://schemas.microsoft.com/office/drawing/2014/main" id="{463537D6-F31B-43D0-9CD5-F7640A9DC1A4}"/>
-              </a:ext>
-            </a:extLst>
-          </p:cNvPr>
-          <p:cNvSpPr/>
-          <p:nvPr/>
-        </p:nvSpPr>
-        <p:spPr>
-          <a:xfrm>
-            <a:off x="6282851" y="4371600"/>
-            <a:ext cx="297193" cy="194544"/>
-          </a:xfrm>
-          <a:prstGeom prst="rect">
-            <a:avLst/>
-          </a:prstGeom>
-          <a:solidFill>
-            <a:schemeClr val="accent4">
-              <a:alpha val="40000"/>
-            </a:schemeClr>
-          </a:solidFill>
-          <a:ln>
-            <a:noFill/>
-          </a:ln>
-        </p:spPr>
-        <p:style>
-          <a:lnRef idx="2">
-            <a:schemeClr val="accent1">
-              <a:shade val="50000"/>
-            </a:schemeClr>
-          </a:lnRef>
-          <a:fillRef idx="1">
-            <a:schemeClr val="accent1"/>
-          </a:fillRef>
-          <a:effectRef idx="0">
-            <a:schemeClr val="accent1"/>
-          </a:effectRef>
-          <a:fontRef idx="minor">
-            <a:schemeClr val="lt1"/>
-          </a:fontRef>
-        </p:style>
-        <p:txBody>
-          <a:bodyPr rtlCol="0" anchor="ctr"/>
-          <a:lstStyle/>
-          <a:p>
-            <a:pPr algn="ctr"/>
-            <a:endParaRPr lang="en-GB"/>
-          </a:p>
-        </p:txBody>
-      </p:sp>
-      <p:sp>
-        <p:nvSpPr>
-          <p:cNvPr id="34" name="Rectangle 33">
-            <a:extLst>
-              <a:ext uri="{FF2B5EF4-FFF2-40B4-BE49-F238E27FC236}">
-                <a16:creationId xmlns:a16="http://schemas.microsoft.com/office/drawing/2014/main" id="{66B19FE0-B007-4970-9D9D-1774001F19C7}"/>
-              </a:ext>
-            </a:extLst>
-          </p:cNvPr>
-          <p:cNvSpPr/>
-          <p:nvPr/>
-        </p:nvSpPr>
-        <p:spPr>
-          <a:xfrm>
-            <a:off x="9826342" y="4371600"/>
-            <a:ext cx="297193" cy="194544"/>
-          </a:xfrm>
-          <a:prstGeom prst="rect">
-            <a:avLst/>
-          </a:prstGeom>
-          <a:solidFill>
-            <a:schemeClr val="accent4">
-              <a:alpha val="40000"/>
-            </a:schemeClr>
-          </a:solidFill>
-          <a:ln>
-            <a:noFill/>
-          </a:ln>
-        </p:spPr>
-        <p:style>
-          <a:lnRef idx="2">
-            <a:schemeClr val="accent1">
-              <a:shade val="50000"/>
-            </a:schemeClr>
-          </a:lnRef>
-          <a:fillRef idx="1">
-            <a:schemeClr val="accent1"/>
-          </a:fillRef>
-          <a:effectRef idx="0">
-            <a:schemeClr val="accent1"/>
-          </a:effectRef>
-          <a:fontRef idx="minor">
-            <a:schemeClr val="lt1"/>
-          </a:fontRef>
-        </p:style>
-        <p:txBody>
-          <a:bodyPr rtlCol="0" anchor="ctr"/>
-          <a:lstStyle/>
-          <a:p>
-            <a:pPr algn="ctr"/>
-            <a:endParaRPr lang="en-GB"/>
-          </a:p>
-        </p:txBody>
-      </p:sp>
-      <p:sp>
-        <p:nvSpPr>
-          <p:cNvPr id="35" name="Rectangle 34">
-            <a:extLst>
-              <a:ext uri="{FF2B5EF4-FFF2-40B4-BE49-F238E27FC236}">
-                <a16:creationId xmlns:a16="http://schemas.microsoft.com/office/drawing/2014/main" id="{AAFB201A-40AD-449E-9853-7B4947899BF2}"/>
-              </a:ext>
-            </a:extLst>
-          </p:cNvPr>
-          <p:cNvSpPr/>
-          <p:nvPr/>
-        </p:nvSpPr>
-        <p:spPr>
-          <a:xfrm>
-            <a:off x="6188566" y="5719874"/>
-            <a:ext cx="391478" cy="163210"/>
-          </a:xfrm>
-          <a:prstGeom prst="rect">
-            <a:avLst/>
-          </a:prstGeom>
-          <a:solidFill>
-            <a:schemeClr val="accent4">
-              <a:alpha val="40000"/>
-            </a:schemeClr>
-          </a:solidFill>
-          <a:ln>
-            <a:noFill/>
-          </a:ln>
-        </p:spPr>
-        <p:style>
-          <a:lnRef idx="2">
-            <a:schemeClr val="accent1">
-              <a:shade val="50000"/>
-            </a:schemeClr>
-          </a:lnRef>
-          <a:fillRef idx="1">
-            <a:schemeClr val="accent1"/>
-          </a:fillRef>
-          <a:effectRef idx="0">
-            <a:schemeClr val="accent1"/>
-          </a:effectRef>
-          <a:fontRef idx="minor">
-            <a:schemeClr val="lt1"/>
-          </a:fontRef>
-        </p:style>
-        <p:txBody>
-          <a:bodyPr rtlCol="0" anchor="ctr"/>
-          <a:lstStyle/>
-          <a:p>
-            <a:pPr algn="ctr"/>
-            <a:endParaRPr lang="en-GB"/>
-          </a:p>
-        </p:txBody>
-      </p:sp>
-      <p:sp>
-        <p:nvSpPr>
-          <p:cNvPr id="36" name="Rectangle 35">
-            <a:extLst>
-              <a:ext uri="{FF2B5EF4-FFF2-40B4-BE49-F238E27FC236}">
-                <a16:creationId xmlns:a16="http://schemas.microsoft.com/office/drawing/2014/main" id="{CE2D3D61-3E61-40FC-BF18-C6BA8003E46B}"/>
-              </a:ext>
-            </a:extLst>
-          </p:cNvPr>
-          <p:cNvSpPr/>
-          <p:nvPr/>
-        </p:nvSpPr>
-        <p:spPr>
-          <a:xfrm>
-            <a:off x="7320621" y="5688540"/>
-            <a:ext cx="297193" cy="194544"/>
-          </a:xfrm>
-          <a:prstGeom prst="rect">
-            <a:avLst/>
-          </a:prstGeom>
-          <a:solidFill>
-            <a:schemeClr val="accent4">
-              <a:alpha val="40000"/>
-            </a:schemeClr>
-          </a:solidFill>
-          <a:ln>
-            <a:noFill/>
-          </a:ln>
-        </p:spPr>
-        <p:style>
-          <a:lnRef idx="2">
-            <a:schemeClr val="accent1">
-              <a:shade val="50000"/>
-            </a:schemeClr>
-          </a:lnRef>
-          <a:fillRef idx="1">
-            <a:schemeClr val="accent1"/>
-          </a:fillRef>
-          <a:effectRef idx="0">
-            <a:schemeClr val="accent1"/>
-          </a:effectRef>
-          <a:fontRef idx="minor">
-            <a:schemeClr val="lt1"/>
-          </a:fontRef>
-        </p:style>
-        <p:txBody>
-          <a:bodyPr rtlCol="0" anchor="ctr"/>
-          <a:lstStyle/>
-          <a:p>
-            <a:pPr algn="ctr"/>
-            <a:endParaRPr lang="en-GB"/>
-          </a:p>
-        </p:txBody>
-      </p:sp>
-      <p:pic>
-        <p:nvPicPr>
-          <p:cNvPr id="10" name="Picture 9">
-            <a:extLst>
-              <a:ext uri="{FF2B5EF4-FFF2-40B4-BE49-F238E27FC236}">
-                <a16:creationId xmlns:a16="http://schemas.microsoft.com/office/drawing/2014/main" id="{1C59E9D8-4F7B-4614-87E8-9B52AD17C876}"/>
-              </a:ext>
-            </a:extLst>
-          </p:cNvPr>
-          <p:cNvPicPr>
-            <a:picLocks noChangeAspect="1"/>
-          </p:cNvPicPr>
-          <p:nvPr/>
-        </p:nvPicPr>
-        <p:blipFill>
-          <a:blip r:embed="rId10"/>
-          <a:stretch>
-            <a:fillRect/>
-          </a:stretch>
-        </p:blipFill>
-        <p:spPr>
-          <a:xfrm>
-            <a:off x="949040" y="6164214"/>
-            <a:ext cx="11136279" cy="695422"/>
-          </a:xfrm>
-          <a:prstGeom prst="rect">
-            <a:avLst/>
-          </a:prstGeom>
-        </p:spPr>
-      </p:pic>
     </p:spTree>
     <p:extLst>
       <p:ext uri="{BB962C8B-B14F-4D97-AF65-F5344CB8AC3E}">
@@ -9104,7 +9681,7 @@
           <a:graphicData uri="http://schemas.openxmlformats.org/presentationml/2006/ole">
             <mc:AlternateContent xmlns:mc="http://schemas.openxmlformats.org/markup-compatibility/2006">
               <mc:Choice xmlns:v="urn:schemas-microsoft-com:vml" Requires="v">
-                <p:oleObj spid="_x0000_s6165" name="Packager Shell Object" showAsIcon="1" r:id="rId7" imgW="548280" imgH="349200" progId="Package">
+                <p:oleObj spid="_x0000_s6170" name="Packager Shell Object" showAsIcon="1" r:id="rId7" imgW="548280" imgH="349200" progId="Package">
                   <p:embed/>
                 </p:oleObj>
               </mc:Choice>
@@ -9234,10 +9811,10 @@
       </p:cxnSp>
       <p:sp>
         <p:nvSpPr>
-          <p:cNvPr id="18" name="Rectangle 17">
-            <a:extLst>
-              <a:ext uri="{FF2B5EF4-FFF2-40B4-BE49-F238E27FC236}">
-                <a16:creationId xmlns:a16="http://schemas.microsoft.com/office/drawing/2014/main" id="{1D40F167-71E3-482D-8763-59E8F236EBE9}"/>
+          <p:cNvPr id="20" name="Rectangle 19">
+            <a:extLst>
+              <a:ext uri="{FF2B5EF4-FFF2-40B4-BE49-F238E27FC236}">
+                <a16:creationId xmlns:a16="http://schemas.microsoft.com/office/drawing/2014/main" id="{83A824F9-D183-4089-923D-A96A87AD539C}"/>
               </a:ext>
             </a:extLst>
           </p:cNvPr>
@@ -9246,8 +9823,8 @@
         </p:nvSpPr>
         <p:spPr>
           <a:xfrm>
-            <a:off x="9778717" y="1817303"/>
-            <a:ext cx="2413283" cy="876421"/>
+            <a:off x="5008232" y="1721461"/>
+            <a:ext cx="417673" cy="193113"/>
           </a:xfrm>
           <a:prstGeom prst="rect">
             <a:avLst/>
@@ -9288,10 +9865,634 @@
       </p:sp>
       <p:sp>
         <p:nvSpPr>
-          <p:cNvPr id="19" name="Content Placeholder 2">
-            <a:extLst>
-              <a:ext uri="{FF2B5EF4-FFF2-40B4-BE49-F238E27FC236}">
-                <a16:creationId xmlns:a16="http://schemas.microsoft.com/office/drawing/2014/main" id="{55F46C18-9832-407D-B9FA-557A6C413F76}"/>
+          <p:cNvPr id="22" name="Rectangle 21">
+            <a:extLst>
+              <a:ext uri="{FF2B5EF4-FFF2-40B4-BE49-F238E27FC236}">
+                <a16:creationId xmlns:a16="http://schemas.microsoft.com/office/drawing/2014/main" id="{5C8B785A-6868-4098-8886-F72D3E7BE8EB}"/>
+              </a:ext>
+            </a:extLst>
+          </p:cNvPr>
+          <p:cNvSpPr/>
+          <p:nvPr/>
+        </p:nvSpPr>
+        <p:spPr>
+          <a:xfrm>
+            <a:off x="5008231" y="2119963"/>
+            <a:ext cx="417673" cy="193113"/>
+          </a:xfrm>
+          <a:prstGeom prst="rect">
+            <a:avLst/>
+          </a:prstGeom>
+          <a:solidFill>
+            <a:schemeClr val="accent4">
+              <a:alpha val="40000"/>
+            </a:schemeClr>
+          </a:solidFill>
+          <a:ln>
+            <a:noFill/>
+          </a:ln>
+        </p:spPr>
+        <p:style>
+          <a:lnRef idx="2">
+            <a:schemeClr val="accent1">
+              <a:shade val="50000"/>
+            </a:schemeClr>
+          </a:lnRef>
+          <a:fillRef idx="1">
+            <a:schemeClr val="accent1"/>
+          </a:fillRef>
+          <a:effectRef idx="0">
+            <a:schemeClr val="accent1"/>
+          </a:effectRef>
+          <a:fontRef idx="minor">
+            <a:schemeClr val="lt1"/>
+          </a:fontRef>
+        </p:style>
+        <p:txBody>
+          <a:bodyPr rtlCol="0" anchor="ctr"/>
+          <a:lstStyle/>
+          <a:p>
+            <a:pPr algn="ctr"/>
+            <a:endParaRPr lang="en-GB"/>
+          </a:p>
+        </p:txBody>
+      </p:sp>
+      <p:sp>
+        <p:nvSpPr>
+          <p:cNvPr id="23" name="Rectangle 22">
+            <a:extLst>
+              <a:ext uri="{FF2B5EF4-FFF2-40B4-BE49-F238E27FC236}">
+                <a16:creationId xmlns:a16="http://schemas.microsoft.com/office/drawing/2014/main" id="{75954FC6-B8CF-4D01-A233-4607B7C251EB}"/>
+              </a:ext>
+            </a:extLst>
+          </p:cNvPr>
+          <p:cNvSpPr/>
+          <p:nvPr/>
+        </p:nvSpPr>
+        <p:spPr>
+          <a:xfrm>
+            <a:off x="6149805" y="1712212"/>
+            <a:ext cx="308146" cy="130005"/>
+          </a:xfrm>
+          <a:prstGeom prst="rect">
+            <a:avLst/>
+          </a:prstGeom>
+          <a:solidFill>
+            <a:schemeClr val="accent4">
+              <a:alpha val="40000"/>
+            </a:schemeClr>
+          </a:solidFill>
+          <a:ln>
+            <a:noFill/>
+          </a:ln>
+        </p:spPr>
+        <p:style>
+          <a:lnRef idx="2">
+            <a:schemeClr val="accent1">
+              <a:shade val="50000"/>
+            </a:schemeClr>
+          </a:lnRef>
+          <a:fillRef idx="1">
+            <a:schemeClr val="accent1"/>
+          </a:fillRef>
+          <a:effectRef idx="0">
+            <a:schemeClr val="accent1"/>
+          </a:effectRef>
+          <a:fontRef idx="minor">
+            <a:schemeClr val="lt1"/>
+          </a:fontRef>
+        </p:style>
+        <p:txBody>
+          <a:bodyPr rtlCol="0" anchor="ctr"/>
+          <a:lstStyle/>
+          <a:p>
+            <a:pPr algn="ctr"/>
+            <a:endParaRPr lang="en-GB"/>
+          </a:p>
+        </p:txBody>
+      </p:sp>
+      <p:sp>
+        <p:nvSpPr>
+          <p:cNvPr id="24" name="Rectangle 23">
+            <a:extLst>
+              <a:ext uri="{FF2B5EF4-FFF2-40B4-BE49-F238E27FC236}">
+                <a16:creationId xmlns:a16="http://schemas.microsoft.com/office/drawing/2014/main" id="{9752AAA1-082D-4B44-B2FA-77C1CBBEC92B}"/>
+              </a:ext>
+            </a:extLst>
+          </p:cNvPr>
+          <p:cNvSpPr/>
+          <p:nvPr/>
+        </p:nvSpPr>
+        <p:spPr>
+          <a:xfrm>
+            <a:off x="6199018" y="2151516"/>
+            <a:ext cx="308146" cy="130005"/>
+          </a:xfrm>
+          <a:prstGeom prst="rect">
+            <a:avLst/>
+          </a:prstGeom>
+          <a:solidFill>
+            <a:schemeClr val="accent4">
+              <a:alpha val="40000"/>
+            </a:schemeClr>
+          </a:solidFill>
+          <a:ln>
+            <a:noFill/>
+          </a:ln>
+        </p:spPr>
+        <p:style>
+          <a:lnRef idx="2">
+            <a:schemeClr val="accent1">
+              <a:shade val="50000"/>
+            </a:schemeClr>
+          </a:lnRef>
+          <a:fillRef idx="1">
+            <a:schemeClr val="accent1"/>
+          </a:fillRef>
+          <a:effectRef idx="0">
+            <a:schemeClr val="accent1"/>
+          </a:effectRef>
+          <a:fontRef idx="minor">
+            <a:schemeClr val="lt1"/>
+          </a:fontRef>
+        </p:style>
+        <p:txBody>
+          <a:bodyPr rtlCol="0" anchor="ctr"/>
+          <a:lstStyle/>
+          <a:p>
+            <a:pPr algn="ctr"/>
+            <a:endParaRPr lang="en-GB"/>
+          </a:p>
+        </p:txBody>
+      </p:sp>
+      <p:sp>
+        <p:nvSpPr>
+          <p:cNvPr id="25" name="Rectangle 24">
+            <a:extLst>
+              <a:ext uri="{FF2B5EF4-FFF2-40B4-BE49-F238E27FC236}">
+                <a16:creationId xmlns:a16="http://schemas.microsoft.com/office/drawing/2014/main" id="{CFB90F77-FA60-4051-A482-E927B3966B40}"/>
+              </a:ext>
+            </a:extLst>
+          </p:cNvPr>
+          <p:cNvSpPr/>
+          <p:nvPr/>
+        </p:nvSpPr>
+        <p:spPr>
+          <a:xfrm>
+            <a:off x="7521405" y="3407179"/>
+            <a:ext cx="527220" cy="413015"/>
+          </a:xfrm>
+          <a:prstGeom prst="rect">
+            <a:avLst/>
+          </a:prstGeom>
+          <a:solidFill>
+            <a:schemeClr val="accent4">
+              <a:alpha val="40000"/>
+            </a:schemeClr>
+          </a:solidFill>
+          <a:ln>
+            <a:noFill/>
+          </a:ln>
+        </p:spPr>
+        <p:style>
+          <a:lnRef idx="2">
+            <a:schemeClr val="accent1">
+              <a:shade val="50000"/>
+            </a:schemeClr>
+          </a:lnRef>
+          <a:fillRef idx="1">
+            <a:schemeClr val="accent1"/>
+          </a:fillRef>
+          <a:effectRef idx="0">
+            <a:schemeClr val="accent1"/>
+          </a:effectRef>
+          <a:fontRef idx="minor">
+            <a:schemeClr val="lt1"/>
+          </a:fontRef>
+        </p:style>
+        <p:txBody>
+          <a:bodyPr rtlCol="0" anchor="ctr"/>
+          <a:lstStyle/>
+          <a:p>
+            <a:pPr algn="ctr"/>
+            <a:endParaRPr lang="en-GB"/>
+          </a:p>
+        </p:txBody>
+      </p:sp>
+      <p:sp>
+        <p:nvSpPr>
+          <p:cNvPr id="26" name="Rectangle 25">
+            <a:extLst>
+              <a:ext uri="{FF2B5EF4-FFF2-40B4-BE49-F238E27FC236}">
+                <a16:creationId xmlns:a16="http://schemas.microsoft.com/office/drawing/2014/main" id="{01731824-45C0-420C-87CE-BA010F2ABDAD}"/>
+              </a:ext>
+            </a:extLst>
+          </p:cNvPr>
+          <p:cNvSpPr/>
+          <p:nvPr/>
+        </p:nvSpPr>
+        <p:spPr>
+          <a:xfrm>
+            <a:off x="8048625" y="3548683"/>
+            <a:ext cx="308146" cy="130005"/>
+          </a:xfrm>
+          <a:prstGeom prst="rect">
+            <a:avLst/>
+          </a:prstGeom>
+          <a:solidFill>
+            <a:schemeClr val="accent4">
+              <a:alpha val="40000"/>
+            </a:schemeClr>
+          </a:solidFill>
+          <a:ln>
+            <a:noFill/>
+          </a:ln>
+        </p:spPr>
+        <p:style>
+          <a:lnRef idx="2">
+            <a:schemeClr val="accent1">
+              <a:shade val="50000"/>
+            </a:schemeClr>
+          </a:lnRef>
+          <a:fillRef idx="1">
+            <a:schemeClr val="accent1"/>
+          </a:fillRef>
+          <a:effectRef idx="0">
+            <a:schemeClr val="accent1"/>
+          </a:effectRef>
+          <a:fontRef idx="minor">
+            <a:schemeClr val="lt1"/>
+          </a:fontRef>
+        </p:style>
+        <p:txBody>
+          <a:bodyPr rtlCol="0" anchor="ctr"/>
+          <a:lstStyle/>
+          <a:p>
+            <a:pPr algn="ctr"/>
+            <a:endParaRPr lang="en-GB"/>
+          </a:p>
+        </p:txBody>
+      </p:sp>
+      <p:sp>
+        <p:nvSpPr>
+          <p:cNvPr id="27" name="Rectangle 26">
+            <a:extLst>
+              <a:ext uri="{FF2B5EF4-FFF2-40B4-BE49-F238E27FC236}">
+                <a16:creationId xmlns:a16="http://schemas.microsoft.com/office/drawing/2014/main" id="{04BD4A1B-DA66-4492-B2F1-C8ADCE4ADE09}"/>
+              </a:ext>
+            </a:extLst>
+          </p:cNvPr>
+          <p:cNvSpPr/>
+          <p:nvPr/>
+        </p:nvSpPr>
+        <p:spPr>
+          <a:xfrm>
+            <a:off x="6078469" y="5550810"/>
+            <a:ext cx="379481" cy="176369"/>
+          </a:xfrm>
+          <a:prstGeom prst="rect">
+            <a:avLst/>
+          </a:prstGeom>
+          <a:solidFill>
+            <a:schemeClr val="accent4">
+              <a:alpha val="40000"/>
+            </a:schemeClr>
+          </a:solidFill>
+          <a:ln>
+            <a:noFill/>
+          </a:ln>
+        </p:spPr>
+        <p:style>
+          <a:lnRef idx="2">
+            <a:schemeClr val="accent1">
+              <a:shade val="50000"/>
+            </a:schemeClr>
+          </a:lnRef>
+          <a:fillRef idx="1">
+            <a:schemeClr val="accent1"/>
+          </a:fillRef>
+          <a:effectRef idx="0">
+            <a:schemeClr val="accent1"/>
+          </a:effectRef>
+          <a:fontRef idx="minor">
+            <a:schemeClr val="lt1"/>
+          </a:fontRef>
+        </p:style>
+        <p:txBody>
+          <a:bodyPr rtlCol="0" anchor="ctr"/>
+          <a:lstStyle/>
+          <a:p>
+            <a:pPr algn="ctr"/>
+            <a:endParaRPr lang="en-GB"/>
+          </a:p>
+        </p:txBody>
+      </p:sp>
+      <p:sp>
+        <p:nvSpPr>
+          <p:cNvPr id="29" name="Rectangle 28">
+            <a:extLst>
+              <a:ext uri="{FF2B5EF4-FFF2-40B4-BE49-F238E27FC236}">
+                <a16:creationId xmlns:a16="http://schemas.microsoft.com/office/drawing/2014/main" id="{0DE425DD-5B67-4055-B01F-CD23BCBD4541}"/>
+              </a:ext>
+            </a:extLst>
+          </p:cNvPr>
+          <p:cNvSpPr/>
+          <p:nvPr/>
+        </p:nvSpPr>
+        <p:spPr>
+          <a:xfrm>
+            <a:off x="6713334" y="5727179"/>
+            <a:ext cx="218905" cy="176369"/>
+          </a:xfrm>
+          <a:prstGeom prst="rect">
+            <a:avLst/>
+          </a:prstGeom>
+          <a:solidFill>
+            <a:schemeClr val="accent4">
+              <a:alpha val="40000"/>
+            </a:schemeClr>
+          </a:solidFill>
+          <a:ln>
+            <a:noFill/>
+          </a:ln>
+        </p:spPr>
+        <p:style>
+          <a:lnRef idx="2">
+            <a:schemeClr val="accent1">
+              <a:shade val="50000"/>
+            </a:schemeClr>
+          </a:lnRef>
+          <a:fillRef idx="1">
+            <a:schemeClr val="accent1"/>
+          </a:fillRef>
+          <a:effectRef idx="0">
+            <a:schemeClr val="accent1"/>
+          </a:effectRef>
+          <a:fontRef idx="minor">
+            <a:schemeClr val="lt1"/>
+          </a:fontRef>
+        </p:style>
+        <p:txBody>
+          <a:bodyPr rtlCol="0" anchor="ctr"/>
+          <a:lstStyle/>
+          <a:p>
+            <a:pPr algn="ctr"/>
+            <a:endParaRPr lang="en-GB"/>
+          </a:p>
+        </p:txBody>
+      </p:sp>
+      <p:sp>
+        <p:nvSpPr>
+          <p:cNvPr id="30" name="Rectangle 29">
+            <a:extLst>
+              <a:ext uri="{FF2B5EF4-FFF2-40B4-BE49-F238E27FC236}">
+                <a16:creationId xmlns:a16="http://schemas.microsoft.com/office/drawing/2014/main" id="{ADFD49DF-CD02-42A0-AB9D-6BE9F93669D2}"/>
+              </a:ext>
+            </a:extLst>
+          </p:cNvPr>
+          <p:cNvSpPr/>
+          <p:nvPr/>
+        </p:nvSpPr>
+        <p:spPr>
+          <a:xfrm>
+            <a:off x="7023472" y="5538110"/>
+            <a:ext cx="218905" cy="176369"/>
+          </a:xfrm>
+          <a:prstGeom prst="rect">
+            <a:avLst/>
+          </a:prstGeom>
+          <a:solidFill>
+            <a:schemeClr val="accent4">
+              <a:alpha val="40000"/>
+            </a:schemeClr>
+          </a:solidFill>
+          <a:ln>
+            <a:noFill/>
+          </a:ln>
+        </p:spPr>
+        <p:style>
+          <a:lnRef idx="2">
+            <a:schemeClr val="accent1">
+              <a:shade val="50000"/>
+            </a:schemeClr>
+          </a:lnRef>
+          <a:fillRef idx="1">
+            <a:schemeClr val="accent1"/>
+          </a:fillRef>
+          <a:effectRef idx="0">
+            <a:schemeClr val="accent1"/>
+          </a:effectRef>
+          <a:fontRef idx="minor">
+            <a:schemeClr val="lt1"/>
+          </a:fontRef>
+        </p:style>
+        <p:txBody>
+          <a:bodyPr rtlCol="0" anchor="ctr"/>
+          <a:lstStyle/>
+          <a:p>
+            <a:pPr algn="ctr"/>
+            <a:endParaRPr lang="en-GB"/>
+          </a:p>
+        </p:txBody>
+      </p:sp>
+      <p:sp>
+        <p:nvSpPr>
+          <p:cNvPr id="31" name="Rectangle 30">
+            <a:extLst>
+              <a:ext uri="{FF2B5EF4-FFF2-40B4-BE49-F238E27FC236}">
+                <a16:creationId xmlns:a16="http://schemas.microsoft.com/office/drawing/2014/main" id="{D43785A6-75D2-4878-86EA-F806E47E136B}"/>
+              </a:ext>
+            </a:extLst>
+          </p:cNvPr>
+          <p:cNvSpPr/>
+          <p:nvPr/>
+        </p:nvSpPr>
+        <p:spPr>
+          <a:xfrm>
+            <a:off x="7483703" y="5727179"/>
+            <a:ext cx="218905" cy="176369"/>
+          </a:xfrm>
+          <a:prstGeom prst="rect">
+            <a:avLst/>
+          </a:prstGeom>
+          <a:solidFill>
+            <a:schemeClr val="accent4">
+              <a:alpha val="40000"/>
+            </a:schemeClr>
+          </a:solidFill>
+          <a:ln>
+            <a:noFill/>
+          </a:ln>
+        </p:spPr>
+        <p:style>
+          <a:lnRef idx="2">
+            <a:schemeClr val="accent1">
+              <a:shade val="50000"/>
+            </a:schemeClr>
+          </a:lnRef>
+          <a:fillRef idx="1">
+            <a:schemeClr val="accent1"/>
+          </a:fillRef>
+          <a:effectRef idx="0">
+            <a:schemeClr val="accent1"/>
+          </a:effectRef>
+          <a:fontRef idx="minor">
+            <a:schemeClr val="lt1"/>
+          </a:fontRef>
+        </p:style>
+        <p:txBody>
+          <a:bodyPr rtlCol="0" anchor="ctr"/>
+          <a:lstStyle/>
+          <a:p>
+            <a:pPr algn="ctr"/>
+            <a:endParaRPr lang="en-GB"/>
+          </a:p>
+        </p:txBody>
+      </p:sp>
+      <p:sp>
+        <p:nvSpPr>
+          <p:cNvPr id="32" name="Rectangle 31">
+            <a:extLst>
+              <a:ext uri="{FF2B5EF4-FFF2-40B4-BE49-F238E27FC236}">
+                <a16:creationId xmlns:a16="http://schemas.microsoft.com/office/drawing/2014/main" id="{1172607D-4261-4B4E-A185-93A6569C624D}"/>
+              </a:ext>
+            </a:extLst>
+          </p:cNvPr>
+          <p:cNvSpPr/>
+          <p:nvPr/>
+        </p:nvSpPr>
+        <p:spPr>
+          <a:xfrm>
+            <a:off x="7829720" y="5538109"/>
+            <a:ext cx="218905" cy="176369"/>
+          </a:xfrm>
+          <a:prstGeom prst="rect">
+            <a:avLst/>
+          </a:prstGeom>
+          <a:solidFill>
+            <a:schemeClr val="accent4">
+              <a:alpha val="40000"/>
+            </a:schemeClr>
+          </a:solidFill>
+          <a:ln>
+            <a:noFill/>
+          </a:ln>
+        </p:spPr>
+        <p:style>
+          <a:lnRef idx="2">
+            <a:schemeClr val="accent1">
+              <a:shade val="50000"/>
+            </a:schemeClr>
+          </a:lnRef>
+          <a:fillRef idx="1">
+            <a:schemeClr val="accent1"/>
+          </a:fillRef>
+          <a:effectRef idx="0">
+            <a:schemeClr val="accent1"/>
+          </a:effectRef>
+          <a:fontRef idx="minor">
+            <a:schemeClr val="lt1"/>
+          </a:fontRef>
+        </p:style>
+        <p:txBody>
+          <a:bodyPr rtlCol="0" anchor="ctr"/>
+          <a:lstStyle/>
+          <a:p>
+            <a:pPr algn="ctr"/>
+            <a:endParaRPr lang="en-GB"/>
+          </a:p>
+        </p:txBody>
+      </p:sp>
+      <p:pic>
+        <p:nvPicPr>
+          <p:cNvPr id="14" name="Picture 13">
+            <a:extLst>
+              <a:ext uri="{FF2B5EF4-FFF2-40B4-BE49-F238E27FC236}">
+                <a16:creationId xmlns:a16="http://schemas.microsoft.com/office/drawing/2014/main" id="{39389949-4F30-4A57-94CE-8FD75D806FB2}"/>
+              </a:ext>
+            </a:extLst>
+          </p:cNvPr>
+          <p:cNvPicPr>
+            <a:picLocks noChangeAspect="1"/>
+          </p:cNvPicPr>
+          <p:nvPr/>
+        </p:nvPicPr>
+        <p:blipFill>
+          <a:blip r:embed="rId9"/>
+          <a:stretch>
+            <a:fillRect/>
+          </a:stretch>
+        </p:blipFill>
+        <p:spPr>
+          <a:xfrm>
+            <a:off x="949040" y="6168977"/>
+            <a:ext cx="5268060" cy="685896"/>
+          </a:xfrm>
+          <a:prstGeom prst="rect">
+            <a:avLst/>
+          </a:prstGeom>
+        </p:spPr>
+      </p:pic>
+      <p:sp>
+        <p:nvSpPr>
+          <p:cNvPr id="28" name="Rectangle 27">
+            <a:extLst>
+              <a:ext uri="{FF2B5EF4-FFF2-40B4-BE49-F238E27FC236}">
+                <a16:creationId xmlns:a16="http://schemas.microsoft.com/office/drawing/2014/main" id="{4AFE3C83-47BA-4136-B974-D573582D0021}"/>
+              </a:ext>
+            </a:extLst>
+          </p:cNvPr>
+          <p:cNvSpPr/>
+          <p:nvPr/>
+        </p:nvSpPr>
+        <p:spPr>
+          <a:xfrm>
+            <a:off x="9778717" y="1817303"/>
+            <a:ext cx="2413283" cy="876421"/>
+          </a:xfrm>
+          <a:prstGeom prst="rect">
+            <a:avLst/>
+          </a:prstGeom>
+          <a:solidFill>
+            <a:schemeClr val="accent4">
+              <a:alpha val="40000"/>
+            </a:schemeClr>
+          </a:solidFill>
+          <a:ln>
+            <a:noFill/>
+          </a:ln>
+        </p:spPr>
+        <p:style>
+          <a:lnRef idx="2">
+            <a:schemeClr val="accent1">
+              <a:shade val="50000"/>
+            </a:schemeClr>
+          </a:lnRef>
+          <a:fillRef idx="1">
+            <a:schemeClr val="accent1"/>
+          </a:fillRef>
+          <a:effectRef idx="0">
+            <a:schemeClr val="accent1"/>
+          </a:effectRef>
+          <a:fontRef idx="minor">
+            <a:schemeClr val="lt1"/>
+          </a:fontRef>
+        </p:style>
+        <p:txBody>
+          <a:bodyPr rtlCol="0" anchor="ctr"/>
+          <a:lstStyle/>
+          <a:p>
+            <a:pPr algn="ctr"/>
+            <a:endParaRPr lang="en-GB"/>
+          </a:p>
+        </p:txBody>
+      </p:sp>
+      <p:sp>
+        <p:nvSpPr>
+          <p:cNvPr id="33" name="Content Placeholder 2">
+            <a:extLst>
+              <a:ext uri="{FF2B5EF4-FFF2-40B4-BE49-F238E27FC236}">
+                <a16:creationId xmlns:a16="http://schemas.microsoft.com/office/drawing/2014/main" id="{F117BBFD-8324-4AF7-9D60-43C5738AAE87}"/>
               </a:ext>
             </a:extLst>
           </p:cNvPr>
@@ -9302,12 +10503,17 @@
         </p:nvSpPr>
         <p:spPr>
           <a:xfrm>
-            <a:off x="9778718" y="1842217"/>
+            <a:off x="9778718" y="1798609"/>
             <a:ext cx="2413282" cy="908051"/>
           </a:xfrm>
           <a:prstGeom prst="rect">
             <a:avLst/>
           </a:prstGeom>
+          <a:solidFill>
+            <a:schemeClr val="accent4">
+              <a:alpha val="40000"/>
+            </a:schemeClr>
+          </a:solidFill>
         </p:spPr>
         <p:txBody>
           <a:bodyPr vert="horz" lIns="91440" tIns="45720" rIns="91440" bIns="45720" rtlCol="0">
@@ -9511,630 +10717,6 @@
           </a:p>
         </p:txBody>
       </p:sp>
-      <p:sp>
-        <p:nvSpPr>
-          <p:cNvPr id="20" name="Rectangle 19">
-            <a:extLst>
-              <a:ext uri="{FF2B5EF4-FFF2-40B4-BE49-F238E27FC236}">
-                <a16:creationId xmlns:a16="http://schemas.microsoft.com/office/drawing/2014/main" id="{83A824F9-D183-4089-923D-A96A87AD539C}"/>
-              </a:ext>
-            </a:extLst>
-          </p:cNvPr>
-          <p:cNvSpPr/>
-          <p:nvPr/>
-        </p:nvSpPr>
-        <p:spPr>
-          <a:xfrm>
-            <a:off x="5008232" y="1721461"/>
-            <a:ext cx="417673" cy="193113"/>
-          </a:xfrm>
-          <a:prstGeom prst="rect">
-            <a:avLst/>
-          </a:prstGeom>
-          <a:solidFill>
-            <a:schemeClr val="accent4">
-              <a:alpha val="40000"/>
-            </a:schemeClr>
-          </a:solidFill>
-          <a:ln>
-            <a:noFill/>
-          </a:ln>
-        </p:spPr>
-        <p:style>
-          <a:lnRef idx="2">
-            <a:schemeClr val="accent1">
-              <a:shade val="50000"/>
-            </a:schemeClr>
-          </a:lnRef>
-          <a:fillRef idx="1">
-            <a:schemeClr val="accent1"/>
-          </a:fillRef>
-          <a:effectRef idx="0">
-            <a:schemeClr val="accent1"/>
-          </a:effectRef>
-          <a:fontRef idx="minor">
-            <a:schemeClr val="lt1"/>
-          </a:fontRef>
-        </p:style>
-        <p:txBody>
-          <a:bodyPr rtlCol="0" anchor="ctr"/>
-          <a:lstStyle/>
-          <a:p>
-            <a:pPr algn="ctr"/>
-            <a:endParaRPr lang="en-GB"/>
-          </a:p>
-        </p:txBody>
-      </p:sp>
-      <p:sp>
-        <p:nvSpPr>
-          <p:cNvPr id="22" name="Rectangle 21">
-            <a:extLst>
-              <a:ext uri="{FF2B5EF4-FFF2-40B4-BE49-F238E27FC236}">
-                <a16:creationId xmlns:a16="http://schemas.microsoft.com/office/drawing/2014/main" id="{5C8B785A-6868-4098-8886-F72D3E7BE8EB}"/>
-              </a:ext>
-            </a:extLst>
-          </p:cNvPr>
-          <p:cNvSpPr/>
-          <p:nvPr/>
-        </p:nvSpPr>
-        <p:spPr>
-          <a:xfrm>
-            <a:off x="5008231" y="2119963"/>
-            <a:ext cx="417673" cy="193113"/>
-          </a:xfrm>
-          <a:prstGeom prst="rect">
-            <a:avLst/>
-          </a:prstGeom>
-          <a:solidFill>
-            <a:schemeClr val="accent4">
-              <a:alpha val="40000"/>
-            </a:schemeClr>
-          </a:solidFill>
-          <a:ln>
-            <a:noFill/>
-          </a:ln>
-        </p:spPr>
-        <p:style>
-          <a:lnRef idx="2">
-            <a:schemeClr val="accent1">
-              <a:shade val="50000"/>
-            </a:schemeClr>
-          </a:lnRef>
-          <a:fillRef idx="1">
-            <a:schemeClr val="accent1"/>
-          </a:fillRef>
-          <a:effectRef idx="0">
-            <a:schemeClr val="accent1"/>
-          </a:effectRef>
-          <a:fontRef idx="minor">
-            <a:schemeClr val="lt1"/>
-          </a:fontRef>
-        </p:style>
-        <p:txBody>
-          <a:bodyPr rtlCol="0" anchor="ctr"/>
-          <a:lstStyle/>
-          <a:p>
-            <a:pPr algn="ctr"/>
-            <a:endParaRPr lang="en-GB"/>
-          </a:p>
-        </p:txBody>
-      </p:sp>
-      <p:sp>
-        <p:nvSpPr>
-          <p:cNvPr id="23" name="Rectangle 22">
-            <a:extLst>
-              <a:ext uri="{FF2B5EF4-FFF2-40B4-BE49-F238E27FC236}">
-                <a16:creationId xmlns:a16="http://schemas.microsoft.com/office/drawing/2014/main" id="{75954FC6-B8CF-4D01-A233-4607B7C251EB}"/>
-              </a:ext>
-            </a:extLst>
-          </p:cNvPr>
-          <p:cNvSpPr/>
-          <p:nvPr/>
-        </p:nvSpPr>
-        <p:spPr>
-          <a:xfrm>
-            <a:off x="6149805" y="1712212"/>
-            <a:ext cx="308146" cy="130005"/>
-          </a:xfrm>
-          <a:prstGeom prst="rect">
-            <a:avLst/>
-          </a:prstGeom>
-          <a:solidFill>
-            <a:schemeClr val="accent4">
-              <a:alpha val="40000"/>
-            </a:schemeClr>
-          </a:solidFill>
-          <a:ln>
-            <a:noFill/>
-          </a:ln>
-        </p:spPr>
-        <p:style>
-          <a:lnRef idx="2">
-            <a:schemeClr val="accent1">
-              <a:shade val="50000"/>
-            </a:schemeClr>
-          </a:lnRef>
-          <a:fillRef idx="1">
-            <a:schemeClr val="accent1"/>
-          </a:fillRef>
-          <a:effectRef idx="0">
-            <a:schemeClr val="accent1"/>
-          </a:effectRef>
-          <a:fontRef idx="minor">
-            <a:schemeClr val="lt1"/>
-          </a:fontRef>
-        </p:style>
-        <p:txBody>
-          <a:bodyPr rtlCol="0" anchor="ctr"/>
-          <a:lstStyle/>
-          <a:p>
-            <a:pPr algn="ctr"/>
-            <a:endParaRPr lang="en-GB"/>
-          </a:p>
-        </p:txBody>
-      </p:sp>
-      <p:sp>
-        <p:nvSpPr>
-          <p:cNvPr id="24" name="Rectangle 23">
-            <a:extLst>
-              <a:ext uri="{FF2B5EF4-FFF2-40B4-BE49-F238E27FC236}">
-                <a16:creationId xmlns:a16="http://schemas.microsoft.com/office/drawing/2014/main" id="{9752AAA1-082D-4B44-B2FA-77C1CBBEC92B}"/>
-              </a:ext>
-            </a:extLst>
-          </p:cNvPr>
-          <p:cNvSpPr/>
-          <p:nvPr/>
-        </p:nvSpPr>
-        <p:spPr>
-          <a:xfrm>
-            <a:off x="6199018" y="2151516"/>
-            <a:ext cx="308146" cy="130005"/>
-          </a:xfrm>
-          <a:prstGeom prst="rect">
-            <a:avLst/>
-          </a:prstGeom>
-          <a:solidFill>
-            <a:schemeClr val="accent4">
-              <a:alpha val="40000"/>
-            </a:schemeClr>
-          </a:solidFill>
-          <a:ln>
-            <a:noFill/>
-          </a:ln>
-        </p:spPr>
-        <p:style>
-          <a:lnRef idx="2">
-            <a:schemeClr val="accent1">
-              <a:shade val="50000"/>
-            </a:schemeClr>
-          </a:lnRef>
-          <a:fillRef idx="1">
-            <a:schemeClr val="accent1"/>
-          </a:fillRef>
-          <a:effectRef idx="0">
-            <a:schemeClr val="accent1"/>
-          </a:effectRef>
-          <a:fontRef idx="minor">
-            <a:schemeClr val="lt1"/>
-          </a:fontRef>
-        </p:style>
-        <p:txBody>
-          <a:bodyPr rtlCol="0" anchor="ctr"/>
-          <a:lstStyle/>
-          <a:p>
-            <a:pPr algn="ctr"/>
-            <a:endParaRPr lang="en-GB"/>
-          </a:p>
-        </p:txBody>
-      </p:sp>
-      <p:sp>
-        <p:nvSpPr>
-          <p:cNvPr id="25" name="Rectangle 24">
-            <a:extLst>
-              <a:ext uri="{FF2B5EF4-FFF2-40B4-BE49-F238E27FC236}">
-                <a16:creationId xmlns:a16="http://schemas.microsoft.com/office/drawing/2014/main" id="{CFB90F77-FA60-4051-A482-E927B3966B40}"/>
-              </a:ext>
-            </a:extLst>
-          </p:cNvPr>
-          <p:cNvSpPr/>
-          <p:nvPr/>
-        </p:nvSpPr>
-        <p:spPr>
-          <a:xfrm>
-            <a:off x="7521405" y="3407179"/>
-            <a:ext cx="527220" cy="413015"/>
-          </a:xfrm>
-          <a:prstGeom prst="rect">
-            <a:avLst/>
-          </a:prstGeom>
-          <a:solidFill>
-            <a:schemeClr val="accent4">
-              <a:alpha val="40000"/>
-            </a:schemeClr>
-          </a:solidFill>
-          <a:ln>
-            <a:noFill/>
-          </a:ln>
-        </p:spPr>
-        <p:style>
-          <a:lnRef idx="2">
-            <a:schemeClr val="accent1">
-              <a:shade val="50000"/>
-            </a:schemeClr>
-          </a:lnRef>
-          <a:fillRef idx="1">
-            <a:schemeClr val="accent1"/>
-          </a:fillRef>
-          <a:effectRef idx="0">
-            <a:schemeClr val="accent1"/>
-          </a:effectRef>
-          <a:fontRef idx="minor">
-            <a:schemeClr val="lt1"/>
-          </a:fontRef>
-        </p:style>
-        <p:txBody>
-          <a:bodyPr rtlCol="0" anchor="ctr"/>
-          <a:lstStyle/>
-          <a:p>
-            <a:pPr algn="ctr"/>
-            <a:endParaRPr lang="en-GB"/>
-          </a:p>
-        </p:txBody>
-      </p:sp>
-      <p:sp>
-        <p:nvSpPr>
-          <p:cNvPr id="26" name="Rectangle 25">
-            <a:extLst>
-              <a:ext uri="{FF2B5EF4-FFF2-40B4-BE49-F238E27FC236}">
-                <a16:creationId xmlns:a16="http://schemas.microsoft.com/office/drawing/2014/main" id="{01731824-45C0-420C-87CE-BA010F2ABDAD}"/>
-              </a:ext>
-            </a:extLst>
-          </p:cNvPr>
-          <p:cNvSpPr/>
-          <p:nvPr/>
-        </p:nvSpPr>
-        <p:spPr>
-          <a:xfrm>
-            <a:off x="8048625" y="3548683"/>
-            <a:ext cx="308146" cy="130005"/>
-          </a:xfrm>
-          <a:prstGeom prst="rect">
-            <a:avLst/>
-          </a:prstGeom>
-          <a:solidFill>
-            <a:schemeClr val="accent4">
-              <a:alpha val="40000"/>
-            </a:schemeClr>
-          </a:solidFill>
-          <a:ln>
-            <a:noFill/>
-          </a:ln>
-        </p:spPr>
-        <p:style>
-          <a:lnRef idx="2">
-            <a:schemeClr val="accent1">
-              <a:shade val="50000"/>
-            </a:schemeClr>
-          </a:lnRef>
-          <a:fillRef idx="1">
-            <a:schemeClr val="accent1"/>
-          </a:fillRef>
-          <a:effectRef idx="0">
-            <a:schemeClr val="accent1"/>
-          </a:effectRef>
-          <a:fontRef idx="minor">
-            <a:schemeClr val="lt1"/>
-          </a:fontRef>
-        </p:style>
-        <p:txBody>
-          <a:bodyPr rtlCol="0" anchor="ctr"/>
-          <a:lstStyle/>
-          <a:p>
-            <a:pPr algn="ctr"/>
-            <a:endParaRPr lang="en-GB"/>
-          </a:p>
-        </p:txBody>
-      </p:sp>
-      <p:sp>
-        <p:nvSpPr>
-          <p:cNvPr id="27" name="Rectangle 26">
-            <a:extLst>
-              <a:ext uri="{FF2B5EF4-FFF2-40B4-BE49-F238E27FC236}">
-                <a16:creationId xmlns:a16="http://schemas.microsoft.com/office/drawing/2014/main" id="{04BD4A1B-DA66-4492-B2F1-C8ADCE4ADE09}"/>
-              </a:ext>
-            </a:extLst>
-          </p:cNvPr>
-          <p:cNvSpPr/>
-          <p:nvPr/>
-        </p:nvSpPr>
-        <p:spPr>
-          <a:xfrm>
-            <a:off x="6078469" y="5550810"/>
-            <a:ext cx="379481" cy="176369"/>
-          </a:xfrm>
-          <a:prstGeom prst="rect">
-            <a:avLst/>
-          </a:prstGeom>
-          <a:solidFill>
-            <a:schemeClr val="accent4">
-              <a:alpha val="40000"/>
-            </a:schemeClr>
-          </a:solidFill>
-          <a:ln>
-            <a:noFill/>
-          </a:ln>
-        </p:spPr>
-        <p:style>
-          <a:lnRef idx="2">
-            <a:schemeClr val="accent1">
-              <a:shade val="50000"/>
-            </a:schemeClr>
-          </a:lnRef>
-          <a:fillRef idx="1">
-            <a:schemeClr val="accent1"/>
-          </a:fillRef>
-          <a:effectRef idx="0">
-            <a:schemeClr val="accent1"/>
-          </a:effectRef>
-          <a:fontRef idx="minor">
-            <a:schemeClr val="lt1"/>
-          </a:fontRef>
-        </p:style>
-        <p:txBody>
-          <a:bodyPr rtlCol="0" anchor="ctr"/>
-          <a:lstStyle/>
-          <a:p>
-            <a:pPr algn="ctr"/>
-            <a:endParaRPr lang="en-GB"/>
-          </a:p>
-        </p:txBody>
-      </p:sp>
-      <p:sp>
-        <p:nvSpPr>
-          <p:cNvPr id="29" name="Rectangle 28">
-            <a:extLst>
-              <a:ext uri="{FF2B5EF4-FFF2-40B4-BE49-F238E27FC236}">
-                <a16:creationId xmlns:a16="http://schemas.microsoft.com/office/drawing/2014/main" id="{0DE425DD-5B67-4055-B01F-CD23BCBD4541}"/>
-              </a:ext>
-            </a:extLst>
-          </p:cNvPr>
-          <p:cNvSpPr/>
-          <p:nvPr/>
-        </p:nvSpPr>
-        <p:spPr>
-          <a:xfrm>
-            <a:off x="6713334" y="5727179"/>
-            <a:ext cx="218905" cy="176369"/>
-          </a:xfrm>
-          <a:prstGeom prst="rect">
-            <a:avLst/>
-          </a:prstGeom>
-          <a:solidFill>
-            <a:schemeClr val="accent4">
-              <a:alpha val="40000"/>
-            </a:schemeClr>
-          </a:solidFill>
-          <a:ln>
-            <a:noFill/>
-          </a:ln>
-        </p:spPr>
-        <p:style>
-          <a:lnRef idx="2">
-            <a:schemeClr val="accent1">
-              <a:shade val="50000"/>
-            </a:schemeClr>
-          </a:lnRef>
-          <a:fillRef idx="1">
-            <a:schemeClr val="accent1"/>
-          </a:fillRef>
-          <a:effectRef idx="0">
-            <a:schemeClr val="accent1"/>
-          </a:effectRef>
-          <a:fontRef idx="minor">
-            <a:schemeClr val="lt1"/>
-          </a:fontRef>
-        </p:style>
-        <p:txBody>
-          <a:bodyPr rtlCol="0" anchor="ctr"/>
-          <a:lstStyle/>
-          <a:p>
-            <a:pPr algn="ctr"/>
-            <a:endParaRPr lang="en-GB"/>
-          </a:p>
-        </p:txBody>
-      </p:sp>
-      <p:sp>
-        <p:nvSpPr>
-          <p:cNvPr id="30" name="Rectangle 29">
-            <a:extLst>
-              <a:ext uri="{FF2B5EF4-FFF2-40B4-BE49-F238E27FC236}">
-                <a16:creationId xmlns:a16="http://schemas.microsoft.com/office/drawing/2014/main" id="{ADFD49DF-CD02-42A0-AB9D-6BE9F93669D2}"/>
-              </a:ext>
-            </a:extLst>
-          </p:cNvPr>
-          <p:cNvSpPr/>
-          <p:nvPr/>
-        </p:nvSpPr>
-        <p:spPr>
-          <a:xfrm>
-            <a:off x="7023472" y="5538110"/>
-            <a:ext cx="218905" cy="176369"/>
-          </a:xfrm>
-          <a:prstGeom prst="rect">
-            <a:avLst/>
-          </a:prstGeom>
-          <a:solidFill>
-            <a:schemeClr val="accent4">
-              <a:alpha val="40000"/>
-            </a:schemeClr>
-          </a:solidFill>
-          <a:ln>
-            <a:noFill/>
-          </a:ln>
-        </p:spPr>
-        <p:style>
-          <a:lnRef idx="2">
-            <a:schemeClr val="accent1">
-              <a:shade val="50000"/>
-            </a:schemeClr>
-          </a:lnRef>
-          <a:fillRef idx="1">
-            <a:schemeClr val="accent1"/>
-          </a:fillRef>
-          <a:effectRef idx="0">
-            <a:schemeClr val="accent1"/>
-          </a:effectRef>
-          <a:fontRef idx="minor">
-            <a:schemeClr val="lt1"/>
-          </a:fontRef>
-        </p:style>
-        <p:txBody>
-          <a:bodyPr rtlCol="0" anchor="ctr"/>
-          <a:lstStyle/>
-          <a:p>
-            <a:pPr algn="ctr"/>
-            <a:endParaRPr lang="en-GB"/>
-          </a:p>
-        </p:txBody>
-      </p:sp>
-      <p:sp>
-        <p:nvSpPr>
-          <p:cNvPr id="31" name="Rectangle 30">
-            <a:extLst>
-              <a:ext uri="{FF2B5EF4-FFF2-40B4-BE49-F238E27FC236}">
-                <a16:creationId xmlns:a16="http://schemas.microsoft.com/office/drawing/2014/main" id="{D43785A6-75D2-4878-86EA-F806E47E136B}"/>
-              </a:ext>
-            </a:extLst>
-          </p:cNvPr>
-          <p:cNvSpPr/>
-          <p:nvPr/>
-        </p:nvSpPr>
-        <p:spPr>
-          <a:xfrm>
-            <a:off x="7483703" y="5727179"/>
-            <a:ext cx="218905" cy="176369"/>
-          </a:xfrm>
-          <a:prstGeom prst="rect">
-            <a:avLst/>
-          </a:prstGeom>
-          <a:solidFill>
-            <a:schemeClr val="accent4">
-              <a:alpha val="40000"/>
-            </a:schemeClr>
-          </a:solidFill>
-          <a:ln>
-            <a:noFill/>
-          </a:ln>
-        </p:spPr>
-        <p:style>
-          <a:lnRef idx="2">
-            <a:schemeClr val="accent1">
-              <a:shade val="50000"/>
-            </a:schemeClr>
-          </a:lnRef>
-          <a:fillRef idx="1">
-            <a:schemeClr val="accent1"/>
-          </a:fillRef>
-          <a:effectRef idx="0">
-            <a:schemeClr val="accent1"/>
-          </a:effectRef>
-          <a:fontRef idx="minor">
-            <a:schemeClr val="lt1"/>
-          </a:fontRef>
-        </p:style>
-        <p:txBody>
-          <a:bodyPr rtlCol="0" anchor="ctr"/>
-          <a:lstStyle/>
-          <a:p>
-            <a:pPr algn="ctr"/>
-            <a:endParaRPr lang="en-GB"/>
-          </a:p>
-        </p:txBody>
-      </p:sp>
-      <p:sp>
-        <p:nvSpPr>
-          <p:cNvPr id="32" name="Rectangle 31">
-            <a:extLst>
-              <a:ext uri="{FF2B5EF4-FFF2-40B4-BE49-F238E27FC236}">
-                <a16:creationId xmlns:a16="http://schemas.microsoft.com/office/drawing/2014/main" id="{1172607D-4261-4B4E-A185-93A6569C624D}"/>
-              </a:ext>
-            </a:extLst>
-          </p:cNvPr>
-          <p:cNvSpPr/>
-          <p:nvPr/>
-        </p:nvSpPr>
-        <p:spPr>
-          <a:xfrm>
-            <a:off x="7829720" y="5538109"/>
-            <a:ext cx="218905" cy="176369"/>
-          </a:xfrm>
-          <a:prstGeom prst="rect">
-            <a:avLst/>
-          </a:prstGeom>
-          <a:solidFill>
-            <a:schemeClr val="accent4">
-              <a:alpha val="40000"/>
-            </a:schemeClr>
-          </a:solidFill>
-          <a:ln>
-            <a:noFill/>
-          </a:ln>
-        </p:spPr>
-        <p:style>
-          <a:lnRef idx="2">
-            <a:schemeClr val="accent1">
-              <a:shade val="50000"/>
-            </a:schemeClr>
-          </a:lnRef>
-          <a:fillRef idx="1">
-            <a:schemeClr val="accent1"/>
-          </a:fillRef>
-          <a:effectRef idx="0">
-            <a:schemeClr val="accent1"/>
-          </a:effectRef>
-          <a:fontRef idx="minor">
-            <a:schemeClr val="lt1"/>
-          </a:fontRef>
-        </p:style>
-        <p:txBody>
-          <a:bodyPr rtlCol="0" anchor="ctr"/>
-          <a:lstStyle/>
-          <a:p>
-            <a:pPr algn="ctr"/>
-            <a:endParaRPr lang="en-GB"/>
-          </a:p>
-        </p:txBody>
-      </p:sp>
-      <p:pic>
-        <p:nvPicPr>
-          <p:cNvPr id="14" name="Picture 13">
-            <a:extLst>
-              <a:ext uri="{FF2B5EF4-FFF2-40B4-BE49-F238E27FC236}">
-                <a16:creationId xmlns:a16="http://schemas.microsoft.com/office/drawing/2014/main" id="{39389949-4F30-4A57-94CE-8FD75D806FB2}"/>
-              </a:ext>
-            </a:extLst>
-          </p:cNvPr>
-          <p:cNvPicPr>
-            <a:picLocks noChangeAspect="1"/>
-          </p:cNvPicPr>
-          <p:nvPr/>
-        </p:nvPicPr>
-        <p:blipFill>
-          <a:blip r:embed="rId9"/>
-          <a:stretch>
-            <a:fillRect/>
-          </a:stretch>
-        </p:blipFill>
-        <p:spPr>
-          <a:xfrm>
-            <a:off x="949040" y="6168977"/>
-            <a:ext cx="5268060" cy="685896"/>
-          </a:xfrm>
-          <a:prstGeom prst="rect">
-            <a:avLst/>
-          </a:prstGeom>
-        </p:spPr>
-      </p:pic>
     </p:spTree>
     <p:extLst>
       <p:ext uri="{BB962C8B-B14F-4D97-AF65-F5344CB8AC3E}">
@@ -10338,10 +10920,10 @@
       </p:grpSpPr>
       <p:sp>
         <p:nvSpPr>
-          <p:cNvPr id="4" name="Title 1">
-            <a:extLst>
-              <a:ext uri="{FF2B5EF4-FFF2-40B4-BE49-F238E27FC236}">
-                <a16:creationId xmlns:a16="http://schemas.microsoft.com/office/drawing/2014/main" id="{F9ED8BE6-F7AC-4FD8-8FA8-8C683A7C2F62}"/>
+          <p:cNvPr id="6" name="Title 1">
+            <a:extLst>
+              <a:ext uri="{FF2B5EF4-FFF2-40B4-BE49-F238E27FC236}">
+                <a16:creationId xmlns:a16="http://schemas.microsoft.com/office/drawing/2014/main" id="{438892A2-F58C-479B-93B3-BDD2A80D348B}"/>
               </a:ext>
             </a:extLst>
           </p:cNvPr>
@@ -10362,52 +10944,6 @@
           <a:bodyPr/>
           <a:lstStyle/>
           <a:p>
-            <a:r>
-              <a:rPr lang="en-GB" dirty="0">
-                <a:solidFill>
-                  <a:schemeClr val="bg1">
-                    <a:lumMod val="95000"/>
-                  </a:schemeClr>
-                </a:solidFill>
-                <a:latin typeface="Arial Nova Light" panose="020B0304020202020204" pitchFamily="34" charset="0"/>
-              </a:rPr>
-              <a:t>References</a:t>
-            </a:r>
-          </a:p>
-        </p:txBody>
-      </p:sp>
-      <p:sp>
-        <p:nvSpPr>
-          <p:cNvPr id="6" name="Content Placeholder 2">
-            <a:extLst>
-              <a:ext uri="{FF2B5EF4-FFF2-40B4-BE49-F238E27FC236}">
-                <a16:creationId xmlns:a16="http://schemas.microsoft.com/office/drawing/2014/main" id="{058630E6-31AF-4451-B084-C9809D0DA4E8}"/>
-              </a:ext>
-            </a:extLst>
-          </p:cNvPr>
-          <p:cNvSpPr>
-            <a:spLocks noGrp="1"/>
-          </p:cNvSpPr>
-          <p:nvPr>
-            <p:ph idx="1"/>
-          </p:nvPr>
-        </p:nvSpPr>
-        <p:spPr>
-          <a:xfrm>
-            <a:off x="949040" y="1825624"/>
-            <a:ext cx="11242960" cy="5032375"/>
-          </a:xfrm>
-        </p:spPr>
-        <p:txBody>
-          <a:bodyPr>
-            <a:normAutofit/>
-          </a:bodyPr>
-          <a:lstStyle/>
-          <a:p>
-            <a:pPr marL="514350" indent="-514350">
-              <a:buFont typeface="+mj-lt"/>
-              <a:buAutoNum type="arabicPeriod"/>
-            </a:pPr>
             <a:r>
               <a:rPr lang="en-GB" dirty="0" err="1">
                 <a:solidFill>
@@ -10417,7 +10953,7 @@
                 </a:solidFill>
                 <a:latin typeface="Arial Nova Light" panose="020B0304020202020204" pitchFamily="34" charset="0"/>
               </a:rPr>
-              <a:t>Leharne</a:t>
+              <a:t>Optimize.curve_fit</a:t>
             </a:r>
             <a:r>
               <a:rPr lang="en-GB" dirty="0">
@@ -10428,10 +10964,10 @@
                 </a:solidFill>
                 <a:latin typeface="Arial Nova Light" panose="020B0304020202020204" pitchFamily="34" charset="0"/>
               </a:rPr>
-              <a:t>, S. (2017). The physical chemistry of high-sensitivity differential scanning calorimetry of biopolymers. </a:t>
+              <a:t> </a:t>
             </a:r>
             <a:r>
-              <a:rPr lang="en-GB" dirty="0" err="1">
+              <a:rPr lang="en-GB" sz="2800" dirty="0">
                 <a:solidFill>
                   <a:schemeClr val="bg1">
                     <a:lumMod val="95000"/>
@@ -10439,10 +10975,10 @@
                 </a:solidFill>
                 <a:latin typeface="Arial Nova Light" panose="020B0304020202020204" pitchFamily="34" charset="0"/>
               </a:rPr>
-              <a:t>ChemTexts</a:t>
+              <a:t>(from </a:t>
             </a:r>
             <a:r>
-              <a:rPr lang="en-GB" dirty="0">
+              <a:rPr lang="en-GB" sz="2800" dirty="0" err="1">
                 <a:solidFill>
                   <a:schemeClr val="bg1">
                     <a:lumMod val="95000"/>
@@ -10450,15 +10986,64 @@
                 </a:solidFill>
                 <a:latin typeface="Arial Nova Light" panose="020B0304020202020204" pitchFamily="34" charset="0"/>
               </a:rPr>
-              <a:t>, 3(1), 1–12. https://doi.org/10.1007/s40828-016-0038-0</a:t>
+              <a:t>Scipy</a:t>
             </a:r>
-          </a:p>
-        </p:txBody>
-      </p:sp>
+            <a:r>
+              <a:rPr lang="en-GB" sz="2800" dirty="0">
+                <a:solidFill>
+                  <a:schemeClr val="bg1">
+                    <a:lumMod val="95000"/>
+                  </a:schemeClr>
+                </a:solidFill>
+                <a:latin typeface="Arial Nova Light" panose="020B0304020202020204" pitchFamily="34" charset="0"/>
+              </a:rPr>
+              <a:t> lib):</a:t>
+            </a:r>
+            <a:endParaRPr lang="en-GB" dirty="0">
+              <a:solidFill>
+                <a:schemeClr val="bg1">
+                  <a:lumMod val="95000"/>
+                </a:schemeClr>
+              </a:solidFill>
+              <a:latin typeface="Arial Nova Light" panose="020B0304020202020204" pitchFamily="34" charset="0"/>
+            </a:endParaRPr>
+          </a:p>
+        </p:txBody>
+      </p:sp>
+      <p:pic>
+        <p:nvPicPr>
+          <p:cNvPr id="13" name="Picture 12">
+            <a:extLst>
+              <a:ext uri="{FF2B5EF4-FFF2-40B4-BE49-F238E27FC236}">
+                <a16:creationId xmlns:a16="http://schemas.microsoft.com/office/drawing/2014/main" id="{882B30AB-A13B-42EB-A754-D07D1E421887}"/>
+              </a:ext>
+            </a:extLst>
+          </p:cNvPr>
+          <p:cNvPicPr>
+            <a:picLocks noChangeAspect="1"/>
+          </p:cNvPicPr>
+          <p:nvPr/>
+        </p:nvPicPr>
+        <p:blipFill>
+          <a:blip r:embed="rId2"/>
+          <a:stretch>
+            <a:fillRect/>
+          </a:stretch>
+        </p:blipFill>
+        <p:spPr>
+          <a:xfrm>
+            <a:off x="2523096" y="1690688"/>
+            <a:ext cx="8082434" cy="5164093"/>
+          </a:xfrm>
+          <a:prstGeom prst="rect">
+            <a:avLst/>
+          </a:prstGeom>
+        </p:spPr>
+      </p:pic>
     </p:spTree>
     <p:extLst>
       <p:ext uri="{BB962C8B-B14F-4D97-AF65-F5344CB8AC3E}">
-        <p14:creationId xmlns:p14="http://schemas.microsoft.com/office/powerpoint/2010/main" val="3604131991"/>
+        <p14:creationId xmlns:p14="http://schemas.microsoft.com/office/powerpoint/2010/main" val="1488881685"/>
       </p:ext>
     </p:extLst>
   </p:cSld>

--- a/2.2.ThermodynamicsOfMaterials/classActivity02/classActivity02.pptx
+++ b/2.2.ThermodynamicsOfMaterials/classActivity02/classActivity02.pptx
@@ -452,6 +452,92 @@
     </pc:docChg>
   </pc:docChgLst>
   <pc:docChgLst>
+    <pc:chgData name="Antonio Osamu Katagiri Tanaka" userId="2c28225e-d492-4964-8551-1b0a3c65dda0" providerId="ADAL" clId="{C59DF1F7-432E-4893-B28C-5D3B004F8374}"/>
+    <pc:docChg chg="undo redo custSel addSld delSld modSld sldOrd delSection modSection">
+      <pc:chgData name="Antonio Osamu Katagiri Tanaka" userId="2c28225e-d492-4964-8551-1b0a3c65dda0" providerId="ADAL" clId="{C59DF1F7-432E-4893-B28C-5D3B004F8374}" dt="2019-03-31T14:59:20.878" v="389" actId="20577"/>
+      <pc:docMkLst>
+        <pc:docMk/>
+      </pc:docMkLst>
+      <pc:sldChg chg="modSp">
+        <pc:chgData name="Antonio Osamu Katagiri Tanaka" userId="2c28225e-d492-4964-8551-1b0a3c65dda0" providerId="ADAL" clId="{C59DF1F7-432E-4893-B28C-5D3B004F8374}" dt="2019-03-30T15:24:08.167" v="64" actId="1440"/>
+        <pc:sldMkLst>
+          <pc:docMk/>
+          <pc:sldMk cId="4056039362" sldId="260"/>
+        </pc:sldMkLst>
+        <pc:picChg chg="mod">
+          <ac:chgData name="Antonio Osamu Katagiri Tanaka" userId="2c28225e-d492-4964-8551-1b0a3c65dda0" providerId="ADAL" clId="{C59DF1F7-432E-4893-B28C-5D3B004F8374}" dt="2019-03-30T15:24:08.167" v="64" actId="1440"/>
+          <ac:picMkLst>
+            <pc:docMk/>
+            <pc:sldMk cId="4056039362" sldId="260"/>
+            <ac:picMk id="13" creationId="{8578D0BD-CD2C-44B1-976E-1029D186D2DF}"/>
+          </ac:picMkLst>
+        </pc:picChg>
+      </pc:sldChg>
+      <pc:sldChg chg="ord">
+        <pc:chgData name="Antonio Osamu Katagiri Tanaka" userId="2c28225e-d492-4964-8551-1b0a3c65dda0" providerId="ADAL" clId="{C59DF1F7-432E-4893-B28C-5D3B004F8374}" dt="2019-03-30T14:49:00.456" v="1"/>
+        <pc:sldMkLst>
+          <pc:docMk/>
+          <pc:sldMk cId="3604131991" sldId="263"/>
+        </pc:sldMkLst>
+      </pc:sldChg>
+      <pc:sldChg chg="addSp delSp modSp add">
+        <pc:chgData name="Antonio Osamu Katagiri Tanaka" userId="2c28225e-d492-4964-8551-1b0a3c65dda0" providerId="ADAL" clId="{C59DF1F7-432E-4893-B28C-5D3B004F8374}" dt="2019-03-30T15:01:17.755" v="32"/>
+        <pc:sldMkLst>
+          <pc:docMk/>
+          <pc:sldMk cId="4246728971" sldId="269"/>
+        </pc:sldMkLst>
+        <pc:spChg chg="add del mod">
+          <ac:chgData name="Antonio Osamu Katagiri Tanaka" userId="2c28225e-d492-4964-8551-1b0a3c65dda0" providerId="ADAL" clId="{C59DF1F7-432E-4893-B28C-5D3B004F8374}" dt="2019-03-30T14:52:53.260" v="6" actId="478"/>
+          <ac:spMkLst>
+            <pc:docMk/>
+            <pc:sldMk cId="4246728971" sldId="269"/>
+            <ac:spMk id="3" creationId="{BFCEFFC5-7335-4486-8818-2B397870E222}"/>
+          </ac:spMkLst>
+        </pc:spChg>
+        <pc:spChg chg="del">
+          <ac:chgData name="Antonio Osamu Katagiri Tanaka" userId="2c28225e-d492-4964-8551-1b0a3c65dda0" providerId="ADAL" clId="{C59DF1F7-432E-4893-B28C-5D3B004F8374}" dt="2019-03-30T14:52:51.721" v="5" actId="478"/>
+          <ac:spMkLst>
+            <pc:docMk/>
+            <pc:sldMk cId="4246728971" sldId="269"/>
+            <ac:spMk id="4" creationId="{F9ED8BE6-F7AC-4FD8-8FA8-8C683A7C2F62}"/>
+          </ac:spMkLst>
+        </pc:spChg>
+        <pc:spChg chg="del">
+          <ac:chgData name="Antonio Osamu Katagiri Tanaka" userId="2c28225e-d492-4964-8551-1b0a3c65dda0" providerId="ADAL" clId="{C59DF1F7-432E-4893-B28C-5D3B004F8374}" dt="2019-03-30T14:52:55.923" v="7" actId="478"/>
+          <ac:spMkLst>
+            <pc:docMk/>
+            <pc:sldMk cId="4246728971" sldId="269"/>
+            <ac:spMk id="6" creationId="{058630E6-31AF-4451-B084-C9809D0DA4E8}"/>
+          </ac:spMkLst>
+        </pc:spChg>
+        <pc:spChg chg="add del mod">
+          <ac:chgData name="Antonio Osamu Katagiri Tanaka" userId="2c28225e-d492-4964-8551-1b0a3c65dda0" providerId="ADAL" clId="{C59DF1F7-432E-4893-B28C-5D3B004F8374}" dt="2019-03-30T14:52:58.396" v="8" actId="478"/>
+          <ac:spMkLst>
+            <pc:docMk/>
+            <pc:sldMk cId="4246728971" sldId="269"/>
+            <ac:spMk id="7" creationId="{EFB1FD18-9FB8-4EC8-A186-B4E23A6745CA}"/>
+          </ac:spMkLst>
+        </pc:spChg>
+        <pc:spChg chg="add mod">
+          <ac:chgData name="Antonio Osamu Katagiri Tanaka" userId="2c28225e-d492-4964-8551-1b0a3c65dda0" providerId="ADAL" clId="{C59DF1F7-432E-4893-B28C-5D3B004F8374}" dt="2019-03-30T14:57:55.916" v="28" actId="403"/>
+          <ac:spMkLst>
+            <pc:docMk/>
+            <pc:sldMk cId="4246728971" sldId="269"/>
+            <ac:spMk id="9" creationId="{907DD878-B76C-4FC5-9BC3-86C7C3DB3BDA}"/>
+          </ac:spMkLst>
+        </pc:spChg>
+        <pc:picChg chg="add mod">
+          <ac:chgData name="Antonio Osamu Katagiri Tanaka" userId="2c28225e-d492-4964-8551-1b0a3c65dda0" providerId="ADAL" clId="{C59DF1F7-432E-4893-B28C-5D3B004F8374}" dt="2019-03-30T15:01:17.755" v="32"/>
+          <ac:picMkLst>
+            <pc:docMk/>
+            <pc:sldMk cId="4246728971" sldId="269"/>
+            <ac:picMk id="1026" creationId="{62C86081-2859-45C8-BAE6-D2CC488FFFF6}"/>
+          </ac:picMkLst>
+        </pc:picChg>
+      </pc:sldChg>
+    </pc:docChg>
+  </pc:docChgLst>
+  <pc:docChgLst>
     <pc:chgData name="Antonio Osamu Katagiri Tanaka" userId="2c28225e-d492-4964-8551-1b0a3c65dda0" providerId="ADAL" clId="{E8966260-3096-4054-A5E0-0A91A10A6CF4}"/>
     <pc:docChg chg="custSel delSld modSld modSection">
       <pc:chgData name="Antonio Osamu Katagiri Tanaka" userId="2c28225e-d492-4964-8551-1b0a3c65dda0" providerId="ADAL" clId="{E8966260-3096-4054-A5E0-0A91A10A6CF4}" dt="2019-05-05T18:21:47.650" v="183" actId="1076"/>
@@ -705,92 +791,6 @@
           <pc:docMk/>
           <pc:sldMk cId="3680588873" sldId="280"/>
         </pc:sldMkLst>
-      </pc:sldChg>
-    </pc:docChg>
-  </pc:docChgLst>
-  <pc:docChgLst>
-    <pc:chgData name="Antonio Osamu Katagiri Tanaka" userId="2c28225e-d492-4964-8551-1b0a3c65dda0" providerId="ADAL" clId="{C59DF1F7-432E-4893-B28C-5D3B004F8374}"/>
-    <pc:docChg chg="undo redo custSel addSld delSld modSld sldOrd delSection modSection">
-      <pc:chgData name="Antonio Osamu Katagiri Tanaka" userId="2c28225e-d492-4964-8551-1b0a3c65dda0" providerId="ADAL" clId="{C59DF1F7-432E-4893-B28C-5D3B004F8374}" dt="2019-03-31T14:59:20.878" v="389" actId="20577"/>
-      <pc:docMkLst>
-        <pc:docMk/>
-      </pc:docMkLst>
-      <pc:sldChg chg="modSp">
-        <pc:chgData name="Antonio Osamu Katagiri Tanaka" userId="2c28225e-d492-4964-8551-1b0a3c65dda0" providerId="ADAL" clId="{C59DF1F7-432E-4893-B28C-5D3B004F8374}" dt="2019-03-30T15:24:08.167" v="64" actId="1440"/>
-        <pc:sldMkLst>
-          <pc:docMk/>
-          <pc:sldMk cId="4056039362" sldId="260"/>
-        </pc:sldMkLst>
-        <pc:picChg chg="mod">
-          <ac:chgData name="Antonio Osamu Katagiri Tanaka" userId="2c28225e-d492-4964-8551-1b0a3c65dda0" providerId="ADAL" clId="{C59DF1F7-432E-4893-B28C-5D3B004F8374}" dt="2019-03-30T15:24:08.167" v="64" actId="1440"/>
-          <ac:picMkLst>
-            <pc:docMk/>
-            <pc:sldMk cId="4056039362" sldId="260"/>
-            <ac:picMk id="13" creationId="{8578D0BD-CD2C-44B1-976E-1029D186D2DF}"/>
-          </ac:picMkLst>
-        </pc:picChg>
-      </pc:sldChg>
-      <pc:sldChg chg="ord">
-        <pc:chgData name="Antonio Osamu Katagiri Tanaka" userId="2c28225e-d492-4964-8551-1b0a3c65dda0" providerId="ADAL" clId="{C59DF1F7-432E-4893-B28C-5D3B004F8374}" dt="2019-03-30T14:49:00.456" v="1"/>
-        <pc:sldMkLst>
-          <pc:docMk/>
-          <pc:sldMk cId="3604131991" sldId="263"/>
-        </pc:sldMkLst>
-      </pc:sldChg>
-      <pc:sldChg chg="addSp delSp modSp add">
-        <pc:chgData name="Antonio Osamu Katagiri Tanaka" userId="2c28225e-d492-4964-8551-1b0a3c65dda0" providerId="ADAL" clId="{C59DF1F7-432E-4893-B28C-5D3B004F8374}" dt="2019-03-30T15:01:17.755" v="32"/>
-        <pc:sldMkLst>
-          <pc:docMk/>
-          <pc:sldMk cId="4246728971" sldId="269"/>
-        </pc:sldMkLst>
-        <pc:spChg chg="add del mod">
-          <ac:chgData name="Antonio Osamu Katagiri Tanaka" userId="2c28225e-d492-4964-8551-1b0a3c65dda0" providerId="ADAL" clId="{C59DF1F7-432E-4893-B28C-5D3B004F8374}" dt="2019-03-30T14:52:53.260" v="6" actId="478"/>
-          <ac:spMkLst>
-            <pc:docMk/>
-            <pc:sldMk cId="4246728971" sldId="269"/>
-            <ac:spMk id="3" creationId="{BFCEFFC5-7335-4486-8818-2B397870E222}"/>
-          </ac:spMkLst>
-        </pc:spChg>
-        <pc:spChg chg="del">
-          <ac:chgData name="Antonio Osamu Katagiri Tanaka" userId="2c28225e-d492-4964-8551-1b0a3c65dda0" providerId="ADAL" clId="{C59DF1F7-432E-4893-B28C-5D3B004F8374}" dt="2019-03-30T14:52:51.721" v="5" actId="478"/>
-          <ac:spMkLst>
-            <pc:docMk/>
-            <pc:sldMk cId="4246728971" sldId="269"/>
-            <ac:spMk id="4" creationId="{F9ED8BE6-F7AC-4FD8-8FA8-8C683A7C2F62}"/>
-          </ac:spMkLst>
-        </pc:spChg>
-        <pc:spChg chg="del">
-          <ac:chgData name="Antonio Osamu Katagiri Tanaka" userId="2c28225e-d492-4964-8551-1b0a3c65dda0" providerId="ADAL" clId="{C59DF1F7-432E-4893-B28C-5D3B004F8374}" dt="2019-03-30T14:52:55.923" v="7" actId="478"/>
-          <ac:spMkLst>
-            <pc:docMk/>
-            <pc:sldMk cId="4246728971" sldId="269"/>
-            <ac:spMk id="6" creationId="{058630E6-31AF-4451-B084-C9809D0DA4E8}"/>
-          </ac:spMkLst>
-        </pc:spChg>
-        <pc:spChg chg="add del mod">
-          <ac:chgData name="Antonio Osamu Katagiri Tanaka" userId="2c28225e-d492-4964-8551-1b0a3c65dda0" providerId="ADAL" clId="{C59DF1F7-432E-4893-B28C-5D3B004F8374}" dt="2019-03-30T14:52:58.396" v="8" actId="478"/>
-          <ac:spMkLst>
-            <pc:docMk/>
-            <pc:sldMk cId="4246728971" sldId="269"/>
-            <ac:spMk id="7" creationId="{EFB1FD18-9FB8-4EC8-A186-B4E23A6745CA}"/>
-          </ac:spMkLst>
-        </pc:spChg>
-        <pc:spChg chg="add mod">
-          <ac:chgData name="Antonio Osamu Katagiri Tanaka" userId="2c28225e-d492-4964-8551-1b0a3c65dda0" providerId="ADAL" clId="{C59DF1F7-432E-4893-B28C-5D3B004F8374}" dt="2019-03-30T14:57:55.916" v="28" actId="403"/>
-          <ac:spMkLst>
-            <pc:docMk/>
-            <pc:sldMk cId="4246728971" sldId="269"/>
-            <ac:spMk id="9" creationId="{907DD878-B76C-4FC5-9BC3-86C7C3DB3BDA}"/>
-          </ac:spMkLst>
-        </pc:spChg>
-        <pc:picChg chg="add mod">
-          <ac:chgData name="Antonio Osamu Katagiri Tanaka" userId="2c28225e-d492-4964-8551-1b0a3c65dda0" providerId="ADAL" clId="{C59DF1F7-432E-4893-B28C-5D3B004F8374}" dt="2019-03-30T15:01:17.755" v="32"/>
-          <ac:picMkLst>
-            <pc:docMk/>
-            <pc:sldMk cId="4246728971" sldId="269"/>
-            <ac:picMk id="1026" creationId="{62C86081-2859-45C8-BAE6-D2CC488FFFF6}"/>
-          </ac:picMkLst>
-        </pc:picChg>
       </pc:sldChg>
     </pc:docChg>
   </pc:docChgLst>
@@ -4798,29 +4798,7 @@
                 </a:solidFill>
                 <a:latin typeface="Arial Nova Light" panose="020B0604020202020204" pitchFamily="34" charset="0"/>
               </a:rPr>
-              <a:t>Jose Ivan Aviles </a:t>
-            </a:r>
-            <a:r>
-              <a:rPr lang="en-GB" sz="2000">
-                <a:solidFill>
-                  <a:schemeClr val="bg1">
-                    <a:lumMod val="95000"/>
-                  </a:schemeClr>
-                </a:solidFill>
-                <a:latin typeface="Arial Nova Light" panose="020B0604020202020204" pitchFamily="34" charset="0"/>
-              </a:rPr>
-              <a:t>Castrillo A01749804@</a:t>
-            </a:r>
-            <a:r>
-              <a:rPr lang="en-GB" sz="2000" dirty="0">
-                <a:solidFill>
-                  <a:schemeClr val="bg1">
-                    <a:lumMod val="95000"/>
-                  </a:schemeClr>
-                </a:solidFill>
-                <a:latin typeface="Arial Nova Light" panose="020B0604020202020204" pitchFamily="34" charset="0"/>
-              </a:rPr>
-              <a:t>itesm.mx</a:t>
+              <a:t>Jose Ivan Aviles Castrillo A01749804@itesm.mx</a:t>
             </a:r>
           </a:p>
           <a:p>
@@ -5955,7 +5933,7 @@
           <p:nvPr>
             <p:extLst>
               <p:ext uri="{D42A27DB-BD31-4B8C-83A1-F6EECF244321}">
-                <p14:modId xmlns:p14="http://schemas.microsoft.com/office/powerpoint/2010/main" val="422332022"/>
+                <p14:modId xmlns:p14="http://schemas.microsoft.com/office/powerpoint/2010/main" val="4208705860"/>
               </p:ext>
             </p:extLst>
           </p:nvPr>
@@ -5968,7 +5946,7 @@
           <a:graphicData uri="http://schemas.openxmlformats.org/presentationml/2006/ole">
             <mc:AlternateContent xmlns:mc="http://schemas.openxmlformats.org/markup-compatibility/2006">
               <mc:Choice xmlns:v="urn:schemas-microsoft-com:vml" Requires="v">
-                <p:oleObj spid="_x0000_s4126" name="Packager Shell Object" showAsIcon="1" r:id="rId9" imgW="593280" imgH="349200" progId="Package">
+                <p:oleObj spid="_x0000_s4128" name="Packager Shell Object" showAsIcon="1" r:id="rId9" imgW="593280" imgH="349200" progId="Package">
                   <p:embed/>
                 </p:oleObj>
               </mc:Choice>
@@ -8045,7 +8023,7 @@
           <p:nvPr>
             <p:extLst>
               <p:ext uri="{D42A27DB-BD31-4B8C-83A1-F6EECF244321}">
-                <p14:modId xmlns:p14="http://schemas.microsoft.com/office/powerpoint/2010/main" val="218885651"/>
+                <p14:modId xmlns:p14="http://schemas.microsoft.com/office/powerpoint/2010/main" val="32679142"/>
               </p:ext>
             </p:extLst>
           </p:nvPr>
@@ -8058,7 +8036,7 @@
           <a:graphicData uri="http://schemas.openxmlformats.org/presentationml/2006/ole">
             <mc:AlternateContent xmlns:mc="http://schemas.openxmlformats.org/markup-compatibility/2006">
               <mc:Choice xmlns:v="urn:schemas-microsoft-com:vml" Requires="v">
-                <p:oleObj spid="_x0000_s5148" name="Packager Shell Object" showAsIcon="1" r:id="rId8" imgW="683640" imgH="349200" progId="Package">
+                <p:oleObj spid="_x0000_s5150" name="Packager Shell Object" showAsIcon="1" r:id="rId8" imgW="683640" imgH="349200" progId="Package">
                   <p:embed/>
                 </p:oleObj>
               </mc:Choice>
@@ -9681,7 +9659,7 @@
           <a:graphicData uri="http://schemas.openxmlformats.org/presentationml/2006/ole">
             <mc:AlternateContent xmlns:mc="http://schemas.openxmlformats.org/markup-compatibility/2006">
               <mc:Choice xmlns:v="urn:schemas-microsoft-com:vml" Requires="v">
-                <p:oleObj spid="_x0000_s6170" name="Packager Shell Object" showAsIcon="1" r:id="rId7" imgW="548280" imgH="349200" progId="Package">
+                <p:oleObj spid="_x0000_s6172" name="Packager Shell Object" showAsIcon="1" r:id="rId7" imgW="548280" imgH="349200" progId="Package">
                   <p:embed/>
                 </p:oleObj>
               </mc:Choice>
